--- a/docs/PPT/JVM.pptx
+++ b/docs/PPT/JVM.pptx
@@ -5,22 +5,22 @@
     <p:sldMasterId id="2147483648" r:id="rId1"/>
   </p:sldMasterIdLst>
   <p:sldIdLst>
-    <p:sldId id="263" r:id="rId3"/>
-    <p:sldId id="262" r:id="rId4"/>
-    <p:sldId id="264" r:id="rId5"/>
-    <p:sldId id="266" r:id="rId6"/>
-    <p:sldId id="267" r:id="rId7"/>
-    <p:sldId id="268" r:id="rId8"/>
-    <p:sldId id="269" r:id="rId9"/>
-    <p:sldId id="270" r:id="rId10"/>
-    <p:sldId id="271" r:id="rId11"/>
-    <p:sldId id="273" r:id="rId12"/>
-    <p:sldId id="274" r:id="rId13"/>
-    <p:sldId id="278" r:id="rId14"/>
-    <p:sldId id="275" r:id="rId15"/>
-    <p:sldId id="282" r:id="rId16"/>
-    <p:sldId id="276" r:id="rId17"/>
-    <p:sldId id="277" r:id="rId18"/>
+    <p:sldId id="263" r:id="rId2"/>
+    <p:sldId id="262" r:id="rId3"/>
+    <p:sldId id="264" r:id="rId4"/>
+    <p:sldId id="266" r:id="rId5"/>
+    <p:sldId id="267" r:id="rId6"/>
+    <p:sldId id="268" r:id="rId7"/>
+    <p:sldId id="269" r:id="rId8"/>
+    <p:sldId id="270" r:id="rId9"/>
+    <p:sldId id="271" r:id="rId10"/>
+    <p:sldId id="273" r:id="rId11"/>
+    <p:sldId id="274" r:id="rId12"/>
+    <p:sldId id="278" r:id="rId13"/>
+    <p:sldId id="275" r:id="rId14"/>
+    <p:sldId id="282" r:id="rId15"/>
+    <p:sldId id="276" r:id="rId16"/>
+    <p:sldId id="277" r:id="rId17"/>
   </p:sldIdLst>
   <p:sldSz cx="12192000" cy="6858000"/>
   <p:notesSz cx="6858000" cy="9144000"/>
@@ -253,6 +253,7 @@
           <a:p>
             <a:fld id="{D997B5FA-0921-464F-AAE1-844C04324D75}" type="datetimeFigureOut">
               <a:rPr lang="zh-CN" altLang="en-US" smtClean="0"/>
+              <a:t>2020/5/27</a:t>
             </a:fld>
             <a:endParaRPr lang="zh-CN" altLang="en-US"/>
           </a:p>
@@ -294,6 +295,7 @@
           <a:p>
             <a:fld id="{565CE74E-AB26-4998-AD42-012C4C1AD076}" type="slidenum">
               <a:rPr lang="zh-CN" altLang="en-US" smtClean="0"/>
+              <a:t>‹#›</a:t>
             </a:fld>
             <a:endParaRPr lang="zh-CN" altLang="en-US"/>
           </a:p>
@@ -367,7 +369,6 @@
               <a:rPr lang="zh-CN" altLang="en-US" smtClean="0"/>
               <a:t>单击此处编辑母版文本样式</a:t>
             </a:r>
-            <a:endParaRPr lang="zh-CN" altLang="en-US" smtClean="0"/>
           </a:p>
           <a:p>
             <a:pPr lvl="1"/>
@@ -375,7 +376,6 @@
               <a:rPr lang="zh-CN" altLang="en-US" smtClean="0"/>
               <a:t>第二级</a:t>
             </a:r>
-            <a:endParaRPr lang="zh-CN" altLang="en-US" smtClean="0"/>
           </a:p>
           <a:p>
             <a:pPr lvl="2"/>
@@ -383,7 +383,6 @@
               <a:rPr lang="zh-CN" altLang="en-US" smtClean="0"/>
               <a:t>第三级</a:t>
             </a:r>
-            <a:endParaRPr lang="zh-CN" altLang="en-US" smtClean="0"/>
           </a:p>
           <a:p>
             <a:pPr lvl="3"/>
@@ -391,7 +390,6 @@
               <a:rPr lang="zh-CN" altLang="en-US" smtClean="0"/>
               <a:t>第四级</a:t>
             </a:r>
-            <a:endParaRPr lang="zh-CN" altLang="en-US" smtClean="0"/>
           </a:p>
           <a:p>
             <a:pPr lvl="4"/>
@@ -420,6 +418,7 @@
           <a:p>
             <a:fld id="{D997B5FA-0921-464F-AAE1-844C04324D75}" type="datetimeFigureOut">
               <a:rPr lang="zh-CN" altLang="en-US" smtClean="0"/>
+              <a:t>2020/5/27</a:t>
             </a:fld>
             <a:endParaRPr lang="zh-CN" altLang="en-US"/>
           </a:p>
@@ -461,6 +460,7 @@
           <a:p>
             <a:fld id="{565CE74E-AB26-4998-AD42-012C4C1AD076}" type="slidenum">
               <a:rPr lang="zh-CN" altLang="en-US" smtClean="0"/>
+              <a:t>‹#›</a:t>
             </a:fld>
             <a:endParaRPr lang="zh-CN" altLang="en-US"/>
           </a:p>
@@ -544,7 +544,6 @@
               <a:rPr lang="zh-CN" altLang="en-US" smtClean="0"/>
               <a:t>单击此处编辑母版文本样式</a:t>
             </a:r>
-            <a:endParaRPr lang="zh-CN" altLang="en-US" smtClean="0"/>
           </a:p>
           <a:p>
             <a:pPr lvl="1"/>
@@ -552,7 +551,6 @@
               <a:rPr lang="zh-CN" altLang="en-US" smtClean="0"/>
               <a:t>第二级</a:t>
             </a:r>
-            <a:endParaRPr lang="zh-CN" altLang="en-US" smtClean="0"/>
           </a:p>
           <a:p>
             <a:pPr lvl="2"/>
@@ -560,7 +558,6 @@
               <a:rPr lang="zh-CN" altLang="en-US" smtClean="0"/>
               <a:t>第三级</a:t>
             </a:r>
-            <a:endParaRPr lang="zh-CN" altLang="en-US" smtClean="0"/>
           </a:p>
           <a:p>
             <a:pPr lvl="3"/>
@@ -568,7 +565,6 @@
               <a:rPr lang="zh-CN" altLang="en-US" smtClean="0"/>
               <a:t>第四级</a:t>
             </a:r>
-            <a:endParaRPr lang="zh-CN" altLang="en-US" smtClean="0"/>
           </a:p>
           <a:p>
             <a:pPr lvl="4"/>
@@ -597,6 +593,7 @@
           <a:p>
             <a:fld id="{D997B5FA-0921-464F-AAE1-844C04324D75}" type="datetimeFigureOut">
               <a:rPr lang="zh-CN" altLang="en-US" smtClean="0"/>
+              <a:t>2020/5/27</a:t>
             </a:fld>
             <a:endParaRPr lang="zh-CN" altLang="en-US"/>
           </a:p>
@@ -638,6 +635,7 @@
           <a:p>
             <a:fld id="{565CE74E-AB26-4998-AD42-012C4C1AD076}" type="slidenum">
               <a:rPr lang="zh-CN" altLang="en-US" smtClean="0"/>
+              <a:t>‹#›</a:t>
             </a:fld>
             <a:endParaRPr lang="zh-CN" altLang="en-US"/>
           </a:p>
@@ -711,7 +709,6 @@
               <a:rPr lang="zh-CN" altLang="en-US" smtClean="0"/>
               <a:t>单击此处编辑母版文本样式</a:t>
             </a:r>
-            <a:endParaRPr lang="zh-CN" altLang="en-US" smtClean="0"/>
           </a:p>
           <a:p>
             <a:pPr lvl="1"/>
@@ -719,7 +716,6 @@
               <a:rPr lang="zh-CN" altLang="en-US" smtClean="0"/>
               <a:t>第二级</a:t>
             </a:r>
-            <a:endParaRPr lang="zh-CN" altLang="en-US" smtClean="0"/>
           </a:p>
           <a:p>
             <a:pPr lvl="2"/>
@@ -727,7 +723,6 @@
               <a:rPr lang="zh-CN" altLang="en-US" smtClean="0"/>
               <a:t>第三级</a:t>
             </a:r>
-            <a:endParaRPr lang="zh-CN" altLang="en-US" smtClean="0"/>
           </a:p>
           <a:p>
             <a:pPr lvl="3"/>
@@ -735,7 +730,6 @@
               <a:rPr lang="zh-CN" altLang="en-US" smtClean="0"/>
               <a:t>第四级</a:t>
             </a:r>
-            <a:endParaRPr lang="zh-CN" altLang="en-US" smtClean="0"/>
           </a:p>
           <a:p>
             <a:pPr lvl="4"/>
@@ -764,6 +758,7 @@
           <a:p>
             <a:fld id="{D997B5FA-0921-464F-AAE1-844C04324D75}" type="datetimeFigureOut">
               <a:rPr lang="zh-CN" altLang="en-US" smtClean="0"/>
+              <a:t>2020/5/27</a:t>
             </a:fld>
             <a:endParaRPr lang="zh-CN" altLang="en-US"/>
           </a:p>
@@ -805,6 +800,7 @@
           <a:p>
             <a:fld id="{565CE74E-AB26-4998-AD42-012C4C1AD076}" type="slidenum">
               <a:rPr lang="zh-CN" altLang="en-US" smtClean="0"/>
+              <a:t>‹#›</a:t>
             </a:fld>
             <a:endParaRPr lang="zh-CN" altLang="en-US"/>
           </a:p>
@@ -983,7 +979,6 @@
               <a:rPr lang="zh-CN" altLang="en-US" smtClean="0"/>
               <a:t>单击此处编辑母版文本样式</a:t>
             </a:r>
-            <a:endParaRPr lang="zh-CN" altLang="en-US" smtClean="0"/>
           </a:p>
         </p:txBody>
       </p:sp>
@@ -1004,6 +999,7 @@
           <a:p>
             <a:fld id="{D997B5FA-0921-464F-AAE1-844C04324D75}" type="datetimeFigureOut">
               <a:rPr lang="zh-CN" altLang="en-US" smtClean="0"/>
+              <a:t>2020/5/27</a:t>
             </a:fld>
             <a:endParaRPr lang="zh-CN" altLang="en-US"/>
           </a:p>
@@ -1045,6 +1041,7 @@
           <a:p>
             <a:fld id="{565CE74E-AB26-4998-AD42-012C4C1AD076}" type="slidenum">
               <a:rPr lang="zh-CN" altLang="en-US" smtClean="0"/>
+              <a:t>‹#›</a:t>
             </a:fld>
             <a:endParaRPr lang="zh-CN" altLang="en-US"/>
           </a:p>
@@ -1123,7 +1120,6 @@
               <a:rPr lang="zh-CN" altLang="en-US" smtClean="0"/>
               <a:t>单击此处编辑母版文本样式</a:t>
             </a:r>
-            <a:endParaRPr lang="zh-CN" altLang="en-US" smtClean="0"/>
           </a:p>
           <a:p>
             <a:pPr lvl="1"/>
@@ -1131,7 +1127,6 @@
               <a:rPr lang="zh-CN" altLang="en-US" smtClean="0"/>
               <a:t>第二级</a:t>
             </a:r>
-            <a:endParaRPr lang="zh-CN" altLang="en-US" smtClean="0"/>
           </a:p>
           <a:p>
             <a:pPr lvl="2"/>
@@ -1139,7 +1134,6 @@
               <a:rPr lang="zh-CN" altLang="en-US" smtClean="0"/>
               <a:t>第三级</a:t>
             </a:r>
-            <a:endParaRPr lang="zh-CN" altLang="en-US" smtClean="0"/>
           </a:p>
           <a:p>
             <a:pPr lvl="3"/>
@@ -1147,7 +1141,6 @@
               <a:rPr lang="zh-CN" altLang="en-US" smtClean="0"/>
               <a:t>第四级</a:t>
             </a:r>
-            <a:endParaRPr lang="zh-CN" altLang="en-US" smtClean="0"/>
           </a:p>
           <a:p>
             <a:pPr lvl="4"/>
@@ -1184,7 +1177,6 @@
               <a:rPr lang="zh-CN" altLang="en-US" smtClean="0"/>
               <a:t>单击此处编辑母版文本样式</a:t>
             </a:r>
-            <a:endParaRPr lang="zh-CN" altLang="en-US" smtClean="0"/>
           </a:p>
           <a:p>
             <a:pPr lvl="1"/>
@@ -1192,7 +1184,6 @@
               <a:rPr lang="zh-CN" altLang="en-US" smtClean="0"/>
               <a:t>第二级</a:t>
             </a:r>
-            <a:endParaRPr lang="zh-CN" altLang="en-US" smtClean="0"/>
           </a:p>
           <a:p>
             <a:pPr lvl="2"/>
@@ -1200,7 +1191,6 @@
               <a:rPr lang="zh-CN" altLang="en-US" smtClean="0"/>
               <a:t>第三级</a:t>
             </a:r>
-            <a:endParaRPr lang="zh-CN" altLang="en-US" smtClean="0"/>
           </a:p>
           <a:p>
             <a:pPr lvl="3"/>
@@ -1208,7 +1198,6 @@
               <a:rPr lang="zh-CN" altLang="en-US" smtClean="0"/>
               <a:t>第四级</a:t>
             </a:r>
-            <a:endParaRPr lang="zh-CN" altLang="en-US" smtClean="0"/>
           </a:p>
           <a:p>
             <a:pPr lvl="4"/>
@@ -1237,6 +1226,7 @@
           <a:p>
             <a:fld id="{D997B5FA-0921-464F-AAE1-844C04324D75}" type="datetimeFigureOut">
               <a:rPr lang="zh-CN" altLang="en-US" smtClean="0"/>
+              <a:t>2020/5/27</a:t>
             </a:fld>
             <a:endParaRPr lang="zh-CN" altLang="en-US"/>
           </a:p>
@@ -1278,6 +1268,7 @@
           <a:p>
             <a:fld id="{565CE74E-AB26-4998-AD42-012C4C1AD076}" type="slidenum">
               <a:rPr lang="zh-CN" altLang="en-US" smtClean="0"/>
+              <a:t>‹#›</a:t>
             </a:fld>
             <a:endParaRPr lang="zh-CN" altLang="en-US"/>
           </a:p>
@@ -1398,7 +1389,6 @@
               <a:rPr lang="zh-CN" altLang="en-US" smtClean="0"/>
               <a:t>单击此处编辑母版文本样式</a:t>
             </a:r>
-            <a:endParaRPr lang="zh-CN" altLang="en-US" smtClean="0"/>
           </a:p>
         </p:txBody>
       </p:sp>
@@ -1427,7 +1417,6 @@
               <a:rPr lang="zh-CN" altLang="en-US" smtClean="0"/>
               <a:t>单击此处编辑母版文本样式</a:t>
             </a:r>
-            <a:endParaRPr lang="zh-CN" altLang="en-US" smtClean="0"/>
           </a:p>
           <a:p>
             <a:pPr lvl="1"/>
@@ -1435,7 +1424,6 @@
               <a:rPr lang="zh-CN" altLang="en-US" smtClean="0"/>
               <a:t>第二级</a:t>
             </a:r>
-            <a:endParaRPr lang="zh-CN" altLang="en-US" smtClean="0"/>
           </a:p>
           <a:p>
             <a:pPr lvl="2"/>
@@ -1443,7 +1431,6 @@
               <a:rPr lang="zh-CN" altLang="en-US" smtClean="0"/>
               <a:t>第三级</a:t>
             </a:r>
-            <a:endParaRPr lang="zh-CN" altLang="en-US" smtClean="0"/>
           </a:p>
           <a:p>
             <a:pPr lvl="3"/>
@@ -1451,7 +1438,6 @@
               <a:rPr lang="zh-CN" altLang="en-US" smtClean="0"/>
               <a:t>第四级</a:t>
             </a:r>
-            <a:endParaRPr lang="zh-CN" altLang="en-US" smtClean="0"/>
           </a:p>
           <a:p>
             <a:pPr lvl="4"/>
@@ -1525,7 +1511,6 @@
               <a:rPr lang="zh-CN" altLang="en-US" smtClean="0"/>
               <a:t>单击此处编辑母版文本样式</a:t>
             </a:r>
-            <a:endParaRPr lang="zh-CN" altLang="en-US" smtClean="0"/>
           </a:p>
         </p:txBody>
       </p:sp>
@@ -1554,7 +1539,6 @@
               <a:rPr lang="zh-CN" altLang="en-US" smtClean="0"/>
               <a:t>单击此处编辑母版文本样式</a:t>
             </a:r>
-            <a:endParaRPr lang="zh-CN" altLang="en-US" smtClean="0"/>
           </a:p>
           <a:p>
             <a:pPr lvl="1"/>
@@ -1562,7 +1546,6 @@
               <a:rPr lang="zh-CN" altLang="en-US" smtClean="0"/>
               <a:t>第二级</a:t>
             </a:r>
-            <a:endParaRPr lang="zh-CN" altLang="en-US" smtClean="0"/>
           </a:p>
           <a:p>
             <a:pPr lvl="2"/>
@@ -1570,7 +1553,6 @@
               <a:rPr lang="zh-CN" altLang="en-US" smtClean="0"/>
               <a:t>第三级</a:t>
             </a:r>
-            <a:endParaRPr lang="zh-CN" altLang="en-US" smtClean="0"/>
           </a:p>
           <a:p>
             <a:pPr lvl="3"/>
@@ -1578,7 +1560,6 @@
               <a:rPr lang="zh-CN" altLang="en-US" smtClean="0"/>
               <a:t>第四级</a:t>
             </a:r>
-            <a:endParaRPr lang="zh-CN" altLang="en-US" smtClean="0"/>
           </a:p>
           <a:p>
             <a:pPr lvl="4"/>
@@ -1607,6 +1588,7 @@
           <a:p>
             <a:fld id="{D997B5FA-0921-464F-AAE1-844C04324D75}" type="datetimeFigureOut">
               <a:rPr lang="zh-CN" altLang="en-US" smtClean="0"/>
+              <a:t>2020/5/27</a:t>
             </a:fld>
             <a:endParaRPr lang="zh-CN" altLang="en-US"/>
           </a:p>
@@ -1648,6 +1630,7 @@
           <a:p>
             <a:fld id="{565CE74E-AB26-4998-AD42-012C4C1AD076}" type="slidenum">
               <a:rPr lang="zh-CN" altLang="en-US" smtClean="0"/>
+              <a:t>‹#›</a:t>
             </a:fld>
             <a:endParaRPr lang="zh-CN" altLang="en-US"/>
           </a:p>
@@ -1718,6 +1701,7 @@
           <a:p>
             <a:fld id="{D997B5FA-0921-464F-AAE1-844C04324D75}" type="datetimeFigureOut">
               <a:rPr lang="zh-CN" altLang="en-US" smtClean="0"/>
+              <a:t>2020/5/27</a:t>
             </a:fld>
             <a:endParaRPr lang="zh-CN" altLang="en-US"/>
           </a:p>
@@ -1759,6 +1743,7 @@
           <a:p>
             <a:fld id="{565CE74E-AB26-4998-AD42-012C4C1AD076}" type="slidenum">
               <a:rPr lang="zh-CN" altLang="en-US" smtClean="0"/>
+              <a:t>‹#›</a:t>
             </a:fld>
             <a:endParaRPr lang="zh-CN" altLang="en-US"/>
           </a:p>
@@ -1806,6 +1791,7 @@
           <a:p>
             <a:fld id="{D997B5FA-0921-464F-AAE1-844C04324D75}" type="datetimeFigureOut">
               <a:rPr lang="zh-CN" altLang="en-US" smtClean="0"/>
+              <a:t>2020/5/27</a:t>
             </a:fld>
             <a:endParaRPr lang="zh-CN" altLang="en-US"/>
           </a:p>
@@ -1847,6 +1833,7 @@
           <a:p>
             <a:fld id="{565CE74E-AB26-4998-AD42-012C4C1AD076}" type="slidenum">
               <a:rPr lang="zh-CN" altLang="en-US" smtClean="0"/>
+              <a:t>‹#›</a:t>
             </a:fld>
             <a:endParaRPr lang="zh-CN" altLang="en-US"/>
           </a:p>
@@ -1962,7 +1949,6 @@
               <a:rPr lang="zh-CN" altLang="en-US" smtClean="0"/>
               <a:t>单击此处编辑母版文本样式</a:t>
             </a:r>
-            <a:endParaRPr lang="zh-CN" altLang="en-US" smtClean="0"/>
           </a:p>
           <a:p>
             <a:pPr lvl="1"/>
@@ -1970,7 +1956,6 @@
               <a:rPr lang="zh-CN" altLang="en-US" smtClean="0"/>
               <a:t>第二级</a:t>
             </a:r>
-            <a:endParaRPr lang="zh-CN" altLang="en-US" smtClean="0"/>
           </a:p>
           <a:p>
             <a:pPr lvl="2"/>
@@ -1978,7 +1963,6 @@
               <a:rPr lang="zh-CN" altLang="en-US" smtClean="0"/>
               <a:t>第三级</a:t>
             </a:r>
-            <a:endParaRPr lang="zh-CN" altLang="en-US" smtClean="0"/>
           </a:p>
           <a:p>
             <a:pPr lvl="3"/>
@@ -1986,7 +1970,6 @@
               <a:rPr lang="zh-CN" altLang="en-US" smtClean="0"/>
               <a:t>第四级</a:t>
             </a:r>
-            <a:endParaRPr lang="zh-CN" altLang="en-US" smtClean="0"/>
           </a:p>
           <a:p>
             <a:pPr lvl="4"/>
@@ -2060,7 +2043,6 @@
               <a:rPr lang="zh-CN" altLang="en-US" smtClean="0"/>
               <a:t>单击此处编辑母版文本样式</a:t>
             </a:r>
-            <a:endParaRPr lang="zh-CN" altLang="en-US" smtClean="0"/>
           </a:p>
         </p:txBody>
       </p:sp>
@@ -2081,6 +2063,7 @@
           <a:p>
             <a:fld id="{D997B5FA-0921-464F-AAE1-844C04324D75}" type="datetimeFigureOut">
               <a:rPr lang="zh-CN" altLang="en-US" smtClean="0"/>
+              <a:t>2020/5/27</a:t>
             </a:fld>
             <a:endParaRPr lang="zh-CN" altLang="en-US"/>
           </a:p>
@@ -2122,6 +2105,7 @@
           <a:p>
             <a:fld id="{565CE74E-AB26-4998-AD42-012C4C1AD076}" type="slidenum">
               <a:rPr lang="zh-CN" altLang="en-US" smtClean="0"/>
+              <a:t>‹#›</a:t>
             </a:fld>
             <a:endParaRPr lang="zh-CN" altLang="en-US"/>
           </a:p>
@@ -2307,7 +2291,6 @@
               <a:rPr lang="zh-CN" altLang="en-US" smtClean="0"/>
               <a:t>单击此处编辑母版文本样式</a:t>
             </a:r>
-            <a:endParaRPr lang="zh-CN" altLang="en-US" smtClean="0"/>
           </a:p>
         </p:txBody>
       </p:sp>
@@ -2328,6 +2311,7 @@
           <a:p>
             <a:fld id="{D997B5FA-0921-464F-AAE1-844C04324D75}" type="datetimeFigureOut">
               <a:rPr lang="zh-CN" altLang="en-US" smtClean="0"/>
+              <a:t>2020/5/27</a:t>
             </a:fld>
             <a:endParaRPr lang="zh-CN" altLang="en-US"/>
           </a:p>
@@ -2369,6 +2353,7 @@
           <a:p>
             <a:fld id="{565CE74E-AB26-4998-AD42-012C4C1AD076}" type="slidenum">
               <a:rPr lang="zh-CN" altLang="en-US" smtClean="0"/>
+              <a:t>‹#›</a:t>
             </a:fld>
             <a:endParaRPr lang="zh-CN" altLang="en-US"/>
           </a:p>
@@ -2467,7 +2452,6 @@
               <a:rPr lang="zh-CN" altLang="en-US" smtClean="0"/>
               <a:t>单击此处编辑母版文本样式</a:t>
             </a:r>
-            <a:endParaRPr lang="zh-CN" altLang="en-US" smtClean="0"/>
           </a:p>
           <a:p>
             <a:pPr lvl="1"/>
@@ -2475,7 +2459,6 @@
               <a:rPr lang="zh-CN" altLang="en-US" smtClean="0"/>
               <a:t>第二级</a:t>
             </a:r>
-            <a:endParaRPr lang="zh-CN" altLang="en-US" smtClean="0"/>
           </a:p>
           <a:p>
             <a:pPr lvl="2"/>
@@ -2483,7 +2466,6 @@
               <a:rPr lang="zh-CN" altLang="en-US" smtClean="0"/>
               <a:t>第三级</a:t>
             </a:r>
-            <a:endParaRPr lang="zh-CN" altLang="en-US" smtClean="0"/>
           </a:p>
           <a:p>
             <a:pPr lvl="3"/>
@@ -2491,7 +2473,6 @@
               <a:rPr lang="zh-CN" altLang="en-US" smtClean="0"/>
               <a:t>第四级</a:t>
             </a:r>
-            <a:endParaRPr lang="zh-CN" altLang="en-US" smtClean="0"/>
           </a:p>
           <a:p>
             <a:pPr lvl="4"/>
@@ -2538,6 +2519,7 @@
           <a:p>
             <a:fld id="{D997B5FA-0921-464F-AAE1-844C04324D75}" type="datetimeFigureOut">
               <a:rPr lang="zh-CN" altLang="en-US" smtClean="0"/>
+              <a:t>2020/5/27</a:t>
             </a:fld>
             <a:endParaRPr lang="zh-CN" altLang="en-US"/>
           </a:p>
@@ -2615,6 +2597,7 @@
           <a:p>
             <a:fld id="{565CE74E-AB26-4998-AD42-012C4C1AD076}" type="slidenum">
               <a:rPr lang="zh-CN" altLang="en-US" smtClean="0"/>
+              <a:t>‹#›</a:t>
             </a:fld>
             <a:endParaRPr lang="zh-CN" altLang="en-US"/>
           </a:p>
@@ -2936,7 +2919,14 @@
         <p:cNvGrpSpPr/>
         <p:nvPr/>
       </p:nvGrpSpPr>
-      <p:grpSpPr/>
+      <p:grpSpPr>
+        <a:xfrm>
+          <a:off x="0" y="0"/>
+          <a:ext cx="0" cy="0"/>
+          <a:chOff x="0" y="0"/>
+          <a:chExt cx="0" cy="0"/>
+        </a:xfrm>
+      </p:grpSpPr>
       <p:sp>
         <p:nvSpPr>
           <p:cNvPr id="3" name="圆角矩形 2"/>
@@ -2968,6 +2958,7 @@
         </p:style>
         <p:txBody>
           <a:bodyPr rtlCol="0" anchor="ctr"/>
+          <a:lstStyle/>
           <a:p>
             <a:pPr algn="ctr"/>
             <a:endParaRPr lang="zh-CN" altLang="en-US"/>
@@ -3007,6 +2998,7 @@
         </p:style>
         <p:txBody>
           <a:bodyPr rtlCol="0" anchor="ctr"/>
+          <a:lstStyle/>
           <a:p>
             <a:pPr algn="ctr"/>
             <a:r>
@@ -3050,13 +3042,13 @@
         </p:style>
         <p:txBody>
           <a:bodyPr rtlCol="0" anchor="ctr"/>
+          <a:lstStyle/>
           <a:p>
             <a:pPr algn="ctr"/>
             <a:r>
               <a:rPr lang="en-US" altLang="zh-CN"/>
               <a:t>javac</a:t>
             </a:r>
-            <a:endParaRPr lang="en-US" altLang="zh-CN"/>
           </a:p>
         </p:txBody>
       </p:sp>
@@ -3093,6 +3085,7 @@
         </p:style>
         <p:txBody>
           <a:bodyPr rtlCol="0" anchor="ctr"/>
+          <a:lstStyle/>
           <a:p>
             <a:pPr algn="ctr"/>
             <a:r>
@@ -3134,6 +3127,7 @@
         </p:style>
         <p:txBody>
           <a:bodyPr rtlCol="0" anchor="ctr"/>
+          <a:lstStyle/>
           <a:p>
             <a:pPr algn="ctr"/>
             <a:endParaRPr lang="zh-CN" altLang="en-US"/>
@@ -3173,13 +3167,13 @@
         </p:style>
         <p:txBody>
           <a:bodyPr rtlCol="0" anchor="ctr"/>
+          <a:lstStyle/>
           <a:p>
             <a:pPr algn="ctr"/>
             <a:r>
               <a:rPr lang="en-US" altLang="zh-CN"/>
               <a:t>ClassLoader</a:t>
             </a:r>
-            <a:endParaRPr lang="en-US" altLang="zh-CN"/>
           </a:p>
         </p:txBody>
       </p:sp>
@@ -3216,6 +3210,7 @@
         </p:style>
         <p:txBody>
           <a:bodyPr rtlCol="0" anchor="ctr"/>
+          <a:lstStyle/>
           <a:p>
             <a:pPr algn="ctr"/>
             <a:r>
@@ -3267,6 +3262,7 @@
         </p:style>
         <p:txBody>
           <a:bodyPr rtlCol="0" anchor="ctr"/>
+          <a:lstStyle/>
           <a:p>
             <a:pPr algn="ctr"/>
             <a:r>
@@ -3280,7 +3276,6 @@
               <a:rPr lang="zh-CN" altLang="en-US"/>
               <a:t>解释器</a:t>
             </a:r>
-            <a:endParaRPr lang="zh-CN" altLang="en-US"/>
           </a:p>
         </p:txBody>
       </p:sp>
@@ -3317,6 +3312,7 @@
         </p:style>
         <p:txBody>
           <a:bodyPr rtlCol="0" anchor="ctr"/>
+          <a:lstStyle/>
           <a:p>
             <a:pPr algn="ctr"/>
             <a:r>
@@ -3330,7 +3326,6 @@
               <a:rPr lang="zh-CN" altLang="en-US" sz="1200"/>
               <a:t>即时编译器</a:t>
             </a:r>
-            <a:endParaRPr lang="zh-CN" altLang="en-US" sz="1200"/>
           </a:p>
         </p:txBody>
       </p:sp>
@@ -3367,13 +3362,13 @@
         </p:style>
         <p:txBody>
           <a:bodyPr rtlCol="0" anchor="ctr"/>
+          <a:lstStyle/>
           <a:p>
             <a:pPr algn="ctr"/>
             <a:r>
               <a:rPr lang="zh-CN" altLang="en-US"/>
               <a:t>执行引擎</a:t>
             </a:r>
-            <a:endParaRPr lang="zh-CN" altLang="en-US"/>
           </a:p>
         </p:txBody>
       </p:sp>
@@ -3410,6 +3405,7 @@
         </p:style>
         <p:txBody>
           <a:bodyPr rtlCol="0" anchor="ctr"/>
+          <a:lstStyle/>
           <a:p>
             <a:pPr algn="ctr"/>
             <a:r>
@@ -3427,7 +3423,6 @@
               <a:rPr lang="zh-CN" altLang="en-US"/>
               <a:t>件</a:t>
             </a:r>
-            <a:endParaRPr lang="zh-CN" altLang="en-US"/>
           </a:p>
         </p:txBody>
       </p:sp>
@@ -3685,6 +3680,7 @@
         </p:style>
         <p:txBody>
           <a:bodyPr rtlCol="0" anchor="ctr"/>
+          <a:lstStyle/>
           <a:p>
             <a:pPr algn="ctr"/>
             <a:endParaRPr lang="zh-CN" altLang="en-US"/>
@@ -3711,6 +3707,7 @@
           <a:bodyPr wrap="none" rtlCol="0">
             <a:spAutoFit/>
           </a:bodyPr>
+          <a:lstStyle/>
           <a:p>
             <a:r>
               <a:rPr lang="en-US" altLang="zh-CN">
@@ -3731,22 +3728,6 @@
               </a:rPr>
               <a:t>JVM</a:t>
             </a:r>
-            <a:endParaRPr lang="en-US" altLang="zh-CN">
-              <a:ln w="10160">
-                <a:noFill/>
-                <a:prstDash val="solid"/>
-              </a:ln>
-              <a:solidFill>
-                <a:schemeClr val="tx1"/>
-              </a:solidFill>
-              <a:effectLst>
-                <a:outerShdw blurRad="38100" dist="22860" dir="5400000" algn="tl" rotWithShape="0">
-                  <a:srgbClr val="000000">
-                    <a:alpha val="30000"/>
-                  </a:srgbClr>
-                </a:outerShdw>
-              </a:effectLst>
-            </a:endParaRPr>
           </a:p>
         </p:txBody>
       </p:sp>
@@ -3770,12 +3751,12 @@
           <a:bodyPr wrap="none" rtlCol="0">
             <a:spAutoFit/>
           </a:bodyPr>
+          <a:lstStyle/>
           <a:p>
             <a:r>
               <a:rPr lang="en-US" altLang="zh-CN"/>
               <a:t>java</a:t>
             </a:r>
-            <a:endParaRPr lang="en-US" altLang="zh-CN"/>
           </a:p>
         </p:txBody>
       </p:sp>
@@ -3804,7 +3785,14 @@
         <p:cNvGrpSpPr/>
         <p:nvPr/>
       </p:nvGrpSpPr>
-      <p:grpSpPr/>
+      <p:grpSpPr>
+        <a:xfrm>
+          <a:off x="0" y="0"/>
+          <a:ext cx="0" cy="0"/>
+          <a:chOff x="0" y="0"/>
+          <a:chExt cx="0" cy="0"/>
+        </a:xfrm>
+      </p:grpSpPr>
       <p:sp>
         <p:nvSpPr>
           <p:cNvPr id="20" name="等腰三角形 19"/>
@@ -3838,6 +3826,7 @@
         </p:style>
         <p:txBody>
           <a:bodyPr rtlCol="0" anchor="ctr"/>
+          <a:lstStyle/>
           <a:p>
             <a:pPr algn="ctr"/>
             <a:endParaRPr lang="zh-CN" altLang="en-US"/>
@@ -3864,6 +3853,7 @@
           <a:bodyPr wrap="none" rtlCol="0">
             <a:spAutoFit/>
           </a:bodyPr>
+          <a:lstStyle/>
           <a:p>
             <a:r>
               <a:rPr lang="zh-CN" altLang="en-US" sz="1000">
@@ -3873,11 +3863,6 @@
               </a:rPr>
               <a:t>寄存器</a:t>
             </a:r>
-            <a:endParaRPr lang="zh-CN" altLang="en-US" sz="1000">
-              <a:solidFill>
-                <a:schemeClr val="bg1"/>
-              </a:solidFill>
-            </a:endParaRPr>
           </a:p>
         </p:txBody>
       </p:sp>
@@ -3901,6 +3886,7 @@
           <a:bodyPr wrap="none" rtlCol="0">
             <a:spAutoFit/>
           </a:bodyPr>
+          <a:lstStyle/>
           <a:p>
             <a:pPr algn="ctr"/>
             <a:r>
@@ -3911,11 +3897,6 @@
               </a:rPr>
               <a:t>L1</a:t>
             </a:r>
-            <a:endParaRPr lang="en-US" altLang="zh-CN" sz="1000">
-              <a:solidFill>
-                <a:schemeClr val="bg1"/>
-              </a:solidFill>
-            </a:endParaRPr>
           </a:p>
           <a:p>
             <a:pPr algn="ctr"/>
@@ -3927,11 +3908,6 @@
               </a:rPr>
               <a:t>高速缓存</a:t>
             </a:r>
-            <a:endParaRPr lang="zh-CN" altLang="en-US" sz="1000">
-              <a:solidFill>
-                <a:schemeClr val="bg1"/>
-              </a:solidFill>
-            </a:endParaRPr>
           </a:p>
           <a:p>
             <a:pPr algn="ctr"/>
@@ -3949,83 +3925,122 @@
                   <a:schemeClr val="bg1"/>
                 </a:solidFill>
               </a:rPr>
-              <a:t>S</a:t>
-            </a:r>
+              <a:t>SRAM</a:t>
+            </a:r>
+            <a:r>
+              <a:rPr lang="zh-CN" altLang="en-US" sz="1000">
+                <a:solidFill>
+                  <a:schemeClr val="bg1"/>
+                </a:solidFill>
+              </a:rPr>
+              <a:t>）</a:t>
+            </a:r>
+          </a:p>
+        </p:txBody>
+      </p:sp>
+      <p:sp>
+        <p:nvSpPr>
+          <p:cNvPr id="24" name="文本框 23"/>
+          <p:cNvSpPr txBox="1"/>
+          <p:nvPr/>
+        </p:nvSpPr>
+        <p:spPr>
+          <a:xfrm>
+            <a:off x="3216275" y="2891790"/>
+            <a:ext cx="746760" cy="553085"/>
+          </a:xfrm>
+          <a:prstGeom prst="rect">
+            <a:avLst/>
+          </a:prstGeom>
+          <a:noFill/>
+        </p:spPr>
+        <p:txBody>
+          <a:bodyPr wrap="none" rtlCol="0">
+            <a:spAutoFit/>
+          </a:bodyPr>
+          <a:lstStyle/>
+          <a:p>
+            <a:pPr algn="ctr"/>
             <a:r>
               <a:rPr lang="en-US" altLang="zh-CN" sz="1000">
                 <a:solidFill>
                   <a:schemeClr val="bg1"/>
                 </a:solidFill>
               </a:rPr>
-              <a:t>RAM</a:t>
-            </a:r>
+              <a:t>L2</a:t>
+            </a:r>
+          </a:p>
+          <a:p>
+            <a:pPr algn="ctr"/>
             <a:r>
               <a:rPr lang="zh-CN" altLang="en-US" sz="1000">
                 <a:solidFill>
                   <a:schemeClr val="bg1"/>
                 </a:solidFill>
               </a:rPr>
-              <a:t>）</a:t>
-            </a:r>
-            <a:endParaRPr lang="zh-CN" altLang="en-US" sz="1000">
-              <a:solidFill>
-                <a:schemeClr val="bg1"/>
-              </a:solidFill>
-            </a:endParaRPr>
-          </a:p>
-        </p:txBody>
-      </p:sp>
-      <p:sp>
-        <p:nvSpPr>
-          <p:cNvPr id="24" name="文本框 23"/>
-          <p:cNvSpPr txBox="1"/>
-          <p:nvPr/>
-        </p:nvSpPr>
-        <p:spPr>
-          <a:xfrm>
-            <a:off x="3216275" y="2891790"/>
-            <a:ext cx="746760" cy="553085"/>
-          </a:xfrm>
-          <a:prstGeom prst="rect">
-            <a:avLst/>
-          </a:prstGeom>
-          <a:noFill/>
-        </p:spPr>
-        <p:txBody>
-          <a:bodyPr wrap="none" rtlCol="0">
-            <a:spAutoFit/>
-          </a:bodyPr>
-          <a:p>
-            <a:pPr algn="ctr"/>
+              <a:t>高速缓存</a:t>
+            </a:r>
+          </a:p>
+          <a:p>
+            <a:pPr algn="ctr"/>
+            <a:r>
+              <a:rPr lang="zh-CN" altLang="en-US" sz="1000">
+                <a:solidFill>
+                  <a:schemeClr val="bg1"/>
+                </a:solidFill>
+              </a:rPr>
+              <a:t>（</a:t>
+            </a:r>
             <a:r>
               <a:rPr lang="en-US" altLang="zh-CN" sz="1000">
                 <a:solidFill>
                   <a:schemeClr val="bg1"/>
                 </a:solidFill>
               </a:rPr>
-              <a:t>L2</a:t>
-            </a:r>
-            <a:endParaRPr lang="en-US" altLang="zh-CN" sz="1000">
-              <a:solidFill>
-                <a:schemeClr val="bg1"/>
-              </a:solidFill>
-            </a:endParaRPr>
-          </a:p>
-          <a:p>
-            <a:pPr algn="ctr"/>
+              <a:t>SRAM</a:t>
+            </a:r>
             <a:r>
               <a:rPr lang="zh-CN" altLang="en-US" sz="1000">
                 <a:solidFill>
                   <a:schemeClr val="bg1"/>
                 </a:solidFill>
               </a:rPr>
-              <a:t>高速缓存</a:t>
-            </a:r>
-            <a:endParaRPr lang="zh-CN" altLang="en-US" sz="1000">
-              <a:solidFill>
-                <a:schemeClr val="bg1"/>
-              </a:solidFill>
-            </a:endParaRPr>
+              <a:t>）</a:t>
+            </a:r>
+          </a:p>
+        </p:txBody>
+      </p:sp>
+      <p:sp>
+        <p:nvSpPr>
+          <p:cNvPr id="25" name="文本框 24"/>
+          <p:cNvSpPr txBox="1"/>
+          <p:nvPr/>
+        </p:nvSpPr>
+        <p:spPr>
+          <a:xfrm>
+            <a:off x="3215640" y="3517265"/>
+            <a:ext cx="746760" cy="553085"/>
+          </a:xfrm>
+          <a:prstGeom prst="rect">
+            <a:avLst/>
+          </a:prstGeom>
+          <a:noFill/>
+        </p:spPr>
+        <p:txBody>
+          <a:bodyPr wrap="none" rtlCol="0">
+            <a:spAutoFit/>
+          </a:bodyPr>
+          <a:lstStyle/>
+          <a:p>
+            <a:pPr algn="ctr"/>
+            <a:r>
+              <a:rPr lang="en-US" altLang="zh-CN" sz="1000">
+                <a:solidFill>
+                  <a:schemeClr val="bg1"/>
+                </a:solidFill>
+              </a:rPr>
+              <a:t>L3</a:t>
+            </a:r>
           </a:p>
           <a:p>
             <a:pPr algn="ctr"/>
@@ -4035,6 +4050,17 @@
                   <a:schemeClr val="bg1"/>
                 </a:solidFill>
               </a:rPr>
+              <a:t>高速缓存</a:t>
+            </a:r>
+          </a:p>
+          <a:p>
+            <a:pPr algn="ctr"/>
+            <a:r>
+              <a:rPr lang="zh-CN" altLang="en-US" sz="1000">
+                <a:solidFill>
+                  <a:schemeClr val="bg1"/>
+                </a:solidFill>
+              </a:rPr>
               <a:t>（</a:t>
             </a:r>
             <a:r>
@@ -4043,7 +4069,49 @@
                   <a:schemeClr val="bg1"/>
                 </a:solidFill>
               </a:rPr>
-              <a:t>S</a:t>
+              <a:t>SRAM</a:t>
+            </a:r>
+            <a:r>
+              <a:rPr lang="zh-CN" altLang="en-US" sz="1000">
+                <a:solidFill>
+                  <a:schemeClr val="bg1"/>
+                </a:solidFill>
+              </a:rPr>
+              <a:t>）</a:t>
+            </a:r>
+          </a:p>
+        </p:txBody>
+      </p:sp>
+      <p:sp>
+        <p:nvSpPr>
+          <p:cNvPr id="26" name="文本框 25"/>
+          <p:cNvSpPr txBox="1"/>
+          <p:nvPr/>
+        </p:nvSpPr>
+        <p:spPr>
+          <a:xfrm>
+            <a:off x="3078163" y="4318635"/>
+            <a:ext cx="1020445" cy="245110"/>
+          </a:xfrm>
+          <a:prstGeom prst="rect">
+            <a:avLst/>
+          </a:prstGeom>
+          <a:noFill/>
+        </p:spPr>
+        <p:txBody>
+          <a:bodyPr wrap="none" rtlCol="0">
+            <a:spAutoFit/>
+          </a:bodyPr>
+          <a:lstStyle/>
+          <a:p>
+            <a:pPr algn="ctr"/>
+            <a:r>
+              <a:rPr lang="zh-CN" altLang="en-US" sz="1000">
+                <a:solidFill>
+                  <a:schemeClr val="bg1"/>
+                </a:solidFill>
+              </a:rPr>
+              <a:t>主存（</a:t>
             </a:r>
             <a:r>
               <a:rPr lang="en-US" altLang="zh-CN" sz="1000">
@@ -4051,7 +4119,7 @@
                   <a:schemeClr val="bg1"/>
                 </a:solidFill>
               </a:rPr>
-              <a:t>RAM</a:t>
+              <a:t>DRAM</a:t>
             </a:r>
             <a:r>
               <a:rPr lang="zh-CN" altLang="en-US" sz="1000">
@@ -4061,24 +4129,19 @@
               </a:rPr>
               <a:t>）</a:t>
             </a:r>
-            <a:endParaRPr lang="zh-CN" altLang="en-US" sz="1000">
-              <a:solidFill>
-                <a:schemeClr val="bg1"/>
-              </a:solidFill>
-            </a:endParaRPr>
-          </a:p>
-        </p:txBody>
-      </p:sp>
-      <p:sp>
-        <p:nvSpPr>
-          <p:cNvPr id="25" name="文本框 24"/>
+          </a:p>
+        </p:txBody>
+      </p:sp>
+      <p:sp>
+        <p:nvSpPr>
+          <p:cNvPr id="28" name="文本框 27"/>
           <p:cNvSpPr txBox="1"/>
           <p:nvPr/>
         </p:nvSpPr>
         <p:spPr>
           <a:xfrm>
-            <a:off x="3215640" y="3517265"/>
-            <a:ext cx="746760" cy="553085"/>
+            <a:off x="2758441" y="4943475"/>
+            <a:ext cx="1706880" cy="245110"/>
           </a:xfrm>
           <a:prstGeom prst="rect">
             <a:avLst/>
@@ -4089,247 +4152,86 @@
           <a:bodyPr wrap="none" rtlCol="0">
             <a:spAutoFit/>
           </a:bodyPr>
-          <a:p>
-            <a:pPr algn="ctr"/>
+          <a:lstStyle/>
+          <a:p>
+            <a:pPr algn="ctr"/>
+            <a:r>
+              <a:rPr lang="zh-CN" sz="1000">
+                <a:solidFill>
+                  <a:schemeClr val="bg1"/>
+                </a:solidFill>
+              </a:rPr>
+              <a:t>本地二级存储（本地磁盘）</a:t>
+            </a:r>
+          </a:p>
+        </p:txBody>
+      </p:sp>
+      <p:sp>
+        <p:nvSpPr>
+          <p:cNvPr id="29" name="文本框 28"/>
+          <p:cNvSpPr txBox="1"/>
+          <p:nvPr/>
+        </p:nvSpPr>
+        <p:spPr>
+          <a:xfrm>
+            <a:off x="2535556" y="5507355"/>
+            <a:ext cx="2105660" cy="398780"/>
+          </a:xfrm>
+          <a:prstGeom prst="rect">
+            <a:avLst/>
+          </a:prstGeom>
+          <a:noFill/>
+        </p:spPr>
+        <p:txBody>
+          <a:bodyPr wrap="none" rtlCol="0">
+            <a:spAutoFit/>
+          </a:bodyPr>
+          <a:lstStyle/>
+          <a:p>
+            <a:pPr algn="ctr"/>
+            <a:r>
+              <a:rPr lang="zh-CN" sz="1000">
+                <a:solidFill>
+                  <a:schemeClr val="bg1"/>
+                </a:solidFill>
+              </a:rPr>
+              <a:t>远程二级存储</a:t>
+            </a:r>
+          </a:p>
+          <a:p>
+            <a:pPr algn="ctr"/>
+            <a:r>
+              <a:rPr lang="zh-CN" sz="1000">
+                <a:solidFill>
+                  <a:schemeClr val="bg1"/>
+                </a:solidFill>
+              </a:rPr>
+              <a:t>（分布式文件系统、</a:t>
+            </a:r>
             <a:r>
               <a:rPr lang="en-US" altLang="zh-CN" sz="1000">
                 <a:solidFill>
                   <a:schemeClr val="bg1"/>
                 </a:solidFill>
               </a:rPr>
-              <a:t>L3</a:t>
-            </a:r>
-            <a:endParaRPr lang="en-US" altLang="zh-CN" sz="1000">
-              <a:solidFill>
-                <a:schemeClr val="bg1"/>
-              </a:solidFill>
-            </a:endParaRPr>
-          </a:p>
-          <a:p>
-            <a:pPr algn="ctr"/>
+              <a:t>Web </a:t>
+            </a:r>
             <a:r>
               <a:rPr lang="zh-CN" altLang="en-US" sz="1000">
                 <a:solidFill>
                   <a:schemeClr val="bg1"/>
                 </a:solidFill>
               </a:rPr>
-              <a:t>高速缓存</a:t>
-            </a:r>
-            <a:endParaRPr lang="zh-CN" altLang="en-US" sz="1000">
-              <a:solidFill>
-                <a:schemeClr val="bg1"/>
-              </a:solidFill>
-            </a:endParaRPr>
-          </a:p>
-          <a:p>
-            <a:pPr algn="ctr"/>
-            <a:r>
-              <a:rPr lang="zh-CN" altLang="en-US" sz="1000">
-                <a:solidFill>
-                  <a:schemeClr val="bg1"/>
-                </a:solidFill>
-              </a:rPr>
-              <a:t>（</a:t>
-            </a:r>
-            <a:r>
-              <a:rPr lang="en-US" altLang="zh-CN" sz="1000">
-                <a:solidFill>
-                  <a:schemeClr val="bg1"/>
-                </a:solidFill>
-              </a:rPr>
-              <a:t>S</a:t>
-            </a:r>
-            <a:r>
-              <a:rPr lang="en-US" altLang="zh-CN" sz="1000">
-                <a:solidFill>
-                  <a:schemeClr val="bg1"/>
-                </a:solidFill>
-              </a:rPr>
-              <a:t>RAM</a:t>
-            </a:r>
-            <a:r>
-              <a:rPr lang="zh-CN" altLang="en-US" sz="1000">
-                <a:solidFill>
-                  <a:schemeClr val="bg1"/>
-                </a:solidFill>
-              </a:rPr>
-              <a:t>）</a:t>
-            </a:r>
-            <a:endParaRPr lang="zh-CN" altLang="en-US" sz="1000">
-              <a:solidFill>
-                <a:schemeClr val="bg1"/>
-              </a:solidFill>
-            </a:endParaRPr>
-          </a:p>
-        </p:txBody>
-      </p:sp>
-      <p:sp>
-        <p:nvSpPr>
-          <p:cNvPr id="26" name="文本框 25"/>
-          <p:cNvSpPr txBox="1"/>
-          <p:nvPr/>
-        </p:nvSpPr>
-        <p:spPr>
-          <a:xfrm>
-            <a:off x="3078163" y="4318635"/>
-            <a:ext cx="1020445" cy="245110"/>
-          </a:xfrm>
-          <a:prstGeom prst="rect">
-            <a:avLst/>
-          </a:prstGeom>
-          <a:noFill/>
-        </p:spPr>
-        <p:txBody>
-          <a:bodyPr wrap="none" rtlCol="0">
-            <a:spAutoFit/>
-          </a:bodyPr>
-          <a:p>
-            <a:pPr algn="ctr"/>
-            <a:r>
-              <a:rPr lang="zh-CN" altLang="en-US" sz="1000">
-                <a:solidFill>
-                  <a:schemeClr val="bg1"/>
-                </a:solidFill>
-              </a:rPr>
-              <a:t>主存（</a:t>
-            </a:r>
-            <a:r>
-              <a:rPr lang="en-US" altLang="zh-CN" sz="1000">
-                <a:solidFill>
-                  <a:schemeClr val="bg1"/>
-                </a:solidFill>
-              </a:rPr>
-              <a:t>DRAM</a:t>
-            </a:r>
-            <a:r>
-              <a:rPr lang="zh-CN" altLang="en-US" sz="1000">
-                <a:solidFill>
-                  <a:schemeClr val="bg1"/>
-                </a:solidFill>
-              </a:rPr>
-              <a:t>）</a:t>
-            </a:r>
-            <a:endParaRPr lang="zh-CN" altLang="en-US" sz="1000">
-              <a:solidFill>
-                <a:schemeClr val="bg1"/>
-              </a:solidFill>
-            </a:endParaRPr>
-          </a:p>
-        </p:txBody>
-      </p:sp>
-      <p:sp>
-        <p:nvSpPr>
-          <p:cNvPr id="28" name="文本框 27"/>
-          <p:cNvSpPr txBox="1"/>
-          <p:nvPr/>
-        </p:nvSpPr>
-        <p:spPr>
-          <a:xfrm>
-            <a:off x="2758441" y="4943475"/>
-            <a:ext cx="1706880" cy="245110"/>
-          </a:xfrm>
-          <a:prstGeom prst="rect">
-            <a:avLst/>
-          </a:prstGeom>
-          <a:noFill/>
-        </p:spPr>
-        <p:txBody>
-          <a:bodyPr wrap="none" rtlCol="0">
-            <a:spAutoFit/>
-          </a:bodyPr>
-          <a:p>
-            <a:pPr algn="ctr"/>
+              <a:t>服务器</a:t>
+            </a:r>
             <a:r>
               <a:rPr lang="zh-CN" sz="1000">
                 <a:solidFill>
                   <a:schemeClr val="bg1"/>
                 </a:solidFill>
               </a:rPr>
-              <a:t>本地二级存储（本地磁盘）</a:t>
-            </a:r>
-            <a:endParaRPr lang="zh-CN" sz="1000">
-              <a:solidFill>
-                <a:schemeClr val="bg1"/>
-              </a:solidFill>
-            </a:endParaRPr>
-          </a:p>
-        </p:txBody>
-      </p:sp>
-      <p:sp>
-        <p:nvSpPr>
-          <p:cNvPr id="29" name="文本框 28"/>
-          <p:cNvSpPr txBox="1"/>
-          <p:nvPr/>
-        </p:nvSpPr>
-        <p:spPr>
-          <a:xfrm>
-            <a:off x="2535556" y="5507355"/>
-            <a:ext cx="2105660" cy="398780"/>
-          </a:xfrm>
-          <a:prstGeom prst="rect">
-            <a:avLst/>
-          </a:prstGeom>
-          <a:noFill/>
-        </p:spPr>
-        <p:txBody>
-          <a:bodyPr wrap="none" rtlCol="0">
-            <a:spAutoFit/>
-          </a:bodyPr>
-          <a:p>
-            <a:pPr algn="ctr"/>
-            <a:r>
-              <a:rPr lang="zh-CN" sz="1000">
-                <a:solidFill>
-                  <a:schemeClr val="bg1"/>
-                </a:solidFill>
-              </a:rPr>
-              <a:t>远程二级存储</a:t>
-            </a:r>
-            <a:endParaRPr lang="zh-CN" sz="1000">
-              <a:solidFill>
-                <a:schemeClr val="bg1"/>
-              </a:solidFill>
-            </a:endParaRPr>
-          </a:p>
-          <a:p>
-            <a:pPr algn="ctr"/>
-            <a:r>
-              <a:rPr lang="zh-CN" sz="1000">
-                <a:solidFill>
-                  <a:schemeClr val="bg1"/>
-                </a:solidFill>
-              </a:rPr>
-              <a:t>（分布式文件系统、</a:t>
-            </a:r>
-            <a:r>
-              <a:rPr lang="en-US" altLang="zh-CN" sz="1000">
-                <a:solidFill>
-                  <a:schemeClr val="bg1"/>
-                </a:solidFill>
-              </a:rPr>
-              <a:t>Web </a:t>
-            </a:r>
-            <a:r>
-              <a:rPr lang="zh-CN" altLang="en-US" sz="1000">
-                <a:solidFill>
-                  <a:schemeClr val="bg1"/>
-                </a:solidFill>
-              </a:rPr>
-              <a:t>服务器</a:t>
-            </a:r>
-            <a:r>
-              <a:rPr lang="zh-CN" sz="1000">
-                <a:solidFill>
-                  <a:schemeClr val="bg1"/>
-                </a:solidFill>
-              </a:rPr>
               <a:t>）</a:t>
             </a:r>
-            <a:endParaRPr lang="zh-CN" sz="1000">
-              <a:solidFill>
-                <a:schemeClr val="bg1"/>
-              </a:solidFill>
-            </a:endParaRPr>
           </a:p>
         </p:txBody>
       </p:sp>
@@ -4533,6 +4435,7 @@
           <a:bodyPr wrap="none" rtlCol="0">
             <a:spAutoFit/>
           </a:bodyPr>
+          <a:lstStyle/>
           <a:p>
             <a:r>
               <a:rPr lang="en-US" altLang="zh-CN" sz="1000">
@@ -4542,11 +4445,6 @@
               </a:rPr>
               <a:t>L0</a:t>
             </a:r>
-            <a:endParaRPr lang="en-US" altLang="zh-CN" sz="1000">
-              <a:solidFill>
-                <a:schemeClr val="tx1"/>
-              </a:solidFill>
-            </a:endParaRPr>
           </a:p>
         </p:txBody>
       </p:sp>
@@ -4570,6 +4468,7 @@
           <a:bodyPr wrap="square" rtlCol="0">
             <a:spAutoFit/>
           </a:bodyPr>
+          <a:lstStyle/>
           <a:p>
             <a:r>
               <a:rPr lang="en-US" altLang="zh-CN" sz="1000">
@@ -4579,11 +4478,6 @@
               </a:rPr>
               <a:t>L1</a:t>
             </a:r>
-            <a:endParaRPr lang="en-US" altLang="zh-CN" sz="1000">
-              <a:solidFill>
-                <a:schemeClr val="tx1"/>
-              </a:solidFill>
-            </a:endParaRPr>
           </a:p>
         </p:txBody>
       </p:sp>
@@ -4607,6 +4501,7 @@
           <a:bodyPr wrap="square" rtlCol="0">
             <a:spAutoFit/>
           </a:bodyPr>
+          <a:lstStyle/>
           <a:p>
             <a:r>
               <a:rPr lang="en-US" altLang="zh-CN" sz="1000">
@@ -4616,11 +4511,6 @@
               </a:rPr>
               <a:t>L2</a:t>
             </a:r>
-            <a:endParaRPr lang="en-US" altLang="zh-CN" sz="1000">
-              <a:solidFill>
-                <a:schemeClr val="tx1"/>
-              </a:solidFill>
-            </a:endParaRPr>
           </a:p>
         </p:txBody>
       </p:sp>
@@ -4644,6 +4534,7 @@
           <a:bodyPr wrap="square" rtlCol="0">
             <a:spAutoFit/>
           </a:bodyPr>
+          <a:lstStyle/>
           <a:p>
             <a:r>
               <a:rPr lang="en-US" altLang="zh-CN" sz="1000">
@@ -4653,11 +4544,6 @@
               </a:rPr>
               <a:t>L3</a:t>
             </a:r>
-            <a:endParaRPr lang="en-US" altLang="zh-CN" sz="1000">
-              <a:solidFill>
-                <a:schemeClr val="tx1"/>
-              </a:solidFill>
-            </a:endParaRPr>
           </a:p>
         </p:txBody>
       </p:sp>
@@ -4681,6 +4567,7 @@
           <a:bodyPr wrap="square" rtlCol="0">
             <a:spAutoFit/>
           </a:bodyPr>
+          <a:lstStyle/>
           <a:p>
             <a:r>
               <a:rPr lang="en-US" altLang="zh-CN" sz="1000">
@@ -4690,11 +4577,6 @@
               </a:rPr>
               <a:t>L4</a:t>
             </a:r>
-            <a:endParaRPr lang="en-US" altLang="zh-CN" sz="1000">
-              <a:solidFill>
-                <a:schemeClr val="tx1"/>
-              </a:solidFill>
-            </a:endParaRPr>
           </a:p>
         </p:txBody>
       </p:sp>
@@ -4718,6 +4600,7 @@
           <a:bodyPr wrap="square" rtlCol="0">
             <a:spAutoFit/>
           </a:bodyPr>
+          <a:lstStyle/>
           <a:p>
             <a:r>
               <a:rPr lang="en-US" altLang="zh-CN" sz="1000">
@@ -4727,11 +4610,6 @@
               </a:rPr>
               <a:t>L5</a:t>
             </a:r>
-            <a:endParaRPr lang="en-US" altLang="zh-CN" sz="1000">
-              <a:solidFill>
-                <a:schemeClr val="tx1"/>
-              </a:solidFill>
-            </a:endParaRPr>
           </a:p>
         </p:txBody>
       </p:sp>
@@ -4755,6 +4633,7 @@
           <a:bodyPr wrap="square" rtlCol="0">
             <a:spAutoFit/>
           </a:bodyPr>
+          <a:lstStyle/>
           <a:p>
             <a:r>
               <a:rPr lang="en-US" altLang="zh-CN" sz="1000">
@@ -4764,11 +4643,6 @@
               </a:rPr>
               <a:t>L6</a:t>
             </a:r>
-            <a:endParaRPr lang="en-US" altLang="zh-CN" sz="1000">
-              <a:solidFill>
-                <a:schemeClr val="tx1"/>
-              </a:solidFill>
-            </a:endParaRPr>
           </a:p>
         </p:txBody>
       </p:sp>
@@ -4858,6 +4732,7 @@
           <a:bodyPr wrap="none" rtlCol="0">
             <a:spAutoFit/>
           </a:bodyPr>
+          <a:lstStyle/>
           <a:p>
             <a:r>
               <a:rPr lang="zh-CN" altLang="en-US" sz="1200"/>
@@ -4877,7 +4752,6 @@
               <a:rPr lang="zh-CN" altLang="en-US" sz="1200"/>
               <a:t>成本更高</a:t>
             </a:r>
-            <a:endParaRPr lang="zh-CN" altLang="en-US" sz="1200"/>
           </a:p>
         </p:txBody>
       </p:sp>
@@ -4901,6 +4775,7 @@
           <a:bodyPr wrap="none" rtlCol="0">
             <a:spAutoFit/>
           </a:bodyPr>
+          <a:lstStyle/>
           <a:p>
             <a:r>
               <a:rPr lang="zh-CN" altLang="en-US" sz="1200"/>
@@ -4920,7 +4795,6 @@
               <a:rPr lang="zh-CN" altLang="en-US" sz="1200"/>
               <a:t>成本更低</a:t>
             </a:r>
-            <a:endParaRPr lang="zh-CN" altLang="en-US" sz="1200"/>
           </a:p>
         </p:txBody>
       </p:sp>
@@ -4955,6 +4829,7 @@
         </p:style>
         <p:txBody>
           <a:bodyPr rtlCol="0" anchor="ctr"/>
+          <a:lstStyle/>
           <a:p>
             <a:pPr algn="ctr"/>
             <a:endParaRPr lang="zh-CN" altLang="en-US"/>
@@ -4992,6 +4867,7 @@
         </p:style>
         <p:txBody>
           <a:bodyPr rtlCol="0" anchor="ctr"/>
+          <a:lstStyle/>
           <a:p>
             <a:pPr algn="ctr"/>
             <a:endParaRPr lang="zh-CN" altLang="en-US"/>
@@ -5018,6 +4894,7 @@
           <a:bodyPr wrap="none" rtlCol="0">
             <a:spAutoFit/>
           </a:bodyPr>
+          <a:lstStyle/>
           <a:p>
             <a:r>
               <a:rPr lang="en-US" altLang="zh-CN" sz="1200"/>
@@ -5027,7 +4904,6 @@
               <a:rPr lang="zh-CN" altLang="en-US" sz="1200"/>
               <a:t>内部</a:t>
             </a:r>
-            <a:endParaRPr lang="zh-CN" altLang="en-US" sz="1200"/>
           </a:p>
         </p:txBody>
       </p:sp>
@@ -5062,6 +4938,7 @@
         </p:style>
         <p:txBody>
           <a:bodyPr rtlCol="0" anchor="ctr"/>
+          <a:lstStyle/>
           <a:p>
             <a:pPr algn="ctr"/>
             <a:endParaRPr lang="zh-CN" altLang="en-US"/>
@@ -5088,6 +4965,7 @@
           <a:bodyPr wrap="none" rtlCol="0">
             <a:spAutoFit/>
           </a:bodyPr>
+          <a:lstStyle/>
           <a:p>
             <a:r>
               <a:rPr lang="en-US" altLang="zh-CN" sz="1000"/>
@@ -5097,14 +4975,12 @@
               <a:rPr lang="zh-CN" altLang="en-US" sz="1000"/>
               <a:t>寄存器保存着从高速缓存行存取器取出的</a:t>
             </a:r>
-            <a:endParaRPr lang="zh-CN" altLang="en-US" sz="1000"/>
           </a:p>
           <a:p>
             <a:r>
               <a:rPr lang="zh-CN" altLang="en-US" sz="1000"/>
               <a:t>字节</a:t>
             </a:r>
-            <a:endParaRPr lang="zh-CN" altLang="en-US" sz="1000"/>
           </a:p>
         </p:txBody>
       </p:sp>
@@ -5128,6 +5004,7 @@
           <a:bodyPr vert="eaVert" wrap="none" rtlCol="0">
             <a:spAutoFit/>
           </a:bodyPr>
+          <a:lstStyle/>
           <a:p>
             <a:pPr algn="l"/>
             <a:r>
@@ -5173,6 +5050,7 @@
           <a:bodyPr vert="eaVert" wrap="none" rtlCol="0">
             <a:spAutoFit/>
           </a:bodyPr>
+          <a:lstStyle/>
           <a:p>
             <a:pPr algn="l"/>
             <a:r>
@@ -5191,11 +5069,6 @@
               </a:rPr>
               <a:t>内部</a:t>
             </a:r>
-            <a:endParaRPr lang="zh-CN" altLang="en-US" sz="1200">
-              <a:latin typeface="+mn-ea"/>
-              <a:cs typeface="+mn-ea"/>
-              <a:sym typeface="+mn-ea"/>
-            </a:endParaRPr>
           </a:p>
         </p:txBody>
       </p:sp>
@@ -5230,6 +5103,7 @@
         </p:style>
         <p:txBody>
           <a:bodyPr rtlCol="0" anchor="ctr"/>
+          <a:lstStyle/>
           <a:p>
             <a:pPr algn="ctr"/>
             <a:endParaRPr lang="zh-CN" altLang="en-US"/>
@@ -5256,6 +5130,7 @@
           <a:bodyPr wrap="none" rtlCol="0">
             <a:spAutoFit/>
           </a:bodyPr>
+          <a:lstStyle/>
           <a:p>
             <a:r>
               <a:rPr lang="en-US" sz="1000"/>
@@ -5273,14 +5148,12 @@
               <a:rPr lang="zh-CN" altLang="en-US" sz="1000"/>
               <a:t>高速缓存取出的缓</a:t>
             </a:r>
-            <a:endParaRPr lang="zh-CN" altLang="en-US" sz="1000"/>
           </a:p>
           <a:p>
             <a:r>
               <a:rPr lang="zh-CN" altLang="en-US" sz="1000"/>
               <a:t>存行</a:t>
             </a:r>
-            <a:endParaRPr lang="zh-CN" altLang="en-US" sz="1000"/>
           </a:p>
         </p:txBody>
       </p:sp>
@@ -5315,6 +5188,7 @@
         </p:style>
         <p:txBody>
           <a:bodyPr rtlCol="0" anchor="ctr"/>
+          <a:lstStyle/>
           <a:p>
             <a:pPr algn="ctr"/>
             <a:endParaRPr lang="zh-CN" altLang="en-US"/>
@@ -5341,6 +5215,7 @@
           <a:bodyPr wrap="none" rtlCol="0">
             <a:spAutoFit/>
           </a:bodyPr>
+          <a:lstStyle/>
           <a:p>
             <a:r>
               <a:rPr lang="en-US" sz="1000"/>
@@ -5358,14 +5233,12 @@
               <a:rPr lang="zh-CN" altLang="en-US" sz="1000"/>
               <a:t>高速缓存取出的</a:t>
             </a:r>
-            <a:endParaRPr lang="zh-CN" altLang="en-US" sz="1000"/>
           </a:p>
           <a:p>
             <a:r>
               <a:rPr lang="zh-CN" altLang="en-US" sz="1000"/>
               <a:t>缓存行</a:t>
             </a:r>
-            <a:endParaRPr lang="zh-CN" altLang="en-US" sz="1000"/>
           </a:p>
         </p:txBody>
       </p:sp>
@@ -5400,6 +5273,7 @@
         </p:style>
         <p:txBody>
           <a:bodyPr rtlCol="0" anchor="ctr"/>
+          <a:lstStyle/>
           <a:p>
             <a:pPr algn="ctr"/>
             <a:endParaRPr lang="zh-CN" altLang="en-US"/>
@@ -5426,19 +5300,18 @@
           <a:bodyPr wrap="none" rtlCol="0">
             <a:spAutoFit/>
           </a:bodyPr>
+          <a:lstStyle/>
           <a:p>
             <a:r>
               <a:rPr lang="zh-CN" sz="1000"/>
               <a:t>主存保存着从本地磁盘取出的</a:t>
             </a:r>
-            <a:endParaRPr lang="zh-CN" sz="1000"/>
           </a:p>
           <a:p>
             <a:r>
               <a:rPr lang="zh-CN" sz="1000"/>
               <a:t>磁盘块</a:t>
             </a:r>
-            <a:endParaRPr lang="zh-CN" sz="1000"/>
           </a:p>
         </p:txBody>
       </p:sp>
@@ -5473,6 +5346,7 @@
         </p:style>
         <p:txBody>
           <a:bodyPr rtlCol="0" anchor="ctr"/>
+          <a:lstStyle/>
           <a:p>
             <a:pPr algn="ctr"/>
             <a:endParaRPr lang="zh-CN" altLang="en-US"/>
@@ -5499,6 +5373,7 @@
           <a:bodyPr wrap="none" rtlCol="0">
             <a:spAutoFit/>
           </a:bodyPr>
+          <a:lstStyle/>
           <a:p>
             <a:r>
               <a:rPr lang="en-US" sz="1000"/>
@@ -5516,14 +5391,12 @@
               <a:rPr lang="zh-CN" altLang="en-US" sz="1000"/>
               <a:t>高速缓存</a:t>
             </a:r>
-            <a:endParaRPr lang="zh-CN" altLang="en-US" sz="1000"/>
           </a:p>
           <a:p>
             <a:r>
               <a:rPr lang="zh-CN" altLang="en-US" sz="1000"/>
               <a:t>取出的缓存行</a:t>
             </a:r>
-            <a:endParaRPr lang="zh-CN" altLang="en-US" sz="1000"/>
           </a:p>
         </p:txBody>
       </p:sp>
@@ -5558,6 +5431,7 @@
         </p:style>
         <p:txBody>
           <a:bodyPr rtlCol="0" anchor="ctr"/>
+          <a:lstStyle/>
           <a:p>
             <a:pPr algn="ctr"/>
             <a:endParaRPr lang="zh-CN" altLang="en-US"/>
@@ -5584,19 +5458,18 @@
           <a:bodyPr wrap="none" rtlCol="0">
             <a:spAutoFit/>
           </a:bodyPr>
+          <a:lstStyle/>
           <a:p>
             <a:r>
               <a:rPr lang="zh-CN" sz="1000"/>
               <a:t>本地磁盘保存着从远程网络</a:t>
             </a:r>
-            <a:endParaRPr lang="zh-CN" sz="1000"/>
           </a:p>
           <a:p>
             <a:r>
               <a:rPr lang="zh-CN" sz="1000"/>
               <a:t>服务器磁盘取出的文件</a:t>
             </a:r>
-            <a:endParaRPr lang="zh-CN" sz="1000"/>
           </a:p>
         </p:txBody>
       </p:sp>
@@ -5625,7 +5498,14 @@
         <p:cNvGrpSpPr/>
         <p:nvPr/>
       </p:nvGrpSpPr>
-      <p:grpSpPr/>
+      <p:grpSpPr>
+        <a:xfrm>
+          <a:off x="0" y="0"/>
+          <a:ext cx="0" cy="0"/>
+          <a:chOff x="0" y="0"/>
+          <a:chExt cx="0" cy="0"/>
+        </a:xfrm>
+      </p:grpSpPr>
       <p:sp>
         <p:nvSpPr>
           <p:cNvPr id="9" name="矩形 8"/>
@@ -5659,6 +5539,7 @@
         </p:style>
         <p:txBody>
           <a:bodyPr rtlCol="0" anchor="ctr"/>
+          <a:lstStyle/>
           <a:p>
             <a:pPr algn="ctr"/>
             <a:endParaRPr lang="zh-CN" altLang="en-US"/>
@@ -5698,6 +5579,7 @@
           <a:bodyPr vertOverflow="overflow" horzOverflow="overflow" vert="horz" wrap="square" numCol="1" spcCol="0" rtlCol="0" fromWordArt="0" anchor="ctr" anchorCtr="0" forceAA="0" compatLnSpc="1">
             <a:noAutofit/>
           </a:bodyPr>
+          <a:lstStyle/>
           <a:p>
             <a:pPr lvl="0" algn="ctr">
               <a:buClrTx/>
@@ -5710,9 +5592,6 @@
               </a:rPr>
               <a:t>x</a:t>
             </a:r>
-            <a:endParaRPr lang="en-US" altLang="zh-CN">
-              <a:sym typeface="+mn-ea"/>
-            </a:endParaRPr>
           </a:p>
         </p:txBody>
       </p:sp>
@@ -5749,6 +5628,7 @@
           <a:bodyPr vertOverflow="overflow" horzOverflow="overflow" vert="horz" wrap="square" numCol="1" spcCol="0" rtlCol="0" fromWordArt="0" anchor="ctr" anchorCtr="0" forceAA="0" compatLnSpc="1">
             <a:noAutofit/>
           </a:bodyPr>
+          <a:lstStyle/>
           <a:p>
             <a:pPr lvl="0" algn="ctr">
               <a:buClrTx/>
@@ -5761,9 +5641,6 @@
               </a:rPr>
               <a:t>y</a:t>
             </a:r>
-            <a:endParaRPr lang="en-US" altLang="zh-CN">
-              <a:sym typeface="+mn-ea"/>
-            </a:endParaRPr>
           </a:p>
         </p:txBody>
       </p:sp>
@@ -5787,6 +5664,7 @@
           <a:bodyPr wrap="none" rtlCol="0">
             <a:spAutoFit/>
           </a:bodyPr>
+          <a:lstStyle/>
           <a:p>
             <a:pPr algn="l"/>
             <a:r>
@@ -5814,11 +5692,6 @@
               </a:rPr>
               <a:t>）</a:t>
             </a:r>
-            <a:endParaRPr lang="zh-CN" altLang="en-US" sz="1200">
-              <a:solidFill>
-                <a:schemeClr val="bg1"/>
-              </a:solidFill>
-            </a:endParaRPr>
           </a:p>
         </p:txBody>
       </p:sp>
@@ -5855,6 +5728,7 @@
         </p:style>
         <p:txBody>
           <a:bodyPr rtlCol="0" anchor="ctr"/>
+          <a:lstStyle/>
           <a:p>
             <a:pPr algn="ctr"/>
             <a:endParaRPr lang="zh-CN" altLang="en-US"/>
@@ -5894,6 +5768,7 @@
           <a:bodyPr vertOverflow="overflow" horzOverflow="overflow" vert="horz" wrap="square" numCol="1" spcCol="0" rtlCol="0" fromWordArt="0" anchor="ctr" anchorCtr="0" forceAA="0" compatLnSpc="1">
             <a:noAutofit/>
           </a:bodyPr>
+          <a:lstStyle/>
           <a:p>
             <a:pPr lvl="0" algn="ctr">
               <a:buClrTx/>
@@ -5906,9 +5781,6 @@
               </a:rPr>
               <a:t>x</a:t>
             </a:r>
-            <a:endParaRPr lang="en-US" altLang="zh-CN">
-              <a:sym typeface="+mn-ea"/>
-            </a:endParaRPr>
           </a:p>
         </p:txBody>
       </p:sp>
@@ -5945,6 +5817,7 @@
           <a:bodyPr vertOverflow="overflow" horzOverflow="overflow" vert="horz" wrap="square" numCol="1" spcCol="0" rtlCol="0" fromWordArt="0" anchor="ctr" anchorCtr="0" forceAA="0" compatLnSpc="1">
             <a:noAutofit/>
           </a:bodyPr>
+          <a:lstStyle/>
           <a:p>
             <a:pPr lvl="0" algn="ctr">
               <a:buClrTx/>
@@ -5957,9 +5830,6 @@
               </a:rPr>
               <a:t>y</a:t>
             </a:r>
-            <a:endParaRPr lang="en-US" altLang="zh-CN">
-              <a:sym typeface="+mn-ea"/>
-            </a:endParaRPr>
           </a:p>
         </p:txBody>
       </p:sp>
@@ -5983,6 +5853,7 @@
           <a:bodyPr wrap="none" rtlCol="0">
             <a:spAutoFit/>
           </a:bodyPr>
+          <a:lstStyle/>
           <a:p>
             <a:pPr algn="l"/>
             <a:r>
@@ -5993,11 +5864,6 @@
               </a:rPr>
               <a:t>L3 Cache</a:t>
             </a:r>
-            <a:endParaRPr lang="en-US" sz="1200">
-              <a:solidFill>
-                <a:schemeClr val="bg1"/>
-              </a:solidFill>
-            </a:endParaRPr>
           </a:p>
         </p:txBody>
       </p:sp>
@@ -6034,6 +5900,7 @@
         </p:style>
         <p:txBody>
           <a:bodyPr rtlCol="0" anchor="ctr"/>
+          <a:lstStyle/>
           <a:p>
             <a:pPr algn="ctr"/>
             <a:endParaRPr lang="zh-CN" altLang="en-US"/>
@@ -6073,6 +5940,7 @@
           <a:bodyPr vertOverflow="overflow" horzOverflow="overflow" vert="horz" wrap="square" numCol="1" spcCol="0" rtlCol="0" fromWordArt="0" anchor="ctr" anchorCtr="0" forceAA="0" compatLnSpc="1">
             <a:noAutofit/>
           </a:bodyPr>
+          <a:lstStyle/>
           <a:p>
             <a:pPr lvl="0" algn="ctr">
               <a:buClrTx/>
@@ -6085,9 +5953,6 @@
               </a:rPr>
               <a:t>x</a:t>
             </a:r>
-            <a:endParaRPr lang="en-US" altLang="zh-CN">
-              <a:sym typeface="+mn-ea"/>
-            </a:endParaRPr>
           </a:p>
         </p:txBody>
       </p:sp>
@@ -6124,6 +5989,7 @@
           <a:bodyPr vertOverflow="overflow" horzOverflow="overflow" vert="horz" wrap="square" numCol="1" spcCol="0" rtlCol="0" fromWordArt="0" anchor="ctr" anchorCtr="0" forceAA="0" compatLnSpc="1">
             <a:noAutofit/>
           </a:bodyPr>
+          <a:lstStyle/>
           <a:p>
             <a:pPr lvl="0" algn="ctr">
               <a:buClrTx/>
@@ -6136,9 +6002,6 @@
               </a:rPr>
               <a:t>y</a:t>
             </a:r>
-            <a:endParaRPr lang="en-US" altLang="zh-CN">
-              <a:sym typeface="+mn-ea"/>
-            </a:endParaRPr>
           </a:p>
         </p:txBody>
       </p:sp>
@@ -6162,6 +6025,7 @@
           <a:bodyPr wrap="none" rtlCol="0">
             <a:spAutoFit/>
           </a:bodyPr>
+          <a:lstStyle/>
           <a:p>
             <a:pPr algn="l"/>
             <a:r>
@@ -6172,11 +6036,6 @@
               </a:rPr>
               <a:t>L2 Cache</a:t>
             </a:r>
-            <a:endParaRPr lang="en-US" sz="1200">
-              <a:solidFill>
-                <a:schemeClr val="bg1"/>
-              </a:solidFill>
-            </a:endParaRPr>
           </a:p>
         </p:txBody>
       </p:sp>
@@ -6213,6 +6072,7 @@
         </p:style>
         <p:txBody>
           <a:bodyPr rtlCol="0" anchor="ctr"/>
+          <a:lstStyle/>
           <a:p>
             <a:pPr algn="ctr"/>
             <a:endParaRPr lang="zh-CN" altLang="en-US"/>
@@ -6252,6 +6112,7 @@
           <a:bodyPr vertOverflow="overflow" horzOverflow="overflow" vert="horz" wrap="square" numCol="1" spcCol="0" rtlCol="0" fromWordArt="0" anchor="ctr" anchorCtr="0" forceAA="0" compatLnSpc="1">
             <a:noAutofit/>
           </a:bodyPr>
+          <a:lstStyle/>
           <a:p>
             <a:pPr lvl="0" algn="ctr">
               <a:buClrTx/>
@@ -6264,9 +6125,6 @@
               </a:rPr>
               <a:t>x</a:t>
             </a:r>
-            <a:endParaRPr lang="en-US" altLang="zh-CN">
-              <a:sym typeface="+mn-ea"/>
-            </a:endParaRPr>
           </a:p>
         </p:txBody>
       </p:sp>
@@ -6303,6 +6161,7 @@
           <a:bodyPr vertOverflow="overflow" horzOverflow="overflow" vert="horz" wrap="square" numCol="1" spcCol="0" rtlCol="0" fromWordArt="0" anchor="ctr" anchorCtr="0" forceAA="0" compatLnSpc="1">
             <a:noAutofit/>
           </a:bodyPr>
+          <a:lstStyle/>
           <a:p>
             <a:pPr lvl="0" algn="ctr">
               <a:buClrTx/>
@@ -6315,9 +6174,6 @@
               </a:rPr>
               <a:t>y</a:t>
             </a:r>
-            <a:endParaRPr lang="en-US" altLang="zh-CN">
-              <a:sym typeface="+mn-ea"/>
-            </a:endParaRPr>
           </a:p>
         </p:txBody>
       </p:sp>
@@ -6341,6 +6197,7 @@
           <a:bodyPr wrap="none" rtlCol="0">
             <a:spAutoFit/>
           </a:bodyPr>
+          <a:lstStyle/>
           <a:p>
             <a:pPr algn="l"/>
             <a:r>
@@ -6351,11 +6208,6 @@
               </a:rPr>
               <a:t>L1 Cache</a:t>
             </a:r>
-            <a:endParaRPr lang="en-US" sz="1200">
-              <a:solidFill>
-                <a:schemeClr val="bg1"/>
-              </a:solidFill>
-            </a:endParaRPr>
           </a:p>
         </p:txBody>
       </p:sp>
@@ -6392,6 +6244,7 @@
         </p:style>
         <p:txBody>
           <a:bodyPr rtlCol="0" anchor="ctr"/>
+          <a:lstStyle/>
           <a:p>
             <a:pPr algn="ctr"/>
             <a:r>
@@ -6405,7 +6258,6 @@
               <a:rPr lang="zh-CN" altLang="en-US" sz="1200"/>
               <a:t>与寄存器</a:t>
             </a:r>
-            <a:endParaRPr lang="zh-CN" altLang="en-US" sz="1200"/>
           </a:p>
         </p:txBody>
       </p:sp>
@@ -6452,6 +6304,7 @@
         </p:style>
         <p:txBody>
           <a:bodyPr rtlCol="0" anchor="ctr"/>
+          <a:lstStyle/>
           <a:p>
             <a:pPr algn="ctr"/>
             <a:endParaRPr lang="zh-CN" altLang="en-US"/>
@@ -6491,6 +6344,7 @@
         </p:style>
         <p:txBody>
           <a:bodyPr rtlCol="0" anchor="ctr"/>
+          <a:lstStyle/>
           <a:p>
             <a:pPr algn="ctr"/>
             <a:endParaRPr lang="zh-CN" altLang="en-US"/>
@@ -6530,6 +6384,7 @@
           <a:bodyPr vertOverflow="overflow" horzOverflow="overflow" vert="horz" wrap="square" numCol="1" spcCol="0" rtlCol="0" fromWordArt="0" anchor="ctr" anchorCtr="0" forceAA="0" compatLnSpc="1">
             <a:noAutofit/>
           </a:bodyPr>
+          <a:lstStyle/>
           <a:p>
             <a:pPr lvl="0" algn="ctr">
               <a:buClrTx/>
@@ -6542,9 +6397,6 @@
               </a:rPr>
               <a:t>x</a:t>
             </a:r>
-            <a:endParaRPr lang="en-US" altLang="zh-CN">
-              <a:sym typeface="+mn-ea"/>
-            </a:endParaRPr>
           </a:p>
         </p:txBody>
       </p:sp>
@@ -6581,6 +6433,7 @@
           <a:bodyPr vertOverflow="overflow" horzOverflow="overflow" vert="horz" wrap="square" numCol="1" spcCol="0" rtlCol="0" fromWordArt="0" anchor="ctr" anchorCtr="0" forceAA="0" compatLnSpc="1">
             <a:noAutofit/>
           </a:bodyPr>
+          <a:lstStyle/>
           <a:p>
             <a:pPr lvl="0" algn="ctr">
               <a:buClrTx/>
@@ -6593,9 +6446,6 @@
               </a:rPr>
               <a:t>y</a:t>
             </a:r>
-            <a:endParaRPr lang="en-US" altLang="zh-CN">
-              <a:sym typeface="+mn-ea"/>
-            </a:endParaRPr>
           </a:p>
         </p:txBody>
       </p:sp>
@@ -6619,6 +6469,7 @@
           <a:bodyPr wrap="none" rtlCol="0">
             <a:spAutoFit/>
           </a:bodyPr>
+          <a:lstStyle/>
           <a:p>
             <a:pPr algn="l"/>
             <a:r>
@@ -6629,11 +6480,6 @@
               </a:rPr>
               <a:t>L2 Cache</a:t>
             </a:r>
-            <a:endParaRPr lang="en-US" sz="1200">
-              <a:solidFill>
-                <a:schemeClr val="bg1"/>
-              </a:solidFill>
-            </a:endParaRPr>
           </a:p>
         </p:txBody>
       </p:sp>
@@ -6670,6 +6516,7 @@
         </p:style>
         <p:txBody>
           <a:bodyPr rtlCol="0" anchor="ctr"/>
+          <a:lstStyle/>
           <a:p>
             <a:pPr algn="ctr"/>
             <a:endParaRPr lang="zh-CN" altLang="en-US"/>
@@ -6709,6 +6556,7 @@
           <a:bodyPr vertOverflow="overflow" horzOverflow="overflow" vert="horz" wrap="square" numCol="1" spcCol="0" rtlCol="0" fromWordArt="0" anchor="ctr" anchorCtr="0" forceAA="0" compatLnSpc="1">
             <a:noAutofit/>
           </a:bodyPr>
+          <a:lstStyle/>
           <a:p>
             <a:pPr lvl="0" algn="ctr">
               <a:buClrTx/>
@@ -6721,9 +6569,6 @@
               </a:rPr>
               <a:t>x</a:t>
             </a:r>
-            <a:endParaRPr lang="en-US" altLang="zh-CN">
-              <a:sym typeface="+mn-ea"/>
-            </a:endParaRPr>
           </a:p>
         </p:txBody>
       </p:sp>
@@ -6760,6 +6605,7 @@
           <a:bodyPr vertOverflow="overflow" horzOverflow="overflow" vert="horz" wrap="square" numCol="1" spcCol="0" rtlCol="0" fromWordArt="0" anchor="ctr" anchorCtr="0" forceAA="0" compatLnSpc="1">
             <a:noAutofit/>
           </a:bodyPr>
+          <a:lstStyle/>
           <a:p>
             <a:pPr lvl="0" algn="ctr">
               <a:buClrTx/>
@@ -6772,9 +6618,6 @@
               </a:rPr>
               <a:t>y</a:t>
             </a:r>
-            <a:endParaRPr lang="en-US" altLang="zh-CN">
-              <a:sym typeface="+mn-ea"/>
-            </a:endParaRPr>
           </a:p>
         </p:txBody>
       </p:sp>
@@ -6798,6 +6641,7 @@
           <a:bodyPr wrap="none" rtlCol="0">
             <a:spAutoFit/>
           </a:bodyPr>
+          <a:lstStyle/>
           <a:p>
             <a:pPr algn="l"/>
             <a:r>
@@ -6808,11 +6652,6 @@
               </a:rPr>
               <a:t>L1 Cache</a:t>
             </a:r>
-            <a:endParaRPr lang="en-US" sz="1200">
-              <a:solidFill>
-                <a:schemeClr val="bg1"/>
-              </a:solidFill>
-            </a:endParaRPr>
           </a:p>
         </p:txBody>
       </p:sp>
@@ -6849,6 +6688,7 @@
         </p:style>
         <p:txBody>
           <a:bodyPr rtlCol="0" anchor="ctr"/>
+          <a:lstStyle/>
           <a:p>
             <a:pPr algn="ctr"/>
             <a:r>
@@ -6862,7 +6702,6 @@
               <a:rPr lang="zh-CN" altLang="en-US" sz="1200"/>
               <a:t>与寄存器</a:t>
             </a:r>
-            <a:endParaRPr lang="zh-CN" altLang="en-US" sz="1200"/>
           </a:p>
         </p:txBody>
       </p:sp>
@@ -6909,6 +6748,7 @@
         </p:style>
         <p:txBody>
           <a:bodyPr rtlCol="0" anchor="ctr"/>
+          <a:lstStyle/>
           <a:p>
             <a:pPr algn="ctr"/>
             <a:endParaRPr lang="zh-CN" altLang="en-US"/>
@@ -7098,12 +6938,12 @@
           <a:bodyPr wrap="none" rtlCol="0">
             <a:spAutoFit/>
           </a:bodyPr>
+          <a:lstStyle/>
           <a:p>
             <a:r>
               <a:rPr lang="en-US" altLang="zh-CN"/>
               <a:t>CPU1</a:t>
             </a:r>
-            <a:endParaRPr lang="en-US" altLang="zh-CN"/>
           </a:p>
         </p:txBody>
       </p:sp>
@@ -7127,12 +6967,12 @@
           <a:bodyPr wrap="none" rtlCol="0">
             <a:spAutoFit/>
           </a:bodyPr>
+          <a:lstStyle/>
           <a:p>
             <a:r>
               <a:rPr lang="en-US" altLang="zh-CN"/>
               <a:t>CPU2</a:t>
             </a:r>
-            <a:endParaRPr lang="en-US" altLang="zh-CN"/>
           </a:p>
         </p:txBody>
       </p:sp>
@@ -7161,7 +7001,14 @@
         <p:cNvGrpSpPr/>
         <p:nvPr/>
       </p:nvGrpSpPr>
-      <p:grpSpPr/>
+      <p:grpSpPr>
+        <a:xfrm>
+          <a:off x="0" y="0"/>
+          <a:ext cx="0" cy="0"/>
+          <a:chOff x="0" y="0"/>
+          <a:chExt cx="0" cy="0"/>
+        </a:xfrm>
+      </p:grpSpPr>
       <p:sp>
         <p:nvSpPr>
           <p:cNvPr id="9" name="矩形 8"/>
@@ -7195,6 +7042,7 @@
         </p:style>
         <p:txBody>
           <a:bodyPr rtlCol="0" anchor="ctr"/>
+          <a:lstStyle/>
           <a:p>
             <a:pPr algn="ctr"/>
             <a:endParaRPr lang="zh-CN" altLang="en-US"/>
@@ -7221,6 +7069,7 @@
           <a:bodyPr wrap="none" rtlCol="0">
             <a:spAutoFit/>
           </a:bodyPr>
+          <a:lstStyle/>
           <a:p>
             <a:pPr algn="l"/>
             <a:r>
@@ -7248,11 +7097,6 @@
               </a:rPr>
               <a:t>）</a:t>
             </a:r>
-            <a:endParaRPr lang="zh-CN" altLang="en-US" sz="1200">
-              <a:solidFill>
-                <a:schemeClr val="bg1"/>
-              </a:solidFill>
-            </a:endParaRPr>
           </a:p>
         </p:txBody>
       </p:sp>
@@ -7289,6 +7133,7 @@
         </p:style>
         <p:txBody>
           <a:bodyPr rtlCol="0" anchor="ctr"/>
+          <a:lstStyle/>
           <a:p>
             <a:pPr algn="ctr"/>
             <a:endParaRPr lang="en-US" altLang="zh-CN" sz="1200">
@@ -7318,6 +7163,7 @@
           <a:bodyPr wrap="none" rtlCol="0">
             <a:spAutoFit/>
           </a:bodyPr>
+          <a:lstStyle/>
           <a:p>
             <a:pPr algn="l"/>
             <a:r>
@@ -7336,11 +7182,6 @@
               </a:rPr>
               <a:t>（多核共享）</a:t>
             </a:r>
-            <a:endParaRPr lang="zh-CN" altLang="en-US" sz="1200">
-              <a:solidFill>
-                <a:schemeClr val="bg1"/>
-              </a:solidFill>
-            </a:endParaRPr>
           </a:p>
         </p:txBody>
       </p:sp>
@@ -7377,6 +7218,7 @@
         </p:style>
         <p:txBody>
           <a:bodyPr rtlCol="0" anchor="ctr"/>
+          <a:lstStyle/>
           <a:p>
             <a:pPr algn="ctr"/>
             <a:endParaRPr lang="zh-CN" altLang="en-US"/>
@@ -7416,6 +7258,7 @@
           <a:bodyPr vertOverflow="overflow" horzOverflow="overflow" vert="horz" wrap="square" numCol="1" spcCol="0" rtlCol="0" fromWordArt="0" anchor="ctr" anchorCtr="0" forceAA="0" compatLnSpc="1">
             <a:noAutofit/>
           </a:bodyPr>
+          <a:lstStyle/>
           <a:p>
             <a:pPr lvl="0" algn="ctr">
               <a:buClrTx/>
@@ -7428,9 +7271,6 @@
               </a:rPr>
               <a:t>x</a:t>
             </a:r>
-            <a:endParaRPr lang="en-US" altLang="zh-CN">
-              <a:sym typeface="+mn-ea"/>
-            </a:endParaRPr>
           </a:p>
         </p:txBody>
       </p:sp>
@@ -7467,6 +7307,7 @@
           <a:bodyPr vertOverflow="overflow" horzOverflow="overflow" vert="horz" wrap="square" numCol="1" spcCol="0" rtlCol="0" fromWordArt="0" anchor="ctr" anchorCtr="0" forceAA="0" compatLnSpc="1">
             <a:noAutofit/>
           </a:bodyPr>
+          <a:lstStyle/>
           <a:p>
             <a:pPr lvl="0" algn="ctr">
               <a:buClrTx/>
@@ -7479,9 +7320,6 @@
               </a:rPr>
               <a:t>y</a:t>
             </a:r>
-            <a:endParaRPr lang="en-US" altLang="zh-CN">
-              <a:sym typeface="+mn-ea"/>
-            </a:endParaRPr>
           </a:p>
         </p:txBody>
       </p:sp>
@@ -7505,6 +7343,7 @@
           <a:bodyPr wrap="none" rtlCol="0">
             <a:spAutoFit/>
           </a:bodyPr>
+          <a:lstStyle/>
           <a:p>
             <a:pPr algn="l"/>
             <a:r>
@@ -7515,11 +7354,6 @@
               </a:rPr>
               <a:t>L2 Cache</a:t>
             </a:r>
-            <a:endParaRPr lang="en-US" sz="1200">
-              <a:solidFill>
-                <a:schemeClr val="bg1"/>
-              </a:solidFill>
-            </a:endParaRPr>
           </a:p>
         </p:txBody>
       </p:sp>
@@ -7556,6 +7390,7 @@
         </p:style>
         <p:txBody>
           <a:bodyPr rtlCol="0" anchor="ctr"/>
+          <a:lstStyle/>
           <a:p>
             <a:pPr algn="ctr"/>
             <a:endParaRPr lang="zh-CN" altLang="en-US"/>
@@ -7595,6 +7430,7 @@
           <a:bodyPr vertOverflow="overflow" horzOverflow="overflow" vert="horz" wrap="square" numCol="1" spcCol="0" rtlCol="0" fromWordArt="0" anchor="ctr" anchorCtr="0" forceAA="0" compatLnSpc="1">
             <a:noAutofit/>
           </a:bodyPr>
+          <a:lstStyle/>
           <a:p>
             <a:pPr lvl="0" algn="ctr">
               <a:buClrTx/>
@@ -7607,9 +7443,6 @@
               </a:rPr>
               <a:t>x</a:t>
             </a:r>
-            <a:endParaRPr lang="en-US" altLang="zh-CN">
-              <a:sym typeface="+mn-ea"/>
-            </a:endParaRPr>
           </a:p>
         </p:txBody>
       </p:sp>
@@ -7646,6 +7479,7 @@
           <a:bodyPr vertOverflow="overflow" horzOverflow="overflow" vert="horz" wrap="square" numCol="1" spcCol="0" rtlCol="0" fromWordArt="0" anchor="ctr" anchorCtr="0" forceAA="0" compatLnSpc="1">
             <a:noAutofit/>
           </a:bodyPr>
+          <a:lstStyle/>
           <a:p>
             <a:pPr lvl="0" algn="ctr">
               <a:buClrTx/>
@@ -7658,9 +7492,6 @@
               </a:rPr>
               <a:t>y</a:t>
             </a:r>
-            <a:endParaRPr lang="en-US" altLang="zh-CN">
-              <a:sym typeface="+mn-ea"/>
-            </a:endParaRPr>
           </a:p>
         </p:txBody>
       </p:sp>
@@ -7684,6 +7515,7 @@
           <a:bodyPr wrap="none" rtlCol="0">
             <a:spAutoFit/>
           </a:bodyPr>
+          <a:lstStyle/>
           <a:p>
             <a:pPr algn="l"/>
             <a:r>
@@ -7694,11 +7526,6 @@
               </a:rPr>
               <a:t>L1 Cache</a:t>
             </a:r>
-            <a:endParaRPr lang="en-US" sz="1200">
-              <a:solidFill>
-                <a:schemeClr val="bg1"/>
-              </a:solidFill>
-            </a:endParaRPr>
           </a:p>
         </p:txBody>
       </p:sp>
@@ -7735,6 +7562,7 @@
         </p:style>
         <p:txBody>
           <a:bodyPr rtlCol="0" anchor="ctr"/>
+          <a:lstStyle/>
           <a:p>
             <a:pPr algn="ctr"/>
             <a:r>
@@ -7751,7 +7579,6 @@
               <a:rPr lang="zh-CN" altLang="en-US" sz="1200"/>
               <a:t>）</a:t>
             </a:r>
-            <a:endParaRPr lang="zh-CN" altLang="en-US" sz="1200"/>
           </a:p>
         </p:txBody>
       </p:sp>
@@ -7798,6 +7625,7 @@
         </p:style>
         <p:txBody>
           <a:bodyPr rtlCol="0" anchor="ctr"/>
+          <a:lstStyle/>
           <a:p>
             <a:pPr algn="ctr"/>
             <a:endParaRPr lang="zh-CN" altLang="en-US"/>
@@ -7824,12 +7652,12 @@
           <a:bodyPr wrap="none" rtlCol="0">
             <a:spAutoFit/>
           </a:bodyPr>
+          <a:lstStyle/>
           <a:p>
             <a:r>
               <a:rPr lang="en-US" altLang="zh-CN"/>
               <a:t>Core0</a:t>
             </a:r>
-            <a:endParaRPr lang="en-US" altLang="zh-CN"/>
           </a:p>
         </p:txBody>
       </p:sp>
@@ -7882,6 +7710,7 @@
         </p:style>
         <p:txBody>
           <a:bodyPr rtlCol="0" anchor="ctr"/>
+          <a:lstStyle/>
           <a:p>
             <a:pPr algn="ctr"/>
             <a:endParaRPr lang="zh-CN" altLang="en-US"/>
@@ -7921,6 +7750,7 @@
           <a:bodyPr vertOverflow="overflow" horzOverflow="overflow" vert="horz" wrap="square" numCol="1" spcCol="0" rtlCol="0" fromWordArt="0" anchor="ctr" anchorCtr="0" forceAA="0" compatLnSpc="1">
             <a:noAutofit/>
           </a:bodyPr>
+          <a:lstStyle/>
           <a:p>
             <a:pPr lvl="0" algn="ctr">
               <a:buClrTx/>
@@ -7933,9 +7763,6 @@
               </a:rPr>
               <a:t>x</a:t>
             </a:r>
-            <a:endParaRPr lang="en-US" altLang="zh-CN">
-              <a:sym typeface="+mn-ea"/>
-            </a:endParaRPr>
           </a:p>
         </p:txBody>
       </p:sp>
@@ -7972,6 +7799,7 @@
           <a:bodyPr vertOverflow="overflow" horzOverflow="overflow" vert="horz" wrap="square" numCol="1" spcCol="0" rtlCol="0" fromWordArt="0" anchor="ctr" anchorCtr="0" forceAA="0" compatLnSpc="1">
             <a:noAutofit/>
           </a:bodyPr>
+          <a:lstStyle/>
           <a:p>
             <a:pPr lvl="0" algn="ctr">
               <a:buClrTx/>
@@ -7984,9 +7812,6 @@
               </a:rPr>
               <a:t>y</a:t>
             </a:r>
-            <a:endParaRPr lang="en-US" altLang="zh-CN">
-              <a:sym typeface="+mn-ea"/>
-            </a:endParaRPr>
           </a:p>
         </p:txBody>
       </p:sp>
@@ -8039,6 +7864,7 @@
         </p:style>
         <p:txBody>
           <a:bodyPr rtlCol="0" anchor="ctr"/>
+          <a:lstStyle/>
           <a:p>
             <a:pPr algn="ctr"/>
             <a:endParaRPr lang="zh-CN" altLang="en-US"/>
@@ -8096,6 +7922,7 @@
           <a:bodyPr vertOverflow="overflow" horzOverflow="overflow" vert="horz" wrap="square" numCol="1" spcCol="0" rtlCol="0" fromWordArt="0" anchor="ctr" anchorCtr="0" forceAA="0" compatLnSpc="1">
             <a:noAutofit/>
           </a:bodyPr>
+          <a:lstStyle/>
           <a:p>
             <a:pPr lvl="0" algn="ctr">
               <a:buClrTx/>
@@ -8108,9 +7935,6 @@
               </a:rPr>
               <a:t>cache line</a:t>
             </a:r>
-            <a:endParaRPr lang="zh-CN" altLang="en-US" sz="1200">
-              <a:sym typeface="+mn-ea"/>
-            </a:endParaRPr>
           </a:p>
         </p:txBody>
       </p:sp>
@@ -8163,6 +7987,7 @@
         </p:style>
         <p:txBody>
           <a:bodyPr rtlCol="0" anchor="ctr"/>
+          <a:lstStyle/>
           <a:p>
             <a:pPr algn="ctr"/>
             <a:endParaRPr lang="zh-CN" altLang="en-US"/>
@@ -8266,6 +8091,7 @@
         </p:style>
         <p:txBody>
           <a:bodyPr rtlCol="0" anchor="ctr"/>
+          <a:lstStyle/>
           <a:p>
             <a:pPr algn="ctr"/>
             <a:endParaRPr lang="zh-CN" altLang="en-US"/>
@@ -8305,6 +8131,7 @@
           <a:bodyPr vertOverflow="overflow" horzOverflow="overflow" vert="horz" wrap="square" numCol="1" spcCol="0" rtlCol="0" fromWordArt="0" anchor="ctr" anchorCtr="0" forceAA="0" compatLnSpc="1">
             <a:noAutofit/>
           </a:bodyPr>
+          <a:lstStyle/>
           <a:p>
             <a:pPr lvl="0" algn="ctr">
               <a:buClrTx/>
@@ -8317,9 +8144,6 @@
               </a:rPr>
               <a:t>x</a:t>
             </a:r>
-            <a:endParaRPr lang="en-US" altLang="zh-CN">
-              <a:sym typeface="+mn-ea"/>
-            </a:endParaRPr>
           </a:p>
         </p:txBody>
       </p:sp>
@@ -8356,6 +8180,7 @@
           <a:bodyPr vertOverflow="overflow" horzOverflow="overflow" vert="horz" wrap="square" numCol="1" spcCol="0" rtlCol="0" fromWordArt="0" anchor="ctr" anchorCtr="0" forceAA="0" compatLnSpc="1">
             <a:noAutofit/>
           </a:bodyPr>
+          <a:lstStyle/>
           <a:p>
             <a:pPr lvl="0" algn="ctr">
               <a:buClrTx/>
@@ -8368,9 +8193,6 @@
               </a:rPr>
               <a:t>y</a:t>
             </a:r>
-            <a:endParaRPr lang="en-US" altLang="zh-CN">
-              <a:sym typeface="+mn-ea"/>
-            </a:endParaRPr>
           </a:p>
         </p:txBody>
       </p:sp>
@@ -8394,6 +8216,7 @@
           <a:bodyPr wrap="none" rtlCol="0">
             <a:spAutoFit/>
           </a:bodyPr>
+          <a:lstStyle/>
           <a:p>
             <a:pPr algn="l"/>
             <a:r>
@@ -8404,11 +8227,6 @@
               </a:rPr>
               <a:t>L2 Cache</a:t>
             </a:r>
-            <a:endParaRPr lang="en-US" sz="1200">
-              <a:solidFill>
-                <a:schemeClr val="bg1"/>
-              </a:solidFill>
-            </a:endParaRPr>
           </a:p>
         </p:txBody>
       </p:sp>
@@ -8445,6 +8263,7 @@
         </p:style>
         <p:txBody>
           <a:bodyPr rtlCol="0" anchor="ctr"/>
+          <a:lstStyle/>
           <a:p>
             <a:pPr algn="ctr"/>
             <a:endParaRPr lang="zh-CN" altLang="en-US"/>
@@ -8484,6 +8303,7 @@
           <a:bodyPr vertOverflow="overflow" horzOverflow="overflow" vert="horz" wrap="square" numCol="1" spcCol="0" rtlCol="0" fromWordArt="0" anchor="ctr" anchorCtr="0" forceAA="0" compatLnSpc="1">
             <a:noAutofit/>
           </a:bodyPr>
+          <a:lstStyle/>
           <a:p>
             <a:pPr lvl="0" algn="ctr">
               <a:buClrTx/>
@@ -8496,9 +8316,6 @@
               </a:rPr>
               <a:t>x</a:t>
             </a:r>
-            <a:endParaRPr lang="en-US" altLang="zh-CN">
-              <a:sym typeface="+mn-ea"/>
-            </a:endParaRPr>
           </a:p>
         </p:txBody>
       </p:sp>
@@ -8535,6 +8352,7 @@
           <a:bodyPr vertOverflow="overflow" horzOverflow="overflow" vert="horz" wrap="square" numCol="1" spcCol="0" rtlCol="0" fromWordArt="0" anchor="ctr" anchorCtr="0" forceAA="0" compatLnSpc="1">
             <a:noAutofit/>
           </a:bodyPr>
+          <a:lstStyle/>
           <a:p>
             <a:pPr lvl="0" algn="ctr">
               <a:buClrTx/>
@@ -8547,9 +8365,6 @@
               </a:rPr>
               <a:t>y</a:t>
             </a:r>
-            <a:endParaRPr lang="en-US" altLang="zh-CN">
-              <a:sym typeface="+mn-ea"/>
-            </a:endParaRPr>
           </a:p>
         </p:txBody>
       </p:sp>
@@ -8573,6 +8388,7 @@
           <a:bodyPr wrap="none" rtlCol="0">
             <a:spAutoFit/>
           </a:bodyPr>
+          <a:lstStyle/>
           <a:p>
             <a:pPr algn="l"/>
             <a:r>
@@ -8583,11 +8399,6 @@
               </a:rPr>
               <a:t>L1 Cache</a:t>
             </a:r>
-            <a:endParaRPr lang="en-US" sz="1200">
-              <a:solidFill>
-                <a:schemeClr val="bg1"/>
-              </a:solidFill>
-            </a:endParaRPr>
           </a:p>
         </p:txBody>
       </p:sp>
@@ -8624,6 +8435,7 @@
         </p:style>
         <p:txBody>
           <a:bodyPr rtlCol="0" anchor="ctr"/>
+          <a:lstStyle/>
           <a:p>
             <a:pPr algn="ctr"/>
             <a:r>
@@ -8640,7 +8452,6 @@
               <a:rPr lang="zh-CN" altLang="en-US" sz="1200"/>
               <a:t>）</a:t>
             </a:r>
-            <a:endParaRPr lang="zh-CN" altLang="en-US" sz="1200"/>
           </a:p>
         </p:txBody>
       </p:sp>
@@ -8687,6 +8498,7 @@
         </p:style>
         <p:txBody>
           <a:bodyPr rtlCol="0" anchor="ctr"/>
+          <a:lstStyle/>
           <a:p>
             <a:pPr algn="ctr"/>
             <a:endParaRPr lang="zh-CN" altLang="en-US"/>
@@ -8713,12 +8525,12 @@
           <a:bodyPr wrap="none" rtlCol="0">
             <a:spAutoFit/>
           </a:bodyPr>
+          <a:lstStyle/>
           <a:p>
             <a:r>
               <a:rPr lang="en-US" altLang="zh-CN"/>
               <a:t>Core3</a:t>
             </a:r>
-            <a:endParaRPr lang="en-US" altLang="zh-CN"/>
           </a:p>
         </p:txBody>
       </p:sp>
@@ -8771,6 +8583,7 @@
         </p:style>
         <p:txBody>
           <a:bodyPr rtlCol="0" anchor="ctr"/>
+          <a:lstStyle/>
           <a:p>
             <a:pPr algn="ctr"/>
             <a:endParaRPr lang="zh-CN" altLang="en-US"/>
@@ -8826,6 +8639,7 @@
         </p:style>
         <p:txBody>
           <a:bodyPr rtlCol="0" anchor="ctr"/>
+          <a:lstStyle/>
           <a:p>
             <a:pPr algn="ctr"/>
             <a:endParaRPr lang="zh-CN" altLang="en-US"/>
@@ -8949,6 +8763,7 @@
           <a:bodyPr vertOverflow="overflow" horzOverflow="overflow" vert="horz" wrap="square" numCol="1" spcCol="0" rtlCol="0" fromWordArt="0" anchor="ctr" anchorCtr="0" forceAA="0" compatLnSpc="1">
             <a:noAutofit/>
           </a:bodyPr>
+          <a:lstStyle/>
           <a:p>
             <a:pPr lvl="0" algn="ctr">
               <a:buClrTx/>
@@ -8981,12 +8796,12 @@
           <a:bodyPr wrap="square" rtlCol="0">
             <a:spAutoFit/>
           </a:bodyPr>
+          <a:lstStyle/>
           <a:p>
             <a:r>
               <a:rPr lang="en-US" altLang="zh-CN"/>
               <a:t>...</a:t>
             </a:r>
-            <a:endParaRPr lang="en-US" altLang="zh-CN"/>
           </a:p>
         </p:txBody>
       </p:sp>
@@ -9010,6 +8825,7 @@
           <a:bodyPr wrap="none" rtlCol="0">
             <a:spAutoFit/>
           </a:bodyPr>
+          <a:lstStyle/>
           <a:p>
             <a:r>
               <a:rPr lang="zh-CN" altLang="en-US">
@@ -9019,11 +8835,6 @@
               </a:rPr>
               <a:t>处理器封装</a:t>
             </a:r>
-            <a:endParaRPr lang="zh-CN" altLang="en-US">
-              <a:solidFill>
-                <a:schemeClr val="tx1"/>
-              </a:solidFill>
-            </a:endParaRPr>
           </a:p>
         </p:txBody>
       </p:sp>
@@ -9060,6 +8871,7 @@
           <a:bodyPr vertOverflow="overflow" horzOverflow="overflow" vert="horz" wrap="square" numCol="1" spcCol="0" rtlCol="0" fromWordArt="0" anchor="ctr" anchorCtr="0" forceAA="0" compatLnSpc="1">
             <a:noAutofit/>
           </a:bodyPr>
+          <a:lstStyle/>
           <a:p>
             <a:pPr lvl="0" algn="ctr">
               <a:buClrTx/>
@@ -9072,9 +8884,6 @@
               </a:rPr>
               <a:t>x</a:t>
             </a:r>
-            <a:endParaRPr lang="en-US" altLang="zh-CN">
-              <a:sym typeface="+mn-ea"/>
-            </a:endParaRPr>
           </a:p>
         </p:txBody>
       </p:sp>
@@ -9111,6 +8920,7 @@
           <a:bodyPr vertOverflow="overflow" horzOverflow="overflow" vert="horz" wrap="square" numCol="1" spcCol="0" rtlCol="0" fromWordArt="0" anchor="ctr" anchorCtr="0" forceAA="0" compatLnSpc="1">
             <a:noAutofit/>
           </a:bodyPr>
+          <a:lstStyle/>
           <a:p>
             <a:pPr lvl="0" algn="ctr">
               <a:buClrTx/>
@@ -9123,9 +8933,6 @@
               </a:rPr>
               <a:t>y</a:t>
             </a:r>
-            <a:endParaRPr lang="en-US" altLang="zh-CN">
-              <a:sym typeface="+mn-ea"/>
-            </a:endParaRPr>
           </a:p>
         </p:txBody>
       </p:sp>
@@ -9178,6 +8985,7 @@
         </p:style>
         <p:txBody>
           <a:bodyPr rtlCol="0" anchor="ctr"/>
+          <a:lstStyle/>
           <a:p>
             <a:pPr algn="ctr"/>
             <a:endParaRPr lang="zh-CN" altLang="en-US"/>
@@ -9235,6 +9043,7 @@
           <a:bodyPr vertOverflow="overflow" horzOverflow="overflow" vert="horz" wrap="square" numCol="1" spcCol="0" rtlCol="0" fromWordArt="0" anchor="ctr" anchorCtr="0" forceAA="0" compatLnSpc="1">
             <a:noAutofit/>
           </a:bodyPr>
+          <a:lstStyle/>
           <a:p>
             <a:pPr lvl="0" algn="ctr">
               <a:buClrTx/>
@@ -9247,9 +9056,6 @@
               </a:rPr>
               <a:t>cache line</a:t>
             </a:r>
-            <a:endParaRPr lang="zh-CN" altLang="en-US" sz="1200">
-              <a:sym typeface="+mn-ea"/>
-            </a:endParaRPr>
           </a:p>
         </p:txBody>
       </p:sp>
@@ -9378,6 +9184,7 @@
         </p:style>
         <p:txBody>
           <a:bodyPr rtlCol="0" anchor="ctr"/>
+          <a:lstStyle/>
           <a:p>
             <a:pPr algn="ctr"/>
             <a:endParaRPr lang="zh-CN" altLang="en-US"/>
@@ -9417,6 +9224,7 @@
           <a:bodyPr vertOverflow="overflow" horzOverflow="overflow" vert="horz" wrap="square" numCol="1" spcCol="0" rtlCol="0" fromWordArt="0" anchor="ctr" anchorCtr="0" forceAA="0" compatLnSpc="1">
             <a:noAutofit/>
           </a:bodyPr>
+          <a:lstStyle/>
           <a:p>
             <a:pPr lvl="0" algn="ctr">
               <a:buClrTx/>
@@ -9429,9 +9237,6 @@
               </a:rPr>
               <a:t>x</a:t>
             </a:r>
-            <a:endParaRPr lang="en-US" altLang="zh-CN">
-              <a:sym typeface="+mn-ea"/>
-            </a:endParaRPr>
           </a:p>
         </p:txBody>
       </p:sp>
@@ -9468,6 +9273,7 @@
           <a:bodyPr vertOverflow="overflow" horzOverflow="overflow" vert="horz" wrap="square" numCol="1" spcCol="0" rtlCol="0" fromWordArt="0" anchor="ctr" anchorCtr="0" forceAA="0" compatLnSpc="1">
             <a:noAutofit/>
           </a:bodyPr>
+          <a:lstStyle/>
           <a:p>
             <a:pPr lvl="0" algn="ctr">
               <a:buClrTx/>
@@ -9480,9 +9286,6 @@
               </a:rPr>
               <a:t>y</a:t>
             </a:r>
-            <a:endParaRPr lang="en-US" altLang="zh-CN">
-              <a:sym typeface="+mn-ea"/>
-            </a:endParaRPr>
           </a:p>
         </p:txBody>
       </p:sp>
@@ -9506,6 +9309,7 @@
           <a:bodyPr wrap="none" rtlCol="0">
             <a:spAutoFit/>
           </a:bodyPr>
+          <a:lstStyle/>
           <a:p>
             <a:pPr algn="l"/>
             <a:r>
@@ -9516,11 +9320,6 @@
               </a:rPr>
               <a:t>L2 Cache</a:t>
             </a:r>
-            <a:endParaRPr lang="en-US" sz="1200">
-              <a:solidFill>
-                <a:schemeClr val="bg1"/>
-              </a:solidFill>
-            </a:endParaRPr>
           </a:p>
         </p:txBody>
       </p:sp>
@@ -9557,6 +9356,7 @@
         </p:style>
         <p:txBody>
           <a:bodyPr rtlCol="0" anchor="ctr"/>
+          <a:lstStyle/>
           <a:p>
             <a:pPr algn="ctr"/>
             <a:endParaRPr lang="zh-CN" altLang="en-US"/>
@@ -9596,6 +9396,7 @@
           <a:bodyPr vertOverflow="overflow" horzOverflow="overflow" vert="horz" wrap="square" numCol="1" spcCol="0" rtlCol="0" fromWordArt="0" anchor="ctr" anchorCtr="0" forceAA="0" compatLnSpc="1">
             <a:noAutofit/>
           </a:bodyPr>
+          <a:lstStyle/>
           <a:p>
             <a:pPr lvl="0" algn="ctr">
               <a:buClrTx/>
@@ -9608,9 +9409,6 @@
               </a:rPr>
               <a:t>x</a:t>
             </a:r>
-            <a:endParaRPr lang="en-US" altLang="zh-CN">
-              <a:sym typeface="+mn-ea"/>
-            </a:endParaRPr>
           </a:p>
         </p:txBody>
       </p:sp>
@@ -9647,6 +9445,7 @@
           <a:bodyPr vertOverflow="overflow" horzOverflow="overflow" vert="horz" wrap="square" numCol="1" spcCol="0" rtlCol="0" fromWordArt="0" anchor="ctr" anchorCtr="0" forceAA="0" compatLnSpc="1">
             <a:noAutofit/>
           </a:bodyPr>
+          <a:lstStyle/>
           <a:p>
             <a:pPr lvl="0" algn="ctr">
               <a:buClrTx/>
@@ -9659,9 +9458,6 @@
               </a:rPr>
               <a:t>y</a:t>
             </a:r>
-            <a:endParaRPr lang="en-US" altLang="zh-CN">
-              <a:sym typeface="+mn-ea"/>
-            </a:endParaRPr>
           </a:p>
         </p:txBody>
       </p:sp>
@@ -9685,6 +9481,7 @@
           <a:bodyPr wrap="none" rtlCol="0">
             <a:spAutoFit/>
           </a:bodyPr>
+          <a:lstStyle/>
           <a:p>
             <a:pPr algn="l"/>
             <a:r>
@@ -9695,11 +9492,6 @@
               </a:rPr>
               <a:t>L1 Cache</a:t>
             </a:r>
-            <a:endParaRPr lang="en-US" sz="1200">
-              <a:solidFill>
-                <a:schemeClr val="bg1"/>
-              </a:solidFill>
-            </a:endParaRPr>
           </a:p>
         </p:txBody>
       </p:sp>
@@ -9736,6 +9528,7 @@
         </p:style>
         <p:txBody>
           <a:bodyPr rtlCol="0" anchor="ctr"/>
+          <a:lstStyle/>
           <a:p>
             <a:pPr algn="ctr"/>
             <a:r>
@@ -9752,7 +9545,6 @@
               <a:rPr lang="zh-CN" altLang="en-US" sz="1200"/>
               <a:t>）</a:t>
             </a:r>
-            <a:endParaRPr lang="zh-CN" altLang="en-US" sz="1200"/>
           </a:p>
         </p:txBody>
       </p:sp>
@@ -9799,6 +9591,7 @@
         </p:style>
         <p:txBody>
           <a:bodyPr rtlCol="0" anchor="ctr"/>
+          <a:lstStyle/>
           <a:p>
             <a:pPr algn="ctr"/>
             <a:endParaRPr lang="zh-CN" altLang="en-US"/>
@@ -9825,12 +9618,12 @@
           <a:bodyPr wrap="none" rtlCol="0">
             <a:spAutoFit/>
           </a:bodyPr>
+          <a:lstStyle/>
           <a:p>
             <a:r>
               <a:rPr lang="en-US" altLang="zh-CN"/>
               <a:t>Core3</a:t>
             </a:r>
-            <a:endParaRPr lang="en-US" altLang="zh-CN"/>
           </a:p>
         </p:txBody>
       </p:sp>
@@ -9883,6 +9676,7 @@
         </p:style>
         <p:txBody>
           <a:bodyPr rtlCol="0" anchor="ctr"/>
+          <a:lstStyle/>
           <a:p>
             <a:pPr algn="ctr"/>
             <a:endParaRPr lang="zh-CN" altLang="en-US"/>
@@ -9938,6 +9732,7 @@
         </p:style>
         <p:txBody>
           <a:bodyPr rtlCol="0" anchor="ctr"/>
+          <a:lstStyle/>
           <a:p>
             <a:pPr algn="ctr"/>
             <a:endParaRPr lang="zh-CN" altLang="en-US"/>
@@ -10035,7 +9830,14 @@
         <p:cNvGrpSpPr/>
         <p:nvPr/>
       </p:nvGrpSpPr>
-      <p:grpSpPr/>
+      <p:grpSpPr>
+        <a:xfrm>
+          <a:off x="0" y="0"/>
+          <a:ext cx="0" cy="0"/>
+          <a:chOff x="0" y="0"/>
+          <a:chExt cx="0" cy="0"/>
+        </a:xfrm>
+      </p:grpSpPr>
       <p:sp>
         <p:nvSpPr>
           <p:cNvPr id="70" name="矩形 69"/>
@@ -10069,6 +9871,7 @@
         </p:style>
         <p:txBody>
           <a:bodyPr rtlCol="0" anchor="ctr"/>
+          <a:lstStyle/>
           <a:p>
             <a:pPr algn="ctr"/>
             <a:endParaRPr lang="zh-CN" altLang="en-US"/>
@@ -10108,6 +9911,7 @@
           <a:bodyPr vertOverflow="overflow" horzOverflow="overflow" vert="horz" wrap="square" numCol="1" spcCol="0" rtlCol="0" fromWordArt="0" anchor="ctr" anchorCtr="0" forceAA="0" compatLnSpc="1">
             <a:noAutofit/>
           </a:bodyPr>
+          <a:lstStyle/>
           <a:p>
             <a:pPr lvl="0" algn="ctr">
               <a:buClrTx/>
@@ -10120,9 +9924,6 @@
               </a:rPr>
               <a:t>x</a:t>
             </a:r>
-            <a:endParaRPr lang="en-US" altLang="zh-CN">
-              <a:sym typeface="+mn-ea"/>
-            </a:endParaRPr>
           </a:p>
         </p:txBody>
       </p:sp>
@@ -10159,6 +9960,7 @@
           <a:bodyPr vertOverflow="overflow" horzOverflow="overflow" vert="horz" wrap="square" numCol="1" spcCol="0" rtlCol="0" fromWordArt="0" anchor="ctr" anchorCtr="0" forceAA="0" compatLnSpc="1">
             <a:noAutofit/>
           </a:bodyPr>
+          <a:lstStyle/>
           <a:p>
             <a:pPr lvl="0" algn="ctr">
               <a:buClrTx/>
@@ -10171,9 +9973,6 @@
               </a:rPr>
               <a:t>y</a:t>
             </a:r>
-            <a:endParaRPr lang="en-US" altLang="zh-CN">
-              <a:sym typeface="+mn-ea"/>
-            </a:endParaRPr>
           </a:p>
         </p:txBody>
       </p:sp>
@@ -10197,6 +9996,7 @@
           <a:bodyPr wrap="none" rtlCol="0">
             <a:spAutoFit/>
           </a:bodyPr>
+          <a:lstStyle/>
           <a:p>
             <a:pPr algn="l"/>
             <a:r>
@@ -10207,11 +10007,6 @@
               </a:rPr>
               <a:t>L2 Cache</a:t>
             </a:r>
-            <a:endParaRPr lang="en-US" sz="1200">
-              <a:solidFill>
-                <a:schemeClr val="bg1"/>
-              </a:solidFill>
-            </a:endParaRPr>
           </a:p>
         </p:txBody>
       </p:sp>
@@ -10248,6 +10043,7 @@
         </p:style>
         <p:txBody>
           <a:bodyPr rtlCol="0" anchor="ctr"/>
+          <a:lstStyle/>
           <a:p>
             <a:pPr algn="ctr"/>
             <a:endParaRPr lang="zh-CN" altLang="en-US"/>
@@ -10287,6 +10083,7 @@
           <a:bodyPr vertOverflow="overflow" horzOverflow="overflow" vert="horz" wrap="square" numCol="1" spcCol="0" rtlCol="0" fromWordArt="0" anchor="ctr" anchorCtr="0" forceAA="0" compatLnSpc="1">
             <a:noAutofit/>
           </a:bodyPr>
+          <a:lstStyle/>
           <a:p>
             <a:pPr lvl="0" algn="ctr">
               <a:buClrTx/>
@@ -10299,9 +10096,6 @@
               </a:rPr>
               <a:t>x</a:t>
             </a:r>
-            <a:endParaRPr lang="en-US" altLang="zh-CN">
-              <a:sym typeface="+mn-ea"/>
-            </a:endParaRPr>
           </a:p>
         </p:txBody>
       </p:sp>
@@ -10338,6 +10132,7 @@
           <a:bodyPr vertOverflow="overflow" horzOverflow="overflow" vert="horz" wrap="square" numCol="1" spcCol="0" rtlCol="0" fromWordArt="0" anchor="ctr" anchorCtr="0" forceAA="0" compatLnSpc="1">
             <a:noAutofit/>
           </a:bodyPr>
+          <a:lstStyle/>
           <a:p>
             <a:pPr lvl="0" algn="ctr">
               <a:buClrTx/>
@@ -10350,9 +10145,6 @@
               </a:rPr>
               <a:t>y</a:t>
             </a:r>
-            <a:endParaRPr lang="en-US" altLang="zh-CN">
-              <a:sym typeface="+mn-ea"/>
-            </a:endParaRPr>
           </a:p>
         </p:txBody>
       </p:sp>
@@ -10376,6 +10168,7 @@
           <a:bodyPr wrap="none" rtlCol="0">
             <a:spAutoFit/>
           </a:bodyPr>
+          <a:lstStyle/>
           <a:p>
             <a:pPr algn="l"/>
             <a:r>
@@ -10386,11 +10179,6 @@
               </a:rPr>
               <a:t>L1 Cache</a:t>
             </a:r>
-            <a:endParaRPr lang="en-US" sz="1200">
-              <a:solidFill>
-                <a:schemeClr val="bg1"/>
-              </a:solidFill>
-            </a:endParaRPr>
           </a:p>
         </p:txBody>
       </p:sp>
@@ -10427,23 +10215,28 @@
         </p:style>
         <p:txBody>
           <a:bodyPr rtlCol="0" anchor="ctr"/>
-          <a:p>
-            <a:pPr algn="ctr"/>
-            <a:r>
-              <a:rPr lang="zh-CN" altLang="en-US" sz="1200"/>
-              <a:t>寄存器（</a:t>
-            </a:r>
-            <a:r>
-              <a:rPr lang="en-US" altLang="zh-CN" sz="1200">
+          <a:lstStyle/>
+          <a:p>
+            <a:pPr algn="ctr"/>
+            <a:r>
+              <a:rPr lang="zh-CN" altLang="en-US" sz="1200" dirty="0"/>
+              <a:t>寄存器</a:t>
+            </a:r>
+            <a:r>
+              <a:rPr lang="zh-CN" altLang="en-US" sz="1200" dirty="0" smtClean="0"/>
+              <a:t>（</a:t>
+            </a:r>
+            <a:r>
+              <a:rPr lang="en-US" altLang="zh-CN" sz="1200" dirty="0" err="1" smtClean="0">
                 <a:sym typeface="+mn-ea"/>
               </a:rPr>
               <a:t>Regs</a:t>
             </a:r>
             <a:r>
-              <a:rPr lang="zh-CN" altLang="en-US" sz="1200"/>
+              <a:rPr lang="zh-CN" altLang="en-US" sz="1200" dirty="0" smtClean="0"/>
               <a:t>）</a:t>
             </a:r>
-            <a:endParaRPr lang="zh-CN" altLang="en-US" sz="1200"/>
+            <a:endParaRPr lang="zh-CN" altLang="en-US" sz="1200" dirty="0"/>
           </a:p>
         </p:txBody>
       </p:sp>
@@ -10490,6 +10283,7 @@
         </p:style>
         <p:txBody>
           <a:bodyPr rtlCol="0" anchor="ctr"/>
+          <a:lstStyle/>
           <a:p>
             <a:pPr algn="ctr"/>
             <a:endParaRPr lang="zh-CN" altLang="en-US"/>
@@ -10516,12 +10310,12 @@
           <a:bodyPr wrap="none" rtlCol="0">
             <a:spAutoFit/>
           </a:bodyPr>
+          <a:lstStyle/>
           <a:p>
             <a:r>
               <a:rPr lang="en-US" altLang="zh-CN"/>
               <a:t>Core0</a:t>
             </a:r>
-            <a:endParaRPr lang="en-US" altLang="zh-CN"/>
           </a:p>
         </p:txBody>
       </p:sp>
@@ -10574,6 +10368,7 @@
         </p:style>
         <p:txBody>
           <a:bodyPr rtlCol="0" anchor="ctr"/>
+          <a:lstStyle/>
           <a:p>
             <a:pPr algn="ctr"/>
             <a:endParaRPr lang="zh-CN" altLang="en-US"/>
@@ -10629,6 +10424,7 @@
         </p:style>
         <p:txBody>
           <a:bodyPr rtlCol="0" anchor="ctr"/>
+          <a:lstStyle/>
           <a:p>
             <a:pPr algn="ctr"/>
             <a:endParaRPr lang="zh-CN" altLang="en-US"/>
@@ -10734,6 +10530,7 @@
         </p:style>
         <p:txBody>
           <a:bodyPr rtlCol="0" anchor="ctr"/>
+          <a:lstStyle/>
           <a:p>
             <a:pPr algn="ctr"/>
             <a:endParaRPr lang="zh-CN" altLang="en-US"/>
@@ -10773,6 +10570,7 @@
           <a:bodyPr vertOverflow="overflow" horzOverflow="overflow" vert="horz" wrap="square" numCol="1" spcCol="0" rtlCol="0" fromWordArt="0" anchor="ctr" anchorCtr="0" forceAA="0" compatLnSpc="1">
             <a:noAutofit/>
           </a:bodyPr>
+          <a:lstStyle/>
           <a:p>
             <a:pPr lvl="0" algn="ctr">
               <a:buClrTx/>
@@ -10785,9 +10583,6 @@
               </a:rPr>
               <a:t>x</a:t>
             </a:r>
-            <a:endParaRPr lang="en-US" altLang="zh-CN">
-              <a:sym typeface="+mn-ea"/>
-            </a:endParaRPr>
           </a:p>
         </p:txBody>
       </p:sp>
@@ -10824,6 +10619,7 @@
           <a:bodyPr vertOverflow="overflow" horzOverflow="overflow" vert="horz" wrap="square" numCol="1" spcCol="0" rtlCol="0" fromWordArt="0" anchor="ctr" anchorCtr="0" forceAA="0" compatLnSpc="1">
             <a:noAutofit/>
           </a:bodyPr>
+          <a:lstStyle/>
           <a:p>
             <a:pPr lvl="0" algn="ctr">
               <a:buClrTx/>
@@ -10836,9 +10632,6 @@
               </a:rPr>
               <a:t>y</a:t>
             </a:r>
-            <a:endParaRPr lang="en-US" altLang="zh-CN">
-              <a:sym typeface="+mn-ea"/>
-            </a:endParaRPr>
           </a:p>
         </p:txBody>
       </p:sp>
@@ -10862,6 +10655,7 @@
           <a:bodyPr wrap="none" rtlCol="0">
             <a:spAutoFit/>
           </a:bodyPr>
+          <a:lstStyle/>
           <a:p>
             <a:pPr algn="l"/>
             <a:r>
@@ -10872,11 +10666,6 @@
               </a:rPr>
               <a:t>L2 Cache</a:t>
             </a:r>
-            <a:endParaRPr lang="en-US" sz="1200">
-              <a:solidFill>
-                <a:schemeClr val="bg1"/>
-              </a:solidFill>
-            </a:endParaRPr>
           </a:p>
         </p:txBody>
       </p:sp>
@@ -10913,6 +10702,7 @@
         </p:style>
         <p:txBody>
           <a:bodyPr rtlCol="0" anchor="ctr"/>
+          <a:lstStyle/>
           <a:p>
             <a:pPr algn="ctr"/>
             <a:endParaRPr lang="zh-CN" altLang="en-US"/>
@@ -10952,6 +10742,7 @@
           <a:bodyPr vertOverflow="overflow" horzOverflow="overflow" vert="horz" wrap="square" numCol="1" spcCol="0" rtlCol="0" fromWordArt="0" anchor="ctr" anchorCtr="0" forceAA="0" compatLnSpc="1">
             <a:noAutofit/>
           </a:bodyPr>
+          <a:lstStyle/>
           <a:p>
             <a:pPr lvl="0" algn="ctr">
               <a:buClrTx/>
@@ -10964,9 +10755,6 @@
               </a:rPr>
               <a:t>x</a:t>
             </a:r>
-            <a:endParaRPr lang="en-US" altLang="zh-CN">
-              <a:sym typeface="+mn-ea"/>
-            </a:endParaRPr>
           </a:p>
         </p:txBody>
       </p:sp>
@@ -11003,6 +10791,7 @@
           <a:bodyPr vertOverflow="overflow" horzOverflow="overflow" vert="horz" wrap="square" numCol="1" spcCol="0" rtlCol="0" fromWordArt="0" anchor="ctr" anchorCtr="0" forceAA="0" compatLnSpc="1">
             <a:noAutofit/>
           </a:bodyPr>
+          <a:lstStyle/>
           <a:p>
             <a:pPr lvl="0" algn="ctr">
               <a:buClrTx/>
@@ -11015,9 +10804,6 @@
               </a:rPr>
               <a:t>y</a:t>
             </a:r>
-            <a:endParaRPr lang="en-US" altLang="zh-CN">
-              <a:sym typeface="+mn-ea"/>
-            </a:endParaRPr>
           </a:p>
         </p:txBody>
       </p:sp>
@@ -11041,6 +10827,7 @@
           <a:bodyPr wrap="none" rtlCol="0">
             <a:spAutoFit/>
           </a:bodyPr>
+          <a:lstStyle/>
           <a:p>
             <a:pPr algn="l"/>
             <a:r>
@@ -11051,11 +10838,6 @@
               </a:rPr>
               <a:t>L1 Cache</a:t>
             </a:r>
-            <a:endParaRPr lang="en-US" sz="1200">
-              <a:solidFill>
-                <a:schemeClr val="bg1"/>
-              </a:solidFill>
-            </a:endParaRPr>
           </a:p>
         </p:txBody>
       </p:sp>
@@ -11092,23 +10874,23 @@
         </p:style>
         <p:txBody>
           <a:bodyPr rtlCol="0" anchor="ctr"/>
-          <a:p>
-            <a:pPr algn="ctr"/>
-            <a:r>
-              <a:rPr lang="zh-CN" altLang="en-US" sz="1200"/>
+          <a:lstStyle/>
+          <a:p>
+            <a:pPr algn="ctr"/>
+            <a:r>
+              <a:rPr lang="zh-CN" altLang="en-US" sz="1200" dirty="0"/>
               <a:t>寄存器（</a:t>
             </a:r>
             <a:r>
-              <a:rPr lang="en-US" altLang="zh-CN" sz="1200">
+              <a:rPr lang="en-US" altLang="zh-CN" sz="1200" dirty="0" err="1">
                 <a:sym typeface="+mn-ea"/>
               </a:rPr>
               <a:t>Regs</a:t>
             </a:r>
             <a:r>
-              <a:rPr lang="zh-CN" altLang="en-US" sz="1200"/>
+              <a:rPr lang="zh-CN" altLang="en-US" sz="1200" dirty="0"/>
               <a:t>）</a:t>
             </a:r>
-            <a:endParaRPr lang="zh-CN" altLang="en-US" sz="1200"/>
           </a:p>
         </p:txBody>
       </p:sp>
@@ -11155,6 +10937,7 @@
         </p:style>
         <p:txBody>
           <a:bodyPr rtlCol="0" anchor="ctr"/>
+          <a:lstStyle/>
           <a:p>
             <a:pPr algn="ctr"/>
             <a:endParaRPr lang="zh-CN" altLang="en-US"/>
@@ -11181,12 +10964,12 @@
           <a:bodyPr wrap="none" rtlCol="0">
             <a:spAutoFit/>
           </a:bodyPr>
+          <a:lstStyle/>
           <a:p>
             <a:r>
               <a:rPr lang="en-US" altLang="zh-CN"/>
               <a:t>Core3</a:t>
             </a:r>
-            <a:endParaRPr lang="en-US" altLang="zh-CN"/>
           </a:p>
         </p:txBody>
       </p:sp>
@@ -11239,6 +11022,7 @@
         </p:style>
         <p:txBody>
           <a:bodyPr rtlCol="0" anchor="ctr"/>
+          <a:lstStyle/>
           <a:p>
             <a:pPr algn="ctr"/>
             <a:endParaRPr lang="zh-CN" altLang="en-US"/>
@@ -11294,6 +11078,7 @@
         </p:style>
         <p:txBody>
           <a:bodyPr rtlCol="0" anchor="ctr"/>
+          <a:lstStyle/>
           <a:p>
             <a:pPr algn="ctr"/>
             <a:endParaRPr lang="zh-CN" altLang="en-US"/>
@@ -11386,12 +11171,12 @@
           <a:bodyPr wrap="square" rtlCol="0">
             <a:spAutoFit/>
           </a:bodyPr>
+          <a:lstStyle/>
           <a:p>
             <a:r>
               <a:rPr lang="en-US" altLang="zh-CN"/>
               <a:t>...</a:t>
             </a:r>
-            <a:endParaRPr lang="en-US" altLang="zh-CN"/>
           </a:p>
         </p:txBody>
       </p:sp>
@@ -11428,6 +11213,7 @@
         </p:style>
         <p:txBody>
           <a:bodyPr rtlCol="0" anchor="ctr"/>
+          <a:lstStyle/>
           <a:p>
             <a:pPr algn="ctr"/>
             <a:endParaRPr lang="zh-CN" altLang="en-US"/>
@@ -11442,7 +11228,7 @@
         </p:nvSpPr>
         <p:spPr>
           <a:xfrm>
-            <a:off x="5608320" y="5292725"/>
+            <a:off x="5855335" y="5291772"/>
             <a:ext cx="1187450" cy="275590"/>
           </a:xfrm>
           <a:prstGeom prst="rect">
@@ -11454,10 +11240,11 @@
           <a:bodyPr wrap="none" rtlCol="0">
             <a:spAutoFit/>
           </a:bodyPr>
+          <a:lstStyle/>
           <a:p>
             <a:pPr algn="l"/>
             <a:r>
-              <a:rPr lang="zh-CN" altLang="en-US" sz="1200">
+              <a:rPr lang="zh-CN" altLang="en-US" sz="1200" dirty="0">
                 <a:solidFill>
                   <a:schemeClr val="bg1"/>
                 </a:solidFill>
@@ -11465,7 +11252,7 @@
               <a:t>主存（</a:t>
             </a:r>
             <a:r>
-              <a:rPr lang="en-US" altLang="zh-CN" sz="1200">
+              <a:rPr lang="en-US" altLang="zh-CN" sz="1200" dirty="0">
                 <a:solidFill>
                   <a:schemeClr val="bg1"/>
                 </a:solidFill>
@@ -11474,30 +11261,110 @@
               <a:t>DRAM</a:t>
             </a:r>
             <a:r>
-              <a:rPr lang="zh-CN" altLang="en-US" sz="1200">
+              <a:rPr lang="zh-CN" altLang="en-US" sz="1200" dirty="0">
                 <a:solidFill>
                   <a:schemeClr val="bg1"/>
                 </a:solidFill>
               </a:rPr>
               <a:t>）</a:t>
             </a:r>
-            <a:endParaRPr lang="zh-CN" altLang="en-US" sz="1200">
-              <a:solidFill>
-                <a:schemeClr val="bg1"/>
-              </a:solidFill>
+          </a:p>
+        </p:txBody>
+      </p:sp>
+      <p:sp>
+        <p:nvSpPr>
+          <p:cNvPr id="24" name="矩形 23"/>
+          <p:cNvSpPr/>
+          <p:nvPr/>
+        </p:nvSpPr>
+        <p:spPr>
+          <a:xfrm>
+            <a:off x="1143001" y="3406140"/>
+            <a:ext cx="6243954" cy="748030"/>
+          </a:xfrm>
+          <a:prstGeom prst="rect">
+            <a:avLst/>
+          </a:prstGeom>
+        </p:spPr>
+        <p:style>
+          <a:lnRef idx="2">
+            <a:schemeClr val="accent1">
+              <a:shade val="50000"/>
+            </a:schemeClr>
+          </a:lnRef>
+          <a:fillRef idx="1">
+            <a:schemeClr val="accent1"/>
+          </a:fillRef>
+          <a:effectRef idx="0">
+            <a:schemeClr val="accent1"/>
+          </a:effectRef>
+          <a:fontRef idx="minor">
+            <a:schemeClr val="lt1"/>
+          </a:fontRef>
+        </p:style>
+        <p:txBody>
+          <a:bodyPr rtlCol="0" anchor="ctr"/>
+          <a:lstStyle/>
+          <a:p>
+            <a:pPr algn="ctr"/>
+            <a:endParaRPr lang="en-US" altLang="zh-CN" sz="1200">
+              <a:latin typeface="微软雅黑" panose="020B0503020204020204" charset="-122"/>
+              <a:ea typeface="微软雅黑" panose="020B0503020204020204" charset="-122"/>
             </a:endParaRPr>
           </a:p>
         </p:txBody>
       </p:sp>
       <p:sp>
         <p:nvSpPr>
-          <p:cNvPr id="63" name="圆角矩形 62"/>
-          <p:cNvSpPr/>
-          <p:nvPr/>
-        </p:nvSpPr>
-        <p:spPr>
-          <a:xfrm>
-            <a:off x="1803400" y="5292090"/>
+          <p:cNvPr id="25" name="文本框 24"/>
+          <p:cNvSpPr txBox="1"/>
+          <p:nvPr/>
+        </p:nvSpPr>
+        <p:spPr>
+          <a:xfrm>
+            <a:off x="5783580" y="3642360"/>
+            <a:ext cx="1532890" cy="275590"/>
+          </a:xfrm>
+          <a:prstGeom prst="rect">
+            <a:avLst/>
+          </a:prstGeom>
+          <a:noFill/>
+        </p:spPr>
+        <p:txBody>
+          <a:bodyPr wrap="square" rtlCol="0">
+            <a:spAutoFit/>
+          </a:bodyPr>
+          <a:lstStyle/>
+          <a:p>
+            <a:pPr algn="l"/>
+            <a:r>
+              <a:rPr lang="en-US" sz="1200" dirty="0">
+                <a:solidFill>
+                  <a:schemeClr val="bg1"/>
+                </a:solidFill>
+              </a:rPr>
+              <a:t>L3 Cache</a:t>
+            </a:r>
+            <a:r>
+              <a:rPr lang="zh-CN" altLang="en-US" sz="1200" dirty="0">
+                <a:solidFill>
+                  <a:schemeClr val="bg1"/>
+                </a:solidFill>
+              </a:rPr>
+              <a:t>（多核共享）</a:t>
+            </a:r>
+          </a:p>
+        </p:txBody>
+      </p:sp>
+      <p:sp>
+        <p:nvSpPr>
+          <p:cNvPr id="26" name="圆角矩形 25"/>
+          <p:cNvSpPr/>
+          <p:nvPr/>
+        </p:nvSpPr>
+        <p:spPr>
+          <a:xfrm>
+            <a:off x="1348105" y="3616960"/>
             <a:ext cx="571500" cy="274320"/>
           </a:xfrm>
           <a:prstGeom prst="roundRect">
@@ -11522,6 +11389,7 @@
           <a:bodyPr vertOverflow="overflow" horzOverflow="overflow" vert="horz" wrap="square" numCol="1" spcCol="0" rtlCol="0" fromWordArt="0" anchor="ctr" anchorCtr="0" forceAA="0" compatLnSpc="1">
             <a:noAutofit/>
           </a:bodyPr>
+          <a:lstStyle/>
           <a:p>
             <a:pPr lvl="0" algn="ctr">
               <a:buClrTx/>
@@ -11534,21 +11402,18 @@
               </a:rPr>
               <a:t>x</a:t>
             </a:r>
-            <a:endParaRPr lang="en-US" altLang="zh-CN">
-              <a:sym typeface="+mn-ea"/>
-            </a:endParaRPr>
-          </a:p>
-        </p:txBody>
-      </p:sp>
-      <p:sp>
-        <p:nvSpPr>
-          <p:cNvPr id="64" name="圆角矩形 63"/>
-          <p:cNvSpPr/>
-          <p:nvPr/>
-        </p:nvSpPr>
-        <p:spPr>
-          <a:xfrm>
-            <a:off x="2456180" y="5293360"/>
+          </a:p>
+        </p:txBody>
+      </p:sp>
+      <p:sp>
+        <p:nvSpPr>
+          <p:cNvPr id="27" name="圆角矩形 26"/>
+          <p:cNvSpPr/>
+          <p:nvPr/>
+        </p:nvSpPr>
+        <p:spPr>
+          <a:xfrm>
+            <a:off x="2000885" y="3618230"/>
             <a:ext cx="571500" cy="274320"/>
           </a:xfrm>
           <a:prstGeom prst="roundRect">
@@ -11573,6 +11438,7 @@
           <a:bodyPr vertOverflow="overflow" horzOverflow="overflow" vert="horz" wrap="square" numCol="1" spcCol="0" rtlCol="0" fromWordArt="0" anchor="ctr" anchorCtr="0" forceAA="0" compatLnSpc="1">
             <a:noAutofit/>
           </a:bodyPr>
+          <a:lstStyle/>
           <a:p>
             <a:pPr lvl="0" algn="ctr">
               <a:buClrTx/>
@@ -11585,21 +11451,18 @@
               </a:rPr>
               <a:t>y</a:t>
             </a:r>
-            <a:endParaRPr lang="en-US" altLang="zh-CN">
-              <a:sym typeface="+mn-ea"/>
-            </a:endParaRPr>
-          </a:p>
-        </p:txBody>
-      </p:sp>
-      <p:sp>
-        <p:nvSpPr>
-          <p:cNvPr id="65" name="矩形 64"/>
-          <p:cNvSpPr/>
-          <p:nvPr/>
-        </p:nvSpPr>
-        <p:spPr>
-          <a:xfrm>
-            <a:off x="1704340" y="5230495"/>
+          </a:p>
+        </p:txBody>
+      </p:sp>
+      <p:sp>
+        <p:nvSpPr>
+          <p:cNvPr id="28" name="矩形 27"/>
+          <p:cNvSpPr/>
+          <p:nvPr/>
+        </p:nvSpPr>
+        <p:spPr>
+          <a:xfrm>
+            <a:off x="1249045" y="3555365"/>
             <a:ext cx="1386840" cy="403860"/>
           </a:xfrm>
           <a:prstGeom prst="rect">
@@ -11640,6 +11503,7 @@
         </p:style>
         <p:txBody>
           <a:bodyPr rtlCol="0" anchor="ctr"/>
+          <a:lstStyle/>
           <a:p>
             <a:pPr algn="ctr"/>
             <a:endParaRPr lang="zh-CN" altLang="en-US"/>
@@ -11648,13 +11512,13 @@
       </p:sp>
       <p:sp>
         <p:nvSpPr>
-          <p:cNvPr id="66" name="矩形 65"/>
-          <p:cNvSpPr/>
-          <p:nvPr/>
-        </p:nvSpPr>
-        <p:spPr>
-          <a:xfrm>
-            <a:off x="3246120" y="5227320"/>
+          <p:cNvPr id="29" name="矩形 28"/>
+          <p:cNvSpPr/>
+          <p:nvPr/>
+        </p:nvSpPr>
+        <p:spPr>
+          <a:xfrm>
+            <a:off x="2797175" y="3555365"/>
             <a:ext cx="1386840" cy="403860"/>
           </a:xfrm>
           <a:prstGeom prst="rect">
@@ -11697,6 +11561,7 @@
           <a:bodyPr vertOverflow="overflow" horzOverflow="overflow" vert="horz" wrap="square" numCol="1" spcCol="0" rtlCol="0" fromWordArt="0" anchor="ctr" anchorCtr="0" forceAA="0" compatLnSpc="1">
             <a:noAutofit/>
           </a:bodyPr>
+          <a:lstStyle/>
           <a:p>
             <a:pPr lvl="0" algn="ctr">
               <a:buClrTx/>
@@ -11704,328 +11569,11 @@
               <a:buFontTx/>
             </a:pPr>
             <a:r>
-              <a:rPr lang="zh-CN" altLang="en-US" sz="1200">
+              <a:rPr lang="zh-CN" altLang="en-US" sz="1200" dirty="0">
                 <a:sym typeface="+mn-ea"/>
               </a:rPr>
               <a:t>cache line</a:t>
             </a:r>
-            <a:endParaRPr lang="zh-CN" altLang="en-US" sz="1200">
-              <a:sym typeface="+mn-ea"/>
-            </a:endParaRPr>
-          </a:p>
-        </p:txBody>
-      </p:sp>
-      <p:sp>
-        <p:nvSpPr>
-          <p:cNvPr id="24" name="矩形 23"/>
-          <p:cNvSpPr/>
-          <p:nvPr/>
-        </p:nvSpPr>
-        <p:spPr>
-          <a:xfrm>
-            <a:off x="1576070" y="3396615"/>
-            <a:ext cx="5378450" cy="748030"/>
-          </a:xfrm>
-          <a:prstGeom prst="rect">
-            <a:avLst/>
-          </a:prstGeom>
-        </p:spPr>
-        <p:style>
-          <a:lnRef idx="2">
-            <a:schemeClr val="accent1">
-              <a:shade val="50000"/>
-            </a:schemeClr>
-          </a:lnRef>
-          <a:fillRef idx="1">
-            <a:schemeClr val="accent1"/>
-          </a:fillRef>
-          <a:effectRef idx="0">
-            <a:schemeClr val="accent1"/>
-          </a:effectRef>
-          <a:fontRef idx="minor">
-            <a:schemeClr val="lt1"/>
-          </a:fontRef>
-        </p:style>
-        <p:txBody>
-          <a:bodyPr rtlCol="0" anchor="ctr"/>
-          <a:p>
-            <a:pPr algn="ctr"/>
-            <a:endParaRPr lang="en-US" altLang="zh-CN" sz="1200">
-              <a:latin typeface="微软雅黑" panose="020B0503020204020204" charset="-122"/>
-              <a:ea typeface="微软雅黑" panose="020B0503020204020204" charset="-122"/>
-            </a:endParaRPr>
-          </a:p>
-        </p:txBody>
-      </p:sp>
-      <p:sp>
-        <p:nvSpPr>
-          <p:cNvPr id="25" name="文本框 24"/>
-          <p:cNvSpPr txBox="1"/>
-          <p:nvPr/>
-        </p:nvSpPr>
-        <p:spPr>
-          <a:xfrm>
-            <a:off x="5421630" y="3479165"/>
-            <a:ext cx="1647190" cy="275590"/>
-          </a:xfrm>
-          <a:prstGeom prst="rect">
-            <a:avLst/>
-          </a:prstGeom>
-          <a:noFill/>
-        </p:spPr>
-        <p:txBody>
-          <a:bodyPr wrap="none" rtlCol="0">
-            <a:spAutoFit/>
-          </a:bodyPr>
-          <a:p>
-            <a:pPr algn="l"/>
-            <a:r>
-              <a:rPr lang="en-US" sz="1200">
-                <a:solidFill>
-                  <a:schemeClr val="bg1"/>
-                </a:solidFill>
-              </a:rPr>
-              <a:t>L3 Cache</a:t>
-            </a:r>
-            <a:r>
-              <a:rPr lang="zh-CN" altLang="en-US" sz="1200">
-                <a:solidFill>
-                  <a:schemeClr val="bg1"/>
-                </a:solidFill>
-              </a:rPr>
-              <a:t>（多核共享）</a:t>
-            </a:r>
-            <a:endParaRPr lang="zh-CN" altLang="en-US" sz="1200">
-              <a:solidFill>
-                <a:schemeClr val="bg1"/>
-              </a:solidFill>
-            </a:endParaRPr>
-          </a:p>
-        </p:txBody>
-      </p:sp>
-      <p:sp>
-        <p:nvSpPr>
-          <p:cNvPr id="26" name="圆角矩形 25"/>
-          <p:cNvSpPr/>
-          <p:nvPr/>
-        </p:nvSpPr>
-        <p:spPr>
-          <a:xfrm>
-            <a:off x="1743710" y="3633470"/>
-            <a:ext cx="571500" cy="274320"/>
-          </a:xfrm>
-          <a:prstGeom prst="roundRect">
-            <a:avLst/>
-          </a:prstGeom>
-        </p:spPr>
-        <p:style>
-          <a:lnRef idx="0">
-            <a:schemeClr val="accent4"/>
-          </a:lnRef>
-          <a:fillRef idx="3">
-            <a:schemeClr val="accent4"/>
-          </a:fillRef>
-          <a:effectRef idx="3">
-            <a:schemeClr val="accent4"/>
-          </a:effectRef>
-          <a:fontRef idx="minor">
-            <a:schemeClr val="lt1"/>
-          </a:fontRef>
-        </p:style>
-        <p:txBody>
-          <a:bodyPr vertOverflow="overflow" horzOverflow="overflow" vert="horz" wrap="square" numCol="1" spcCol="0" rtlCol="0" fromWordArt="0" anchor="ctr" anchorCtr="0" forceAA="0" compatLnSpc="1">
-            <a:noAutofit/>
-          </a:bodyPr>
-          <a:p>
-            <a:pPr lvl="0" algn="ctr">
-              <a:buClrTx/>
-              <a:buSzTx/>
-              <a:buFontTx/>
-            </a:pPr>
-            <a:r>
-              <a:rPr lang="en-US" altLang="zh-CN">
-                <a:sym typeface="+mn-ea"/>
-              </a:rPr>
-              <a:t>x</a:t>
-            </a:r>
-            <a:endParaRPr lang="en-US" altLang="zh-CN">
-              <a:sym typeface="+mn-ea"/>
-            </a:endParaRPr>
-          </a:p>
-        </p:txBody>
-      </p:sp>
-      <p:sp>
-        <p:nvSpPr>
-          <p:cNvPr id="27" name="圆角矩形 26"/>
-          <p:cNvSpPr/>
-          <p:nvPr/>
-        </p:nvSpPr>
-        <p:spPr>
-          <a:xfrm>
-            <a:off x="2396490" y="3634740"/>
-            <a:ext cx="571500" cy="274320"/>
-          </a:xfrm>
-          <a:prstGeom prst="roundRect">
-            <a:avLst/>
-          </a:prstGeom>
-        </p:spPr>
-        <p:style>
-          <a:lnRef idx="0">
-            <a:schemeClr val="accent4"/>
-          </a:lnRef>
-          <a:fillRef idx="3">
-            <a:schemeClr val="accent4"/>
-          </a:fillRef>
-          <a:effectRef idx="3">
-            <a:schemeClr val="accent4"/>
-          </a:effectRef>
-          <a:fontRef idx="minor">
-            <a:schemeClr val="lt1"/>
-          </a:fontRef>
-        </p:style>
-        <p:txBody>
-          <a:bodyPr vertOverflow="overflow" horzOverflow="overflow" vert="horz" wrap="square" numCol="1" spcCol="0" rtlCol="0" fromWordArt="0" anchor="ctr" anchorCtr="0" forceAA="0" compatLnSpc="1">
-            <a:noAutofit/>
-          </a:bodyPr>
-          <a:p>
-            <a:pPr lvl="0" algn="ctr">
-              <a:buClrTx/>
-              <a:buSzTx/>
-              <a:buFontTx/>
-            </a:pPr>
-            <a:r>
-              <a:rPr lang="en-US" altLang="zh-CN">
-                <a:sym typeface="+mn-ea"/>
-              </a:rPr>
-              <a:t>y</a:t>
-            </a:r>
-            <a:endParaRPr lang="en-US" altLang="zh-CN">
-              <a:sym typeface="+mn-ea"/>
-            </a:endParaRPr>
-          </a:p>
-        </p:txBody>
-      </p:sp>
-      <p:sp>
-        <p:nvSpPr>
-          <p:cNvPr id="28" name="矩形 27"/>
-          <p:cNvSpPr/>
-          <p:nvPr/>
-        </p:nvSpPr>
-        <p:spPr>
-          <a:xfrm>
-            <a:off x="1644650" y="3571875"/>
-            <a:ext cx="1386840" cy="403860"/>
-          </a:xfrm>
-          <a:prstGeom prst="rect">
-            <a:avLst/>
-          </a:prstGeom>
-          <a:noFill/>
-          <a:ln>
-            <a:solidFill>
-              <a:schemeClr val="accent2"/>
-            </a:solidFill>
-            <a:prstDash val="sysDot"/>
-          </a:ln>
-          <a:extLst>
-            <a:ext uri="{909E8E84-426E-40DD-AFC4-6F175D3DCCD1}">
-              <a14:hiddenFill xmlns:a14="http://schemas.microsoft.com/office/drawing/2010/main">
-                <a:solidFill>
-                  <a:schemeClr val="accent1"/>
-                </a:solidFill>
-              </a14:hiddenFill>
-            </a:ext>
-          </a:extLst>
-        </p:spPr>
-        <p:style>
-          <a:lnRef idx="2">
-            <a:schemeClr val="accent1">
-              <a:shade val="50000"/>
-            </a:schemeClr>
-          </a:lnRef>
-          <a:fillRef idx="1">
-            <a:schemeClr val="accent1"/>
-          </a:fillRef>
-          <a:effectRef idx="0">
-            <a:schemeClr val="accent1"/>
-          </a:effectRef>
-          <a:fontRef idx="minor">
-            <a:schemeClr val="lt1"/>
-          </a:fontRef>
-        </p:style>
-        <p:txBody>
-          <a:bodyPr rtlCol="0" anchor="ctr"/>
-          <a:p>
-            <a:pPr algn="ctr"/>
-            <a:endParaRPr lang="zh-CN" altLang="en-US"/>
-          </a:p>
-        </p:txBody>
-      </p:sp>
-      <p:sp>
-        <p:nvSpPr>
-          <p:cNvPr id="29" name="矩形 28"/>
-          <p:cNvSpPr/>
-          <p:nvPr/>
-        </p:nvSpPr>
-        <p:spPr>
-          <a:xfrm>
-            <a:off x="3186430" y="3568700"/>
-            <a:ext cx="1386840" cy="403860"/>
-          </a:xfrm>
-          <a:prstGeom prst="rect">
-            <a:avLst/>
-          </a:prstGeom>
-          <a:noFill/>
-          <a:ln>
-            <a:solidFill>
-              <a:schemeClr val="accent2"/>
-            </a:solidFill>
-            <a:prstDash val="sysDot"/>
-          </a:ln>
-          <a:extLst>
-            <a:ext uri="{909E8E84-426E-40DD-AFC4-6F175D3DCCD1}">
-              <a14:hiddenFill xmlns:a14="http://schemas.microsoft.com/office/drawing/2010/main">
-                <a:solidFill>
-                  <a:schemeClr val="accent1"/>
-                </a:solidFill>
-              </a14:hiddenFill>
-            </a:ext>
-          </a:extLst>
-        </p:spPr>
-        <p:style>
-          <a:lnRef idx="2">
-            <a:schemeClr val="accent1">
-              <a:shade val="50000"/>
-            </a:schemeClr>
-          </a:lnRef>
-          <a:fillRef idx="1">
-            <a:schemeClr val="accent1"/>
-          </a:fillRef>
-          <a:effectRef idx="0">
-            <a:schemeClr val="accent1"/>
-          </a:effectRef>
-          <a:fontRef idx="minor">
-            <a:schemeClr val="lt1"/>
-          </a:fontRef>
-        </p:style>
-        <p:txBody>
-          <a:bodyPr vertOverflow="overflow" horzOverflow="overflow" vert="horz" wrap="square" numCol="1" spcCol="0" rtlCol="0" fromWordArt="0" anchor="ctr" anchorCtr="0" forceAA="0" compatLnSpc="1">
-            <a:noAutofit/>
-          </a:bodyPr>
-          <a:p>
-            <a:pPr lvl="0" algn="ctr">
-              <a:buClrTx/>
-              <a:buSzTx/>
-              <a:buFontTx/>
-            </a:pPr>
-            <a:r>
-              <a:rPr lang="zh-CN" altLang="en-US" sz="1200">
-                <a:sym typeface="+mn-ea"/>
-              </a:rPr>
-              <a:t>cache line</a:t>
-            </a:r>
-            <a:endParaRPr lang="zh-CN" altLang="en-US" sz="1200">
-              <a:sym typeface="+mn-ea"/>
-            </a:endParaRPr>
           </a:p>
         </p:txBody>
       </p:sp>
@@ -12082,6 +11630,7 @@
           <a:bodyPr vertOverflow="overflow" horzOverflow="overflow" vert="horz" wrap="square" numCol="1" spcCol="0" rtlCol="0" fromWordArt="0" anchor="ctr" anchorCtr="0" forceAA="0" compatLnSpc="1">
             <a:noAutofit/>
           </a:bodyPr>
+          <a:lstStyle/>
           <a:p>
             <a:pPr lvl="0" algn="ctr">
               <a:buClrTx/>
@@ -12102,8 +11651,8 @@
         </p:nvSpPr>
         <p:spPr>
           <a:xfrm>
-            <a:off x="963295" y="111125"/>
-            <a:ext cx="1325880" cy="368300"/>
+            <a:off x="890376" y="111125"/>
+            <a:ext cx="1210588" cy="338554"/>
           </a:xfrm>
           <a:prstGeom prst="rect">
             <a:avLst/>
@@ -12114,20 +11663,18 @@
           <a:bodyPr wrap="none" rtlCol="0">
             <a:spAutoFit/>
           </a:bodyPr>
-          <a:p>
-            <a:r>
-              <a:rPr lang="zh-CN" altLang="en-US">
+          <a:lstStyle/>
+          <a:p>
+            <a:r>
+              <a:rPr lang="zh-CN" altLang="en-US" sz="1600" dirty="0">
                 <a:solidFill>
-                  <a:schemeClr val="tx1"/>
+                  <a:schemeClr val="accent4">
+                    <a:lumMod val="75000"/>
+                  </a:schemeClr>
                 </a:solidFill>
               </a:rPr>
               <a:t>处理器封装</a:t>
             </a:r>
-            <a:endParaRPr lang="zh-CN" altLang="en-US">
-              <a:solidFill>
-                <a:schemeClr val="tx1"/>
-              </a:solidFill>
-            </a:endParaRPr>
           </a:p>
         </p:txBody>
       </p:sp>
@@ -12221,6 +11768,361 @@
           </a:fontRef>
         </p:style>
       </p:cxnSp>
+      <p:sp>
+        <p:nvSpPr>
+          <p:cNvPr id="50" name="矩形 49"/>
+          <p:cNvSpPr/>
+          <p:nvPr/>
+        </p:nvSpPr>
+        <p:spPr>
+          <a:xfrm>
+            <a:off x="4267835" y="3553460"/>
+            <a:ext cx="1386840" cy="403860"/>
+          </a:xfrm>
+          <a:prstGeom prst="rect">
+            <a:avLst/>
+          </a:prstGeom>
+          <a:noFill/>
+          <a:ln>
+            <a:solidFill>
+              <a:schemeClr val="accent2"/>
+            </a:solidFill>
+            <a:prstDash val="sysDot"/>
+          </a:ln>
+          <a:extLst>
+            <a:ext uri="{909E8E84-426E-40DD-AFC4-6F175D3DCCD1}">
+              <a14:hiddenFill xmlns:a14="http://schemas.microsoft.com/office/drawing/2010/main">
+                <a:solidFill>
+                  <a:schemeClr val="accent1"/>
+                </a:solidFill>
+              </a14:hiddenFill>
+            </a:ext>
+          </a:extLst>
+        </p:spPr>
+        <p:style>
+          <a:lnRef idx="2">
+            <a:schemeClr val="accent1">
+              <a:shade val="50000"/>
+            </a:schemeClr>
+          </a:lnRef>
+          <a:fillRef idx="1">
+            <a:schemeClr val="accent1"/>
+          </a:fillRef>
+          <a:effectRef idx="0">
+            <a:schemeClr val="accent1"/>
+          </a:effectRef>
+          <a:fontRef idx="minor">
+            <a:schemeClr val="lt1"/>
+          </a:fontRef>
+        </p:style>
+        <p:txBody>
+          <a:bodyPr vertOverflow="overflow" horzOverflow="overflow" vert="horz" wrap="square" numCol="1" spcCol="0" rtlCol="0" fromWordArt="0" anchor="ctr" anchorCtr="0" forceAA="0" compatLnSpc="1">
+            <a:noAutofit/>
+          </a:bodyPr>
+          <a:lstStyle/>
+          <a:p>
+            <a:pPr lvl="0" algn="ctr">
+              <a:buClrTx/>
+              <a:buSzTx/>
+              <a:buFontTx/>
+            </a:pPr>
+            <a:r>
+              <a:rPr lang="zh-CN" altLang="en-US" sz="1200">
+                <a:sym typeface="+mn-ea"/>
+              </a:rPr>
+              <a:t>cache line</a:t>
+            </a:r>
+          </a:p>
+        </p:txBody>
+      </p:sp>
+      <p:sp>
+        <p:nvSpPr>
+          <p:cNvPr id="56" name="圆角矩形 55"/>
+          <p:cNvSpPr/>
+          <p:nvPr/>
+        </p:nvSpPr>
+        <p:spPr>
+          <a:xfrm>
+            <a:off x="1348105" y="5278528"/>
+            <a:ext cx="571500" cy="274320"/>
+          </a:xfrm>
+          <a:prstGeom prst="roundRect">
+            <a:avLst/>
+          </a:prstGeom>
+        </p:spPr>
+        <p:style>
+          <a:lnRef idx="0">
+            <a:schemeClr val="accent4"/>
+          </a:lnRef>
+          <a:fillRef idx="3">
+            <a:schemeClr val="accent4"/>
+          </a:fillRef>
+          <a:effectRef idx="3">
+            <a:schemeClr val="accent4"/>
+          </a:effectRef>
+          <a:fontRef idx="minor">
+            <a:schemeClr val="lt1"/>
+          </a:fontRef>
+        </p:style>
+        <p:txBody>
+          <a:bodyPr vertOverflow="overflow" horzOverflow="overflow" vert="horz" wrap="square" numCol="1" spcCol="0" rtlCol="0" fromWordArt="0" anchor="ctr" anchorCtr="0" forceAA="0" compatLnSpc="1">
+            <a:noAutofit/>
+          </a:bodyPr>
+          <a:lstStyle/>
+          <a:p>
+            <a:pPr lvl="0" algn="ctr">
+              <a:buClrTx/>
+              <a:buSzTx/>
+              <a:buFontTx/>
+            </a:pPr>
+            <a:r>
+              <a:rPr lang="en-US" altLang="zh-CN">
+                <a:sym typeface="+mn-ea"/>
+              </a:rPr>
+              <a:t>x</a:t>
+            </a:r>
+          </a:p>
+        </p:txBody>
+      </p:sp>
+      <p:sp>
+        <p:nvSpPr>
+          <p:cNvPr id="57" name="圆角矩形 56"/>
+          <p:cNvSpPr/>
+          <p:nvPr/>
+        </p:nvSpPr>
+        <p:spPr>
+          <a:xfrm>
+            <a:off x="2000885" y="5279798"/>
+            <a:ext cx="571500" cy="274320"/>
+          </a:xfrm>
+          <a:prstGeom prst="roundRect">
+            <a:avLst/>
+          </a:prstGeom>
+        </p:spPr>
+        <p:style>
+          <a:lnRef idx="0">
+            <a:schemeClr val="accent4"/>
+          </a:lnRef>
+          <a:fillRef idx="3">
+            <a:schemeClr val="accent4"/>
+          </a:fillRef>
+          <a:effectRef idx="3">
+            <a:schemeClr val="accent4"/>
+          </a:effectRef>
+          <a:fontRef idx="minor">
+            <a:schemeClr val="lt1"/>
+          </a:fontRef>
+        </p:style>
+        <p:txBody>
+          <a:bodyPr vertOverflow="overflow" horzOverflow="overflow" vert="horz" wrap="square" numCol="1" spcCol="0" rtlCol="0" fromWordArt="0" anchor="ctr" anchorCtr="0" forceAA="0" compatLnSpc="1">
+            <a:noAutofit/>
+          </a:bodyPr>
+          <a:lstStyle/>
+          <a:p>
+            <a:pPr lvl="0" algn="ctr">
+              <a:buClrTx/>
+              <a:buSzTx/>
+              <a:buFontTx/>
+            </a:pPr>
+            <a:r>
+              <a:rPr lang="en-US" altLang="zh-CN">
+                <a:sym typeface="+mn-ea"/>
+              </a:rPr>
+              <a:t>y</a:t>
+            </a:r>
+          </a:p>
+        </p:txBody>
+      </p:sp>
+      <p:sp>
+        <p:nvSpPr>
+          <p:cNvPr id="58" name="矩形 57"/>
+          <p:cNvSpPr/>
+          <p:nvPr/>
+        </p:nvSpPr>
+        <p:spPr>
+          <a:xfrm>
+            <a:off x="1249045" y="5216933"/>
+            <a:ext cx="1386840" cy="403860"/>
+          </a:xfrm>
+          <a:prstGeom prst="rect">
+            <a:avLst/>
+          </a:prstGeom>
+          <a:noFill/>
+          <a:ln>
+            <a:solidFill>
+              <a:schemeClr val="accent2"/>
+            </a:solidFill>
+            <a:prstDash val="sysDot"/>
+          </a:ln>
+          <a:extLst>
+            <a:ext uri="{909E8E84-426E-40DD-AFC4-6F175D3DCCD1}">
+              <a14:hiddenFill xmlns:a14="http://schemas.microsoft.com/office/drawing/2010/main">
+                <a:solidFill>
+                  <a:schemeClr val="accent1"/>
+                </a:solidFill>
+              </a14:hiddenFill>
+            </a:ext>
+          </a:extLst>
+        </p:spPr>
+        <p:style>
+          <a:lnRef idx="2">
+            <a:schemeClr val="accent1">
+              <a:shade val="50000"/>
+            </a:schemeClr>
+          </a:lnRef>
+          <a:fillRef idx="1">
+            <a:schemeClr val="accent1"/>
+          </a:fillRef>
+          <a:effectRef idx="0">
+            <a:schemeClr val="accent1"/>
+          </a:effectRef>
+          <a:fontRef idx="minor">
+            <a:schemeClr val="lt1"/>
+          </a:fontRef>
+        </p:style>
+        <p:txBody>
+          <a:bodyPr rtlCol="0" anchor="ctr"/>
+          <a:lstStyle/>
+          <a:p>
+            <a:pPr algn="ctr"/>
+            <a:endParaRPr lang="zh-CN" altLang="en-US"/>
+          </a:p>
+        </p:txBody>
+      </p:sp>
+      <p:sp>
+        <p:nvSpPr>
+          <p:cNvPr id="62" name="矩形 61"/>
+          <p:cNvSpPr/>
+          <p:nvPr/>
+        </p:nvSpPr>
+        <p:spPr>
+          <a:xfrm>
+            <a:off x="2797175" y="5216933"/>
+            <a:ext cx="1386840" cy="403860"/>
+          </a:xfrm>
+          <a:prstGeom prst="rect">
+            <a:avLst/>
+          </a:prstGeom>
+          <a:noFill/>
+          <a:ln>
+            <a:solidFill>
+              <a:schemeClr val="accent2"/>
+            </a:solidFill>
+            <a:prstDash val="sysDot"/>
+          </a:ln>
+          <a:extLst>
+            <a:ext uri="{909E8E84-426E-40DD-AFC4-6F175D3DCCD1}">
+              <a14:hiddenFill xmlns:a14="http://schemas.microsoft.com/office/drawing/2010/main">
+                <a:solidFill>
+                  <a:schemeClr val="accent1"/>
+                </a:solidFill>
+              </a14:hiddenFill>
+            </a:ext>
+          </a:extLst>
+        </p:spPr>
+        <p:style>
+          <a:lnRef idx="2">
+            <a:schemeClr val="accent1">
+              <a:shade val="50000"/>
+            </a:schemeClr>
+          </a:lnRef>
+          <a:fillRef idx="1">
+            <a:schemeClr val="accent1"/>
+          </a:fillRef>
+          <a:effectRef idx="0">
+            <a:schemeClr val="accent1"/>
+          </a:effectRef>
+          <a:fontRef idx="minor">
+            <a:schemeClr val="lt1"/>
+          </a:fontRef>
+        </p:style>
+        <p:txBody>
+          <a:bodyPr vertOverflow="overflow" horzOverflow="overflow" vert="horz" wrap="square" numCol="1" spcCol="0" rtlCol="0" fromWordArt="0" anchor="ctr" anchorCtr="0" forceAA="0" compatLnSpc="1">
+            <a:noAutofit/>
+          </a:bodyPr>
+          <a:lstStyle/>
+          <a:p>
+            <a:pPr lvl="0" algn="ctr">
+              <a:buClrTx/>
+              <a:buSzTx/>
+              <a:buFontTx/>
+            </a:pPr>
+            <a:r>
+              <a:rPr lang="zh-CN" altLang="en-US" sz="1200">
+                <a:sym typeface="+mn-ea"/>
+              </a:rPr>
+              <a:t>cache line</a:t>
+            </a:r>
+          </a:p>
+        </p:txBody>
+      </p:sp>
+      <p:sp>
+        <p:nvSpPr>
+          <p:cNvPr id="68" name="矩形 67"/>
+          <p:cNvSpPr/>
+          <p:nvPr/>
+        </p:nvSpPr>
+        <p:spPr>
+          <a:xfrm>
+            <a:off x="4267835" y="5215028"/>
+            <a:ext cx="1386840" cy="403860"/>
+          </a:xfrm>
+          <a:prstGeom prst="rect">
+            <a:avLst/>
+          </a:prstGeom>
+          <a:noFill/>
+          <a:ln>
+            <a:solidFill>
+              <a:schemeClr val="accent2"/>
+            </a:solidFill>
+            <a:prstDash val="sysDot"/>
+          </a:ln>
+          <a:extLst>
+            <a:ext uri="{909E8E84-426E-40DD-AFC4-6F175D3DCCD1}">
+              <a14:hiddenFill xmlns:a14="http://schemas.microsoft.com/office/drawing/2010/main">
+                <a:solidFill>
+                  <a:schemeClr val="accent1"/>
+                </a:solidFill>
+              </a14:hiddenFill>
+            </a:ext>
+          </a:extLst>
+        </p:spPr>
+        <p:style>
+          <a:lnRef idx="2">
+            <a:schemeClr val="accent1">
+              <a:shade val="50000"/>
+            </a:schemeClr>
+          </a:lnRef>
+          <a:fillRef idx="1">
+            <a:schemeClr val="accent1"/>
+          </a:fillRef>
+          <a:effectRef idx="0">
+            <a:schemeClr val="accent1"/>
+          </a:effectRef>
+          <a:fontRef idx="minor">
+            <a:schemeClr val="lt1"/>
+          </a:fontRef>
+        </p:style>
+        <p:txBody>
+          <a:bodyPr vertOverflow="overflow" horzOverflow="overflow" vert="horz" wrap="square" numCol="1" spcCol="0" rtlCol="0" fromWordArt="0" anchor="ctr" anchorCtr="0" forceAA="0" compatLnSpc="1">
+            <a:noAutofit/>
+          </a:bodyPr>
+          <a:lstStyle/>
+          <a:p>
+            <a:pPr lvl="0" algn="ctr">
+              <a:buClrTx/>
+              <a:buSzTx/>
+              <a:buFontTx/>
+            </a:pPr>
+            <a:r>
+              <a:rPr lang="zh-CN" altLang="en-US" sz="1200">
+                <a:sym typeface="+mn-ea"/>
+              </a:rPr>
+              <a:t>cache line</a:t>
+            </a:r>
+          </a:p>
+        </p:txBody>
+      </p:sp>
     </p:spTree>
   </p:cSld>
   <p:clrMapOvr>
@@ -12246,7 +12148,14 @@
         <p:cNvGrpSpPr/>
         <p:nvPr/>
       </p:nvGrpSpPr>
-      <p:grpSpPr/>
+      <p:grpSpPr>
+        <a:xfrm>
+          <a:off x="0" y="0"/>
+          <a:ext cx="0" cy="0"/>
+          <a:chOff x="0" y="0"/>
+          <a:chExt cx="0" cy="0"/>
+        </a:xfrm>
+      </p:grpSpPr>
       <p:sp>
         <p:nvSpPr>
           <p:cNvPr id="2" name="矩形 1"/>
@@ -12280,6 +12189,7 @@
         </p:style>
         <p:txBody>
           <a:bodyPr rtlCol="0" anchor="ctr"/>
+          <a:lstStyle/>
           <a:p>
             <a:pPr algn="ctr"/>
             <a:r>
@@ -12346,13 +12256,13 @@
         </p:style>
         <p:txBody>
           <a:bodyPr rtlCol="0" anchor="ctr"/>
+          <a:lstStyle/>
           <a:p>
             <a:pPr algn="ctr"/>
             <a:r>
               <a:rPr lang="en-US" altLang="zh-CN"/>
               <a:t>CPU</a:t>
             </a:r>
-            <a:endParaRPr lang="en-US" altLang="zh-CN"/>
           </a:p>
         </p:txBody>
       </p:sp>
@@ -12389,13 +12299,13 @@
         </p:style>
         <p:txBody>
           <a:bodyPr rtlCol="0" anchor="ctr"/>
+          <a:lstStyle/>
           <a:p>
             <a:pPr algn="ctr"/>
             <a:r>
               <a:rPr lang="en-US" altLang="zh-CN"/>
               <a:t>CPU</a:t>
             </a:r>
-            <a:endParaRPr lang="en-US" altLang="zh-CN"/>
           </a:p>
         </p:txBody>
       </p:sp>
@@ -12432,13 +12342,13 @@
         </p:style>
         <p:txBody>
           <a:bodyPr rtlCol="0" anchor="ctr"/>
+          <a:lstStyle/>
           <a:p>
             <a:pPr algn="ctr"/>
             <a:r>
               <a:rPr lang="en-US" altLang="zh-CN"/>
               <a:t>CPU</a:t>
             </a:r>
-            <a:endParaRPr lang="en-US" altLang="zh-CN"/>
           </a:p>
         </p:txBody>
       </p:sp>
@@ -12475,13 +12385,13 @@
         </p:style>
         <p:txBody>
           <a:bodyPr rtlCol="0" anchor="ctr"/>
+          <a:lstStyle/>
           <a:p>
             <a:pPr algn="ctr"/>
             <a:r>
               <a:rPr lang="en-US" altLang="zh-CN"/>
               <a:t>bus</a:t>
             </a:r>
-            <a:endParaRPr lang="en-US" altLang="zh-CN"/>
           </a:p>
         </p:txBody>
       </p:sp>
@@ -12510,7 +12420,14 @@
         <p:cNvGrpSpPr/>
         <p:nvPr/>
       </p:nvGrpSpPr>
-      <p:grpSpPr/>
+      <p:grpSpPr>
+        <a:xfrm>
+          <a:off x="0" y="0"/>
+          <a:ext cx="0" cy="0"/>
+          <a:chOff x="0" y="0"/>
+          <a:chExt cx="0" cy="0"/>
+        </a:xfrm>
+      </p:grpSpPr>
       <p:sp>
         <p:nvSpPr>
           <p:cNvPr id="4" name="圆角矩形 3"/>
@@ -12544,13 +12461,13 @@
         </p:style>
         <p:txBody>
           <a:bodyPr rtlCol="0" anchor="ctr"/>
+          <a:lstStyle/>
           <a:p>
             <a:pPr algn="ctr"/>
             <a:r>
               <a:rPr lang="en-US" altLang="zh-CN"/>
               <a:t>Modied</a:t>
             </a:r>
-            <a:endParaRPr lang="en-US" altLang="zh-CN"/>
           </a:p>
         </p:txBody>
       </p:sp>
@@ -12587,13 +12504,13 @@
         </p:style>
         <p:txBody>
           <a:bodyPr rtlCol="0" anchor="ctr"/>
+          <a:lstStyle/>
           <a:p>
             <a:pPr algn="ctr"/>
             <a:r>
               <a:rPr lang="en-US" altLang="zh-CN"/>
               <a:t>Exclusive</a:t>
             </a:r>
-            <a:endParaRPr lang="en-US" altLang="zh-CN"/>
           </a:p>
         </p:txBody>
       </p:sp>
@@ -12630,13 +12547,13 @@
         </p:style>
         <p:txBody>
           <a:bodyPr rtlCol="0" anchor="ctr"/>
+          <a:lstStyle/>
           <a:p>
             <a:pPr algn="ctr"/>
             <a:r>
               <a:rPr lang="en-US" altLang="zh-CN"/>
               <a:t>Shared</a:t>
             </a:r>
-            <a:endParaRPr lang="en-US" altLang="zh-CN"/>
           </a:p>
         </p:txBody>
       </p:sp>
@@ -12673,13 +12590,13 @@
         </p:style>
         <p:txBody>
           <a:bodyPr rtlCol="0" anchor="ctr"/>
+          <a:lstStyle/>
           <a:p>
             <a:pPr algn="ctr"/>
             <a:r>
               <a:rPr lang="en-US" altLang="zh-CN"/>
               <a:t>Invalid</a:t>
             </a:r>
-            <a:endParaRPr lang="en-US" altLang="zh-CN"/>
           </a:p>
         </p:txBody>
       </p:sp>
@@ -12716,13 +12633,13 @@
         </p:style>
         <p:txBody>
           <a:bodyPr rtlCol="0" anchor="ctr"/>
+          <a:lstStyle/>
           <a:p>
             <a:pPr algn="ctr"/>
             <a:r>
               <a:rPr lang="en-US" altLang="zh-CN"/>
               <a:t>Memory</a:t>
             </a:r>
-            <a:endParaRPr lang="en-US" altLang="zh-CN"/>
           </a:p>
         </p:txBody>
       </p:sp>
@@ -12751,7 +12668,14 @@
         <p:cNvGrpSpPr/>
         <p:nvPr/>
       </p:nvGrpSpPr>
-      <p:grpSpPr/>
+      <p:grpSpPr>
+        <a:xfrm>
+          <a:off x="0" y="0"/>
+          <a:ext cx="0" cy="0"/>
+          <a:chOff x="0" y="0"/>
+          <a:chExt cx="0" cy="0"/>
+        </a:xfrm>
+      </p:grpSpPr>
       <p:sp>
         <p:nvSpPr>
           <p:cNvPr id="2" name="圆角矩形 1"/>
@@ -12785,6 +12709,7 @@
         </p:style>
         <p:txBody>
           <a:bodyPr rtlCol="0" anchor="ctr"/>
+          <a:lstStyle/>
           <a:p>
             <a:pPr algn="ctr"/>
             <a:endParaRPr lang="en-US" altLang="zh-CN"/>
@@ -12824,13 +12749,13 @@
         </p:style>
         <p:txBody>
           <a:bodyPr rtlCol="0" anchor="ctr"/>
+          <a:lstStyle/>
           <a:p>
             <a:pPr algn="ctr"/>
             <a:r>
               <a:rPr lang="en-US" altLang="zh-CN"/>
               <a:t> </a:t>
             </a:r>
-            <a:endParaRPr lang="en-US" altLang="zh-CN"/>
           </a:p>
         </p:txBody>
       </p:sp>
@@ -12854,12 +12779,12 @@
           <a:bodyPr wrap="none" rtlCol="0">
             <a:spAutoFit/>
           </a:bodyPr>
+          <a:lstStyle/>
           <a:p>
             <a:r>
               <a:rPr lang="zh-CN" altLang="en-US" sz="1000"/>
               <a:t>地址线</a:t>
             </a:r>
-            <a:endParaRPr lang="zh-CN" altLang="en-US" sz="1000"/>
           </a:p>
         </p:txBody>
       </p:sp>
@@ -12896,13 +12821,13 @@
         </p:style>
         <p:txBody>
           <a:bodyPr rtlCol="0" anchor="ctr"/>
+          <a:lstStyle/>
           <a:p>
             <a:pPr algn="ctr"/>
             <a:r>
               <a:rPr lang="en-US" altLang="zh-CN"/>
               <a:t> </a:t>
             </a:r>
-            <a:endParaRPr lang="en-US" altLang="zh-CN"/>
           </a:p>
         </p:txBody>
       </p:sp>
@@ -12939,13 +12864,13 @@
         </p:style>
         <p:txBody>
           <a:bodyPr rtlCol="0" anchor="ctr"/>
+          <a:lstStyle/>
           <a:p>
             <a:pPr algn="ctr"/>
             <a:r>
               <a:rPr lang="en-US" altLang="zh-CN"/>
               <a:t> </a:t>
             </a:r>
-            <a:endParaRPr lang="en-US" altLang="zh-CN"/>
           </a:p>
         </p:txBody>
       </p:sp>
@@ -12969,12 +12894,12 @@
           <a:bodyPr wrap="none" rtlCol="0">
             <a:spAutoFit/>
           </a:bodyPr>
+          <a:lstStyle/>
           <a:p>
             <a:r>
               <a:rPr lang="zh-CN" altLang="en-US" sz="1000"/>
               <a:t>控制线</a:t>
             </a:r>
-            <a:endParaRPr lang="zh-CN" altLang="en-US" sz="1000"/>
           </a:p>
         </p:txBody>
       </p:sp>
@@ -12998,12 +12923,12 @@
           <a:bodyPr wrap="none" rtlCol="0">
             <a:spAutoFit/>
           </a:bodyPr>
+          <a:lstStyle/>
           <a:p>
             <a:r>
               <a:rPr lang="zh-CN" altLang="en-US" sz="1000"/>
               <a:t>数据线</a:t>
             </a:r>
-            <a:endParaRPr lang="zh-CN" altLang="en-US" sz="1000"/>
           </a:p>
         </p:txBody>
       </p:sp>
@@ -13027,6 +12952,7 @@
           <a:bodyPr wrap="none" rtlCol="0">
             <a:spAutoFit/>
           </a:bodyPr>
+          <a:lstStyle/>
           <a:p>
             <a:r>
               <a:rPr lang="en-US" altLang="zh-CN" sz="1000">
@@ -13060,11 +12986,6 @@
               </a:rPr>
               <a:t>）</a:t>
             </a:r>
-            <a:endParaRPr lang="zh-CN" altLang="en-US" sz="1000">
-              <a:solidFill>
-                <a:schemeClr val="bg1"/>
-              </a:solidFill>
-            </a:endParaRPr>
           </a:p>
         </p:txBody>
       </p:sp>
@@ -13088,6 +13009,7 @@
           <a:bodyPr wrap="none" rtlCol="0">
             <a:spAutoFit/>
           </a:bodyPr>
+          <a:lstStyle/>
           <a:p>
             <a:pPr algn="l"/>
             <a:r>
@@ -13099,12 +13021,6 @@
               </a:rPr>
               <a:t>CPU</a:t>
             </a:r>
-            <a:endParaRPr lang="en-US" altLang="zh-CN">
-              <a:solidFill>
-                <a:schemeClr val="bg1"/>
-              </a:solidFill>
-              <a:sym typeface="+mn-ea"/>
-            </a:endParaRPr>
           </a:p>
         </p:txBody>
       </p:sp>
@@ -13226,13 +13142,13 @@
         </p:style>
         <p:txBody>
           <a:bodyPr rtlCol="0" anchor="ctr"/>
+          <a:lstStyle/>
           <a:p>
             <a:pPr algn="ctr"/>
             <a:r>
               <a:rPr lang="en-US" altLang="zh-CN" sz="900"/>
               <a:t>A</a:t>
             </a:r>
-            <a:endParaRPr lang="en-US" altLang="zh-CN" sz="900"/>
           </a:p>
         </p:txBody>
       </p:sp>
@@ -13277,13 +13193,13 @@
         </p:style>
         <p:txBody>
           <a:bodyPr rtlCol="0" anchor="ctr"/>
+          <a:lstStyle/>
           <a:p>
             <a:pPr algn="ctr"/>
             <a:r>
               <a:rPr lang="en-US" altLang="zh-CN" sz="900"/>
               <a:t>B</a:t>
             </a:r>
-            <a:endParaRPr lang="en-US" altLang="zh-CN" sz="900"/>
           </a:p>
         </p:txBody>
       </p:sp>
@@ -13329,13 +13245,13 @@
         </p:style>
         <p:txBody>
           <a:bodyPr rtlCol="0" anchor="ctr"/>
+          <a:lstStyle/>
           <a:p>
             <a:pPr algn="ctr"/>
             <a:r>
               <a:rPr lang="en-US" altLang="zh-CN" sz="900"/>
               <a:t>C</a:t>
             </a:r>
-            <a:endParaRPr lang="en-US" altLang="zh-CN" sz="900"/>
           </a:p>
         </p:txBody>
       </p:sp>
@@ -13380,6 +13296,7 @@
         </p:style>
         <p:txBody>
           <a:bodyPr rtlCol="0" anchor="ctr"/>
+          <a:lstStyle/>
           <a:p>
             <a:pPr algn="ctr"/>
             <a:endParaRPr lang="en-US" altLang="zh-CN" sz="900"/>
@@ -13427,6 +13344,7 @@
         </p:style>
         <p:txBody>
           <a:bodyPr rtlCol="0" anchor="ctr"/>
+          <a:lstStyle/>
           <a:p>
             <a:pPr algn="ctr"/>
             <a:endParaRPr lang="en-US" altLang="zh-CN" sz="900"/>
@@ -13475,6 +13393,7 @@
         </p:style>
         <p:txBody>
           <a:bodyPr rtlCol="0" anchor="ctr"/>
+          <a:lstStyle/>
           <a:p>
             <a:pPr algn="ctr"/>
             <a:endParaRPr lang="en-US" altLang="zh-CN" sz="900"/>
@@ -13501,12 +13420,12 @@
           <a:bodyPr wrap="none" rtlCol="0">
             <a:spAutoFit/>
           </a:bodyPr>
+          <a:lstStyle/>
           <a:p>
             <a:r>
               <a:rPr lang="zh-CN" altLang="en-US" sz="1000"/>
               <a:t>执行中</a:t>
             </a:r>
-            <a:endParaRPr lang="zh-CN" altLang="en-US" sz="1000"/>
           </a:p>
         </p:txBody>
       </p:sp>
@@ -13530,12 +13449,12 @@
           <a:bodyPr wrap="none" rtlCol="0">
             <a:spAutoFit/>
           </a:bodyPr>
+          <a:lstStyle/>
           <a:p>
             <a:r>
               <a:rPr lang="zh-CN" altLang="en-US" sz="1000"/>
               <a:t>执行完毕</a:t>
             </a:r>
-            <a:endParaRPr lang="zh-CN" altLang="en-US" sz="1000"/>
           </a:p>
         </p:txBody>
       </p:sp>
@@ -13559,12 +13478,12 @@
           <a:bodyPr wrap="none" rtlCol="0">
             <a:spAutoFit/>
           </a:bodyPr>
+          <a:lstStyle/>
           <a:p>
             <a:r>
               <a:rPr lang="zh-CN" altLang="en-US" sz="1000"/>
               <a:t>未执行</a:t>
             </a:r>
-            <a:endParaRPr lang="zh-CN" altLang="en-US" sz="1000"/>
           </a:p>
         </p:txBody>
       </p:sp>
@@ -13601,6 +13520,7 @@
         </p:style>
         <p:txBody>
           <a:bodyPr rtlCol="0" anchor="ctr"/>
+          <a:lstStyle/>
           <a:p>
             <a:pPr algn="ctr"/>
             <a:endParaRPr lang="zh-CN" altLang="en-US"/>
@@ -13640,13 +13560,13 @@
         </p:style>
         <p:txBody>
           <a:bodyPr rtlCol="0" anchor="ctr"/>
+          <a:lstStyle/>
           <a:p>
             <a:pPr algn="ctr"/>
             <a:r>
               <a:rPr lang="zh-CN" altLang="en-US" sz="1200"/>
               <a:t>指令</a:t>
             </a:r>
-            <a:endParaRPr lang="zh-CN" altLang="en-US" sz="1200"/>
           </a:p>
         </p:txBody>
       </p:sp>
@@ -13683,13 +13603,13 @@
         </p:style>
         <p:txBody>
           <a:bodyPr rtlCol="0" anchor="ctr"/>
+          <a:lstStyle/>
           <a:p>
             <a:pPr algn="ctr"/>
             <a:r>
               <a:rPr lang="zh-CN" altLang="en-US" sz="1200"/>
               <a:t>数据</a:t>
             </a:r>
-            <a:endParaRPr lang="zh-CN" altLang="en-US" sz="1200"/>
           </a:p>
         </p:txBody>
       </p:sp>
@@ -13726,13 +13646,13 @@
         </p:style>
         <p:txBody>
           <a:bodyPr rtlCol="0" anchor="ctr"/>
+          <a:lstStyle/>
           <a:p>
             <a:pPr algn="ctr"/>
             <a:r>
               <a:rPr lang="zh-CN" altLang="en-US" sz="1200"/>
               <a:t>地址信息</a:t>
             </a:r>
-            <a:endParaRPr lang="zh-CN" altLang="en-US" sz="1200"/>
           </a:p>
         </p:txBody>
       </p:sp>
@@ -13756,6 +13676,7 @@
           <a:bodyPr wrap="none" rtlCol="0">
             <a:spAutoFit/>
           </a:bodyPr>
+          <a:lstStyle/>
           <a:p>
             <a:pPr algn="l"/>
             <a:r>
@@ -13767,12 +13688,6 @@
               </a:rPr>
               <a:t>内存</a:t>
             </a:r>
-            <a:endParaRPr lang="zh-CN" altLang="en-US">
-              <a:solidFill>
-                <a:schemeClr val="bg1"/>
-              </a:solidFill>
-              <a:sym typeface="+mn-ea"/>
-            </a:endParaRPr>
           </a:p>
         </p:txBody>
       </p:sp>
@@ -13801,7 +13716,14 @@
         <p:cNvGrpSpPr/>
         <p:nvPr/>
       </p:nvGrpSpPr>
-      <p:grpSpPr/>
+      <p:grpSpPr>
+        <a:xfrm>
+          <a:off x="0" y="0"/>
+          <a:ext cx="0" cy="0"/>
+          <a:chOff x="0" y="0"/>
+          <a:chExt cx="0" cy="0"/>
+        </a:xfrm>
+      </p:grpSpPr>
       <p:sp>
         <p:nvSpPr>
           <p:cNvPr id="46" name="圆角矩形 45"/>
@@ -13833,13 +13755,13 @@
         </p:style>
         <p:txBody>
           <a:bodyPr rtlCol="0" anchor="ctr"/>
+          <a:lstStyle/>
           <a:p>
             <a:pPr algn="ctr"/>
             <a:r>
               <a:rPr lang="en-US" altLang="zh-CN"/>
               <a:t>java</a:t>
             </a:r>
-            <a:endParaRPr lang="en-US" altLang="zh-CN"/>
           </a:p>
         </p:txBody>
       </p:sp>
@@ -13874,13 +13796,13 @@
         </p:style>
         <p:txBody>
           <a:bodyPr rtlCol="0" anchor="ctr"/>
+          <a:lstStyle/>
           <a:p>
             <a:pPr algn="ctr"/>
             <a:r>
               <a:rPr lang="en-US" altLang="zh-CN"/>
               <a:t>scala</a:t>
             </a:r>
-            <a:endParaRPr lang="en-US" altLang="zh-CN"/>
           </a:p>
         </p:txBody>
       </p:sp>
@@ -13915,13 +13837,13 @@
         </p:style>
         <p:txBody>
           <a:bodyPr rtlCol="0" anchor="ctr"/>
+          <a:lstStyle/>
           <a:p>
             <a:pPr algn="ctr"/>
             <a:r>
               <a:rPr lang="en-US" altLang="zh-CN"/>
               <a:t>kotlin</a:t>
             </a:r>
-            <a:endParaRPr lang="en-US" altLang="zh-CN"/>
           </a:p>
         </p:txBody>
       </p:sp>
@@ -13956,13 +13878,13 @@
         </p:style>
         <p:txBody>
           <a:bodyPr rtlCol="0" anchor="ctr"/>
+          <a:lstStyle/>
           <a:p>
             <a:pPr algn="ctr"/>
             <a:r>
               <a:rPr lang="en-US" altLang="zh-CN"/>
               <a:t>groovy</a:t>
             </a:r>
-            <a:endParaRPr lang="en-US" altLang="zh-CN"/>
           </a:p>
         </p:txBody>
       </p:sp>
@@ -13997,13 +13919,13 @@
         </p:style>
         <p:txBody>
           <a:bodyPr rtlCol="0" anchor="ctr"/>
+          <a:lstStyle/>
           <a:p>
             <a:pPr algn="ctr"/>
             <a:r>
               <a:rPr lang="en-US" altLang="zh-CN"/>
               <a:t>clojure</a:t>
             </a:r>
-            <a:endParaRPr lang="en-US" altLang="zh-CN"/>
           </a:p>
         </p:txBody>
       </p:sp>
@@ -14038,13 +13960,13 @@
         </p:style>
         <p:txBody>
           <a:bodyPr rtlCol="0" anchor="ctr"/>
+          <a:lstStyle/>
           <a:p>
             <a:pPr algn="ctr"/>
             <a:r>
               <a:rPr lang="en-US" altLang="zh-CN"/>
               <a:t>jython</a:t>
             </a:r>
-            <a:endParaRPr lang="en-US" altLang="zh-CN"/>
           </a:p>
         </p:txBody>
       </p:sp>
@@ -14079,13 +14001,13 @@
         </p:style>
         <p:txBody>
           <a:bodyPr rtlCol="0" anchor="ctr"/>
+          <a:lstStyle/>
           <a:p>
             <a:pPr algn="ctr"/>
             <a:r>
               <a:rPr lang="en-US" altLang="zh-CN"/>
               <a:t>...</a:t>
             </a:r>
-            <a:endParaRPr lang="en-US" altLang="zh-CN"/>
           </a:p>
         </p:txBody>
       </p:sp>
@@ -14120,13 +14042,13 @@
         </p:style>
         <p:txBody>
           <a:bodyPr rtlCol="0" anchor="ctr"/>
+          <a:lstStyle/>
           <a:p>
             <a:pPr algn="ctr"/>
             <a:r>
               <a:rPr lang="en-US" altLang="zh-CN"/>
               <a:t>jruby</a:t>
             </a:r>
-            <a:endParaRPr lang="en-US" altLang="zh-CN"/>
           </a:p>
         </p:txBody>
       </p:sp>
@@ -14166,13 +14088,13 @@
         </p:style>
         <p:txBody>
           <a:bodyPr rtlCol="0" anchor="ctr"/>
+          <a:lstStyle/>
           <a:p>
             <a:pPr algn="ctr"/>
             <a:r>
               <a:rPr lang="en-US" altLang="zh-CN"/>
               <a:t>Java Virtual Machine</a:t>
             </a:r>
-            <a:endParaRPr lang="en-US" altLang="zh-CN"/>
           </a:p>
         </p:txBody>
       </p:sp>
@@ -14209,13 +14131,13 @@
         </p:style>
         <p:txBody>
           <a:bodyPr rtlCol="0" anchor="ctr"/>
+          <a:lstStyle/>
           <a:p>
             <a:pPr algn="ctr"/>
             <a:r>
               <a:rPr lang="en-US" altLang="zh-CN"/>
               <a:t>linux</a:t>
             </a:r>
-            <a:endParaRPr lang="en-US" altLang="zh-CN"/>
           </a:p>
         </p:txBody>
       </p:sp>
@@ -14252,6 +14174,7 @@
         </p:style>
         <p:txBody>
           <a:bodyPr rtlCol="0" anchor="ctr"/>
+          <a:lstStyle/>
           <a:p>
             <a:pPr algn="ctr"/>
             <a:endParaRPr lang="zh-CN" altLang="en-US"/>
@@ -14291,13 +14214,13 @@
         </p:style>
         <p:txBody>
           <a:bodyPr rtlCol="0" anchor="ctr"/>
+          <a:lstStyle/>
           <a:p>
             <a:pPr algn="ctr"/>
             <a:r>
               <a:rPr lang="en-US" altLang="zh-CN"/>
               <a:t>unix</a:t>
             </a:r>
-            <a:endParaRPr lang="en-US" altLang="zh-CN"/>
           </a:p>
         </p:txBody>
       </p:sp>
@@ -14334,6 +14257,7 @@
         </p:style>
         <p:txBody>
           <a:bodyPr rtlCol="0" anchor="ctr"/>
+          <a:lstStyle/>
           <a:p>
             <a:pPr algn="ctr"/>
             <a:endParaRPr lang="zh-CN" altLang="en-US"/>
@@ -14373,13 +14297,13 @@
         </p:style>
         <p:txBody>
           <a:bodyPr rtlCol="0" anchor="ctr"/>
+          <a:lstStyle/>
           <a:p>
             <a:pPr algn="ctr"/>
             <a:r>
               <a:rPr lang="en-US" altLang="zh-CN"/>
               <a:t>windows</a:t>
             </a:r>
-            <a:endParaRPr lang="en-US" altLang="zh-CN"/>
           </a:p>
         </p:txBody>
       </p:sp>
@@ -14416,6 +14340,7 @@
         </p:style>
         <p:txBody>
           <a:bodyPr rtlCol="0" anchor="ctr"/>
+          <a:lstStyle/>
           <a:p>
             <a:pPr algn="ctr"/>
             <a:endParaRPr lang="zh-CN" altLang="en-US"/>
@@ -14455,13 +14380,13 @@
         </p:style>
         <p:txBody>
           <a:bodyPr rtlCol="0" anchor="ctr"/>
+          <a:lstStyle/>
           <a:p>
             <a:pPr algn="ctr"/>
             <a:r>
               <a:rPr lang="en-US" altLang="zh-CN"/>
               <a:t>mac</a:t>
             </a:r>
-            <a:endParaRPr lang="en-US" altLang="zh-CN"/>
           </a:p>
         </p:txBody>
       </p:sp>
@@ -14498,6 +14423,7 @@
         </p:style>
         <p:txBody>
           <a:bodyPr rtlCol="0" anchor="ctr"/>
+          <a:lstStyle/>
           <a:p>
             <a:pPr algn="ctr"/>
             <a:endParaRPr lang="zh-CN" altLang="en-US"/>
@@ -14537,13 +14463,13 @@
         </p:style>
         <p:txBody>
           <a:bodyPr rtlCol="0" anchor="ctr"/>
+          <a:lstStyle/>
           <a:p>
             <a:pPr algn="ctr"/>
             <a:r>
               <a:rPr lang="en-US" altLang="zh-CN"/>
               <a:t>android</a:t>
             </a:r>
-            <a:endParaRPr lang="en-US" altLang="zh-CN"/>
           </a:p>
         </p:txBody>
       </p:sp>
@@ -14580,6 +14506,7 @@
         </p:style>
         <p:txBody>
           <a:bodyPr rtlCol="0" anchor="ctr"/>
+          <a:lstStyle/>
           <a:p>
             <a:pPr algn="ctr"/>
             <a:endParaRPr lang="zh-CN" altLang="en-US"/>
@@ -14611,7 +14538,14 @@
         <p:cNvGrpSpPr/>
         <p:nvPr/>
       </p:nvGrpSpPr>
-      <p:grpSpPr/>
+      <p:grpSpPr>
+        <a:xfrm>
+          <a:off x="0" y="0"/>
+          <a:ext cx="0" cy="0"/>
+          <a:chOff x="0" y="0"/>
+          <a:chExt cx="0" cy="0"/>
+        </a:xfrm>
+      </p:grpSpPr>
       <p:sp>
         <p:nvSpPr>
           <p:cNvPr id="4" name="矩形 3"/>
@@ -14645,13 +14579,13 @@
         </p:style>
         <p:txBody>
           <a:bodyPr rtlCol="0" anchor="ctr"/>
+          <a:lstStyle/>
           <a:p>
             <a:pPr algn="ctr"/>
             <a:r>
               <a:rPr lang="zh-CN" altLang="en-US"/>
               <a:t>任何语言</a:t>
             </a:r>
-            <a:endParaRPr lang="zh-CN" altLang="en-US"/>
           </a:p>
         </p:txBody>
       </p:sp>
@@ -14691,13 +14625,13 @@
         </p:style>
         <p:txBody>
           <a:bodyPr rtlCol="0" anchor="ctr"/>
+          <a:lstStyle/>
           <a:p>
             <a:pPr algn="ctr"/>
             <a:r>
               <a:rPr lang="en-US" altLang="zh-CN"/>
               <a:t>class</a:t>
             </a:r>
-            <a:endParaRPr lang="en-US" altLang="zh-CN"/>
           </a:p>
         </p:txBody>
       </p:sp>
@@ -14734,13 +14668,13 @@
         </p:style>
         <p:txBody>
           <a:bodyPr rtlCol="0" anchor="ctr"/>
+          <a:lstStyle/>
           <a:p>
             <a:pPr algn="ctr"/>
             <a:r>
               <a:rPr lang="en-US" altLang="zh-CN"/>
               <a:t>JVM</a:t>
             </a:r>
-            <a:endParaRPr lang="en-US" altLang="zh-CN"/>
           </a:p>
         </p:txBody>
       </p:sp>
@@ -14841,7 +14775,14 @@
         <p:cNvGrpSpPr/>
         <p:nvPr/>
       </p:nvGrpSpPr>
-      <p:grpSpPr/>
+      <p:grpSpPr>
+        <a:xfrm>
+          <a:off x="0" y="0"/>
+          <a:ext cx="0" cy="0"/>
+          <a:chOff x="0" y="0"/>
+          <a:chExt cx="0" cy="0"/>
+        </a:xfrm>
+      </p:grpSpPr>
       <p:sp>
         <p:nvSpPr>
           <p:cNvPr id="2" name="矩形 1"/>
@@ -14875,6 +14816,7 @@
         </p:style>
         <p:txBody>
           <a:bodyPr rtlCol="0" anchor="ctr"/>
+          <a:lstStyle/>
           <a:p>
             <a:pPr algn="ctr"/>
             <a:endParaRPr lang="zh-CN" altLang="en-US"/>
@@ -14914,6 +14856,7 @@
         </p:style>
         <p:txBody>
           <a:bodyPr rtlCol="0" anchor="ctr"/>
+          <a:lstStyle/>
           <a:p>
             <a:pPr algn="ctr"/>
             <a:endParaRPr lang="zh-CN" altLang="en-US"/>
@@ -14953,6 +14896,7 @@
         </p:style>
         <p:txBody>
           <a:bodyPr rtlCol="0" anchor="ctr"/>
+          <a:lstStyle/>
           <a:p>
             <a:pPr algn="ctr"/>
             <a:endParaRPr lang="zh-CN" altLang="en-US"/>
@@ -14979,6 +14923,7 @@
           <a:bodyPr wrap="none" rtlCol="0">
             <a:spAutoFit/>
           </a:bodyPr>
+          <a:lstStyle/>
           <a:p>
             <a:r>
               <a:rPr lang="en-US" altLang="zh-CN" sz="2400">
@@ -14988,11 +14933,6 @@
               </a:rPr>
               <a:t>JDK = JRE + Development Kit</a:t>
             </a:r>
-            <a:endParaRPr lang="en-US" altLang="zh-CN" sz="2400">
-              <a:solidFill>
-                <a:schemeClr val="bg1"/>
-              </a:solidFill>
-            </a:endParaRPr>
           </a:p>
         </p:txBody>
       </p:sp>
@@ -15016,6 +14956,7 @@
           <a:bodyPr wrap="none" rtlCol="0">
             <a:spAutoFit/>
           </a:bodyPr>
+          <a:lstStyle/>
           <a:p>
             <a:r>
               <a:rPr lang="en-US" altLang="zh-CN" sz="2400">
@@ -15025,11 +14966,6 @@
               </a:rPr>
               <a:t>JRE =  JVM + Lib</a:t>
             </a:r>
-            <a:endParaRPr lang="en-US" altLang="zh-CN" sz="2400">
-              <a:solidFill>
-                <a:schemeClr val="bg1"/>
-              </a:solidFill>
-            </a:endParaRPr>
           </a:p>
         </p:txBody>
       </p:sp>
@@ -15053,6 +14989,7 @@
           <a:bodyPr wrap="none" rtlCol="0">
             <a:spAutoFit/>
           </a:bodyPr>
+          <a:lstStyle/>
           <a:p>
             <a:r>
               <a:rPr lang="en-US" altLang="zh-CN" sz="2400">
@@ -15062,11 +14999,6 @@
               </a:rPr>
               <a:t>JVM</a:t>
             </a:r>
-            <a:endParaRPr lang="en-US" altLang="zh-CN" sz="2400">
-              <a:solidFill>
-                <a:schemeClr val="bg1"/>
-              </a:solidFill>
-            </a:endParaRPr>
           </a:p>
         </p:txBody>
       </p:sp>
@@ -15095,7 +15027,14 @@
         <p:cNvGrpSpPr/>
         <p:nvPr/>
       </p:nvGrpSpPr>
-      <p:grpSpPr/>
+      <p:grpSpPr>
+        <a:xfrm>
+          <a:off x="0" y="0"/>
+          <a:ext cx="0" cy="0"/>
+          <a:chOff x="0" y="0"/>
+          <a:chExt cx="0" cy="0"/>
+        </a:xfrm>
+      </p:grpSpPr>
       <p:sp>
         <p:nvSpPr>
           <p:cNvPr id="3" name="矩形 2"/>
@@ -15127,13 +15066,13 @@
         </p:style>
         <p:txBody>
           <a:bodyPr rtlCol="0" anchor="ctr"/>
+          <a:lstStyle/>
           <a:p>
             <a:pPr algn="ctr"/>
             <a:r>
               <a:rPr lang="en-US" altLang="zh-CN"/>
               <a:t>CA</a:t>
             </a:r>
-            <a:endParaRPr lang="en-US" altLang="zh-CN"/>
           </a:p>
         </p:txBody>
       </p:sp>
@@ -15168,13 +15107,13 @@
         </p:style>
         <p:txBody>
           <a:bodyPr rtlCol="0" anchor="ctr"/>
+          <a:lstStyle/>
           <a:p>
             <a:pPr algn="ctr"/>
             <a:r>
               <a:rPr lang="en-US" altLang="zh-CN"/>
               <a:t>FE</a:t>
             </a:r>
-            <a:endParaRPr lang="en-US" altLang="zh-CN"/>
           </a:p>
         </p:txBody>
       </p:sp>
@@ -15209,13 +15148,13 @@
         </p:style>
         <p:txBody>
           <a:bodyPr rtlCol="0" anchor="ctr"/>
+          <a:lstStyle/>
           <a:p>
             <a:pPr algn="ctr"/>
             <a:r>
               <a:rPr lang="en-US" altLang="zh-CN"/>
               <a:t>BA</a:t>
             </a:r>
-            <a:endParaRPr lang="en-US" altLang="zh-CN"/>
           </a:p>
         </p:txBody>
       </p:sp>
@@ -15250,13 +15189,13 @@
         </p:style>
         <p:txBody>
           <a:bodyPr rtlCol="0" anchor="ctr"/>
+          <a:lstStyle/>
           <a:p>
             <a:pPr algn="ctr"/>
             <a:r>
               <a:rPr lang="en-US" altLang="zh-CN"/>
               <a:t>BE</a:t>
             </a:r>
-            <a:endParaRPr lang="en-US" altLang="zh-CN"/>
           </a:p>
         </p:txBody>
       </p:sp>
@@ -15291,13 +15230,13 @@
         </p:style>
         <p:txBody>
           <a:bodyPr rtlCol="0" anchor="ctr"/>
+          <a:lstStyle/>
           <a:p>
             <a:pPr algn="ctr"/>
             <a:r>
               <a:rPr lang="en-US" altLang="zh-CN"/>
               <a:t>00</a:t>
             </a:r>
-            <a:endParaRPr lang="en-US" altLang="zh-CN"/>
           </a:p>
         </p:txBody>
       </p:sp>
@@ -15332,6 +15271,7 @@
         </p:style>
         <p:txBody>
           <a:bodyPr rtlCol="0" anchor="ctr"/>
+          <a:lstStyle/>
           <a:p>
             <a:pPr algn="ctr"/>
             <a:r>
@@ -15375,6 +15315,7 @@
         </p:style>
         <p:txBody>
           <a:bodyPr rtlCol="0" anchor="ctr"/>
+          <a:lstStyle/>
           <a:p>
             <a:pPr algn="ctr"/>
             <a:r>
@@ -15418,13 +15359,13 @@
         </p:style>
         <p:txBody>
           <a:bodyPr rtlCol="0" anchor="ctr"/>
+          <a:lstStyle/>
           <a:p>
             <a:pPr algn="ctr"/>
             <a:r>
               <a:rPr lang="en-US" altLang="zh-CN"/>
               <a:t>34</a:t>
             </a:r>
-            <a:endParaRPr lang="en-US" altLang="zh-CN"/>
           </a:p>
         </p:txBody>
       </p:sp>
@@ -15462,6 +15403,7 @@
         </p:style>
         <p:txBody>
           <a:bodyPr rtlCol="0" anchor="ctr"/>
+          <a:lstStyle/>
           <a:p>
             <a:pPr algn="ctr"/>
             <a:endParaRPr lang="en-US" altLang="zh-CN"/>
@@ -15502,6 +15444,7 @@
         </p:style>
         <p:txBody>
           <a:bodyPr rtlCol="0" anchor="ctr"/>
+          <a:lstStyle/>
           <a:p>
             <a:pPr algn="ctr"/>
             <a:endParaRPr lang="en-US" altLang="zh-CN"/>
@@ -15542,6 +15485,7 @@
         </p:style>
         <p:txBody>
           <a:bodyPr rtlCol="0" anchor="ctr"/>
+          <a:lstStyle/>
           <a:p>
             <a:pPr algn="ctr"/>
             <a:endParaRPr lang="en-US" altLang="zh-CN"/>
@@ -15568,6 +15512,7 @@
           <a:bodyPr wrap="none" rtlCol="0">
             <a:spAutoFit/>
           </a:bodyPr>
+          <a:lstStyle/>
           <a:p>
             <a:r>
               <a:rPr lang="en-US" altLang="zh-CN">
@@ -15577,11 +15522,6 @@
               </a:rPr>
               <a:t>...</a:t>
             </a:r>
-            <a:endParaRPr lang="en-US" altLang="zh-CN">
-              <a:solidFill>
-                <a:schemeClr val="tx1"/>
-              </a:solidFill>
-            </a:endParaRPr>
           </a:p>
         </p:txBody>
       </p:sp>
@@ -15619,6 +15559,7 @@
         </p:style>
         <p:txBody>
           <a:bodyPr rtlCol="0" anchor="ctr"/>
+          <a:lstStyle/>
           <a:p>
             <a:pPr algn="ctr"/>
             <a:endParaRPr lang="en-US" altLang="zh-CN"/>
@@ -15661,6 +15602,7 @@
           <a:bodyPr vertOverflow="overflow" horzOverflow="overflow" vert="horz" wrap="square" numCol="1" spcCol="0" rtlCol="0" fromWordArt="0" anchor="ctr" anchorCtr="0" forceAA="0" compatLnSpc="1">
             <a:noAutofit/>
           </a:bodyPr>
+          <a:lstStyle/>
           <a:p>
             <a:pPr lvl="0" algn="ctr">
               <a:buClrTx/>
@@ -15707,6 +15649,7 @@
         </p:style>
         <p:txBody>
           <a:bodyPr rtlCol="0" anchor="ctr"/>
+          <a:lstStyle/>
           <a:p>
             <a:pPr algn="ctr"/>
             <a:endParaRPr lang="en-US" altLang="zh-CN"/>
@@ -15746,6 +15689,7 @@
         </p:style>
         <p:txBody>
           <a:bodyPr rtlCol="0" anchor="ctr"/>
+          <a:lstStyle/>
           <a:p>
             <a:pPr algn="ctr"/>
             <a:endParaRPr lang="en-US" altLang="zh-CN"/>
@@ -15783,6 +15727,7 @@
         </p:style>
         <p:txBody>
           <a:bodyPr rtlCol="0" anchor="ctr"/>
+          <a:lstStyle/>
           <a:p>
             <a:pPr algn="ctr"/>
             <a:endParaRPr lang="en-US" altLang="zh-CN"/>
@@ -15820,6 +15765,7 @@
         </p:style>
         <p:txBody>
           <a:bodyPr rtlCol="0" anchor="ctr"/>
+          <a:lstStyle/>
           <a:p>
             <a:pPr algn="ctr"/>
             <a:endParaRPr lang="en-US" altLang="zh-CN"/>
@@ -15857,6 +15803,7 @@
         </p:style>
         <p:txBody>
           <a:bodyPr rtlCol="0" anchor="ctr"/>
+          <a:lstStyle/>
           <a:p>
             <a:pPr algn="ctr"/>
             <a:endParaRPr lang="en-US" altLang="zh-CN"/>
@@ -15894,6 +15841,7 @@
         </p:style>
         <p:txBody>
           <a:bodyPr rtlCol="0" anchor="ctr"/>
+          <a:lstStyle/>
           <a:p>
             <a:pPr algn="ctr"/>
             <a:endParaRPr lang="en-US" altLang="zh-CN"/>
@@ -15931,6 +15879,7 @@
         </p:style>
         <p:txBody>
           <a:bodyPr rtlCol="0" anchor="ctr"/>
+          <a:lstStyle/>
           <a:p>
             <a:pPr algn="ctr"/>
             <a:endParaRPr lang="en-US" altLang="zh-CN"/>
@@ -15968,6 +15917,7 @@
         </p:style>
         <p:txBody>
           <a:bodyPr rtlCol="0" anchor="ctr"/>
+          <a:lstStyle/>
           <a:p>
             <a:pPr algn="ctr"/>
             <a:endParaRPr lang="en-US" altLang="zh-CN"/>
@@ -16005,6 +15955,7 @@
         </p:style>
         <p:txBody>
           <a:bodyPr rtlCol="0" anchor="ctr"/>
+          <a:lstStyle/>
           <a:p>
             <a:pPr algn="ctr"/>
             <a:endParaRPr lang="en-US" altLang="zh-CN"/>
@@ -16042,6 +15993,7 @@
         </p:style>
         <p:txBody>
           <a:bodyPr rtlCol="0" anchor="ctr"/>
+          <a:lstStyle/>
           <a:p>
             <a:pPr algn="ctr"/>
             <a:endParaRPr lang="en-US" altLang="zh-CN"/>
@@ -16068,6 +16020,7 @@
           <a:bodyPr wrap="none" rtlCol="0">
             <a:spAutoFit/>
           </a:bodyPr>
+          <a:lstStyle/>
           <a:p>
             <a:r>
               <a:rPr lang="en-US" altLang="zh-CN">
@@ -16077,11 +16030,6 @@
               </a:rPr>
               <a:t>...</a:t>
             </a:r>
-            <a:endParaRPr lang="en-US" altLang="zh-CN">
-              <a:solidFill>
-                <a:schemeClr val="tx1"/>
-              </a:solidFill>
-            </a:endParaRPr>
           </a:p>
         </p:txBody>
       </p:sp>
@@ -16116,6 +16064,7 @@
         </p:style>
         <p:txBody>
           <a:bodyPr rtlCol="0" anchor="ctr"/>
+          <a:lstStyle/>
           <a:p>
             <a:pPr algn="ctr"/>
             <a:endParaRPr lang="en-US" altLang="zh-CN"/>
@@ -16153,6 +16102,7 @@
         </p:style>
         <p:txBody>
           <a:bodyPr rtlCol="0" anchor="ctr"/>
+          <a:lstStyle/>
           <a:p>
             <a:pPr algn="ctr"/>
             <a:endParaRPr lang="en-US" altLang="zh-CN"/>
@@ -16192,6 +16142,7 @@
         </p:style>
         <p:txBody>
           <a:bodyPr rtlCol="0" anchor="ctr"/>
+          <a:lstStyle/>
           <a:p>
             <a:pPr algn="ctr"/>
             <a:endParaRPr lang="en-US" altLang="zh-CN"/>
@@ -16218,6 +16169,7 @@
           <a:bodyPr wrap="none" rtlCol="0">
             <a:spAutoFit/>
           </a:bodyPr>
+          <a:lstStyle/>
           <a:p>
             <a:r>
               <a:rPr lang="en-US" altLang="zh-CN">
@@ -16227,11 +16179,6 @@
               </a:rPr>
               <a:t>...</a:t>
             </a:r>
-            <a:endParaRPr lang="en-US" altLang="zh-CN">
-              <a:solidFill>
-                <a:schemeClr val="tx1"/>
-              </a:solidFill>
-            </a:endParaRPr>
           </a:p>
         </p:txBody>
       </p:sp>
@@ -16268,6 +16215,7 @@
         </p:style>
         <p:txBody>
           <a:bodyPr rtlCol="0" anchor="ctr"/>
+          <a:lstStyle/>
           <a:p>
             <a:pPr algn="ctr"/>
             <a:endParaRPr lang="en-US" altLang="zh-CN"/>
@@ -16308,6 +16256,7 @@
         </p:style>
         <p:txBody>
           <a:bodyPr rtlCol="0" anchor="ctr"/>
+          <a:lstStyle/>
           <a:p>
             <a:pPr algn="ctr"/>
             <a:endParaRPr lang="en-US" altLang="zh-CN"/>
@@ -16348,6 +16297,7 @@
         </p:style>
         <p:txBody>
           <a:bodyPr rtlCol="0" anchor="ctr"/>
+          <a:lstStyle/>
           <a:p>
             <a:pPr algn="ctr"/>
             <a:endParaRPr lang="en-US" altLang="zh-CN"/>
@@ -16388,6 +16338,7 @@
         </p:style>
         <p:txBody>
           <a:bodyPr rtlCol="0" anchor="ctr"/>
+          <a:lstStyle/>
           <a:p>
             <a:pPr algn="ctr"/>
             <a:endParaRPr lang="en-US" altLang="zh-CN"/>
@@ -16428,6 +16379,7 @@
         </p:style>
         <p:txBody>
           <a:bodyPr rtlCol="0" anchor="ctr"/>
+          <a:lstStyle/>
           <a:p>
             <a:pPr algn="ctr"/>
             <a:endParaRPr lang="en-US" altLang="zh-CN"/>
@@ -16454,6 +16406,7 @@
           <a:bodyPr wrap="none" rtlCol="0">
             <a:spAutoFit/>
           </a:bodyPr>
+          <a:lstStyle/>
           <a:p>
             <a:r>
               <a:rPr lang="en-US" altLang="zh-CN">
@@ -16463,11 +16416,6 @@
               </a:rPr>
               <a:t>...</a:t>
             </a:r>
-            <a:endParaRPr lang="en-US" altLang="zh-CN">
-              <a:solidFill>
-                <a:schemeClr val="tx1"/>
-              </a:solidFill>
-            </a:endParaRPr>
           </a:p>
         </p:txBody>
       </p:sp>
@@ -16505,6 +16453,7 @@
         </p:style>
         <p:txBody>
           <a:bodyPr rtlCol="0" anchor="ctr"/>
+          <a:lstStyle/>
           <a:p>
             <a:pPr algn="ctr"/>
             <a:endParaRPr lang="en-US" altLang="zh-CN"/>
@@ -16545,6 +16494,7 @@
         </p:style>
         <p:txBody>
           <a:bodyPr rtlCol="0" anchor="ctr"/>
+          <a:lstStyle/>
           <a:p>
             <a:pPr algn="ctr"/>
             <a:endParaRPr lang="en-US" altLang="zh-CN"/>
@@ -16588,6 +16538,7 @@
         </p:style>
         <p:txBody>
           <a:bodyPr rtlCol="0" anchor="ctr"/>
+          <a:lstStyle/>
           <a:p>
             <a:pPr algn="ctr"/>
             <a:endParaRPr lang="en-US" altLang="zh-CN"/>
@@ -16631,6 +16582,7 @@
         </p:style>
         <p:txBody>
           <a:bodyPr rtlCol="0" anchor="ctr"/>
+          <a:lstStyle/>
           <a:p>
             <a:pPr algn="ctr"/>
             <a:endParaRPr lang="en-US" altLang="zh-CN"/>
@@ -16676,6 +16628,7 @@
           <a:bodyPr vertOverflow="overflow" horzOverflow="overflow" vert="horz" wrap="square" numCol="1" spcCol="0" rtlCol="0" fromWordArt="0" anchor="ctr" anchorCtr="0" forceAA="0" compatLnSpc="1">
             <a:noAutofit/>
           </a:bodyPr>
+          <a:lstStyle/>
           <a:p>
             <a:pPr lvl="0" algn="ctr">
               <a:buClrTx/>
@@ -16708,6 +16661,7 @@
           <a:bodyPr wrap="none" rtlCol="0">
             <a:spAutoFit/>
           </a:bodyPr>
+          <a:lstStyle/>
           <a:p>
             <a:r>
               <a:rPr lang="en-US" altLang="zh-CN">
@@ -16717,11 +16671,6 @@
               </a:rPr>
               <a:t>...</a:t>
             </a:r>
-            <a:endParaRPr lang="en-US" altLang="zh-CN">
-              <a:solidFill>
-                <a:schemeClr val="tx1"/>
-              </a:solidFill>
-            </a:endParaRPr>
           </a:p>
         </p:txBody>
       </p:sp>
@@ -16764,6 +16713,7 @@
           <a:bodyPr vertOverflow="overflow" horzOverflow="overflow" vert="horz" wrap="square" numCol="1" spcCol="0" rtlCol="0" fromWordArt="0" anchor="ctr" anchorCtr="0" forceAA="0" compatLnSpc="1">
             <a:noAutofit/>
           </a:bodyPr>
+          <a:lstStyle/>
           <a:p>
             <a:pPr lvl="0" algn="ctr">
               <a:buClrTx/>
@@ -16807,6 +16757,7 @@
         </p:style>
         <p:txBody>
           <a:bodyPr rtlCol="0" anchor="ctr"/>
+          <a:lstStyle/>
           <a:p>
             <a:pPr algn="ctr"/>
             <a:endParaRPr lang="zh-CN" altLang="en-US"/>
@@ -16833,6 +16784,7 @@
           <a:bodyPr wrap="none" rtlCol="0">
             <a:spAutoFit/>
           </a:bodyPr>
+          <a:lstStyle/>
           <a:p>
             <a:pPr algn="ctr"/>
             <a:r>
@@ -16842,6 +16794,727 @@
                 </a:solidFill>
               </a:rPr>
               <a:t>magic number </a:t>
+            </a:r>
+          </a:p>
+        </p:txBody>
+      </p:sp>
+      <p:sp>
+        <p:nvSpPr>
+          <p:cNvPr id="62" name="左大括号 61"/>
+          <p:cNvSpPr/>
+          <p:nvPr/>
+        </p:nvSpPr>
+        <p:spPr>
+          <a:xfrm rot="5400000">
+            <a:off x="3796665" y="789305"/>
+            <a:ext cx="154305" cy="914400"/>
+          </a:xfrm>
+          <a:prstGeom prst="leftBrace">
+            <a:avLst/>
+          </a:prstGeom>
+        </p:spPr>
+        <p:style>
+          <a:lnRef idx="1">
+            <a:schemeClr val="accent1"/>
+          </a:lnRef>
+          <a:fillRef idx="0">
+            <a:schemeClr val="accent1"/>
+          </a:fillRef>
+          <a:effectRef idx="0">
+            <a:schemeClr val="accent1"/>
+          </a:effectRef>
+          <a:fontRef idx="minor">
+            <a:schemeClr val="tx1"/>
+          </a:fontRef>
+        </p:style>
+        <p:txBody>
+          <a:bodyPr rtlCol="0" anchor="ctr"/>
+          <a:lstStyle/>
+          <a:p>
+            <a:pPr algn="ctr"/>
+            <a:endParaRPr lang="zh-CN" altLang="en-US"/>
+          </a:p>
+        </p:txBody>
+      </p:sp>
+      <p:sp>
+        <p:nvSpPr>
+          <p:cNvPr id="63" name="文本框 62"/>
+          <p:cNvSpPr txBox="1"/>
+          <p:nvPr/>
+        </p:nvSpPr>
+        <p:spPr>
+          <a:xfrm>
+            <a:off x="2968943" y="791845"/>
+            <a:ext cx="1525905" cy="368300"/>
+          </a:xfrm>
+          <a:prstGeom prst="rect">
+            <a:avLst/>
+          </a:prstGeom>
+          <a:noFill/>
+        </p:spPr>
+        <p:txBody>
+          <a:bodyPr wrap="none" rtlCol="0">
+            <a:spAutoFit/>
+          </a:bodyPr>
+          <a:lstStyle/>
+          <a:p>
+            <a:pPr algn="ctr"/>
+            <a:r>
+              <a:rPr lang="en-US" altLang="zh-CN"/>
+              <a:t>minor_version</a:t>
+            </a:r>
+          </a:p>
+        </p:txBody>
+      </p:sp>
+      <p:sp>
+        <p:nvSpPr>
+          <p:cNvPr id="64" name="左大括号 63"/>
+          <p:cNvSpPr/>
+          <p:nvPr/>
+        </p:nvSpPr>
+        <p:spPr>
+          <a:xfrm rot="5400000">
+            <a:off x="4940935" y="789305"/>
+            <a:ext cx="154305" cy="914400"/>
+          </a:xfrm>
+          <a:prstGeom prst="leftBrace">
+            <a:avLst/>
+          </a:prstGeom>
+        </p:spPr>
+        <p:style>
+          <a:lnRef idx="1">
+            <a:schemeClr val="accent1"/>
+          </a:lnRef>
+          <a:fillRef idx="0">
+            <a:schemeClr val="accent1"/>
+          </a:fillRef>
+          <a:effectRef idx="0">
+            <a:schemeClr val="accent1"/>
+          </a:effectRef>
+          <a:fontRef idx="minor">
+            <a:schemeClr val="tx1"/>
+          </a:fontRef>
+        </p:style>
+        <p:txBody>
+          <a:bodyPr rtlCol="0" anchor="ctr"/>
+          <a:lstStyle/>
+          <a:p>
+            <a:pPr algn="ctr"/>
+            <a:endParaRPr lang="zh-CN" altLang="en-US"/>
+          </a:p>
+        </p:txBody>
+      </p:sp>
+      <p:sp>
+        <p:nvSpPr>
+          <p:cNvPr id="65" name="文本框 64"/>
+          <p:cNvSpPr txBox="1"/>
+          <p:nvPr/>
+        </p:nvSpPr>
+        <p:spPr>
+          <a:xfrm>
+            <a:off x="4376420" y="791845"/>
+            <a:ext cx="1584960" cy="368300"/>
+          </a:xfrm>
+          <a:prstGeom prst="rect">
+            <a:avLst/>
+          </a:prstGeom>
+          <a:noFill/>
+        </p:spPr>
+        <p:txBody>
+          <a:bodyPr wrap="square" rtlCol="0">
+            <a:spAutoFit/>
+          </a:bodyPr>
+          <a:lstStyle/>
+          <a:p>
+            <a:pPr algn="ctr"/>
+            <a:r>
+              <a:rPr lang="en-US" altLang="zh-CN"/>
+              <a:t>major_version</a:t>
+            </a:r>
+          </a:p>
+        </p:txBody>
+      </p:sp>
+      <p:sp>
+        <p:nvSpPr>
+          <p:cNvPr id="68" name="左大括号 67"/>
+          <p:cNvSpPr/>
+          <p:nvPr/>
+        </p:nvSpPr>
+        <p:spPr>
+          <a:xfrm rot="5400000">
+            <a:off x="6320155" y="789305"/>
+            <a:ext cx="154305" cy="914400"/>
+          </a:xfrm>
+          <a:prstGeom prst="leftBrace">
+            <a:avLst/>
+          </a:prstGeom>
+        </p:spPr>
+        <p:style>
+          <a:lnRef idx="1">
+            <a:schemeClr val="accent1"/>
+          </a:lnRef>
+          <a:fillRef idx="0">
+            <a:schemeClr val="accent1"/>
+          </a:fillRef>
+          <a:effectRef idx="0">
+            <a:schemeClr val="accent1"/>
+          </a:effectRef>
+          <a:fontRef idx="minor">
+            <a:schemeClr val="tx1"/>
+          </a:fontRef>
+        </p:style>
+        <p:txBody>
+          <a:bodyPr rtlCol="0" anchor="ctr"/>
+          <a:lstStyle/>
+          <a:p>
+            <a:pPr algn="ctr"/>
+            <a:endParaRPr lang="zh-CN" altLang="en-US"/>
+          </a:p>
+        </p:txBody>
+      </p:sp>
+      <p:sp>
+        <p:nvSpPr>
+          <p:cNvPr id="69" name="文本框 68"/>
+          <p:cNvSpPr txBox="1"/>
+          <p:nvPr/>
+        </p:nvSpPr>
+        <p:spPr>
+          <a:xfrm>
+            <a:off x="5693410" y="791845"/>
+            <a:ext cx="2393315" cy="368300"/>
+          </a:xfrm>
+          <a:prstGeom prst="rect">
+            <a:avLst/>
+          </a:prstGeom>
+          <a:noFill/>
+        </p:spPr>
+        <p:txBody>
+          <a:bodyPr wrap="square" rtlCol="0">
+            <a:spAutoFit/>
+          </a:bodyPr>
+          <a:lstStyle/>
+          <a:p>
+            <a:pPr algn="ctr"/>
+            <a:r>
+              <a:rPr lang="en-US" altLang="zh-CN">
+                <a:solidFill>
+                  <a:schemeClr val="tx1"/>
+                </a:solidFill>
+              </a:rPr>
+              <a:t>constant_pool_count</a:t>
+            </a:r>
+          </a:p>
+        </p:txBody>
+      </p:sp>
+      <p:sp>
+        <p:nvSpPr>
+          <p:cNvPr id="70" name="左大括号 69"/>
+          <p:cNvSpPr/>
+          <p:nvPr/>
+        </p:nvSpPr>
+        <p:spPr>
+          <a:xfrm rot="5400000">
+            <a:off x="8639175" y="789305"/>
+            <a:ext cx="154305" cy="914400"/>
+          </a:xfrm>
+          <a:prstGeom prst="leftBrace">
+            <a:avLst/>
+          </a:prstGeom>
+        </p:spPr>
+        <p:style>
+          <a:lnRef idx="1">
+            <a:schemeClr val="accent1"/>
+          </a:lnRef>
+          <a:fillRef idx="0">
+            <a:schemeClr val="accent1"/>
+          </a:fillRef>
+          <a:effectRef idx="0">
+            <a:schemeClr val="accent1"/>
+          </a:effectRef>
+          <a:fontRef idx="minor">
+            <a:schemeClr val="tx1"/>
+          </a:fontRef>
+        </p:style>
+        <p:txBody>
+          <a:bodyPr rtlCol="0" anchor="ctr"/>
+          <a:lstStyle/>
+          <a:p>
+            <a:pPr algn="ctr"/>
+            <a:endParaRPr lang="zh-CN" altLang="en-US"/>
+          </a:p>
+        </p:txBody>
+      </p:sp>
+      <p:sp>
+        <p:nvSpPr>
+          <p:cNvPr id="71" name="文本框 70"/>
+          <p:cNvSpPr txBox="1"/>
+          <p:nvPr/>
+        </p:nvSpPr>
+        <p:spPr>
+          <a:xfrm>
+            <a:off x="7101840" y="514985"/>
+            <a:ext cx="4208780" cy="645160"/>
+          </a:xfrm>
+          <a:prstGeom prst="rect">
+            <a:avLst/>
+          </a:prstGeom>
+          <a:noFill/>
+        </p:spPr>
+        <p:txBody>
+          <a:bodyPr wrap="square" rtlCol="0">
+            <a:spAutoFit/>
+          </a:bodyPr>
+          <a:lstStyle/>
+          <a:p>
+            <a:pPr algn="ctr"/>
+            <a:r>
+              <a:rPr lang="en-US" altLang="zh-CN">
+                <a:solidFill>
+                  <a:schemeClr val="tx1"/>
+                </a:solidFill>
+              </a:rPr>
+              <a:t>constant_pool</a:t>
+            </a:r>
+            <a:br>
+              <a:rPr lang="en-US" altLang="zh-CN">
+                <a:solidFill>
+                  <a:schemeClr val="tx1"/>
+                </a:solidFill>
+              </a:rPr>
+            </a:br>
+            <a:r>
+              <a:rPr lang="en-US" altLang="zh-CN">
+                <a:solidFill>
+                  <a:schemeClr val="tx1"/>
+                </a:solidFill>
+              </a:rPr>
+              <a:t>[constant_pool_count-1]</a:t>
+            </a:r>
+          </a:p>
+        </p:txBody>
+      </p:sp>
+      <p:sp>
+        <p:nvSpPr>
+          <p:cNvPr id="74" name="左大括号 73"/>
+          <p:cNvSpPr/>
+          <p:nvPr/>
+        </p:nvSpPr>
+        <p:spPr>
+          <a:xfrm rot="5400000">
+            <a:off x="1212850" y="2046605"/>
+            <a:ext cx="154305" cy="914400"/>
+          </a:xfrm>
+          <a:prstGeom prst="leftBrace">
+            <a:avLst/>
+          </a:prstGeom>
+        </p:spPr>
+        <p:style>
+          <a:lnRef idx="1">
+            <a:schemeClr val="accent1"/>
+          </a:lnRef>
+          <a:fillRef idx="0">
+            <a:schemeClr val="accent1"/>
+          </a:fillRef>
+          <a:effectRef idx="0">
+            <a:schemeClr val="accent1"/>
+          </a:effectRef>
+          <a:fontRef idx="minor">
+            <a:schemeClr val="tx1"/>
+          </a:fontRef>
+        </p:style>
+        <p:txBody>
+          <a:bodyPr rtlCol="0" anchor="ctr"/>
+          <a:lstStyle/>
+          <a:p>
+            <a:pPr algn="ctr"/>
+            <a:endParaRPr lang="zh-CN" altLang="en-US"/>
+          </a:p>
+        </p:txBody>
+      </p:sp>
+      <p:sp>
+        <p:nvSpPr>
+          <p:cNvPr id="75" name="文本框 74"/>
+          <p:cNvSpPr txBox="1"/>
+          <p:nvPr/>
+        </p:nvSpPr>
+        <p:spPr>
+          <a:xfrm>
+            <a:off x="706120" y="2045335"/>
+            <a:ext cx="1340485" cy="368300"/>
+          </a:xfrm>
+          <a:prstGeom prst="rect">
+            <a:avLst/>
+          </a:prstGeom>
+          <a:noFill/>
+        </p:spPr>
+        <p:txBody>
+          <a:bodyPr wrap="square" rtlCol="0">
+            <a:spAutoFit/>
+          </a:bodyPr>
+          <a:lstStyle/>
+          <a:p>
+            <a:pPr algn="ctr"/>
+            <a:r>
+              <a:rPr lang="en-US" altLang="zh-CN"/>
+              <a:t>access_flags</a:t>
+            </a:r>
+          </a:p>
+        </p:txBody>
+      </p:sp>
+      <p:sp>
+        <p:nvSpPr>
+          <p:cNvPr id="76" name="左大括号 75"/>
+          <p:cNvSpPr/>
+          <p:nvPr/>
+        </p:nvSpPr>
+        <p:spPr>
+          <a:xfrm rot="5400000">
+            <a:off x="2577465" y="2033270"/>
+            <a:ext cx="154305" cy="914400"/>
+          </a:xfrm>
+          <a:prstGeom prst="leftBrace">
+            <a:avLst/>
+          </a:prstGeom>
+        </p:spPr>
+        <p:style>
+          <a:lnRef idx="1">
+            <a:schemeClr val="accent1"/>
+          </a:lnRef>
+          <a:fillRef idx="0">
+            <a:schemeClr val="accent1"/>
+          </a:fillRef>
+          <a:effectRef idx="0">
+            <a:schemeClr val="accent1"/>
+          </a:effectRef>
+          <a:fontRef idx="minor">
+            <a:schemeClr val="tx1"/>
+          </a:fontRef>
+        </p:style>
+        <p:txBody>
+          <a:bodyPr rtlCol="0" anchor="ctr"/>
+          <a:lstStyle/>
+          <a:p>
+            <a:pPr algn="ctr"/>
+            <a:endParaRPr lang="zh-CN" altLang="en-US"/>
+          </a:p>
+        </p:txBody>
+      </p:sp>
+      <p:sp>
+        <p:nvSpPr>
+          <p:cNvPr id="77" name="文本框 76"/>
+          <p:cNvSpPr txBox="1"/>
+          <p:nvPr/>
+        </p:nvSpPr>
+        <p:spPr>
+          <a:xfrm>
+            <a:off x="2124076" y="2045335"/>
+            <a:ext cx="1073150" cy="368300"/>
+          </a:xfrm>
+          <a:prstGeom prst="rect">
+            <a:avLst/>
+          </a:prstGeom>
+          <a:noFill/>
+        </p:spPr>
+        <p:txBody>
+          <a:bodyPr wrap="none" rtlCol="0">
+            <a:spAutoFit/>
+          </a:bodyPr>
+          <a:lstStyle/>
+          <a:p>
+            <a:pPr algn="ctr"/>
+            <a:r>
+              <a:rPr lang="en-US" altLang="zh-CN">
+                <a:solidFill>
+                  <a:schemeClr val="tx1"/>
+                </a:solidFill>
+              </a:rPr>
+              <a:t>this_class</a:t>
+            </a:r>
+          </a:p>
+        </p:txBody>
+      </p:sp>
+      <p:sp>
+        <p:nvSpPr>
+          <p:cNvPr id="80" name="左大括号 79"/>
+          <p:cNvSpPr/>
+          <p:nvPr/>
+        </p:nvSpPr>
+        <p:spPr>
+          <a:xfrm rot="5400000">
+            <a:off x="3947160" y="2046605"/>
+            <a:ext cx="154305" cy="914400"/>
+          </a:xfrm>
+          <a:prstGeom prst="leftBrace">
+            <a:avLst/>
+          </a:prstGeom>
+        </p:spPr>
+        <p:style>
+          <a:lnRef idx="1">
+            <a:schemeClr val="accent1"/>
+          </a:lnRef>
+          <a:fillRef idx="0">
+            <a:schemeClr val="accent1"/>
+          </a:fillRef>
+          <a:effectRef idx="0">
+            <a:schemeClr val="accent1"/>
+          </a:effectRef>
+          <a:fontRef idx="minor">
+            <a:schemeClr val="tx1"/>
+          </a:fontRef>
+        </p:style>
+        <p:txBody>
+          <a:bodyPr rtlCol="0" anchor="ctr"/>
+          <a:lstStyle/>
+          <a:p>
+            <a:pPr algn="ctr"/>
+            <a:endParaRPr lang="zh-CN" altLang="en-US"/>
+          </a:p>
+        </p:txBody>
+      </p:sp>
+      <p:sp>
+        <p:nvSpPr>
+          <p:cNvPr id="81" name="文本框 80"/>
+          <p:cNvSpPr txBox="1"/>
+          <p:nvPr/>
+        </p:nvSpPr>
+        <p:spPr>
+          <a:xfrm>
+            <a:off x="3416936" y="2045335"/>
+            <a:ext cx="1195070" cy="368300"/>
+          </a:xfrm>
+          <a:prstGeom prst="rect">
+            <a:avLst/>
+          </a:prstGeom>
+          <a:noFill/>
+        </p:spPr>
+        <p:txBody>
+          <a:bodyPr wrap="none" rtlCol="0">
+            <a:spAutoFit/>
+          </a:bodyPr>
+          <a:lstStyle/>
+          <a:p>
+            <a:pPr algn="ctr"/>
+            <a:r>
+              <a:rPr lang="en-US" altLang="zh-CN">
+                <a:solidFill>
+                  <a:schemeClr val="tx1"/>
+                </a:solidFill>
+              </a:rPr>
+              <a:t>super class</a:t>
+            </a:r>
+          </a:p>
+        </p:txBody>
+      </p:sp>
+      <p:sp>
+        <p:nvSpPr>
+          <p:cNvPr id="85" name="左大括号 84"/>
+          <p:cNvSpPr/>
+          <p:nvPr/>
+        </p:nvSpPr>
+        <p:spPr>
+          <a:xfrm rot="5400000">
+            <a:off x="5426710" y="2045970"/>
+            <a:ext cx="154305" cy="914400"/>
+          </a:xfrm>
+          <a:prstGeom prst="leftBrace">
+            <a:avLst/>
+          </a:prstGeom>
+        </p:spPr>
+        <p:style>
+          <a:lnRef idx="1">
+            <a:schemeClr val="accent1"/>
+          </a:lnRef>
+          <a:fillRef idx="0">
+            <a:schemeClr val="accent1"/>
+          </a:fillRef>
+          <a:effectRef idx="0">
+            <a:schemeClr val="accent1"/>
+          </a:effectRef>
+          <a:fontRef idx="minor">
+            <a:schemeClr val="tx1"/>
+          </a:fontRef>
+        </p:style>
+        <p:txBody>
+          <a:bodyPr rtlCol="0" anchor="ctr"/>
+          <a:lstStyle/>
+          <a:p>
+            <a:pPr algn="ctr"/>
+            <a:endParaRPr lang="zh-CN" altLang="en-US"/>
+          </a:p>
+        </p:txBody>
+      </p:sp>
+      <p:sp>
+        <p:nvSpPr>
+          <p:cNvPr id="86" name="文本框 85"/>
+          <p:cNvSpPr txBox="1"/>
+          <p:nvPr/>
+        </p:nvSpPr>
+        <p:spPr>
+          <a:xfrm>
+            <a:off x="4710749" y="2058670"/>
+            <a:ext cx="1737995" cy="368300"/>
+          </a:xfrm>
+          <a:prstGeom prst="rect">
+            <a:avLst/>
+          </a:prstGeom>
+          <a:noFill/>
+        </p:spPr>
+        <p:txBody>
+          <a:bodyPr wrap="none" rtlCol="0">
+            <a:spAutoFit/>
+          </a:bodyPr>
+          <a:lstStyle/>
+          <a:p>
+            <a:pPr algn="ctr"/>
+            <a:r>
+              <a:rPr lang="en-US" altLang="zh-CN">
+                <a:solidFill>
+                  <a:schemeClr val="tx1"/>
+                </a:solidFill>
+              </a:rPr>
+              <a:t>interfaces_count</a:t>
+            </a:r>
+          </a:p>
+        </p:txBody>
+      </p:sp>
+      <p:sp>
+        <p:nvSpPr>
+          <p:cNvPr id="88" name="左大括号 87"/>
+          <p:cNvSpPr/>
+          <p:nvPr/>
+        </p:nvSpPr>
+        <p:spPr>
+          <a:xfrm rot="5400000">
+            <a:off x="7891780" y="1228090"/>
+            <a:ext cx="181610" cy="2524760"/>
+          </a:xfrm>
+          <a:prstGeom prst="leftBrace">
+            <a:avLst/>
+          </a:prstGeom>
+        </p:spPr>
+        <p:style>
+          <a:lnRef idx="1">
+            <a:schemeClr val="accent1"/>
+          </a:lnRef>
+          <a:fillRef idx="0">
+            <a:schemeClr val="accent1"/>
+          </a:fillRef>
+          <a:effectRef idx="0">
+            <a:schemeClr val="accent1"/>
+          </a:effectRef>
+          <a:fontRef idx="minor">
+            <a:schemeClr val="tx1"/>
+          </a:fontRef>
+        </p:style>
+        <p:txBody>
+          <a:bodyPr rtlCol="0" anchor="ctr"/>
+          <a:lstStyle/>
+          <a:p>
+            <a:pPr algn="ctr"/>
+            <a:endParaRPr lang="zh-CN" altLang="en-US"/>
+          </a:p>
+        </p:txBody>
+      </p:sp>
+      <p:sp>
+        <p:nvSpPr>
+          <p:cNvPr id="89" name="文本框 88"/>
+          <p:cNvSpPr txBox="1"/>
+          <p:nvPr/>
+        </p:nvSpPr>
+        <p:spPr>
+          <a:xfrm>
+            <a:off x="6528119" y="2058670"/>
+            <a:ext cx="2789555" cy="368300"/>
+          </a:xfrm>
+          <a:prstGeom prst="rect">
+            <a:avLst/>
+          </a:prstGeom>
+          <a:noFill/>
+        </p:spPr>
+        <p:txBody>
+          <a:bodyPr wrap="none" rtlCol="0">
+            <a:spAutoFit/>
+          </a:bodyPr>
+          <a:lstStyle/>
+          <a:p>
+            <a:pPr algn="ctr"/>
+            <a:r>
+              <a:rPr lang="en-US" altLang="zh-CN">
+                <a:solidFill>
+                  <a:schemeClr val="tx1"/>
+                </a:solidFill>
+              </a:rPr>
+              <a:t>interfaces[interfaces_count]</a:t>
+            </a:r>
+          </a:p>
+        </p:txBody>
+      </p:sp>
+      <p:sp>
+        <p:nvSpPr>
+          <p:cNvPr id="90" name="左大括号 89"/>
+          <p:cNvSpPr/>
+          <p:nvPr/>
+        </p:nvSpPr>
+        <p:spPr>
+          <a:xfrm rot="5400000">
+            <a:off x="1252220" y="3266440"/>
+            <a:ext cx="154305" cy="914400"/>
+          </a:xfrm>
+          <a:prstGeom prst="leftBrace">
+            <a:avLst/>
+          </a:prstGeom>
+        </p:spPr>
+        <p:style>
+          <a:lnRef idx="1">
+            <a:schemeClr val="accent1"/>
+          </a:lnRef>
+          <a:fillRef idx="0">
+            <a:schemeClr val="accent1"/>
+          </a:fillRef>
+          <a:effectRef idx="0">
+            <a:schemeClr val="accent1"/>
+          </a:effectRef>
+          <a:fontRef idx="minor">
+            <a:schemeClr val="tx1"/>
+          </a:fontRef>
+        </p:style>
+        <p:txBody>
+          <a:bodyPr rtlCol="0" anchor="ctr"/>
+          <a:lstStyle/>
+          <a:p>
+            <a:pPr algn="ctr"/>
+            <a:endParaRPr lang="zh-CN" altLang="en-US"/>
+          </a:p>
+        </p:txBody>
+      </p:sp>
+      <p:sp>
+        <p:nvSpPr>
+          <p:cNvPr id="91" name="文本框 90"/>
+          <p:cNvSpPr txBox="1"/>
+          <p:nvPr/>
+        </p:nvSpPr>
+        <p:spPr>
+          <a:xfrm>
+            <a:off x="598805" y="3278505"/>
+            <a:ext cx="1525270" cy="368300"/>
+          </a:xfrm>
+          <a:prstGeom prst="rect">
+            <a:avLst/>
+          </a:prstGeom>
+          <a:noFill/>
+        </p:spPr>
+        <p:txBody>
+          <a:bodyPr wrap="square" rtlCol="0">
+            <a:spAutoFit/>
+          </a:bodyPr>
+          <a:lstStyle/>
+          <a:p>
+            <a:pPr algn="ctr"/>
+            <a:r>
+              <a:rPr lang="en-US" altLang="zh-CN">
+                <a:sym typeface="+mn-ea"/>
+              </a:rPr>
+              <a:t>fields_count</a:t>
             </a:r>
             <a:endParaRPr lang="en-US" altLang="zh-CN">
               <a:solidFill>
@@ -16853,14 +17526,14 @@
       </p:sp>
       <p:sp>
         <p:nvSpPr>
-          <p:cNvPr id="62" name="左大括号 61"/>
+          <p:cNvPr id="92" name="左大括号 91"/>
           <p:cNvSpPr/>
           <p:nvPr/>
         </p:nvSpPr>
         <p:spPr>
           <a:xfrm rot="5400000">
-            <a:off x="3796665" y="789305"/>
-            <a:ext cx="154305" cy="914400"/>
+            <a:off x="3469640" y="2559050"/>
+            <a:ext cx="153670" cy="2329180"/>
           </a:xfrm>
           <a:prstGeom prst="leftBrace">
             <a:avLst/>
@@ -16882,6 +17555,7 @@
         </p:style>
         <p:txBody>
           <a:bodyPr rtlCol="0" anchor="ctr"/>
+          <a:lstStyle/>
           <a:p>
             <a:pPr algn="ctr"/>
             <a:endParaRPr lang="zh-CN" altLang="en-US"/>
@@ -16890,81 +17564,14 @@
       </p:sp>
       <p:sp>
         <p:nvSpPr>
-          <p:cNvPr id="63" name="文本框 62"/>
+          <p:cNvPr id="93" name="文本框 92"/>
           <p:cNvSpPr txBox="1"/>
           <p:nvPr/>
         </p:nvSpPr>
         <p:spPr>
           <a:xfrm>
-            <a:off x="2968943" y="791845"/>
-            <a:ext cx="1525905" cy="368300"/>
-          </a:xfrm>
-          <a:prstGeom prst="rect">
-            <a:avLst/>
-          </a:prstGeom>
-          <a:noFill/>
-        </p:spPr>
-        <p:txBody>
-          <a:bodyPr wrap="none" rtlCol="0">
-            <a:spAutoFit/>
-          </a:bodyPr>
-          <a:p>
-            <a:pPr algn="ctr"/>
-            <a:r>
-              <a:rPr lang="en-US" altLang="zh-CN"/>
-              <a:t>minor_version</a:t>
-            </a:r>
-            <a:endParaRPr lang="en-US" altLang="zh-CN"/>
-          </a:p>
-        </p:txBody>
-      </p:sp>
-      <p:sp>
-        <p:nvSpPr>
-          <p:cNvPr id="64" name="左大括号 63"/>
-          <p:cNvSpPr/>
-          <p:nvPr/>
-        </p:nvSpPr>
-        <p:spPr>
-          <a:xfrm rot="5400000">
-            <a:off x="4940935" y="789305"/>
-            <a:ext cx="154305" cy="914400"/>
-          </a:xfrm>
-          <a:prstGeom prst="leftBrace">
-            <a:avLst/>
-          </a:prstGeom>
-        </p:spPr>
-        <p:style>
-          <a:lnRef idx="1">
-            <a:schemeClr val="accent1"/>
-          </a:lnRef>
-          <a:fillRef idx="0">
-            <a:schemeClr val="accent1"/>
-          </a:fillRef>
-          <a:effectRef idx="0">
-            <a:schemeClr val="accent1"/>
-          </a:effectRef>
-          <a:fontRef idx="minor">
-            <a:schemeClr val="tx1"/>
-          </a:fontRef>
-        </p:style>
-        <p:txBody>
-          <a:bodyPr rtlCol="0" anchor="ctr"/>
-          <a:p>
-            <a:pPr algn="ctr"/>
-            <a:endParaRPr lang="zh-CN" altLang="en-US"/>
-          </a:p>
-        </p:txBody>
-      </p:sp>
-      <p:sp>
-        <p:nvSpPr>
-          <p:cNvPr id="65" name="文本框 64"/>
-          <p:cNvSpPr txBox="1"/>
-          <p:nvPr/>
-        </p:nvSpPr>
-        <p:spPr>
-          <a:xfrm>
-            <a:off x="4376420" y="791845"/>
-            <a:ext cx="1584960" cy="368300"/>
+            <a:off x="2783840" y="3278505"/>
+            <a:ext cx="2076450" cy="368300"/>
           </a:xfrm>
           <a:prstGeom prst="rect">
             <a:avLst/>
@@ -16975,25 +17582,27 @@
           <a:bodyPr wrap="square" rtlCol="0">
             <a:spAutoFit/>
           </a:bodyPr>
-          <a:p>
-            <a:pPr algn="ctr"/>
-            <a:r>
-              <a:rPr lang="en-US" altLang="zh-CN"/>
-              <a:t>major_version</a:t>
-            </a:r>
-            <a:endParaRPr lang="en-US" altLang="zh-CN"/>
-          </a:p>
-        </p:txBody>
-      </p:sp>
-      <p:sp>
-        <p:nvSpPr>
-          <p:cNvPr id="68" name="左大括号 67"/>
+          <a:lstStyle/>
+          <a:p>
+            <a:pPr algn="ctr"/>
+            <a:r>
+              <a:rPr lang="en-US" altLang="zh-CN">
+                <a:sym typeface="+mn-ea"/>
+              </a:rPr>
+              <a:t>fields[fields_count]</a:t>
+            </a:r>
+          </a:p>
+        </p:txBody>
+      </p:sp>
+      <p:sp>
+        <p:nvSpPr>
+          <p:cNvPr id="98" name="左大括号 97"/>
           <p:cNvSpPr/>
           <p:nvPr/>
         </p:nvSpPr>
         <p:spPr>
           <a:xfrm rot="5400000">
-            <a:off x="6320155" y="789305"/>
+            <a:off x="5916930" y="3266440"/>
             <a:ext cx="154305" cy="914400"/>
           </a:xfrm>
           <a:prstGeom prst="leftBrace">
@@ -17016,6 +17625,7 @@
         </p:style>
         <p:txBody>
           <a:bodyPr rtlCol="0" anchor="ctr"/>
+          <a:lstStyle/>
           <a:p>
             <a:pPr algn="ctr"/>
             <a:endParaRPr lang="zh-CN" altLang="en-US"/>
@@ -17024,14 +17634,14 @@
       </p:sp>
       <p:sp>
         <p:nvSpPr>
-          <p:cNvPr id="69" name="文本框 68"/>
+          <p:cNvPr id="99" name="文本框 98"/>
           <p:cNvSpPr txBox="1"/>
           <p:nvPr/>
         </p:nvSpPr>
         <p:spPr>
           <a:xfrm>
-            <a:off x="5693410" y="791845"/>
-            <a:ext cx="2393315" cy="368300"/>
+            <a:off x="5263515" y="3278505"/>
+            <a:ext cx="1715770" cy="368300"/>
           </a:xfrm>
           <a:prstGeom prst="rect">
             <a:avLst/>
@@ -17042,34 +17652,28 @@
           <a:bodyPr wrap="square" rtlCol="0">
             <a:spAutoFit/>
           </a:bodyPr>
+          <a:lstStyle/>
           <a:p>
             <a:pPr algn="ctr"/>
             <a:r>
               <a:rPr lang="en-US" altLang="zh-CN">
-                <a:solidFill>
-                  <a:schemeClr val="tx1"/>
-                </a:solidFill>
-              </a:rPr>
-              <a:t>constant_pool_count</a:t>
-            </a:r>
-            <a:endParaRPr lang="en-US" altLang="zh-CN">
-              <a:solidFill>
-                <a:schemeClr val="tx1"/>
-              </a:solidFill>
-            </a:endParaRPr>
-          </a:p>
-        </p:txBody>
-      </p:sp>
-      <p:sp>
-        <p:nvSpPr>
-          <p:cNvPr id="70" name="左大括号 69"/>
+                <a:sym typeface="+mn-ea"/>
+              </a:rPr>
+              <a:t>methods_count</a:t>
+            </a:r>
+          </a:p>
+        </p:txBody>
+      </p:sp>
+      <p:sp>
+        <p:nvSpPr>
+          <p:cNvPr id="100" name="左大括号 99"/>
           <p:cNvSpPr/>
           <p:nvPr/>
         </p:nvSpPr>
         <p:spPr>
           <a:xfrm rot="5400000">
-            <a:off x="8639175" y="789305"/>
-            <a:ext cx="154305" cy="914400"/>
+            <a:off x="8134350" y="2559050"/>
+            <a:ext cx="153670" cy="2329180"/>
           </a:xfrm>
           <a:prstGeom prst="leftBrace">
             <a:avLst/>
@@ -17091,6 +17695,7 @@
         </p:style>
         <p:txBody>
           <a:bodyPr rtlCol="0" anchor="ctr"/>
+          <a:lstStyle/>
           <a:p>
             <a:pPr algn="ctr"/>
             <a:endParaRPr lang="zh-CN" altLang="en-US"/>
@@ -17099,14 +17704,14 @@
       </p:sp>
       <p:sp>
         <p:nvSpPr>
-          <p:cNvPr id="71" name="文本框 70"/>
+          <p:cNvPr id="101" name="文本框 100"/>
           <p:cNvSpPr txBox="1"/>
           <p:nvPr/>
         </p:nvSpPr>
         <p:spPr>
           <a:xfrm>
-            <a:off x="7101840" y="514985"/>
-            <a:ext cx="4208780" cy="645160"/>
+            <a:off x="7448550" y="3278505"/>
+            <a:ext cx="2647950" cy="368300"/>
           </a:xfrm>
           <a:prstGeom prst="rect">
             <a:avLst/>
@@ -17117,48 +17722,27 @@
           <a:bodyPr wrap="square" rtlCol="0">
             <a:spAutoFit/>
           </a:bodyPr>
+          <a:lstStyle/>
           <a:p>
             <a:pPr algn="ctr"/>
             <a:r>
               <a:rPr lang="en-US" altLang="zh-CN">
-                <a:solidFill>
-                  <a:schemeClr val="tx1"/>
-                </a:solidFill>
-              </a:rPr>
-              <a:t>constant_pool</a:t>
-            </a:r>
-            <a:br>
-              <a:rPr lang="en-US" altLang="zh-CN">
-                <a:solidFill>
-                  <a:schemeClr val="tx1"/>
-                </a:solidFill>
-              </a:rPr>
-            </a:br>
-            <a:r>
-              <a:rPr lang="en-US" altLang="zh-CN">
-                <a:solidFill>
-                  <a:schemeClr val="tx1"/>
-                </a:solidFill>
-              </a:rPr>
-              <a:t>[constant_pool_count-1]</a:t>
-            </a:r>
-            <a:endParaRPr lang="en-US" altLang="zh-CN">
-              <a:solidFill>
-                <a:schemeClr val="tx1"/>
-              </a:solidFill>
-            </a:endParaRPr>
-          </a:p>
-        </p:txBody>
-      </p:sp>
-      <p:sp>
-        <p:nvSpPr>
-          <p:cNvPr id="74" name="左大括号 73"/>
+                <a:sym typeface="+mn-ea"/>
+              </a:rPr>
+              <a:t>methods[methods_count]</a:t>
+            </a:r>
+          </a:p>
+        </p:txBody>
+      </p:sp>
+      <p:sp>
+        <p:nvSpPr>
+          <p:cNvPr id="102" name="左大括号 101"/>
           <p:cNvSpPr/>
           <p:nvPr/>
         </p:nvSpPr>
         <p:spPr>
           <a:xfrm rot="5400000">
-            <a:off x="1212850" y="2046605"/>
+            <a:off x="1252220" y="4488180"/>
             <a:ext cx="154305" cy="914400"/>
           </a:xfrm>
           <a:prstGeom prst="leftBrace">
@@ -17181,6 +17765,7 @@
         </p:style>
         <p:txBody>
           <a:bodyPr rtlCol="0" anchor="ctr"/>
+          <a:lstStyle/>
           <a:p>
             <a:pPr algn="ctr"/>
             <a:endParaRPr lang="zh-CN" altLang="en-US"/>
@@ -17189,14 +17774,14 @@
       </p:sp>
       <p:sp>
         <p:nvSpPr>
-          <p:cNvPr id="75" name="文本框 74"/>
+          <p:cNvPr id="103" name="文本框 102"/>
           <p:cNvSpPr txBox="1"/>
           <p:nvPr/>
         </p:nvSpPr>
         <p:spPr>
           <a:xfrm>
-            <a:off x="706120" y="2045335"/>
-            <a:ext cx="1340485" cy="368300"/>
+            <a:off x="598805" y="4500245"/>
+            <a:ext cx="1783715" cy="368300"/>
           </a:xfrm>
           <a:prstGeom prst="rect">
             <a:avLst/>
@@ -17207,26 +17792,28 @@
           <a:bodyPr wrap="square" rtlCol="0">
             <a:spAutoFit/>
           </a:bodyPr>
-          <a:p>
-            <a:pPr algn="ctr"/>
-            <a:r>
-              <a:rPr lang="en-US" altLang="zh-CN"/>
-              <a:t>access_flags</a:t>
-            </a:r>
-            <a:endParaRPr lang="en-US" altLang="zh-CN"/>
-          </a:p>
-        </p:txBody>
-      </p:sp>
-      <p:sp>
-        <p:nvSpPr>
-          <p:cNvPr id="76" name="左大括号 75"/>
+          <a:lstStyle/>
+          <a:p>
+            <a:pPr algn="ctr"/>
+            <a:r>
+              <a:rPr lang="en-US" altLang="zh-CN">
+                <a:sym typeface="+mn-ea"/>
+              </a:rPr>
+              <a:t>attributes_count</a:t>
+            </a:r>
+          </a:p>
+        </p:txBody>
+      </p:sp>
+      <p:sp>
+        <p:nvSpPr>
+          <p:cNvPr id="104" name="左大括号 103"/>
           <p:cNvSpPr/>
           <p:nvPr/>
         </p:nvSpPr>
         <p:spPr>
           <a:xfrm rot="5400000">
-            <a:off x="2577465" y="2033270"/>
-            <a:ext cx="154305" cy="914400"/>
+            <a:off x="3469640" y="3780790"/>
+            <a:ext cx="153670" cy="2329180"/>
           </a:xfrm>
           <a:prstGeom prst="leftBrace">
             <a:avLst/>
@@ -17248,6 +17835,7 @@
         </p:style>
         <p:txBody>
           <a:bodyPr rtlCol="0" anchor="ctr"/>
+          <a:lstStyle/>
           <a:p>
             <a:pPr algn="ctr"/>
             <a:endParaRPr lang="zh-CN" altLang="en-US"/>
@@ -17256,314 +17844,14 @@
       </p:sp>
       <p:sp>
         <p:nvSpPr>
-          <p:cNvPr id="77" name="文本框 76"/>
+          <p:cNvPr id="105" name="文本框 104"/>
           <p:cNvSpPr txBox="1"/>
           <p:nvPr/>
         </p:nvSpPr>
         <p:spPr>
           <a:xfrm>
-            <a:off x="2124076" y="2045335"/>
-            <a:ext cx="1073150" cy="368300"/>
-          </a:xfrm>
-          <a:prstGeom prst="rect">
-            <a:avLst/>
-          </a:prstGeom>
-          <a:noFill/>
-        </p:spPr>
-        <p:txBody>
-          <a:bodyPr wrap="none" rtlCol="0">
-            <a:spAutoFit/>
-          </a:bodyPr>
-          <a:p>
-            <a:pPr algn="ctr"/>
-            <a:r>
-              <a:rPr lang="en-US" altLang="zh-CN">
-                <a:solidFill>
-                  <a:schemeClr val="tx1"/>
-                </a:solidFill>
-              </a:rPr>
-              <a:t>this_class</a:t>
-            </a:r>
-            <a:endParaRPr lang="en-US" altLang="zh-CN">
-              <a:solidFill>
-                <a:schemeClr val="tx1"/>
-              </a:solidFill>
-            </a:endParaRPr>
-          </a:p>
-        </p:txBody>
-      </p:sp>
-      <p:sp>
-        <p:nvSpPr>
-          <p:cNvPr id="80" name="左大括号 79"/>
-          <p:cNvSpPr/>
-          <p:nvPr/>
-        </p:nvSpPr>
-        <p:spPr>
-          <a:xfrm rot="5400000">
-            <a:off x="3947160" y="2046605"/>
-            <a:ext cx="154305" cy="914400"/>
-          </a:xfrm>
-          <a:prstGeom prst="leftBrace">
-            <a:avLst/>
-          </a:prstGeom>
-        </p:spPr>
-        <p:style>
-          <a:lnRef idx="1">
-            <a:schemeClr val="accent1"/>
-          </a:lnRef>
-          <a:fillRef idx="0">
-            <a:schemeClr val="accent1"/>
-          </a:fillRef>
-          <a:effectRef idx="0">
-            <a:schemeClr val="accent1"/>
-          </a:effectRef>
-          <a:fontRef idx="minor">
-            <a:schemeClr val="tx1"/>
-          </a:fontRef>
-        </p:style>
-        <p:txBody>
-          <a:bodyPr rtlCol="0" anchor="ctr"/>
-          <a:p>
-            <a:pPr algn="ctr"/>
-            <a:endParaRPr lang="zh-CN" altLang="en-US"/>
-          </a:p>
-        </p:txBody>
-      </p:sp>
-      <p:sp>
-        <p:nvSpPr>
-          <p:cNvPr id="81" name="文本框 80"/>
-          <p:cNvSpPr txBox="1"/>
-          <p:nvPr/>
-        </p:nvSpPr>
-        <p:spPr>
-          <a:xfrm>
-            <a:off x="3416936" y="2045335"/>
-            <a:ext cx="1195070" cy="368300"/>
-          </a:xfrm>
-          <a:prstGeom prst="rect">
-            <a:avLst/>
-          </a:prstGeom>
-          <a:noFill/>
-        </p:spPr>
-        <p:txBody>
-          <a:bodyPr wrap="none" rtlCol="0">
-            <a:spAutoFit/>
-          </a:bodyPr>
-          <a:p>
-            <a:pPr algn="ctr"/>
-            <a:r>
-              <a:rPr lang="en-US" altLang="zh-CN">
-                <a:solidFill>
-                  <a:schemeClr val="tx1"/>
-                </a:solidFill>
-              </a:rPr>
-              <a:t>super class</a:t>
-            </a:r>
-            <a:endParaRPr lang="en-US" altLang="zh-CN">
-              <a:solidFill>
-                <a:schemeClr val="tx1"/>
-              </a:solidFill>
-            </a:endParaRPr>
-          </a:p>
-        </p:txBody>
-      </p:sp>
-      <p:sp>
-        <p:nvSpPr>
-          <p:cNvPr id="85" name="左大括号 84"/>
-          <p:cNvSpPr/>
-          <p:nvPr/>
-        </p:nvSpPr>
-        <p:spPr>
-          <a:xfrm rot="5400000">
-            <a:off x="5426710" y="2045970"/>
-            <a:ext cx="154305" cy="914400"/>
-          </a:xfrm>
-          <a:prstGeom prst="leftBrace">
-            <a:avLst/>
-          </a:prstGeom>
-        </p:spPr>
-        <p:style>
-          <a:lnRef idx="1">
-            <a:schemeClr val="accent1"/>
-          </a:lnRef>
-          <a:fillRef idx="0">
-            <a:schemeClr val="accent1"/>
-          </a:fillRef>
-          <a:effectRef idx="0">
-            <a:schemeClr val="accent1"/>
-          </a:effectRef>
-          <a:fontRef idx="minor">
-            <a:schemeClr val="tx1"/>
-          </a:fontRef>
-        </p:style>
-        <p:txBody>
-          <a:bodyPr rtlCol="0" anchor="ctr"/>
-          <a:p>
-            <a:pPr algn="ctr"/>
-            <a:endParaRPr lang="zh-CN" altLang="en-US"/>
-          </a:p>
-        </p:txBody>
-      </p:sp>
-      <p:sp>
-        <p:nvSpPr>
-          <p:cNvPr id="86" name="文本框 85"/>
-          <p:cNvSpPr txBox="1"/>
-          <p:nvPr/>
-        </p:nvSpPr>
-        <p:spPr>
-          <a:xfrm>
-            <a:off x="4710749" y="2058670"/>
-            <a:ext cx="1737995" cy="368300"/>
-          </a:xfrm>
-          <a:prstGeom prst="rect">
-            <a:avLst/>
-          </a:prstGeom>
-          <a:noFill/>
-        </p:spPr>
-        <p:txBody>
-          <a:bodyPr wrap="none" rtlCol="0">
-            <a:spAutoFit/>
-          </a:bodyPr>
-          <a:p>
-            <a:pPr algn="ctr"/>
-            <a:r>
-              <a:rPr lang="en-US" altLang="zh-CN">
-                <a:solidFill>
-                  <a:schemeClr val="tx1"/>
-                </a:solidFill>
-              </a:rPr>
-              <a:t>interfaces_count</a:t>
-            </a:r>
-            <a:endParaRPr lang="en-US" altLang="zh-CN">
-              <a:solidFill>
-                <a:schemeClr val="tx1"/>
-              </a:solidFill>
-            </a:endParaRPr>
-          </a:p>
-        </p:txBody>
-      </p:sp>
-      <p:sp>
-        <p:nvSpPr>
-          <p:cNvPr id="88" name="左大括号 87"/>
-          <p:cNvSpPr/>
-          <p:nvPr/>
-        </p:nvSpPr>
-        <p:spPr>
-          <a:xfrm rot="5400000">
-            <a:off x="7891780" y="1228090"/>
-            <a:ext cx="181610" cy="2524760"/>
-          </a:xfrm>
-          <a:prstGeom prst="leftBrace">
-            <a:avLst/>
-          </a:prstGeom>
-        </p:spPr>
-        <p:style>
-          <a:lnRef idx="1">
-            <a:schemeClr val="accent1"/>
-          </a:lnRef>
-          <a:fillRef idx="0">
-            <a:schemeClr val="accent1"/>
-          </a:fillRef>
-          <a:effectRef idx="0">
-            <a:schemeClr val="accent1"/>
-          </a:effectRef>
-          <a:fontRef idx="minor">
-            <a:schemeClr val="tx1"/>
-          </a:fontRef>
-        </p:style>
-        <p:txBody>
-          <a:bodyPr rtlCol="0" anchor="ctr"/>
-          <a:p>
-            <a:pPr algn="ctr"/>
-            <a:endParaRPr lang="zh-CN" altLang="en-US"/>
-          </a:p>
-        </p:txBody>
-      </p:sp>
-      <p:sp>
-        <p:nvSpPr>
-          <p:cNvPr id="89" name="文本框 88"/>
-          <p:cNvSpPr txBox="1"/>
-          <p:nvPr/>
-        </p:nvSpPr>
-        <p:spPr>
-          <a:xfrm>
-            <a:off x="6528119" y="2058670"/>
-            <a:ext cx="2789555" cy="368300"/>
-          </a:xfrm>
-          <a:prstGeom prst="rect">
-            <a:avLst/>
-          </a:prstGeom>
-          <a:noFill/>
-        </p:spPr>
-        <p:txBody>
-          <a:bodyPr wrap="none" rtlCol="0">
-            <a:spAutoFit/>
-          </a:bodyPr>
-          <a:p>
-            <a:pPr algn="ctr"/>
-            <a:r>
-              <a:rPr lang="en-US" altLang="zh-CN">
-                <a:solidFill>
-                  <a:schemeClr val="tx1"/>
-                </a:solidFill>
-              </a:rPr>
-              <a:t>interfaces[interfaces_count]</a:t>
-            </a:r>
-            <a:endParaRPr lang="en-US" altLang="zh-CN">
-              <a:solidFill>
-                <a:schemeClr val="tx1"/>
-              </a:solidFill>
-            </a:endParaRPr>
-          </a:p>
-        </p:txBody>
-      </p:sp>
-      <p:sp>
-        <p:nvSpPr>
-          <p:cNvPr id="90" name="左大括号 89"/>
-          <p:cNvSpPr/>
-          <p:nvPr/>
-        </p:nvSpPr>
-        <p:spPr>
-          <a:xfrm rot="5400000">
-            <a:off x="1252220" y="3266440"/>
-            <a:ext cx="154305" cy="914400"/>
-          </a:xfrm>
-          <a:prstGeom prst="leftBrace">
-            <a:avLst/>
-          </a:prstGeom>
-        </p:spPr>
-        <p:style>
-          <a:lnRef idx="1">
-            <a:schemeClr val="accent1"/>
-          </a:lnRef>
-          <a:fillRef idx="0">
-            <a:schemeClr val="accent1"/>
-          </a:fillRef>
-          <a:effectRef idx="0">
-            <a:schemeClr val="accent1"/>
-          </a:effectRef>
-          <a:fontRef idx="minor">
-            <a:schemeClr val="tx1"/>
-          </a:fontRef>
-        </p:style>
-        <p:txBody>
-          <a:bodyPr rtlCol="0" anchor="ctr"/>
-          <a:p>
-            <a:pPr algn="ctr"/>
-            <a:endParaRPr lang="zh-CN" altLang="en-US"/>
-          </a:p>
-        </p:txBody>
-      </p:sp>
-      <p:sp>
-        <p:nvSpPr>
-          <p:cNvPr id="91" name="文本框 90"/>
-          <p:cNvSpPr txBox="1"/>
-          <p:nvPr/>
-        </p:nvSpPr>
-        <p:spPr>
-          <a:xfrm>
-            <a:off x="598805" y="3278505"/>
-            <a:ext cx="1525270" cy="368300"/>
+            <a:off x="2783840" y="4500245"/>
+            <a:ext cx="3050540" cy="368300"/>
           </a:xfrm>
           <a:prstGeom prst="rect">
             <a:avLst/>
@@ -17574,374 +17862,15 @@
           <a:bodyPr wrap="square" rtlCol="0">
             <a:spAutoFit/>
           </a:bodyPr>
+          <a:lstStyle/>
           <a:p>
             <a:pPr algn="ctr"/>
             <a:r>
               <a:rPr lang="en-US" altLang="zh-CN">
                 <a:sym typeface="+mn-ea"/>
               </a:rPr>
-              <a:t>fields_count</a:t>
-            </a:r>
-            <a:endParaRPr lang="en-US" altLang="zh-CN">
-              <a:solidFill>
-                <a:schemeClr val="tx1"/>
-              </a:solidFill>
-            </a:endParaRPr>
-          </a:p>
-        </p:txBody>
-      </p:sp>
-      <p:sp>
-        <p:nvSpPr>
-          <p:cNvPr id="92" name="左大括号 91"/>
-          <p:cNvSpPr/>
-          <p:nvPr/>
-        </p:nvSpPr>
-        <p:spPr>
-          <a:xfrm rot="5400000">
-            <a:off x="3469640" y="2559050"/>
-            <a:ext cx="153670" cy="2329180"/>
-          </a:xfrm>
-          <a:prstGeom prst="leftBrace">
-            <a:avLst/>
-          </a:prstGeom>
-        </p:spPr>
-        <p:style>
-          <a:lnRef idx="1">
-            <a:schemeClr val="accent1"/>
-          </a:lnRef>
-          <a:fillRef idx="0">
-            <a:schemeClr val="accent1"/>
-          </a:fillRef>
-          <a:effectRef idx="0">
-            <a:schemeClr val="accent1"/>
-          </a:effectRef>
-          <a:fontRef idx="minor">
-            <a:schemeClr val="tx1"/>
-          </a:fontRef>
-        </p:style>
-        <p:txBody>
-          <a:bodyPr rtlCol="0" anchor="ctr"/>
-          <a:p>
-            <a:pPr algn="ctr"/>
-            <a:endParaRPr lang="zh-CN" altLang="en-US"/>
-          </a:p>
-        </p:txBody>
-      </p:sp>
-      <p:sp>
-        <p:nvSpPr>
-          <p:cNvPr id="93" name="文本框 92"/>
-          <p:cNvSpPr txBox="1"/>
-          <p:nvPr/>
-        </p:nvSpPr>
-        <p:spPr>
-          <a:xfrm>
-            <a:off x="2783840" y="3278505"/>
-            <a:ext cx="2076450" cy="368300"/>
-          </a:xfrm>
-          <a:prstGeom prst="rect">
-            <a:avLst/>
-          </a:prstGeom>
-          <a:noFill/>
-        </p:spPr>
-        <p:txBody>
-          <a:bodyPr wrap="square" rtlCol="0">
-            <a:spAutoFit/>
-          </a:bodyPr>
-          <a:p>
-            <a:pPr algn="ctr"/>
-            <a:r>
-              <a:rPr lang="en-US" altLang="zh-CN">
-                <a:sym typeface="+mn-ea"/>
-              </a:rPr>
-              <a:t>fields[fields_count]</a:t>
-            </a:r>
-            <a:endParaRPr lang="en-US" altLang="zh-CN">
-              <a:sym typeface="+mn-ea"/>
-            </a:endParaRPr>
-          </a:p>
-        </p:txBody>
-      </p:sp>
-      <p:sp>
-        <p:nvSpPr>
-          <p:cNvPr id="98" name="左大括号 97"/>
-          <p:cNvSpPr/>
-          <p:nvPr/>
-        </p:nvSpPr>
-        <p:spPr>
-          <a:xfrm rot="5400000">
-            <a:off x="5916930" y="3266440"/>
-            <a:ext cx="154305" cy="914400"/>
-          </a:xfrm>
-          <a:prstGeom prst="leftBrace">
-            <a:avLst/>
-          </a:prstGeom>
-        </p:spPr>
-        <p:style>
-          <a:lnRef idx="1">
-            <a:schemeClr val="accent1"/>
-          </a:lnRef>
-          <a:fillRef idx="0">
-            <a:schemeClr val="accent1"/>
-          </a:fillRef>
-          <a:effectRef idx="0">
-            <a:schemeClr val="accent1"/>
-          </a:effectRef>
-          <a:fontRef idx="minor">
-            <a:schemeClr val="tx1"/>
-          </a:fontRef>
-        </p:style>
-        <p:txBody>
-          <a:bodyPr rtlCol="0" anchor="ctr"/>
-          <a:p>
-            <a:pPr algn="ctr"/>
-            <a:endParaRPr lang="zh-CN" altLang="en-US"/>
-          </a:p>
-        </p:txBody>
-      </p:sp>
-      <p:sp>
-        <p:nvSpPr>
-          <p:cNvPr id="99" name="文本框 98"/>
-          <p:cNvSpPr txBox="1"/>
-          <p:nvPr/>
-        </p:nvSpPr>
-        <p:spPr>
-          <a:xfrm>
-            <a:off x="5263515" y="3278505"/>
-            <a:ext cx="1715770" cy="368300"/>
-          </a:xfrm>
-          <a:prstGeom prst="rect">
-            <a:avLst/>
-          </a:prstGeom>
-          <a:noFill/>
-        </p:spPr>
-        <p:txBody>
-          <a:bodyPr wrap="square" rtlCol="0">
-            <a:spAutoFit/>
-          </a:bodyPr>
-          <a:p>
-            <a:pPr algn="ctr"/>
-            <a:r>
-              <a:rPr lang="en-US" altLang="zh-CN">
-                <a:sym typeface="+mn-ea"/>
-              </a:rPr>
-              <a:t>methods_count</a:t>
-            </a:r>
-            <a:endParaRPr lang="en-US" altLang="zh-CN">
-              <a:sym typeface="+mn-ea"/>
-            </a:endParaRPr>
-          </a:p>
-        </p:txBody>
-      </p:sp>
-      <p:sp>
-        <p:nvSpPr>
-          <p:cNvPr id="100" name="左大括号 99"/>
-          <p:cNvSpPr/>
-          <p:nvPr/>
-        </p:nvSpPr>
-        <p:spPr>
-          <a:xfrm rot="5400000">
-            <a:off x="8134350" y="2559050"/>
-            <a:ext cx="153670" cy="2329180"/>
-          </a:xfrm>
-          <a:prstGeom prst="leftBrace">
-            <a:avLst/>
-          </a:prstGeom>
-        </p:spPr>
-        <p:style>
-          <a:lnRef idx="1">
-            <a:schemeClr val="accent1"/>
-          </a:lnRef>
-          <a:fillRef idx="0">
-            <a:schemeClr val="accent1"/>
-          </a:fillRef>
-          <a:effectRef idx="0">
-            <a:schemeClr val="accent1"/>
-          </a:effectRef>
-          <a:fontRef idx="minor">
-            <a:schemeClr val="tx1"/>
-          </a:fontRef>
-        </p:style>
-        <p:txBody>
-          <a:bodyPr rtlCol="0" anchor="ctr"/>
-          <a:p>
-            <a:pPr algn="ctr"/>
-            <a:endParaRPr lang="zh-CN" altLang="en-US"/>
-          </a:p>
-        </p:txBody>
-      </p:sp>
-      <p:sp>
-        <p:nvSpPr>
-          <p:cNvPr id="101" name="文本框 100"/>
-          <p:cNvSpPr txBox="1"/>
-          <p:nvPr/>
-        </p:nvSpPr>
-        <p:spPr>
-          <a:xfrm>
-            <a:off x="7448550" y="3278505"/>
-            <a:ext cx="2647950" cy="368300"/>
-          </a:xfrm>
-          <a:prstGeom prst="rect">
-            <a:avLst/>
-          </a:prstGeom>
-          <a:noFill/>
-        </p:spPr>
-        <p:txBody>
-          <a:bodyPr wrap="square" rtlCol="0">
-            <a:spAutoFit/>
-          </a:bodyPr>
-          <a:p>
-            <a:pPr algn="ctr"/>
-            <a:r>
-              <a:rPr lang="en-US" altLang="zh-CN">
-                <a:sym typeface="+mn-ea"/>
-              </a:rPr>
-              <a:t>methods[methods_count]</a:t>
-            </a:r>
-            <a:endParaRPr lang="en-US" altLang="zh-CN">
-              <a:sym typeface="+mn-ea"/>
-            </a:endParaRPr>
-          </a:p>
-        </p:txBody>
-      </p:sp>
-      <p:sp>
-        <p:nvSpPr>
-          <p:cNvPr id="102" name="左大括号 101"/>
-          <p:cNvSpPr/>
-          <p:nvPr/>
-        </p:nvSpPr>
-        <p:spPr>
-          <a:xfrm rot="5400000">
-            <a:off x="1252220" y="4488180"/>
-            <a:ext cx="154305" cy="914400"/>
-          </a:xfrm>
-          <a:prstGeom prst="leftBrace">
-            <a:avLst/>
-          </a:prstGeom>
-        </p:spPr>
-        <p:style>
-          <a:lnRef idx="1">
-            <a:schemeClr val="accent1"/>
-          </a:lnRef>
-          <a:fillRef idx="0">
-            <a:schemeClr val="accent1"/>
-          </a:fillRef>
-          <a:effectRef idx="0">
-            <a:schemeClr val="accent1"/>
-          </a:effectRef>
-          <a:fontRef idx="minor">
-            <a:schemeClr val="tx1"/>
-          </a:fontRef>
-        </p:style>
-        <p:txBody>
-          <a:bodyPr rtlCol="0" anchor="ctr"/>
-          <a:p>
-            <a:pPr algn="ctr"/>
-            <a:endParaRPr lang="zh-CN" altLang="en-US"/>
-          </a:p>
-        </p:txBody>
-      </p:sp>
-      <p:sp>
-        <p:nvSpPr>
-          <p:cNvPr id="103" name="文本框 102"/>
-          <p:cNvSpPr txBox="1"/>
-          <p:nvPr/>
-        </p:nvSpPr>
-        <p:spPr>
-          <a:xfrm>
-            <a:off x="598805" y="4500245"/>
-            <a:ext cx="1783715" cy="368300"/>
-          </a:xfrm>
-          <a:prstGeom prst="rect">
-            <a:avLst/>
-          </a:prstGeom>
-          <a:noFill/>
-        </p:spPr>
-        <p:txBody>
-          <a:bodyPr wrap="square" rtlCol="0">
-            <a:spAutoFit/>
-          </a:bodyPr>
-          <a:p>
-            <a:pPr algn="ctr"/>
-            <a:r>
-              <a:rPr lang="en-US" altLang="zh-CN">
-                <a:sym typeface="+mn-ea"/>
-              </a:rPr>
-              <a:t>attributes_count</a:t>
-            </a:r>
-            <a:endParaRPr lang="en-US" altLang="zh-CN">
-              <a:sym typeface="+mn-ea"/>
-            </a:endParaRPr>
-          </a:p>
-        </p:txBody>
-      </p:sp>
-      <p:sp>
-        <p:nvSpPr>
-          <p:cNvPr id="104" name="左大括号 103"/>
-          <p:cNvSpPr/>
-          <p:nvPr/>
-        </p:nvSpPr>
-        <p:spPr>
-          <a:xfrm rot="5400000">
-            <a:off x="3469640" y="3780790"/>
-            <a:ext cx="153670" cy="2329180"/>
-          </a:xfrm>
-          <a:prstGeom prst="leftBrace">
-            <a:avLst/>
-          </a:prstGeom>
-        </p:spPr>
-        <p:style>
-          <a:lnRef idx="1">
-            <a:schemeClr val="accent1"/>
-          </a:lnRef>
-          <a:fillRef idx="0">
-            <a:schemeClr val="accent1"/>
-          </a:fillRef>
-          <a:effectRef idx="0">
-            <a:schemeClr val="accent1"/>
-          </a:effectRef>
-          <a:fontRef idx="minor">
-            <a:schemeClr val="tx1"/>
-          </a:fontRef>
-        </p:style>
-        <p:txBody>
-          <a:bodyPr rtlCol="0" anchor="ctr"/>
-          <a:p>
-            <a:pPr algn="ctr"/>
-            <a:endParaRPr lang="zh-CN" altLang="en-US"/>
-          </a:p>
-        </p:txBody>
-      </p:sp>
-      <p:sp>
-        <p:nvSpPr>
-          <p:cNvPr id="105" name="文本框 104"/>
-          <p:cNvSpPr txBox="1"/>
-          <p:nvPr/>
-        </p:nvSpPr>
-        <p:spPr>
-          <a:xfrm>
-            <a:off x="2783840" y="4500245"/>
-            <a:ext cx="3050540" cy="368300"/>
-          </a:xfrm>
-          <a:prstGeom prst="rect">
-            <a:avLst/>
-          </a:prstGeom>
-          <a:noFill/>
-        </p:spPr>
-        <p:txBody>
-          <a:bodyPr wrap="square" rtlCol="0">
-            <a:spAutoFit/>
-          </a:bodyPr>
-          <a:p>
-            <a:pPr algn="ctr"/>
-            <a:r>
-              <a:rPr lang="en-US" altLang="zh-CN">
-                <a:sym typeface="+mn-ea"/>
-              </a:rPr>
               <a:t>attributes[attributes_count]</a:t>
             </a:r>
-            <a:endParaRPr lang="en-US" altLang="zh-CN">
-              <a:sym typeface="+mn-ea"/>
-            </a:endParaRPr>
           </a:p>
         </p:txBody>
       </p:sp>
@@ -17970,7 +17899,14 @@
         <p:cNvGrpSpPr/>
         <p:nvPr/>
       </p:nvGrpSpPr>
-      <p:grpSpPr/>
+      <p:grpSpPr>
+        <a:xfrm>
+          <a:off x="0" y="0"/>
+          <a:ext cx="0" cy="0"/>
+          <a:chOff x="0" y="0"/>
+          <a:chExt cx="0" cy="0"/>
+        </a:xfrm>
+      </p:grpSpPr>
       <p:sp>
         <p:nvSpPr>
           <p:cNvPr id="10" name="圆角矩形 9"/>
@@ -18010,6 +17946,7 @@
         </p:style>
         <p:txBody>
           <a:bodyPr rtlCol="0" anchor="ctr"/>
+          <a:lstStyle/>
           <a:p>
             <a:pPr algn="ctr"/>
             <a:endParaRPr lang="zh-CN" altLang="en-US"/>
@@ -18047,13 +17984,13 @@
         </p:style>
         <p:txBody>
           <a:bodyPr rtlCol="0" anchor="ctr"/>
+          <a:lstStyle/>
           <a:p>
             <a:pPr algn="ctr"/>
             <a:r>
               <a:rPr lang="en-US" altLang="zh-CN"/>
               <a:t>class</a:t>
             </a:r>
-            <a:endParaRPr lang="en-US" altLang="zh-CN"/>
           </a:p>
         </p:txBody>
       </p:sp>
@@ -18088,13 +18025,13 @@
         </p:style>
         <p:txBody>
           <a:bodyPr rtlCol="0" anchor="ctr"/>
+          <a:lstStyle/>
           <a:p>
             <a:pPr algn="ctr"/>
             <a:r>
               <a:rPr lang="en-US" altLang="zh-CN"/>
               <a:t>GC</a:t>
             </a:r>
-            <a:endParaRPr lang="en-US" altLang="zh-CN"/>
           </a:p>
         </p:txBody>
       </p:sp>
@@ -18139,6 +18076,7 @@
           <a:bodyPr vertOverflow="overflow" horzOverflow="overflow" vert="horz" wrap="square" numCol="1" spcCol="0" rtlCol="0" fromWordArt="0" anchor="ctr" anchorCtr="0" forceAA="0" compatLnSpc="1">
             <a:noAutofit/>
           </a:bodyPr>
+          <a:lstStyle/>
           <a:p>
             <a:pPr lvl="0" algn="ctr">
               <a:buClrTx/>
@@ -18151,9 +18089,6 @@
               </a:rPr>
               <a:t>initializing</a:t>
             </a:r>
-            <a:endParaRPr lang="zh-CN" altLang="en-US">
-              <a:sym typeface="+mn-ea"/>
-            </a:endParaRPr>
           </a:p>
         </p:txBody>
       </p:sp>
@@ -18198,6 +18133,7 @@
           <a:bodyPr vertOverflow="overflow" horzOverflow="overflow" vert="horz" wrap="square" numCol="1" spcCol="0" rtlCol="0" fromWordArt="0" anchor="ctr" anchorCtr="0" forceAA="0" compatLnSpc="1">
             <a:noAutofit/>
           </a:bodyPr>
+          <a:lstStyle/>
           <a:p>
             <a:pPr lvl="0" algn="ctr">
               <a:buClrTx/>
@@ -18210,9 +18146,6 @@
               </a:rPr>
               <a:t>loading</a:t>
             </a:r>
-            <a:endParaRPr lang="zh-CN" altLang="en-US">
-              <a:sym typeface="+mn-ea"/>
-            </a:endParaRPr>
           </a:p>
         </p:txBody>
       </p:sp>
@@ -18247,6 +18180,7 @@
         </p:style>
         <p:txBody>
           <a:bodyPr rtlCol="0" anchor="ctr"/>
+          <a:lstStyle/>
           <a:p>
             <a:pPr algn="ctr"/>
             <a:r>
@@ -18290,6 +18224,7 @@
         </p:style>
         <p:txBody>
           <a:bodyPr rtlCol="0" anchor="ctr"/>
+          <a:lstStyle/>
           <a:p>
             <a:pPr algn="ctr"/>
             <a:r>
@@ -18333,6 +18268,7 @@
         </p:style>
         <p:txBody>
           <a:bodyPr rtlCol="0" anchor="ctr"/>
+          <a:lstStyle/>
           <a:p>
             <a:pPr algn="ctr"/>
             <a:r>
@@ -18365,6 +18301,7 @@
           <a:bodyPr wrap="none" rtlCol="0">
             <a:spAutoFit/>
           </a:bodyPr>
+          <a:lstStyle/>
           <a:p>
             <a:r>
               <a:rPr lang="en-US" altLang="zh-CN">
@@ -18374,11 +18311,6 @@
               </a:rPr>
               <a:t>linking</a:t>
             </a:r>
-            <a:endParaRPr lang="en-US" altLang="zh-CN">
-              <a:solidFill>
-                <a:schemeClr val="bg1"/>
-              </a:solidFill>
-            </a:endParaRPr>
           </a:p>
         </p:txBody>
       </p:sp>
@@ -18618,6 +18550,7 @@
           <a:bodyPr wrap="none" rtlCol="0">
             <a:spAutoFit/>
           </a:bodyPr>
+          <a:lstStyle/>
           <a:p>
             <a:r>
               <a:rPr lang="en-US" altLang="zh-CN"/>
@@ -18625,13 +18558,8 @@
             </a:r>
             <a:r>
               <a:rPr lang="zh-CN" altLang="en-US"/>
-              <a:t>的</a:t>
-            </a:r>
-            <a:r>
-              <a:rPr lang="zh-CN" altLang="en-US"/>
-              <a:t>静态变量赋默认值</a:t>
-            </a:r>
-            <a:endParaRPr lang="zh-CN" altLang="en-US"/>
+              <a:t>的静态变量赋默认值</a:t>
+            </a:r>
           </a:p>
         </p:txBody>
       </p:sp>
@@ -18655,6 +18583,7 @@
           <a:bodyPr wrap="none" rtlCol="0">
             <a:spAutoFit/>
           </a:bodyPr>
+          <a:lstStyle/>
           <a:p>
             <a:r>
               <a:rPr lang="en-US" altLang="zh-CN"/>
@@ -18664,7 +18593,6 @@
               <a:rPr lang="zh-CN" altLang="en-US"/>
               <a:t>的静态变量赋初始值</a:t>
             </a:r>
-            <a:endParaRPr lang="zh-CN" altLang="en-US"/>
           </a:p>
         </p:txBody>
       </p:sp>
@@ -18765,7 +18693,14 @@
         <p:cNvGrpSpPr/>
         <p:nvPr/>
       </p:nvGrpSpPr>
-      <p:grpSpPr/>
+      <p:grpSpPr>
+        <a:xfrm>
+          <a:off x="0" y="0"/>
+          <a:ext cx="0" cy="0"/>
+          <a:chOff x="0" y="0"/>
+          <a:chExt cx="0" cy="0"/>
+        </a:xfrm>
+      </p:grpSpPr>
       <p:sp>
         <p:nvSpPr>
           <p:cNvPr id="2" name="矩形 1"/>
@@ -18799,13 +18734,13 @@
         </p:style>
         <p:txBody>
           <a:bodyPr rtlCol="0" anchor="ctr"/>
+          <a:lstStyle/>
           <a:p>
             <a:pPr algn="ctr"/>
             <a:r>
               <a:rPr lang="en-US" altLang="zh-CN"/>
               <a:t>Bootstrap</a:t>
             </a:r>
-            <a:endParaRPr lang="en-US" altLang="zh-CN"/>
           </a:p>
         </p:txBody>
       </p:sp>
@@ -18842,6 +18777,7 @@
         </p:style>
         <p:txBody>
           <a:bodyPr rtlCol="0" anchor="ctr"/>
+          <a:lstStyle/>
           <a:p>
             <a:pPr algn="ctr"/>
             <a:endParaRPr lang="zh-CN" altLang="en-US"/>
@@ -18881,6 +18817,7 @@
         </p:style>
         <p:txBody>
           <a:bodyPr rtlCol="0" anchor="ctr"/>
+          <a:lstStyle/>
           <a:p>
             <a:pPr algn="ctr"/>
             <a:endParaRPr lang="zh-CN" altLang="en-US"/>
@@ -18944,6 +18881,7 @@
           <a:bodyPr wrap="none" rtlCol="0">
             <a:spAutoFit/>
           </a:bodyPr>
+          <a:lstStyle/>
           <a:p>
             <a:r>
               <a:rPr lang="zh-CN" altLang="en-US">
@@ -18978,14 +18916,6 @@
               </a:rPr>
               <a:t>等核心类</a:t>
             </a:r>
-            <a:endParaRPr lang="zh-CN" altLang="en-US">
-              <a:solidFill>
-                <a:schemeClr val="tx1"/>
-              </a:solidFill>
-              <a:latin typeface="+mj-ea"/>
-              <a:ea typeface="+mj-ea"/>
-              <a:cs typeface="+mj-ea"/>
-            </a:endParaRPr>
           </a:p>
           <a:p>
             <a:r>
@@ -19021,14 +18951,6 @@
               </a:rPr>
               <a:t>实现</a:t>
             </a:r>
-            <a:endParaRPr lang="zh-CN" altLang="en-US">
-              <a:solidFill>
-                <a:schemeClr val="tx1"/>
-              </a:solidFill>
-              <a:latin typeface="+mj-ea"/>
-              <a:ea typeface="+mj-ea"/>
-              <a:cs typeface="+mj-ea"/>
-            </a:endParaRPr>
           </a:p>
         </p:txBody>
       </p:sp>
@@ -19052,6 +18974,7 @@
           <a:bodyPr wrap="none" rtlCol="0">
             <a:spAutoFit/>
           </a:bodyPr>
+          <a:lstStyle/>
           <a:p>
             <a:pPr algn="ctr"/>
             <a:r>
@@ -19083,13 +19006,6 @@
               </a:rPr>
               <a:t>实际查找和加载</a:t>
             </a:r>
-            <a:endParaRPr lang="zh-CN" altLang="en-US">
-              <a:solidFill>
-                <a:schemeClr val="tx1"/>
-              </a:solidFill>
-              <a:latin typeface="+mn-ea"/>
-              <a:cs typeface="+mn-ea"/>
-            </a:endParaRPr>
           </a:p>
           <a:p>
             <a:r>
@@ -19112,13 +19028,6 @@
               </a:rPr>
               <a:t>方向</a:t>
             </a:r>
-            <a:endParaRPr lang="zh-CN" altLang="en-US">
-              <a:solidFill>
-                <a:schemeClr val="tx1"/>
-              </a:solidFill>
-              <a:latin typeface="+mn-ea"/>
-              <a:cs typeface="+mn-ea"/>
-            </a:endParaRPr>
           </a:p>
         </p:txBody>
       </p:sp>
@@ -19142,6 +19051,7 @@
           <a:bodyPr wrap="none" rtlCol="0">
             <a:spAutoFit/>
           </a:bodyPr>
+          <a:lstStyle/>
           <a:p>
             <a:pPr algn="ctr"/>
             <a:r>
@@ -19190,11 +19100,6 @@
               </a:rPr>
               <a:t>方向</a:t>
             </a:r>
-            <a:endParaRPr lang="zh-CN" altLang="en-US">
-              <a:solidFill>
-                <a:schemeClr val="tx1"/>
-              </a:solidFill>
-            </a:endParaRPr>
           </a:p>
         </p:txBody>
       </p:sp>
@@ -19333,6 +19238,7 @@
         </p:style>
         <p:txBody>
           <a:bodyPr rtlCol="0" anchor="ctr"/>
+          <a:lstStyle/>
           <a:p>
             <a:pPr algn="ctr"/>
             <a:r>
@@ -19378,6 +19284,7 @@
         </p:style>
         <p:txBody>
           <a:bodyPr rtlCol="0" anchor="ctr"/>
+          <a:lstStyle/>
           <a:p>
             <a:pPr algn="ctr"/>
             <a:r>
@@ -19423,6 +19330,7 @@
         </p:style>
         <p:txBody>
           <a:bodyPr rtlCol="0" anchor="ctr"/>
+          <a:lstStyle/>
           <a:p>
             <a:pPr algn="ctr"/>
             <a:r>
@@ -19455,6 +19363,7 @@
           <a:bodyPr wrap="none" rtlCol="0">
             <a:spAutoFit/>
           </a:bodyPr>
+          <a:lstStyle/>
           <a:p>
             <a:r>
               <a:rPr lang="zh-CN" altLang="en-US">
@@ -19484,10 +19393,6 @@
               </a:rPr>
               <a:t>jre/lib/ext/*.jar</a:t>
             </a:r>
-            <a:endParaRPr lang="en-US" altLang="zh-CN">
-              <a:latin typeface="+mn-ea"/>
-              <a:cs typeface="+mn-ea"/>
-            </a:endParaRPr>
           </a:p>
           <a:p>
             <a:r>
@@ -19511,10 +19416,6 @@
               </a:rPr>
               <a:t>指定</a:t>
             </a:r>
-            <a:endParaRPr lang="zh-CN" altLang="en-US">
-              <a:latin typeface="+mn-ea"/>
-              <a:cs typeface="+mn-ea"/>
-            </a:endParaRPr>
           </a:p>
         </p:txBody>
       </p:sp>
@@ -19538,6 +19439,7 @@
           <a:bodyPr wrap="none" rtlCol="0">
             <a:spAutoFit/>
           </a:bodyPr>
+          <a:lstStyle/>
           <a:p>
             <a:r>
               <a:rPr lang="zh-CN" altLang="en-US">
@@ -19560,10 +19462,6 @@
               </a:rPr>
               <a:t>指定内容</a:t>
             </a:r>
-            <a:endParaRPr lang="zh-CN" altLang="en-US">
-              <a:latin typeface="+mn-ea"/>
-              <a:cs typeface="+mn-ea"/>
-            </a:endParaRPr>
           </a:p>
         </p:txBody>
       </p:sp>
@@ -19587,6 +19485,7 @@
           <a:bodyPr wrap="none" rtlCol="0">
             <a:spAutoFit/>
           </a:bodyPr>
+          <a:lstStyle/>
           <a:p>
             <a:r>
               <a:rPr lang="zh-CN">
@@ -19602,10 +19501,6 @@
               </a:rPr>
               <a:t>ClassLoader</a:t>
             </a:r>
-            <a:endParaRPr lang="en-US" altLang="zh-CN">
-              <a:latin typeface="+mn-ea"/>
-              <a:cs typeface="+mn-ea"/>
-            </a:endParaRPr>
           </a:p>
         </p:txBody>
       </p:sp>
@@ -19629,6 +19524,7 @@
           <a:bodyPr vert="eaVert" wrap="square" rtlCol="0">
             <a:spAutoFit/>
           </a:bodyPr>
+          <a:lstStyle/>
           <a:p>
             <a:pPr algn="ctr"/>
             <a:r>
@@ -19666,15 +19562,6 @@
               </a:rPr>
               <a:t>按需动态加载</a:t>
             </a:r>
-            <a:endParaRPr lang="zh-CN" altLang="en-US">
-              <a:ln>
-                <a:noFill/>
-              </a:ln>
-              <a:solidFill>
-                <a:schemeClr val="accent6"/>
-              </a:solidFill>
-              <a:sym typeface="+mn-ea"/>
-            </a:endParaRPr>
           </a:p>
         </p:txBody>
       </p:sp>
@@ -19703,7 +19590,14 @@
         <p:cNvGrpSpPr/>
         <p:nvPr/>
       </p:nvGrpSpPr>
-      <p:grpSpPr/>
+      <p:grpSpPr>
+        <a:xfrm>
+          <a:off x="0" y="0"/>
+          <a:ext cx="0" cy="0"/>
+          <a:chOff x="0" y="0"/>
+          <a:chExt cx="0" cy="0"/>
+        </a:xfrm>
+      </p:grpSpPr>
       <p:sp>
         <p:nvSpPr>
           <p:cNvPr id="3" name="椭圆 2"/>
@@ -19737,13 +19631,13 @@
         </p:style>
         <p:txBody>
           <a:bodyPr rtlCol="0" anchor="ctr"/>
+          <a:lstStyle/>
           <a:p>
             <a:pPr algn="ctr"/>
             <a:r>
               <a:rPr lang="en-US" altLang="zh-CN"/>
               <a:t>.class</a:t>
             </a:r>
-            <a:endParaRPr lang="en-US" altLang="zh-CN"/>
           </a:p>
         </p:txBody>
       </p:sp>
@@ -19795,6 +19689,7 @@
         </p:style>
         <p:txBody>
           <a:bodyPr rtlCol="0" anchor="ctr"/>
+          <a:lstStyle/>
           <a:p>
             <a:pPr algn="ctr"/>
             <a:r>
@@ -19807,13 +19702,6 @@
               </a:rPr>
               <a:t>返回结果</a:t>
             </a:r>
-            <a:endParaRPr lang="zh-CN" altLang="en-US">
-              <a:solidFill>
-                <a:schemeClr val="accent1">
-                  <a:lumMod val="75000"/>
-                </a:schemeClr>
-              </a:solidFill>
-            </a:endParaRPr>
           </a:p>
         </p:txBody>
       </p:sp>
@@ -19848,6 +19736,7 @@
         </p:style>
         <p:txBody>
           <a:bodyPr rtlCol="0" anchor="ctr"/>
+          <a:lstStyle/>
           <a:p>
             <a:pPr algn="ctr"/>
             <a:r>
@@ -19891,6 +19780,7 @@
         </p:style>
         <p:txBody>
           <a:bodyPr rtlCol="0" anchor="ctr"/>
+          <a:lstStyle/>
           <a:p>
             <a:pPr algn="ctr"/>
             <a:r>
@@ -19945,6 +19835,7 @@
         </p:style>
         <p:txBody>
           <a:bodyPr rtlCol="0" anchor="ctr"/>
+          <a:lstStyle/>
           <a:p>
             <a:pPr algn="ctr"/>
             <a:r>
@@ -20033,12 +19924,12 @@
           <a:bodyPr wrap="none" rtlCol="0">
             <a:spAutoFit/>
           </a:bodyPr>
+          <a:lstStyle/>
           <a:p>
             <a:r>
               <a:rPr lang="en-US" altLang="zh-CN"/>
               <a:t>Custom.loadClass</a:t>
             </a:r>
-            <a:endParaRPr lang="en-US" altLang="zh-CN"/>
           </a:p>
         </p:txBody>
       </p:sp>
@@ -20080,6 +19971,7 @@
           <a:bodyPr vertOverflow="overflow" horzOverflow="overflow" vert="horz" wrap="square" numCol="1" spcCol="0" rtlCol="0" fromWordArt="0" anchor="ctr" anchorCtr="0" forceAA="0" compatLnSpc="1">
             <a:noAutofit/>
           </a:bodyPr>
+          <a:lstStyle/>
           <a:p>
             <a:pPr lvl="0" algn="ctr">
               <a:buClrTx/>
@@ -20092,9 +19984,6 @@
               </a:rPr>
               <a:t>N</a:t>
             </a:r>
-            <a:endParaRPr lang="en-US" altLang="zh-CN">
-              <a:sym typeface="+mn-ea"/>
-            </a:endParaRPr>
           </a:p>
         </p:txBody>
       </p:sp>
@@ -20146,6 +20035,7 @@
         </p:style>
         <p:txBody>
           <a:bodyPr rtlCol="0" anchor="ctr"/>
+          <a:lstStyle/>
           <a:p>
             <a:pPr algn="ctr"/>
             <a:r>
@@ -20158,13 +20048,6 @@
               </a:rPr>
               <a:t>返回结果</a:t>
             </a:r>
-            <a:endParaRPr lang="zh-CN" altLang="en-US">
-              <a:solidFill>
-                <a:schemeClr val="accent1">
-                  <a:lumMod val="75000"/>
-                </a:schemeClr>
-              </a:solidFill>
-            </a:endParaRPr>
           </a:p>
         </p:txBody>
       </p:sp>
@@ -20309,13 +20192,13 @@
         </p:style>
         <p:txBody>
           <a:bodyPr rtlCol="0" anchor="ctr"/>
+          <a:lstStyle/>
           <a:p>
             <a:pPr algn="ctr"/>
             <a:r>
               <a:rPr lang="en-US" altLang="zh-CN"/>
               <a:t>Y</a:t>
             </a:r>
-            <a:endParaRPr lang="en-US" altLang="zh-CN"/>
           </a:p>
         </p:txBody>
       </p:sp>
@@ -20397,6 +20280,7 @@
         </p:style>
         <p:txBody>
           <a:bodyPr rtlCol="0" anchor="ctr"/>
+          <a:lstStyle/>
           <a:p>
             <a:pPr algn="ctr"/>
             <a:r>
@@ -20471,6 +20355,7 @@
         </p:style>
         <p:txBody>
           <a:bodyPr rtlCol="0" anchor="ctr"/>
+          <a:lstStyle/>
           <a:p>
             <a:pPr algn="ctr"/>
             <a:r>
@@ -20534,6 +20419,7 @@
         </p:style>
         <p:txBody>
           <a:bodyPr rtlCol="0" anchor="ctr"/>
+          <a:lstStyle/>
           <a:p>
             <a:pPr algn="ctr"/>
             <a:r>
@@ -20582,13 +20468,13 @@
         </p:style>
         <p:txBody>
           <a:bodyPr rtlCol="0" anchor="ctr"/>
+          <a:lstStyle/>
           <a:p>
             <a:pPr algn="ctr"/>
             <a:r>
               <a:rPr lang="en-US" altLang="zh-CN"/>
               <a:t>N</a:t>
             </a:r>
-            <a:endParaRPr lang="en-US" altLang="zh-CN"/>
           </a:p>
         </p:txBody>
       </p:sp>
@@ -20705,6 +20591,7 @@
         </p:style>
         <p:txBody>
           <a:bodyPr rtlCol="0" anchor="ctr"/>
+          <a:lstStyle/>
           <a:p>
             <a:pPr algn="ctr"/>
             <a:r>
@@ -20768,6 +20655,7 @@
         </p:style>
         <p:txBody>
           <a:bodyPr rtlCol="0" anchor="ctr"/>
+          <a:lstStyle/>
           <a:p>
             <a:pPr algn="ctr"/>
             <a:r>
@@ -20818,6 +20706,7 @@
           <a:bodyPr vertOverflow="overflow" horzOverflow="overflow" vert="horz" wrap="square" numCol="1" spcCol="0" rtlCol="0" fromWordArt="0" anchor="ctr" anchorCtr="0" forceAA="0" compatLnSpc="1">
             <a:noAutofit/>
           </a:bodyPr>
+          <a:lstStyle/>
           <a:p>
             <a:pPr lvl="0" algn="ctr">
               <a:buClrTx/>
@@ -20830,9 +20719,6 @@
               </a:rPr>
               <a:t>N</a:t>
             </a:r>
-            <a:endParaRPr lang="en-US" altLang="zh-CN">
-              <a:sym typeface="+mn-ea"/>
-            </a:endParaRPr>
           </a:p>
         </p:txBody>
       </p:sp>
@@ -20949,6 +20835,7 @@
         </p:style>
         <p:txBody>
           <a:bodyPr rtlCol="0" anchor="ctr"/>
+          <a:lstStyle/>
           <a:p>
             <a:pPr algn="ctr"/>
             <a:r>
@@ -21122,13 +21009,13 @@
         </p:style>
         <p:txBody>
           <a:bodyPr rtlCol="0" anchor="ctr"/>
+          <a:lstStyle/>
           <a:p>
             <a:pPr algn="ctr"/>
             <a:r>
               <a:rPr lang="en-US" altLang="zh-CN"/>
               <a:t>Y</a:t>
             </a:r>
-            <a:endParaRPr lang="en-US" altLang="zh-CN"/>
           </a:p>
         </p:txBody>
       </p:sp>
@@ -21165,13 +21052,13 @@
         </p:style>
         <p:txBody>
           <a:bodyPr rtlCol="0" anchor="ctr"/>
+          <a:lstStyle/>
           <a:p>
             <a:pPr algn="ctr"/>
             <a:r>
               <a:rPr lang="en-US" altLang="zh-CN"/>
               <a:t>Y</a:t>
             </a:r>
-            <a:endParaRPr lang="en-US" altLang="zh-CN"/>
           </a:p>
         </p:txBody>
       </p:sp>
@@ -21244,6 +21131,7 @@
         </p:style>
         <p:txBody>
           <a:bodyPr rtlCol="0" anchor="ctr"/>
+          <a:lstStyle/>
           <a:p>
             <a:pPr algn="ctr"/>
             <a:r>
@@ -21271,7 +21159,6 @@
               <a:rPr lang="en-US" altLang="zh-CN"/>
               <a:t>Exception</a:t>
             </a:r>
-            <a:endParaRPr lang="en-US" altLang="zh-CN"/>
           </a:p>
         </p:txBody>
       </p:sp>
@@ -21381,13 +21268,13 @@
         </p:style>
         <p:txBody>
           <a:bodyPr rtlCol="0" anchor="ctr"/>
+          <a:lstStyle/>
           <a:p>
             <a:pPr algn="ctr"/>
             <a:r>
               <a:rPr lang="en-US" altLang="zh-CN"/>
               <a:t>Y</a:t>
             </a:r>
-            <a:endParaRPr lang="en-US" altLang="zh-CN"/>
           </a:p>
         </p:txBody>
       </p:sp>
@@ -21429,6 +21316,7 @@
           <a:bodyPr vertOverflow="overflow" horzOverflow="overflow" vert="horz" wrap="square" numCol="1" spcCol="0" rtlCol="0" fromWordArt="0" anchor="ctr" anchorCtr="0" forceAA="0" compatLnSpc="1">
             <a:noAutofit/>
           </a:bodyPr>
+          <a:lstStyle/>
           <a:p>
             <a:pPr lvl="0" algn="ctr">
               <a:buClrTx/>
@@ -21441,9 +21329,6 @@
               </a:rPr>
               <a:t>N</a:t>
             </a:r>
-            <a:endParaRPr lang="en-US" altLang="zh-CN">
-              <a:sym typeface="+mn-ea"/>
-            </a:endParaRPr>
           </a:p>
         </p:txBody>
       </p:sp>
@@ -21489,6 +21374,7 @@
         </p:style>
         <p:txBody>
           <a:bodyPr rtlCol="0" anchor="ctr"/>
+          <a:lstStyle/>
           <a:p>
             <a:pPr algn="ctr"/>
             <a:r>
@@ -21631,6 +21517,7 @@
           <a:bodyPr vertOverflow="overflow" horzOverflow="overflow" vert="horz" wrap="square" numCol="1" spcCol="0" rtlCol="0" fromWordArt="0" anchor="ctr" anchorCtr="0" forceAA="0" compatLnSpc="1">
             <a:noAutofit/>
           </a:bodyPr>
+          <a:lstStyle/>
           <a:p>
             <a:pPr lvl="0" algn="ctr">
               <a:buClrTx/>
@@ -21643,9 +21530,6 @@
               </a:rPr>
               <a:t>N</a:t>
             </a:r>
-            <a:endParaRPr lang="en-US" altLang="zh-CN">
-              <a:sym typeface="+mn-ea"/>
-            </a:endParaRPr>
           </a:p>
         </p:txBody>
       </p:sp>
@@ -21718,13 +21602,13 @@
         </p:style>
         <p:txBody>
           <a:bodyPr rtlCol="0" anchor="ctr"/>
+          <a:lstStyle/>
           <a:p>
             <a:pPr algn="ctr"/>
             <a:r>
               <a:rPr lang="en-US" altLang="zh-CN"/>
               <a:t>Y</a:t>
             </a:r>
-            <a:endParaRPr lang="en-US" altLang="zh-CN"/>
           </a:p>
         </p:txBody>
       </p:sp>
@@ -21770,6 +21654,7 @@
         </p:style>
         <p:txBody>
           <a:bodyPr rtlCol="0" anchor="ctr"/>
+          <a:lstStyle/>
           <a:p>
             <a:pPr algn="ctr"/>
             <a:r>
@@ -21948,6 +21833,7 @@
           <a:bodyPr vertOverflow="overflow" horzOverflow="overflow" vert="horz" wrap="square" numCol="1" spcCol="0" rtlCol="0" fromWordArt="0" anchor="ctr" anchorCtr="0" forceAA="0" compatLnSpc="1">
             <a:noAutofit/>
           </a:bodyPr>
+          <a:lstStyle/>
           <a:p>
             <a:pPr lvl="0" algn="ctr">
               <a:buClrTx/>
@@ -21960,9 +21846,6 @@
               </a:rPr>
               <a:t>N</a:t>
             </a:r>
-            <a:endParaRPr lang="en-US" altLang="zh-CN">
-              <a:sym typeface="+mn-ea"/>
-            </a:endParaRPr>
           </a:p>
         </p:txBody>
       </p:sp>
@@ -21999,13 +21882,13 @@
         </p:style>
         <p:txBody>
           <a:bodyPr rtlCol="0" anchor="ctr"/>
+          <a:lstStyle/>
           <a:p>
             <a:pPr algn="ctr"/>
             <a:r>
               <a:rPr lang="en-US" altLang="zh-CN"/>
               <a:t>Y</a:t>
             </a:r>
-            <a:endParaRPr lang="en-US" altLang="zh-CN"/>
           </a:p>
         </p:txBody>
       </p:sp>
@@ -22078,13 +21961,13 @@
         </p:style>
         <p:txBody>
           <a:bodyPr rtlCol="0" anchor="ctr"/>
+          <a:lstStyle/>
           <a:p>
             <a:pPr algn="ctr"/>
             <a:r>
               <a:rPr lang="en-US" altLang="zh-CN"/>
               <a:t>Y</a:t>
             </a:r>
-            <a:endParaRPr lang="en-US" altLang="zh-CN"/>
           </a:p>
         </p:txBody>
       </p:sp>
@@ -22126,6 +22009,7 @@
           <a:bodyPr vertOverflow="overflow" horzOverflow="overflow" vert="horz" wrap="square" numCol="1" spcCol="0" rtlCol="0" fromWordArt="0" anchor="ctr" anchorCtr="0" forceAA="0" compatLnSpc="1">
             <a:noAutofit/>
           </a:bodyPr>
+          <a:lstStyle/>
           <a:p>
             <a:pPr lvl="0" algn="ctr">
               <a:buClrTx/>
@@ -22138,9 +22022,6 @@
               </a:rPr>
               <a:t>N</a:t>
             </a:r>
-            <a:endParaRPr lang="en-US" altLang="zh-CN">
-              <a:sym typeface="+mn-ea"/>
-            </a:endParaRPr>
           </a:p>
         </p:txBody>
       </p:sp>
@@ -22169,7 +22050,14 @@
         <p:cNvGrpSpPr/>
         <p:nvPr/>
       </p:nvGrpSpPr>
-      <p:grpSpPr/>
+      <p:grpSpPr>
+        <a:xfrm>
+          <a:off x="0" y="0"/>
+          <a:ext cx="0" cy="0"/>
+          <a:chOff x="0" y="0"/>
+          <a:chExt cx="0" cy="0"/>
+        </a:xfrm>
+      </p:grpSpPr>
       <p:sp>
         <p:nvSpPr>
           <p:cNvPr id="3" name="圆角矩形 2"/>
@@ -22203,13 +22091,13 @@
         </p:style>
         <p:txBody>
           <a:bodyPr rtlCol="0" anchor="ctr"/>
+          <a:lstStyle/>
           <a:p>
             <a:pPr algn="ctr"/>
             <a:r>
               <a:rPr lang="en-US" altLang="zh-CN"/>
               <a:t>BootClassPathHolder</a:t>
             </a:r>
-            <a:endParaRPr lang="en-US" altLang="zh-CN"/>
           </a:p>
         </p:txBody>
       </p:sp>
@@ -22246,6 +22134,7 @@
         </p:style>
         <p:txBody>
           <a:bodyPr rtlCol="0" anchor="ctr"/>
+          <a:lstStyle/>
           <a:p>
             <a:pPr algn="ctr"/>
             <a:r>
@@ -22291,6 +22180,7 @@
         </p:style>
         <p:txBody>
           <a:bodyPr rtlCol="0" anchor="ctr"/>
+          <a:lstStyle/>
           <a:p>
             <a:pPr algn="ctr"/>
             <a:r>
@@ -22336,6 +22226,7 @@
         </p:style>
         <p:txBody>
           <a:bodyPr rtlCol="0" anchor="ctr"/>
+          <a:lstStyle/>
           <a:p>
             <a:pPr algn="ctr"/>
             <a:r>
@@ -22381,6 +22272,7 @@
         </p:style>
         <p:txBody>
           <a:bodyPr rtlCol="0" anchor="ctr"/>
+          <a:lstStyle/>
           <a:p>
             <a:pPr algn="ctr"/>
             <a:r>
@@ -22426,6 +22318,7 @@
         </p:style>
         <p:txBody>
           <a:bodyPr rtlCol="0" anchor="ctr"/>
+          <a:lstStyle/>
           <a:p>
             <a:pPr algn="ctr"/>
             <a:r>
@@ -22878,9 +22771,11 @@
       </a:bgFillStyleLst>
     </a:fmtScheme>
   </a:themeElements>
+  <a:objectDefaults/>
+  <a:extraClrSchemeLst/>
   <a:extLst>
     <a:ext uri="{05A4C25C-085E-4340-85A3-A5531E510DB2}">
-      <thm15:themeFamily xmlns:thm15="http://schemas.microsoft.com/office/thememl/2012/main" name="Office Theme" id="{62F939B6-93AF-4DB8-9C6B-D6C7DFDC589F}" vid="{4A3C46E8-61CC-4603-A589-7422A47A8E4A}"/>
+      <thm15:themeFamily xmlns:thm15="http://schemas.microsoft.com/office/thememl/2012/main" xmlns="" name="Office Theme" id="{62F939B6-93AF-4DB8-9C6B-D6C7DFDC589F}" vid="{4A3C46E8-61CC-4603-A589-7422A47A8E4A}"/>
     </a:ext>
   </a:extLst>
 </a:theme>

--- a/docs/PPT/JVM.pptx
+++ b/docs/PPT/JVM.pptx
@@ -5,22 +5,29 @@
     <p:sldMasterId id="2147483648" r:id="rId1"/>
   </p:sldMasterIdLst>
   <p:sldIdLst>
-    <p:sldId id="263" r:id="rId2"/>
-    <p:sldId id="262" r:id="rId3"/>
-    <p:sldId id="264" r:id="rId4"/>
-    <p:sldId id="266" r:id="rId5"/>
-    <p:sldId id="267" r:id="rId6"/>
-    <p:sldId id="268" r:id="rId7"/>
-    <p:sldId id="269" r:id="rId8"/>
-    <p:sldId id="270" r:id="rId9"/>
-    <p:sldId id="271" r:id="rId10"/>
-    <p:sldId id="273" r:id="rId11"/>
-    <p:sldId id="274" r:id="rId12"/>
-    <p:sldId id="278" r:id="rId13"/>
-    <p:sldId id="275" r:id="rId14"/>
-    <p:sldId id="282" r:id="rId15"/>
-    <p:sldId id="276" r:id="rId16"/>
-    <p:sldId id="277" r:id="rId17"/>
+    <p:sldId id="263" r:id="rId3"/>
+    <p:sldId id="262" r:id="rId4"/>
+    <p:sldId id="264" r:id="rId5"/>
+    <p:sldId id="266" r:id="rId6"/>
+    <p:sldId id="267" r:id="rId7"/>
+    <p:sldId id="268" r:id="rId8"/>
+    <p:sldId id="269" r:id="rId9"/>
+    <p:sldId id="270" r:id="rId10"/>
+    <p:sldId id="271" r:id="rId11"/>
+    <p:sldId id="273" r:id="rId12"/>
+    <p:sldId id="274" r:id="rId13"/>
+    <p:sldId id="278" r:id="rId14"/>
+    <p:sldId id="275" r:id="rId15"/>
+    <p:sldId id="282" r:id="rId16"/>
+    <p:sldId id="276" r:id="rId17"/>
+    <p:sldId id="277" r:id="rId18"/>
+    <p:sldId id="285" r:id="rId19"/>
+    <p:sldId id="286" r:id="rId20"/>
+    <p:sldId id="287" r:id="rId21"/>
+    <p:sldId id="288" r:id="rId22"/>
+    <p:sldId id="289" r:id="rId23"/>
+    <p:sldId id="290" r:id="rId24"/>
+    <p:sldId id="291" r:id="rId25"/>
   </p:sldIdLst>
   <p:sldSz cx="12192000" cy="6858000"/>
   <p:notesSz cx="6858000" cy="9144000"/>
@@ -253,7 +260,6 @@
           <a:p>
             <a:fld id="{D997B5FA-0921-464F-AAE1-844C04324D75}" type="datetimeFigureOut">
               <a:rPr lang="zh-CN" altLang="en-US" smtClean="0"/>
-              <a:t>2020/5/27</a:t>
             </a:fld>
             <a:endParaRPr lang="zh-CN" altLang="en-US"/>
           </a:p>
@@ -295,7 +301,6 @@
           <a:p>
             <a:fld id="{565CE74E-AB26-4998-AD42-012C4C1AD076}" type="slidenum">
               <a:rPr lang="zh-CN" altLang="en-US" smtClean="0"/>
-              <a:t>‹#›</a:t>
             </a:fld>
             <a:endParaRPr lang="zh-CN" altLang="en-US"/>
           </a:p>
@@ -369,6 +374,7 @@
               <a:rPr lang="zh-CN" altLang="en-US" smtClean="0"/>
               <a:t>单击此处编辑母版文本样式</a:t>
             </a:r>
+            <a:endParaRPr lang="zh-CN" altLang="en-US" smtClean="0"/>
           </a:p>
           <a:p>
             <a:pPr lvl="1"/>
@@ -376,6 +382,7 @@
               <a:rPr lang="zh-CN" altLang="en-US" smtClean="0"/>
               <a:t>第二级</a:t>
             </a:r>
+            <a:endParaRPr lang="zh-CN" altLang="en-US" smtClean="0"/>
           </a:p>
           <a:p>
             <a:pPr lvl="2"/>
@@ -383,6 +390,7 @@
               <a:rPr lang="zh-CN" altLang="en-US" smtClean="0"/>
               <a:t>第三级</a:t>
             </a:r>
+            <a:endParaRPr lang="zh-CN" altLang="en-US" smtClean="0"/>
           </a:p>
           <a:p>
             <a:pPr lvl="3"/>
@@ -390,6 +398,7 @@
               <a:rPr lang="zh-CN" altLang="en-US" smtClean="0"/>
               <a:t>第四级</a:t>
             </a:r>
+            <a:endParaRPr lang="zh-CN" altLang="en-US" smtClean="0"/>
           </a:p>
           <a:p>
             <a:pPr lvl="4"/>
@@ -418,7 +427,6 @@
           <a:p>
             <a:fld id="{D997B5FA-0921-464F-AAE1-844C04324D75}" type="datetimeFigureOut">
               <a:rPr lang="zh-CN" altLang="en-US" smtClean="0"/>
-              <a:t>2020/5/27</a:t>
             </a:fld>
             <a:endParaRPr lang="zh-CN" altLang="en-US"/>
           </a:p>
@@ -460,7 +468,6 @@
           <a:p>
             <a:fld id="{565CE74E-AB26-4998-AD42-012C4C1AD076}" type="slidenum">
               <a:rPr lang="zh-CN" altLang="en-US" smtClean="0"/>
-              <a:t>‹#›</a:t>
             </a:fld>
             <a:endParaRPr lang="zh-CN" altLang="en-US"/>
           </a:p>
@@ -544,6 +551,7 @@
               <a:rPr lang="zh-CN" altLang="en-US" smtClean="0"/>
               <a:t>单击此处编辑母版文本样式</a:t>
             </a:r>
+            <a:endParaRPr lang="zh-CN" altLang="en-US" smtClean="0"/>
           </a:p>
           <a:p>
             <a:pPr lvl="1"/>
@@ -551,6 +559,7 @@
               <a:rPr lang="zh-CN" altLang="en-US" smtClean="0"/>
               <a:t>第二级</a:t>
             </a:r>
+            <a:endParaRPr lang="zh-CN" altLang="en-US" smtClean="0"/>
           </a:p>
           <a:p>
             <a:pPr lvl="2"/>
@@ -558,6 +567,7 @@
               <a:rPr lang="zh-CN" altLang="en-US" smtClean="0"/>
               <a:t>第三级</a:t>
             </a:r>
+            <a:endParaRPr lang="zh-CN" altLang="en-US" smtClean="0"/>
           </a:p>
           <a:p>
             <a:pPr lvl="3"/>
@@ -565,6 +575,7 @@
               <a:rPr lang="zh-CN" altLang="en-US" smtClean="0"/>
               <a:t>第四级</a:t>
             </a:r>
+            <a:endParaRPr lang="zh-CN" altLang="en-US" smtClean="0"/>
           </a:p>
           <a:p>
             <a:pPr lvl="4"/>
@@ -593,7 +604,6 @@
           <a:p>
             <a:fld id="{D997B5FA-0921-464F-AAE1-844C04324D75}" type="datetimeFigureOut">
               <a:rPr lang="zh-CN" altLang="en-US" smtClean="0"/>
-              <a:t>2020/5/27</a:t>
             </a:fld>
             <a:endParaRPr lang="zh-CN" altLang="en-US"/>
           </a:p>
@@ -635,7 +645,6 @@
           <a:p>
             <a:fld id="{565CE74E-AB26-4998-AD42-012C4C1AD076}" type="slidenum">
               <a:rPr lang="zh-CN" altLang="en-US" smtClean="0"/>
-              <a:t>‹#›</a:t>
             </a:fld>
             <a:endParaRPr lang="zh-CN" altLang="en-US"/>
           </a:p>
@@ -709,6 +718,7 @@
               <a:rPr lang="zh-CN" altLang="en-US" smtClean="0"/>
               <a:t>单击此处编辑母版文本样式</a:t>
             </a:r>
+            <a:endParaRPr lang="zh-CN" altLang="en-US" smtClean="0"/>
           </a:p>
           <a:p>
             <a:pPr lvl="1"/>
@@ -716,6 +726,7 @@
               <a:rPr lang="zh-CN" altLang="en-US" smtClean="0"/>
               <a:t>第二级</a:t>
             </a:r>
+            <a:endParaRPr lang="zh-CN" altLang="en-US" smtClean="0"/>
           </a:p>
           <a:p>
             <a:pPr lvl="2"/>
@@ -723,6 +734,7 @@
               <a:rPr lang="zh-CN" altLang="en-US" smtClean="0"/>
               <a:t>第三级</a:t>
             </a:r>
+            <a:endParaRPr lang="zh-CN" altLang="en-US" smtClean="0"/>
           </a:p>
           <a:p>
             <a:pPr lvl="3"/>
@@ -730,6 +742,7 @@
               <a:rPr lang="zh-CN" altLang="en-US" smtClean="0"/>
               <a:t>第四级</a:t>
             </a:r>
+            <a:endParaRPr lang="zh-CN" altLang="en-US" smtClean="0"/>
           </a:p>
           <a:p>
             <a:pPr lvl="4"/>
@@ -758,7 +771,6 @@
           <a:p>
             <a:fld id="{D997B5FA-0921-464F-AAE1-844C04324D75}" type="datetimeFigureOut">
               <a:rPr lang="zh-CN" altLang="en-US" smtClean="0"/>
-              <a:t>2020/5/27</a:t>
             </a:fld>
             <a:endParaRPr lang="zh-CN" altLang="en-US"/>
           </a:p>
@@ -800,7 +812,6 @@
           <a:p>
             <a:fld id="{565CE74E-AB26-4998-AD42-012C4C1AD076}" type="slidenum">
               <a:rPr lang="zh-CN" altLang="en-US" smtClean="0"/>
-              <a:t>‹#›</a:t>
             </a:fld>
             <a:endParaRPr lang="zh-CN" altLang="en-US"/>
           </a:p>
@@ -979,6 +990,7 @@
               <a:rPr lang="zh-CN" altLang="en-US" smtClean="0"/>
               <a:t>单击此处编辑母版文本样式</a:t>
             </a:r>
+            <a:endParaRPr lang="zh-CN" altLang="en-US" smtClean="0"/>
           </a:p>
         </p:txBody>
       </p:sp>
@@ -999,7 +1011,6 @@
           <a:p>
             <a:fld id="{D997B5FA-0921-464F-AAE1-844C04324D75}" type="datetimeFigureOut">
               <a:rPr lang="zh-CN" altLang="en-US" smtClean="0"/>
-              <a:t>2020/5/27</a:t>
             </a:fld>
             <a:endParaRPr lang="zh-CN" altLang="en-US"/>
           </a:p>
@@ -1041,7 +1052,6 @@
           <a:p>
             <a:fld id="{565CE74E-AB26-4998-AD42-012C4C1AD076}" type="slidenum">
               <a:rPr lang="zh-CN" altLang="en-US" smtClean="0"/>
-              <a:t>‹#›</a:t>
             </a:fld>
             <a:endParaRPr lang="zh-CN" altLang="en-US"/>
           </a:p>
@@ -1120,6 +1130,7 @@
               <a:rPr lang="zh-CN" altLang="en-US" smtClean="0"/>
               <a:t>单击此处编辑母版文本样式</a:t>
             </a:r>
+            <a:endParaRPr lang="zh-CN" altLang="en-US" smtClean="0"/>
           </a:p>
           <a:p>
             <a:pPr lvl="1"/>
@@ -1127,6 +1138,7 @@
               <a:rPr lang="zh-CN" altLang="en-US" smtClean="0"/>
               <a:t>第二级</a:t>
             </a:r>
+            <a:endParaRPr lang="zh-CN" altLang="en-US" smtClean="0"/>
           </a:p>
           <a:p>
             <a:pPr lvl="2"/>
@@ -1134,6 +1146,7 @@
               <a:rPr lang="zh-CN" altLang="en-US" smtClean="0"/>
               <a:t>第三级</a:t>
             </a:r>
+            <a:endParaRPr lang="zh-CN" altLang="en-US" smtClean="0"/>
           </a:p>
           <a:p>
             <a:pPr lvl="3"/>
@@ -1141,6 +1154,7 @@
               <a:rPr lang="zh-CN" altLang="en-US" smtClean="0"/>
               <a:t>第四级</a:t>
             </a:r>
+            <a:endParaRPr lang="zh-CN" altLang="en-US" smtClean="0"/>
           </a:p>
           <a:p>
             <a:pPr lvl="4"/>
@@ -1177,6 +1191,7 @@
               <a:rPr lang="zh-CN" altLang="en-US" smtClean="0"/>
               <a:t>单击此处编辑母版文本样式</a:t>
             </a:r>
+            <a:endParaRPr lang="zh-CN" altLang="en-US" smtClean="0"/>
           </a:p>
           <a:p>
             <a:pPr lvl="1"/>
@@ -1184,6 +1199,7 @@
               <a:rPr lang="zh-CN" altLang="en-US" smtClean="0"/>
               <a:t>第二级</a:t>
             </a:r>
+            <a:endParaRPr lang="zh-CN" altLang="en-US" smtClean="0"/>
           </a:p>
           <a:p>
             <a:pPr lvl="2"/>
@@ -1191,6 +1207,7 @@
               <a:rPr lang="zh-CN" altLang="en-US" smtClean="0"/>
               <a:t>第三级</a:t>
             </a:r>
+            <a:endParaRPr lang="zh-CN" altLang="en-US" smtClean="0"/>
           </a:p>
           <a:p>
             <a:pPr lvl="3"/>
@@ -1198,6 +1215,7 @@
               <a:rPr lang="zh-CN" altLang="en-US" smtClean="0"/>
               <a:t>第四级</a:t>
             </a:r>
+            <a:endParaRPr lang="zh-CN" altLang="en-US" smtClean="0"/>
           </a:p>
           <a:p>
             <a:pPr lvl="4"/>
@@ -1226,7 +1244,6 @@
           <a:p>
             <a:fld id="{D997B5FA-0921-464F-AAE1-844C04324D75}" type="datetimeFigureOut">
               <a:rPr lang="zh-CN" altLang="en-US" smtClean="0"/>
-              <a:t>2020/5/27</a:t>
             </a:fld>
             <a:endParaRPr lang="zh-CN" altLang="en-US"/>
           </a:p>
@@ -1268,7 +1285,6 @@
           <a:p>
             <a:fld id="{565CE74E-AB26-4998-AD42-012C4C1AD076}" type="slidenum">
               <a:rPr lang="zh-CN" altLang="en-US" smtClean="0"/>
-              <a:t>‹#›</a:t>
             </a:fld>
             <a:endParaRPr lang="zh-CN" altLang="en-US"/>
           </a:p>
@@ -1389,6 +1405,7 @@
               <a:rPr lang="zh-CN" altLang="en-US" smtClean="0"/>
               <a:t>单击此处编辑母版文本样式</a:t>
             </a:r>
+            <a:endParaRPr lang="zh-CN" altLang="en-US" smtClean="0"/>
           </a:p>
         </p:txBody>
       </p:sp>
@@ -1417,6 +1434,7 @@
               <a:rPr lang="zh-CN" altLang="en-US" smtClean="0"/>
               <a:t>单击此处编辑母版文本样式</a:t>
             </a:r>
+            <a:endParaRPr lang="zh-CN" altLang="en-US" smtClean="0"/>
           </a:p>
           <a:p>
             <a:pPr lvl="1"/>
@@ -1424,6 +1442,7 @@
               <a:rPr lang="zh-CN" altLang="en-US" smtClean="0"/>
               <a:t>第二级</a:t>
             </a:r>
+            <a:endParaRPr lang="zh-CN" altLang="en-US" smtClean="0"/>
           </a:p>
           <a:p>
             <a:pPr lvl="2"/>
@@ -1431,6 +1450,7 @@
               <a:rPr lang="zh-CN" altLang="en-US" smtClean="0"/>
               <a:t>第三级</a:t>
             </a:r>
+            <a:endParaRPr lang="zh-CN" altLang="en-US" smtClean="0"/>
           </a:p>
           <a:p>
             <a:pPr lvl="3"/>
@@ -1438,6 +1458,7 @@
               <a:rPr lang="zh-CN" altLang="en-US" smtClean="0"/>
               <a:t>第四级</a:t>
             </a:r>
+            <a:endParaRPr lang="zh-CN" altLang="en-US" smtClean="0"/>
           </a:p>
           <a:p>
             <a:pPr lvl="4"/>
@@ -1511,6 +1532,7 @@
               <a:rPr lang="zh-CN" altLang="en-US" smtClean="0"/>
               <a:t>单击此处编辑母版文本样式</a:t>
             </a:r>
+            <a:endParaRPr lang="zh-CN" altLang="en-US" smtClean="0"/>
           </a:p>
         </p:txBody>
       </p:sp>
@@ -1539,6 +1561,7 @@
               <a:rPr lang="zh-CN" altLang="en-US" smtClean="0"/>
               <a:t>单击此处编辑母版文本样式</a:t>
             </a:r>
+            <a:endParaRPr lang="zh-CN" altLang="en-US" smtClean="0"/>
           </a:p>
           <a:p>
             <a:pPr lvl="1"/>
@@ -1546,6 +1569,7 @@
               <a:rPr lang="zh-CN" altLang="en-US" smtClean="0"/>
               <a:t>第二级</a:t>
             </a:r>
+            <a:endParaRPr lang="zh-CN" altLang="en-US" smtClean="0"/>
           </a:p>
           <a:p>
             <a:pPr lvl="2"/>
@@ -1553,6 +1577,7 @@
               <a:rPr lang="zh-CN" altLang="en-US" smtClean="0"/>
               <a:t>第三级</a:t>
             </a:r>
+            <a:endParaRPr lang="zh-CN" altLang="en-US" smtClean="0"/>
           </a:p>
           <a:p>
             <a:pPr lvl="3"/>
@@ -1560,6 +1585,7 @@
               <a:rPr lang="zh-CN" altLang="en-US" smtClean="0"/>
               <a:t>第四级</a:t>
             </a:r>
+            <a:endParaRPr lang="zh-CN" altLang="en-US" smtClean="0"/>
           </a:p>
           <a:p>
             <a:pPr lvl="4"/>
@@ -1588,7 +1614,6 @@
           <a:p>
             <a:fld id="{D997B5FA-0921-464F-AAE1-844C04324D75}" type="datetimeFigureOut">
               <a:rPr lang="zh-CN" altLang="en-US" smtClean="0"/>
-              <a:t>2020/5/27</a:t>
             </a:fld>
             <a:endParaRPr lang="zh-CN" altLang="en-US"/>
           </a:p>
@@ -1630,7 +1655,6 @@
           <a:p>
             <a:fld id="{565CE74E-AB26-4998-AD42-012C4C1AD076}" type="slidenum">
               <a:rPr lang="zh-CN" altLang="en-US" smtClean="0"/>
-              <a:t>‹#›</a:t>
             </a:fld>
             <a:endParaRPr lang="zh-CN" altLang="en-US"/>
           </a:p>
@@ -1701,7 +1725,6 @@
           <a:p>
             <a:fld id="{D997B5FA-0921-464F-AAE1-844C04324D75}" type="datetimeFigureOut">
               <a:rPr lang="zh-CN" altLang="en-US" smtClean="0"/>
-              <a:t>2020/5/27</a:t>
             </a:fld>
             <a:endParaRPr lang="zh-CN" altLang="en-US"/>
           </a:p>
@@ -1743,7 +1766,6 @@
           <a:p>
             <a:fld id="{565CE74E-AB26-4998-AD42-012C4C1AD076}" type="slidenum">
               <a:rPr lang="zh-CN" altLang="en-US" smtClean="0"/>
-              <a:t>‹#›</a:t>
             </a:fld>
             <a:endParaRPr lang="zh-CN" altLang="en-US"/>
           </a:p>
@@ -1791,7 +1813,6 @@
           <a:p>
             <a:fld id="{D997B5FA-0921-464F-AAE1-844C04324D75}" type="datetimeFigureOut">
               <a:rPr lang="zh-CN" altLang="en-US" smtClean="0"/>
-              <a:t>2020/5/27</a:t>
             </a:fld>
             <a:endParaRPr lang="zh-CN" altLang="en-US"/>
           </a:p>
@@ -1833,7 +1854,6 @@
           <a:p>
             <a:fld id="{565CE74E-AB26-4998-AD42-012C4C1AD076}" type="slidenum">
               <a:rPr lang="zh-CN" altLang="en-US" smtClean="0"/>
-              <a:t>‹#›</a:t>
             </a:fld>
             <a:endParaRPr lang="zh-CN" altLang="en-US"/>
           </a:p>
@@ -1949,6 +1969,7 @@
               <a:rPr lang="zh-CN" altLang="en-US" smtClean="0"/>
               <a:t>单击此处编辑母版文本样式</a:t>
             </a:r>
+            <a:endParaRPr lang="zh-CN" altLang="en-US" smtClean="0"/>
           </a:p>
           <a:p>
             <a:pPr lvl="1"/>
@@ -1956,6 +1977,7 @@
               <a:rPr lang="zh-CN" altLang="en-US" smtClean="0"/>
               <a:t>第二级</a:t>
             </a:r>
+            <a:endParaRPr lang="zh-CN" altLang="en-US" smtClean="0"/>
           </a:p>
           <a:p>
             <a:pPr lvl="2"/>
@@ -1963,6 +1985,7 @@
               <a:rPr lang="zh-CN" altLang="en-US" smtClean="0"/>
               <a:t>第三级</a:t>
             </a:r>
+            <a:endParaRPr lang="zh-CN" altLang="en-US" smtClean="0"/>
           </a:p>
           <a:p>
             <a:pPr lvl="3"/>
@@ -1970,6 +1993,7 @@
               <a:rPr lang="zh-CN" altLang="en-US" smtClean="0"/>
               <a:t>第四级</a:t>
             </a:r>
+            <a:endParaRPr lang="zh-CN" altLang="en-US" smtClean="0"/>
           </a:p>
           <a:p>
             <a:pPr lvl="4"/>
@@ -2043,6 +2067,7 @@
               <a:rPr lang="zh-CN" altLang="en-US" smtClean="0"/>
               <a:t>单击此处编辑母版文本样式</a:t>
             </a:r>
+            <a:endParaRPr lang="zh-CN" altLang="en-US" smtClean="0"/>
           </a:p>
         </p:txBody>
       </p:sp>
@@ -2063,7 +2088,6 @@
           <a:p>
             <a:fld id="{D997B5FA-0921-464F-AAE1-844C04324D75}" type="datetimeFigureOut">
               <a:rPr lang="zh-CN" altLang="en-US" smtClean="0"/>
-              <a:t>2020/5/27</a:t>
             </a:fld>
             <a:endParaRPr lang="zh-CN" altLang="en-US"/>
           </a:p>
@@ -2105,7 +2129,6 @@
           <a:p>
             <a:fld id="{565CE74E-AB26-4998-AD42-012C4C1AD076}" type="slidenum">
               <a:rPr lang="zh-CN" altLang="en-US" smtClean="0"/>
-              <a:t>‹#›</a:t>
             </a:fld>
             <a:endParaRPr lang="zh-CN" altLang="en-US"/>
           </a:p>
@@ -2291,6 +2314,7 @@
               <a:rPr lang="zh-CN" altLang="en-US" smtClean="0"/>
               <a:t>单击此处编辑母版文本样式</a:t>
             </a:r>
+            <a:endParaRPr lang="zh-CN" altLang="en-US" smtClean="0"/>
           </a:p>
         </p:txBody>
       </p:sp>
@@ -2311,7 +2335,6 @@
           <a:p>
             <a:fld id="{D997B5FA-0921-464F-AAE1-844C04324D75}" type="datetimeFigureOut">
               <a:rPr lang="zh-CN" altLang="en-US" smtClean="0"/>
-              <a:t>2020/5/27</a:t>
             </a:fld>
             <a:endParaRPr lang="zh-CN" altLang="en-US"/>
           </a:p>
@@ -2353,7 +2376,6 @@
           <a:p>
             <a:fld id="{565CE74E-AB26-4998-AD42-012C4C1AD076}" type="slidenum">
               <a:rPr lang="zh-CN" altLang="en-US" smtClean="0"/>
-              <a:t>‹#›</a:t>
             </a:fld>
             <a:endParaRPr lang="zh-CN" altLang="en-US"/>
           </a:p>
@@ -2452,6 +2474,7 @@
               <a:rPr lang="zh-CN" altLang="en-US" smtClean="0"/>
               <a:t>单击此处编辑母版文本样式</a:t>
             </a:r>
+            <a:endParaRPr lang="zh-CN" altLang="en-US" smtClean="0"/>
           </a:p>
           <a:p>
             <a:pPr lvl="1"/>
@@ -2459,6 +2482,7 @@
               <a:rPr lang="zh-CN" altLang="en-US" smtClean="0"/>
               <a:t>第二级</a:t>
             </a:r>
+            <a:endParaRPr lang="zh-CN" altLang="en-US" smtClean="0"/>
           </a:p>
           <a:p>
             <a:pPr lvl="2"/>
@@ -2466,6 +2490,7 @@
               <a:rPr lang="zh-CN" altLang="en-US" smtClean="0"/>
               <a:t>第三级</a:t>
             </a:r>
+            <a:endParaRPr lang="zh-CN" altLang="en-US" smtClean="0"/>
           </a:p>
           <a:p>
             <a:pPr lvl="3"/>
@@ -2473,6 +2498,7 @@
               <a:rPr lang="zh-CN" altLang="en-US" smtClean="0"/>
               <a:t>第四级</a:t>
             </a:r>
+            <a:endParaRPr lang="zh-CN" altLang="en-US" smtClean="0"/>
           </a:p>
           <a:p>
             <a:pPr lvl="4"/>
@@ -2519,7 +2545,6 @@
           <a:p>
             <a:fld id="{D997B5FA-0921-464F-AAE1-844C04324D75}" type="datetimeFigureOut">
               <a:rPr lang="zh-CN" altLang="en-US" smtClean="0"/>
-              <a:t>2020/5/27</a:t>
             </a:fld>
             <a:endParaRPr lang="zh-CN" altLang="en-US"/>
           </a:p>
@@ -2597,7 +2622,6 @@
           <a:p>
             <a:fld id="{565CE74E-AB26-4998-AD42-012C4C1AD076}" type="slidenum">
               <a:rPr lang="zh-CN" altLang="en-US" smtClean="0"/>
-              <a:t>‹#›</a:t>
             </a:fld>
             <a:endParaRPr lang="zh-CN" altLang="en-US"/>
           </a:p>
@@ -3049,6 +3073,7 @@
               <a:rPr lang="en-US" altLang="zh-CN"/>
               <a:t>javac</a:t>
             </a:r>
+            <a:endParaRPr lang="en-US" altLang="zh-CN"/>
           </a:p>
         </p:txBody>
       </p:sp>
@@ -3174,6 +3199,7 @@
               <a:rPr lang="en-US" altLang="zh-CN"/>
               <a:t>ClassLoader</a:t>
             </a:r>
+            <a:endParaRPr lang="en-US" altLang="zh-CN"/>
           </a:p>
         </p:txBody>
       </p:sp>
@@ -3276,6 +3302,7 @@
               <a:rPr lang="zh-CN" altLang="en-US"/>
               <a:t>解释器</a:t>
             </a:r>
+            <a:endParaRPr lang="zh-CN" altLang="en-US"/>
           </a:p>
         </p:txBody>
       </p:sp>
@@ -3326,6 +3353,7 @@
               <a:rPr lang="zh-CN" altLang="en-US" sz="1200"/>
               <a:t>即时编译器</a:t>
             </a:r>
+            <a:endParaRPr lang="zh-CN" altLang="en-US" sz="1200"/>
           </a:p>
         </p:txBody>
       </p:sp>
@@ -3369,6 +3397,7 @@
               <a:rPr lang="zh-CN" altLang="en-US"/>
               <a:t>执行引擎</a:t>
             </a:r>
+            <a:endParaRPr lang="zh-CN" altLang="en-US"/>
           </a:p>
         </p:txBody>
       </p:sp>
@@ -3423,6 +3452,7 @@
               <a:rPr lang="zh-CN" altLang="en-US"/>
               <a:t>件</a:t>
             </a:r>
+            <a:endParaRPr lang="zh-CN" altLang="en-US"/>
           </a:p>
         </p:txBody>
       </p:sp>
@@ -3728,6 +3758,22 @@
               </a:rPr>
               <a:t>JVM</a:t>
             </a:r>
+            <a:endParaRPr lang="en-US" altLang="zh-CN">
+              <a:ln w="10160">
+                <a:noFill/>
+                <a:prstDash val="solid"/>
+              </a:ln>
+              <a:solidFill>
+                <a:schemeClr val="tx1"/>
+              </a:solidFill>
+              <a:effectLst>
+                <a:outerShdw blurRad="38100" dist="22860" dir="5400000" algn="tl" rotWithShape="0">
+                  <a:srgbClr val="000000">
+                    <a:alpha val="30000"/>
+                  </a:srgbClr>
+                </a:outerShdw>
+              </a:effectLst>
+            </a:endParaRPr>
           </a:p>
         </p:txBody>
       </p:sp>
@@ -3757,6 +3803,7 @@
               <a:rPr lang="en-US" altLang="zh-CN"/>
               <a:t>java</a:t>
             </a:r>
+            <a:endParaRPr lang="en-US" altLang="zh-CN"/>
           </a:p>
         </p:txBody>
       </p:sp>
@@ -3863,6 +3910,11 @@
               </a:rPr>
               <a:t>寄存器</a:t>
             </a:r>
+            <a:endParaRPr lang="zh-CN" altLang="en-US" sz="1000">
+              <a:solidFill>
+                <a:schemeClr val="bg1"/>
+              </a:solidFill>
+            </a:endParaRPr>
           </a:p>
         </p:txBody>
       </p:sp>
@@ -3897,6 +3949,11 @@
               </a:rPr>
               <a:t>L1</a:t>
             </a:r>
+            <a:endParaRPr lang="en-US" altLang="zh-CN" sz="1000">
+              <a:solidFill>
+                <a:schemeClr val="bg1"/>
+              </a:solidFill>
+            </a:endParaRPr>
           </a:p>
           <a:p>
             <a:pPr algn="ctr"/>
@@ -3908,6 +3965,11 @@
               </a:rPr>
               <a:t>高速缓存</a:t>
             </a:r>
+            <a:endParaRPr lang="zh-CN" altLang="en-US" sz="1000">
+              <a:solidFill>
+                <a:schemeClr val="bg1"/>
+              </a:solidFill>
+            </a:endParaRPr>
           </a:p>
           <a:p>
             <a:pPr algn="ctr"/>
@@ -3935,6 +3997,11 @@
               </a:rPr>
               <a:t>）</a:t>
             </a:r>
+            <a:endParaRPr lang="zh-CN" altLang="en-US" sz="1000">
+              <a:solidFill>
+                <a:schemeClr val="bg1"/>
+              </a:solidFill>
+            </a:endParaRPr>
           </a:p>
         </p:txBody>
       </p:sp>
@@ -3969,6 +4036,11 @@
               </a:rPr>
               <a:t>L2</a:t>
             </a:r>
+            <a:endParaRPr lang="en-US" altLang="zh-CN" sz="1000">
+              <a:solidFill>
+                <a:schemeClr val="bg1"/>
+              </a:solidFill>
+            </a:endParaRPr>
           </a:p>
           <a:p>
             <a:pPr algn="ctr"/>
@@ -3980,6 +4052,11 @@
               </a:rPr>
               <a:t>高速缓存</a:t>
             </a:r>
+            <a:endParaRPr lang="zh-CN" altLang="en-US" sz="1000">
+              <a:solidFill>
+                <a:schemeClr val="bg1"/>
+              </a:solidFill>
+            </a:endParaRPr>
           </a:p>
           <a:p>
             <a:pPr algn="ctr"/>
@@ -4007,6 +4084,11 @@
               </a:rPr>
               <a:t>）</a:t>
             </a:r>
+            <a:endParaRPr lang="zh-CN" altLang="en-US" sz="1000">
+              <a:solidFill>
+                <a:schemeClr val="bg1"/>
+              </a:solidFill>
+            </a:endParaRPr>
           </a:p>
         </p:txBody>
       </p:sp>
@@ -4041,6 +4123,11 @@
               </a:rPr>
               <a:t>L3</a:t>
             </a:r>
+            <a:endParaRPr lang="en-US" altLang="zh-CN" sz="1000">
+              <a:solidFill>
+                <a:schemeClr val="bg1"/>
+              </a:solidFill>
+            </a:endParaRPr>
           </a:p>
           <a:p>
             <a:pPr algn="ctr"/>
@@ -4052,6 +4139,11 @@
               </a:rPr>
               <a:t>高速缓存</a:t>
             </a:r>
+            <a:endParaRPr lang="zh-CN" altLang="en-US" sz="1000">
+              <a:solidFill>
+                <a:schemeClr val="bg1"/>
+              </a:solidFill>
+            </a:endParaRPr>
           </a:p>
           <a:p>
             <a:pPr algn="ctr"/>
@@ -4079,6 +4171,11 @@
               </a:rPr>
               <a:t>）</a:t>
             </a:r>
+            <a:endParaRPr lang="zh-CN" altLang="en-US" sz="1000">
+              <a:solidFill>
+                <a:schemeClr val="bg1"/>
+              </a:solidFill>
+            </a:endParaRPr>
           </a:p>
         </p:txBody>
       </p:sp>
@@ -4129,6 +4226,11 @@
               </a:rPr>
               <a:t>）</a:t>
             </a:r>
+            <a:endParaRPr lang="zh-CN" altLang="en-US" sz="1000">
+              <a:solidFill>
+                <a:schemeClr val="bg1"/>
+              </a:solidFill>
+            </a:endParaRPr>
           </a:p>
         </p:txBody>
       </p:sp>
@@ -4163,6 +4265,11 @@
               </a:rPr>
               <a:t>本地二级存储（本地磁盘）</a:t>
             </a:r>
+            <a:endParaRPr lang="zh-CN" sz="1000">
+              <a:solidFill>
+                <a:schemeClr val="bg1"/>
+              </a:solidFill>
+            </a:endParaRPr>
           </a:p>
         </p:txBody>
       </p:sp>
@@ -4197,6 +4304,11 @@
               </a:rPr>
               <a:t>远程二级存储</a:t>
             </a:r>
+            <a:endParaRPr lang="zh-CN" sz="1000">
+              <a:solidFill>
+                <a:schemeClr val="bg1"/>
+              </a:solidFill>
+            </a:endParaRPr>
           </a:p>
           <a:p>
             <a:pPr algn="ctr"/>
@@ -4232,6 +4344,11 @@
               </a:rPr>
               <a:t>）</a:t>
             </a:r>
+            <a:endParaRPr lang="zh-CN" sz="1000">
+              <a:solidFill>
+                <a:schemeClr val="bg1"/>
+              </a:solidFill>
+            </a:endParaRPr>
           </a:p>
         </p:txBody>
       </p:sp>
@@ -4445,6 +4562,11 @@
               </a:rPr>
               <a:t>L0</a:t>
             </a:r>
+            <a:endParaRPr lang="en-US" altLang="zh-CN" sz="1000">
+              <a:solidFill>
+                <a:schemeClr val="tx1"/>
+              </a:solidFill>
+            </a:endParaRPr>
           </a:p>
         </p:txBody>
       </p:sp>
@@ -4478,6 +4600,11 @@
               </a:rPr>
               <a:t>L1</a:t>
             </a:r>
+            <a:endParaRPr lang="en-US" altLang="zh-CN" sz="1000">
+              <a:solidFill>
+                <a:schemeClr val="tx1"/>
+              </a:solidFill>
+            </a:endParaRPr>
           </a:p>
         </p:txBody>
       </p:sp>
@@ -4511,6 +4638,11 @@
               </a:rPr>
               <a:t>L2</a:t>
             </a:r>
+            <a:endParaRPr lang="en-US" altLang="zh-CN" sz="1000">
+              <a:solidFill>
+                <a:schemeClr val="tx1"/>
+              </a:solidFill>
+            </a:endParaRPr>
           </a:p>
         </p:txBody>
       </p:sp>
@@ -4544,6 +4676,11 @@
               </a:rPr>
               <a:t>L3</a:t>
             </a:r>
+            <a:endParaRPr lang="en-US" altLang="zh-CN" sz="1000">
+              <a:solidFill>
+                <a:schemeClr val="tx1"/>
+              </a:solidFill>
+            </a:endParaRPr>
           </a:p>
         </p:txBody>
       </p:sp>
@@ -4577,6 +4714,11 @@
               </a:rPr>
               <a:t>L4</a:t>
             </a:r>
+            <a:endParaRPr lang="en-US" altLang="zh-CN" sz="1000">
+              <a:solidFill>
+                <a:schemeClr val="tx1"/>
+              </a:solidFill>
+            </a:endParaRPr>
           </a:p>
         </p:txBody>
       </p:sp>
@@ -4610,6 +4752,11 @@
               </a:rPr>
               <a:t>L5</a:t>
             </a:r>
+            <a:endParaRPr lang="en-US" altLang="zh-CN" sz="1000">
+              <a:solidFill>
+                <a:schemeClr val="tx1"/>
+              </a:solidFill>
+            </a:endParaRPr>
           </a:p>
         </p:txBody>
       </p:sp>
@@ -4643,6 +4790,11 @@
               </a:rPr>
               <a:t>L6</a:t>
             </a:r>
+            <a:endParaRPr lang="en-US" altLang="zh-CN" sz="1000">
+              <a:solidFill>
+                <a:schemeClr val="tx1"/>
+              </a:solidFill>
+            </a:endParaRPr>
           </a:p>
         </p:txBody>
       </p:sp>
@@ -4752,6 +4904,7 @@
               <a:rPr lang="zh-CN" altLang="en-US" sz="1200"/>
               <a:t>成本更高</a:t>
             </a:r>
+            <a:endParaRPr lang="zh-CN" altLang="en-US" sz="1200"/>
           </a:p>
         </p:txBody>
       </p:sp>
@@ -4795,6 +4948,7 @@
               <a:rPr lang="zh-CN" altLang="en-US" sz="1200"/>
               <a:t>成本更低</a:t>
             </a:r>
+            <a:endParaRPr lang="zh-CN" altLang="en-US" sz="1200"/>
           </a:p>
         </p:txBody>
       </p:sp>
@@ -4904,6 +5058,7 @@
               <a:rPr lang="zh-CN" altLang="en-US" sz="1200"/>
               <a:t>内部</a:t>
             </a:r>
+            <a:endParaRPr lang="zh-CN" altLang="en-US" sz="1200"/>
           </a:p>
         </p:txBody>
       </p:sp>
@@ -4975,12 +5130,14 @@
               <a:rPr lang="zh-CN" altLang="en-US" sz="1000"/>
               <a:t>寄存器保存着从高速缓存行存取器取出的</a:t>
             </a:r>
+            <a:endParaRPr lang="zh-CN" altLang="en-US" sz="1000"/>
           </a:p>
           <a:p>
             <a:r>
               <a:rPr lang="zh-CN" altLang="en-US" sz="1000"/>
               <a:t>字节</a:t>
             </a:r>
+            <a:endParaRPr lang="zh-CN" altLang="en-US" sz="1000"/>
           </a:p>
         </p:txBody>
       </p:sp>
@@ -5069,6 +5226,11 @@
               </a:rPr>
               <a:t>内部</a:t>
             </a:r>
+            <a:endParaRPr lang="zh-CN" altLang="en-US" sz="1200">
+              <a:latin typeface="+mn-ea"/>
+              <a:cs typeface="+mn-ea"/>
+              <a:sym typeface="+mn-ea"/>
+            </a:endParaRPr>
           </a:p>
         </p:txBody>
       </p:sp>
@@ -5148,12 +5310,14 @@
               <a:rPr lang="zh-CN" altLang="en-US" sz="1000"/>
               <a:t>高速缓存取出的缓</a:t>
             </a:r>
+            <a:endParaRPr lang="zh-CN" altLang="en-US" sz="1000"/>
           </a:p>
           <a:p>
             <a:r>
               <a:rPr lang="zh-CN" altLang="en-US" sz="1000"/>
               <a:t>存行</a:t>
             </a:r>
+            <a:endParaRPr lang="zh-CN" altLang="en-US" sz="1000"/>
           </a:p>
         </p:txBody>
       </p:sp>
@@ -5233,12 +5397,14 @@
               <a:rPr lang="zh-CN" altLang="en-US" sz="1000"/>
               <a:t>高速缓存取出的</a:t>
             </a:r>
+            <a:endParaRPr lang="zh-CN" altLang="en-US" sz="1000"/>
           </a:p>
           <a:p>
             <a:r>
               <a:rPr lang="zh-CN" altLang="en-US" sz="1000"/>
               <a:t>缓存行</a:t>
             </a:r>
+            <a:endParaRPr lang="zh-CN" altLang="en-US" sz="1000"/>
           </a:p>
         </p:txBody>
       </p:sp>
@@ -5306,12 +5472,14 @@
               <a:rPr lang="zh-CN" sz="1000"/>
               <a:t>主存保存着从本地磁盘取出的</a:t>
             </a:r>
+            <a:endParaRPr lang="zh-CN" sz="1000"/>
           </a:p>
           <a:p>
             <a:r>
               <a:rPr lang="zh-CN" sz="1000"/>
               <a:t>磁盘块</a:t>
             </a:r>
+            <a:endParaRPr lang="zh-CN" sz="1000"/>
           </a:p>
         </p:txBody>
       </p:sp>
@@ -5391,12 +5559,14 @@
               <a:rPr lang="zh-CN" altLang="en-US" sz="1000"/>
               <a:t>高速缓存</a:t>
             </a:r>
+            <a:endParaRPr lang="zh-CN" altLang="en-US" sz="1000"/>
           </a:p>
           <a:p>
             <a:r>
               <a:rPr lang="zh-CN" altLang="en-US" sz="1000"/>
               <a:t>取出的缓存行</a:t>
             </a:r>
+            <a:endParaRPr lang="zh-CN" altLang="en-US" sz="1000"/>
           </a:p>
         </p:txBody>
       </p:sp>
@@ -5464,12 +5634,14 @@
               <a:rPr lang="zh-CN" sz="1000"/>
               <a:t>本地磁盘保存着从远程网络</a:t>
             </a:r>
+            <a:endParaRPr lang="zh-CN" sz="1000"/>
           </a:p>
           <a:p>
             <a:r>
               <a:rPr lang="zh-CN" sz="1000"/>
               <a:t>服务器磁盘取出的文件</a:t>
             </a:r>
+            <a:endParaRPr lang="zh-CN" sz="1000"/>
           </a:p>
         </p:txBody>
       </p:sp>
@@ -5592,6 +5764,9 @@
               </a:rPr>
               <a:t>x</a:t>
             </a:r>
+            <a:endParaRPr lang="en-US" altLang="zh-CN">
+              <a:sym typeface="+mn-ea"/>
+            </a:endParaRPr>
           </a:p>
         </p:txBody>
       </p:sp>
@@ -5641,6 +5816,9 @@
               </a:rPr>
               <a:t>y</a:t>
             </a:r>
+            <a:endParaRPr lang="en-US" altLang="zh-CN">
+              <a:sym typeface="+mn-ea"/>
+            </a:endParaRPr>
           </a:p>
         </p:txBody>
       </p:sp>
@@ -5692,6 +5870,11 @@
               </a:rPr>
               <a:t>）</a:t>
             </a:r>
+            <a:endParaRPr lang="zh-CN" altLang="en-US" sz="1200">
+              <a:solidFill>
+                <a:schemeClr val="bg1"/>
+              </a:solidFill>
+            </a:endParaRPr>
           </a:p>
         </p:txBody>
       </p:sp>
@@ -5781,6 +5964,9 @@
               </a:rPr>
               <a:t>x</a:t>
             </a:r>
+            <a:endParaRPr lang="en-US" altLang="zh-CN">
+              <a:sym typeface="+mn-ea"/>
+            </a:endParaRPr>
           </a:p>
         </p:txBody>
       </p:sp>
@@ -5830,6 +6016,9 @@
               </a:rPr>
               <a:t>y</a:t>
             </a:r>
+            <a:endParaRPr lang="en-US" altLang="zh-CN">
+              <a:sym typeface="+mn-ea"/>
+            </a:endParaRPr>
           </a:p>
         </p:txBody>
       </p:sp>
@@ -5864,6 +6053,11 @@
               </a:rPr>
               <a:t>L3 Cache</a:t>
             </a:r>
+            <a:endParaRPr lang="en-US" sz="1200">
+              <a:solidFill>
+                <a:schemeClr val="bg1"/>
+              </a:solidFill>
+            </a:endParaRPr>
           </a:p>
         </p:txBody>
       </p:sp>
@@ -5953,6 +6147,9 @@
               </a:rPr>
               <a:t>x</a:t>
             </a:r>
+            <a:endParaRPr lang="en-US" altLang="zh-CN">
+              <a:sym typeface="+mn-ea"/>
+            </a:endParaRPr>
           </a:p>
         </p:txBody>
       </p:sp>
@@ -6002,6 +6199,9 @@
               </a:rPr>
               <a:t>y</a:t>
             </a:r>
+            <a:endParaRPr lang="en-US" altLang="zh-CN">
+              <a:sym typeface="+mn-ea"/>
+            </a:endParaRPr>
           </a:p>
         </p:txBody>
       </p:sp>
@@ -6036,6 +6236,11 @@
               </a:rPr>
               <a:t>L2 Cache</a:t>
             </a:r>
+            <a:endParaRPr lang="en-US" sz="1200">
+              <a:solidFill>
+                <a:schemeClr val="bg1"/>
+              </a:solidFill>
+            </a:endParaRPr>
           </a:p>
         </p:txBody>
       </p:sp>
@@ -6125,6 +6330,9 @@
               </a:rPr>
               <a:t>x</a:t>
             </a:r>
+            <a:endParaRPr lang="en-US" altLang="zh-CN">
+              <a:sym typeface="+mn-ea"/>
+            </a:endParaRPr>
           </a:p>
         </p:txBody>
       </p:sp>
@@ -6174,6 +6382,9 @@
               </a:rPr>
               <a:t>y</a:t>
             </a:r>
+            <a:endParaRPr lang="en-US" altLang="zh-CN">
+              <a:sym typeface="+mn-ea"/>
+            </a:endParaRPr>
           </a:p>
         </p:txBody>
       </p:sp>
@@ -6208,6 +6419,11 @@
               </a:rPr>
               <a:t>L1 Cache</a:t>
             </a:r>
+            <a:endParaRPr lang="en-US" sz="1200">
+              <a:solidFill>
+                <a:schemeClr val="bg1"/>
+              </a:solidFill>
+            </a:endParaRPr>
           </a:p>
         </p:txBody>
       </p:sp>
@@ -6258,6 +6474,7 @@
               <a:rPr lang="zh-CN" altLang="en-US" sz="1200"/>
               <a:t>与寄存器</a:t>
             </a:r>
+            <a:endParaRPr lang="zh-CN" altLang="en-US" sz="1200"/>
           </a:p>
         </p:txBody>
       </p:sp>
@@ -6397,6 +6614,9 @@
               </a:rPr>
               <a:t>x</a:t>
             </a:r>
+            <a:endParaRPr lang="en-US" altLang="zh-CN">
+              <a:sym typeface="+mn-ea"/>
+            </a:endParaRPr>
           </a:p>
         </p:txBody>
       </p:sp>
@@ -6446,6 +6666,9 @@
               </a:rPr>
               <a:t>y</a:t>
             </a:r>
+            <a:endParaRPr lang="en-US" altLang="zh-CN">
+              <a:sym typeface="+mn-ea"/>
+            </a:endParaRPr>
           </a:p>
         </p:txBody>
       </p:sp>
@@ -6480,6 +6703,11 @@
               </a:rPr>
               <a:t>L2 Cache</a:t>
             </a:r>
+            <a:endParaRPr lang="en-US" sz="1200">
+              <a:solidFill>
+                <a:schemeClr val="bg1"/>
+              </a:solidFill>
+            </a:endParaRPr>
           </a:p>
         </p:txBody>
       </p:sp>
@@ -6569,6 +6797,9 @@
               </a:rPr>
               <a:t>x</a:t>
             </a:r>
+            <a:endParaRPr lang="en-US" altLang="zh-CN">
+              <a:sym typeface="+mn-ea"/>
+            </a:endParaRPr>
           </a:p>
         </p:txBody>
       </p:sp>
@@ -6618,6 +6849,9 @@
               </a:rPr>
               <a:t>y</a:t>
             </a:r>
+            <a:endParaRPr lang="en-US" altLang="zh-CN">
+              <a:sym typeface="+mn-ea"/>
+            </a:endParaRPr>
           </a:p>
         </p:txBody>
       </p:sp>
@@ -6652,6 +6886,11 @@
               </a:rPr>
               <a:t>L1 Cache</a:t>
             </a:r>
+            <a:endParaRPr lang="en-US" sz="1200">
+              <a:solidFill>
+                <a:schemeClr val="bg1"/>
+              </a:solidFill>
+            </a:endParaRPr>
           </a:p>
         </p:txBody>
       </p:sp>
@@ -6702,6 +6941,7 @@
               <a:rPr lang="zh-CN" altLang="en-US" sz="1200"/>
               <a:t>与寄存器</a:t>
             </a:r>
+            <a:endParaRPr lang="zh-CN" altLang="en-US" sz="1200"/>
           </a:p>
         </p:txBody>
       </p:sp>
@@ -6944,6 +7184,7 @@
               <a:rPr lang="en-US" altLang="zh-CN"/>
               <a:t>CPU1</a:t>
             </a:r>
+            <a:endParaRPr lang="en-US" altLang="zh-CN"/>
           </a:p>
         </p:txBody>
       </p:sp>
@@ -6973,6 +7214,7 @@
               <a:rPr lang="en-US" altLang="zh-CN"/>
               <a:t>CPU2</a:t>
             </a:r>
+            <a:endParaRPr lang="en-US" altLang="zh-CN"/>
           </a:p>
         </p:txBody>
       </p:sp>
@@ -7097,6 +7339,11 @@
               </a:rPr>
               <a:t>）</a:t>
             </a:r>
+            <a:endParaRPr lang="zh-CN" altLang="en-US" sz="1200">
+              <a:solidFill>
+                <a:schemeClr val="bg1"/>
+              </a:solidFill>
+            </a:endParaRPr>
           </a:p>
         </p:txBody>
       </p:sp>
@@ -7182,6 +7429,11 @@
               </a:rPr>
               <a:t>（多核共享）</a:t>
             </a:r>
+            <a:endParaRPr lang="zh-CN" altLang="en-US" sz="1200">
+              <a:solidFill>
+                <a:schemeClr val="bg1"/>
+              </a:solidFill>
+            </a:endParaRPr>
           </a:p>
         </p:txBody>
       </p:sp>
@@ -7271,6 +7523,9 @@
               </a:rPr>
               <a:t>x</a:t>
             </a:r>
+            <a:endParaRPr lang="en-US" altLang="zh-CN">
+              <a:sym typeface="+mn-ea"/>
+            </a:endParaRPr>
           </a:p>
         </p:txBody>
       </p:sp>
@@ -7320,6 +7575,9 @@
               </a:rPr>
               <a:t>y</a:t>
             </a:r>
+            <a:endParaRPr lang="en-US" altLang="zh-CN">
+              <a:sym typeface="+mn-ea"/>
+            </a:endParaRPr>
           </a:p>
         </p:txBody>
       </p:sp>
@@ -7354,6 +7612,11 @@
               </a:rPr>
               <a:t>L2 Cache</a:t>
             </a:r>
+            <a:endParaRPr lang="en-US" sz="1200">
+              <a:solidFill>
+                <a:schemeClr val="bg1"/>
+              </a:solidFill>
+            </a:endParaRPr>
           </a:p>
         </p:txBody>
       </p:sp>
@@ -7443,6 +7706,9 @@
               </a:rPr>
               <a:t>x</a:t>
             </a:r>
+            <a:endParaRPr lang="en-US" altLang="zh-CN">
+              <a:sym typeface="+mn-ea"/>
+            </a:endParaRPr>
           </a:p>
         </p:txBody>
       </p:sp>
@@ -7492,6 +7758,9 @@
               </a:rPr>
               <a:t>y</a:t>
             </a:r>
+            <a:endParaRPr lang="en-US" altLang="zh-CN">
+              <a:sym typeface="+mn-ea"/>
+            </a:endParaRPr>
           </a:p>
         </p:txBody>
       </p:sp>
@@ -7526,6 +7795,11 @@
               </a:rPr>
               <a:t>L1 Cache</a:t>
             </a:r>
+            <a:endParaRPr lang="en-US" sz="1200">
+              <a:solidFill>
+                <a:schemeClr val="bg1"/>
+              </a:solidFill>
+            </a:endParaRPr>
           </a:p>
         </p:txBody>
       </p:sp>
@@ -7579,6 +7853,7 @@
               <a:rPr lang="zh-CN" altLang="en-US" sz="1200"/>
               <a:t>）</a:t>
             </a:r>
+            <a:endParaRPr lang="zh-CN" altLang="en-US" sz="1200"/>
           </a:p>
         </p:txBody>
       </p:sp>
@@ -7658,6 +7933,7 @@
               <a:rPr lang="en-US" altLang="zh-CN"/>
               <a:t>Core0</a:t>
             </a:r>
+            <a:endParaRPr lang="en-US" altLang="zh-CN"/>
           </a:p>
         </p:txBody>
       </p:sp>
@@ -7763,6 +8039,9 @@
               </a:rPr>
               <a:t>x</a:t>
             </a:r>
+            <a:endParaRPr lang="en-US" altLang="zh-CN">
+              <a:sym typeface="+mn-ea"/>
+            </a:endParaRPr>
           </a:p>
         </p:txBody>
       </p:sp>
@@ -7812,6 +8091,9 @@
               </a:rPr>
               <a:t>y</a:t>
             </a:r>
+            <a:endParaRPr lang="en-US" altLang="zh-CN">
+              <a:sym typeface="+mn-ea"/>
+            </a:endParaRPr>
           </a:p>
         </p:txBody>
       </p:sp>
@@ -7935,6 +8217,9 @@
               </a:rPr>
               <a:t>cache line</a:t>
             </a:r>
+            <a:endParaRPr lang="zh-CN" altLang="en-US" sz="1200">
+              <a:sym typeface="+mn-ea"/>
+            </a:endParaRPr>
           </a:p>
         </p:txBody>
       </p:sp>
@@ -8144,6 +8429,9 @@
               </a:rPr>
               <a:t>x</a:t>
             </a:r>
+            <a:endParaRPr lang="en-US" altLang="zh-CN">
+              <a:sym typeface="+mn-ea"/>
+            </a:endParaRPr>
           </a:p>
         </p:txBody>
       </p:sp>
@@ -8193,6 +8481,9 @@
               </a:rPr>
               <a:t>y</a:t>
             </a:r>
+            <a:endParaRPr lang="en-US" altLang="zh-CN">
+              <a:sym typeface="+mn-ea"/>
+            </a:endParaRPr>
           </a:p>
         </p:txBody>
       </p:sp>
@@ -8227,6 +8518,11 @@
               </a:rPr>
               <a:t>L2 Cache</a:t>
             </a:r>
+            <a:endParaRPr lang="en-US" sz="1200">
+              <a:solidFill>
+                <a:schemeClr val="bg1"/>
+              </a:solidFill>
+            </a:endParaRPr>
           </a:p>
         </p:txBody>
       </p:sp>
@@ -8316,6 +8612,9 @@
               </a:rPr>
               <a:t>x</a:t>
             </a:r>
+            <a:endParaRPr lang="en-US" altLang="zh-CN">
+              <a:sym typeface="+mn-ea"/>
+            </a:endParaRPr>
           </a:p>
         </p:txBody>
       </p:sp>
@@ -8365,6 +8664,9 @@
               </a:rPr>
               <a:t>y</a:t>
             </a:r>
+            <a:endParaRPr lang="en-US" altLang="zh-CN">
+              <a:sym typeface="+mn-ea"/>
+            </a:endParaRPr>
           </a:p>
         </p:txBody>
       </p:sp>
@@ -8399,6 +8701,11 @@
               </a:rPr>
               <a:t>L1 Cache</a:t>
             </a:r>
+            <a:endParaRPr lang="en-US" sz="1200">
+              <a:solidFill>
+                <a:schemeClr val="bg1"/>
+              </a:solidFill>
+            </a:endParaRPr>
           </a:p>
         </p:txBody>
       </p:sp>
@@ -8452,6 +8759,7 @@
               <a:rPr lang="zh-CN" altLang="en-US" sz="1200"/>
               <a:t>）</a:t>
             </a:r>
+            <a:endParaRPr lang="zh-CN" altLang="en-US" sz="1200"/>
           </a:p>
         </p:txBody>
       </p:sp>
@@ -8531,6 +8839,7 @@
               <a:rPr lang="en-US" altLang="zh-CN"/>
               <a:t>Core3</a:t>
             </a:r>
+            <a:endParaRPr lang="en-US" altLang="zh-CN"/>
           </a:p>
         </p:txBody>
       </p:sp>
@@ -8802,6 +9111,7 @@
               <a:rPr lang="en-US" altLang="zh-CN"/>
               <a:t>...</a:t>
             </a:r>
+            <a:endParaRPr lang="en-US" altLang="zh-CN"/>
           </a:p>
         </p:txBody>
       </p:sp>
@@ -8835,6 +9145,11 @@
               </a:rPr>
               <a:t>处理器封装</a:t>
             </a:r>
+            <a:endParaRPr lang="zh-CN" altLang="en-US">
+              <a:solidFill>
+                <a:schemeClr val="tx1"/>
+              </a:solidFill>
+            </a:endParaRPr>
           </a:p>
         </p:txBody>
       </p:sp>
@@ -8884,6 +9199,9 @@
               </a:rPr>
               <a:t>x</a:t>
             </a:r>
+            <a:endParaRPr lang="en-US" altLang="zh-CN">
+              <a:sym typeface="+mn-ea"/>
+            </a:endParaRPr>
           </a:p>
         </p:txBody>
       </p:sp>
@@ -8933,6 +9251,9 @@
               </a:rPr>
               <a:t>y</a:t>
             </a:r>
+            <a:endParaRPr lang="en-US" altLang="zh-CN">
+              <a:sym typeface="+mn-ea"/>
+            </a:endParaRPr>
           </a:p>
         </p:txBody>
       </p:sp>
@@ -9056,6 +9377,9 @@
               </a:rPr>
               <a:t>cache line</a:t>
             </a:r>
+            <a:endParaRPr lang="zh-CN" altLang="en-US" sz="1200">
+              <a:sym typeface="+mn-ea"/>
+            </a:endParaRPr>
           </a:p>
         </p:txBody>
       </p:sp>
@@ -9237,6 +9561,9 @@
               </a:rPr>
               <a:t>x</a:t>
             </a:r>
+            <a:endParaRPr lang="en-US" altLang="zh-CN">
+              <a:sym typeface="+mn-ea"/>
+            </a:endParaRPr>
           </a:p>
         </p:txBody>
       </p:sp>
@@ -9286,6 +9613,9 @@
               </a:rPr>
               <a:t>y</a:t>
             </a:r>
+            <a:endParaRPr lang="en-US" altLang="zh-CN">
+              <a:sym typeface="+mn-ea"/>
+            </a:endParaRPr>
           </a:p>
         </p:txBody>
       </p:sp>
@@ -9320,6 +9650,11 @@
               </a:rPr>
               <a:t>L2 Cache</a:t>
             </a:r>
+            <a:endParaRPr lang="en-US" sz="1200">
+              <a:solidFill>
+                <a:schemeClr val="bg1"/>
+              </a:solidFill>
+            </a:endParaRPr>
           </a:p>
         </p:txBody>
       </p:sp>
@@ -9409,6 +9744,9 @@
               </a:rPr>
               <a:t>x</a:t>
             </a:r>
+            <a:endParaRPr lang="en-US" altLang="zh-CN">
+              <a:sym typeface="+mn-ea"/>
+            </a:endParaRPr>
           </a:p>
         </p:txBody>
       </p:sp>
@@ -9458,6 +9796,9 @@
               </a:rPr>
               <a:t>y</a:t>
             </a:r>
+            <a:endParaRPr lang="en-US" altLang="zh-CN">
+              <a:sym typeface="+mn-ea"/>
+            </a:endParaRPr>
           </a:p>
         </p:txBody>
       </p:sp>
@@ -9492,6 +9833,11 @@
               </a:rPr>
               <a:t>L1 Cache</a:t>
             </a:r>
+            <a:endParaRPr lang="en-US" sz="1200">
+              <a:solidFill>
+                <a:schemeClr val="bg1"/>
+              </a:solidFill>
+            </a:endParaRPr>
           </a:p>
         </p:txBody>
       </p:sp>
@@ -9545,6 +9891,7 @@
               <a:rPr lang="zh-CN" altLang="en-US" sz="1200"/>
               <a:t>）</a:t>
             </a:r>
+            <a:endParaRPr lang="zh-CN" altLang="en-US" sz="1200"/>
           </a:p>
         </p:txBody>
       </p:sp>
@@ -9624,6 +9971,7 @@
               <a:rPr lang="en-US" altLang="zh-CN"/>
               <a:t>Core3</a:t>
             </a:r>
+            <a:endParaRPr lang="en-US" altLang="zh-CN"/>
           </a:p>
         </p:txBody>
       </p:sp>
@@ -9924,6 +10272,9 @@
               </a:rPr>
               <a:t>x</a:t>
             </a:r>
+            <a:endParaRPr lang="en-US" altLang="zh-CN">
+              <a:sym typeface="+mn-ea"/>
+            </a:endParaRPr>
           </a:p>
         </p:txBody>
       </p:sp>
@@ -9973,6 +10324,9 @@
               </a:rPr>
               <a:t>y</a:t>
             </a:r>
+            <a:endParaRPr lang="en-US" altLang="zh-CN">
+              <a:sym typeface="+mn-ea"/>
+            </a:endParaRPr>
           </a:p>
         </p:txBody>
       </p:sp>
@@ -10007,6 +10361,11 @@
               </a:rPr>
               <a:t>L2 Cache</a:t>
             </a:r>
+            <a:endParaRPr lang="en-US" sz="1200">
+              <a:solidFill>
+                <a:schemeClr val="bg1"/>
+              </a:solidFill>
+            </a:endParaRPr>
           </a:p>
         </p:txBody>
       </p:sp>
@@ -10096,6 +10455,9 @@
               </a:rPr>
               <a:t>x</a:t>
             </a:r>
+            <a:endParaRPr lang="en-US" altLang="zh-CN">
+              <a:sym typeface="+mn-ea"/>
+            </a:endParaRPr>
           </a:p>
         </p:txBody>
       </p:sp>
@@ -10145,6 +10507,9 @@
               </a:rPr>
               <a:t>y</a:t>
             </a:r>
+            <a:endParaRPr lang="en-US" altLang="zh-CN">
+              <a:sym typeface="+mn-ea"/>
+            </a:endParaRPr>
           </a:p>
         </p:txBody>
       </p:sp>
@@ -10179,6 +10544,11 @@
               </a:rPr>
               <a:t>L1 Cache</a:t>
             </a:r>
+            <a:endParaRPr lang="en-US" sz="1200">
+              <a:solidFill>
+                <a:schemeClr val="bg1"/>
+              </a:solidFill>
+            </a:endParaRPr>
           </a:p>
         </p:txBody>
       </p:sp>
@@ -10316,6 +10686,7 @@
               <a:rPr lang="en-US" altLang="zh-CN"/>
               <a:t>Core0</a:t>
             </a:r>
+            <a:endParaRPr lang="en-US" altLang="zh-CN"/>
           </a:p>
         </p:txBody>
       </p:sp>
@@ -10583,6 +10954,9 @@
               </a:rPr>
               <a:t>x</a:t>
             </a:r>
+            <a:endParaRPr lang="en-US" altLang="zh-CN">
+              <a:sym typeface="+mn-ea"/>
+            </a:endParaRPr>
           </a:p>
         </p:txBody>
       </p:sp>
@@ -10632,6 +11006,9 @@
               </a:rPr>
               <a:t>y</a:t>
             </a:r>
+            <a:endParaRPr lang="en-US" altLang="zh-CN">
+              <a:sym typeface="+mn-ea"/>
+            </a:endParaRPr>
           </a:p>
         </p:txBody>
       </p:sp>
@@ -10666,6 +11043,11 @@
               </a:rPr>
               <a:t>L2 Cache</a:t>
             </a:r>
+            <a:endParaRPr lang="en-US" sz="1200">
+              <a:solidFill>
+                <a:schemeClr val="bg1"/>
+              </a:solidFill>
+            </a:endParaRPr>
           </a:p>
         </p:txBody>
       </p:sp>
@@ -10755,6 +11137,9 @@
               </a:rPr>
               <a:t>x</a:t>
             </a:r>
+            <a:endParaRPr lang="en-US" altLang="zh-CN">
+              <a:sym typeface="+mn-ea"/>
+            </a:endParaRPr>
           </a:p>
         </p:txBody>
       </p:sp>
@@ -10804,6 +11189,9 @@
               </a:rPr>
               <a:t>y</a:t>
             </a:r>
+            <a:endParaRPr lang="en-US" altLang="zh-CN">
+              <a:sym typeface="+mn-ea"/>
+            </a:endParaRPr>
           </a:p>
         </p:txBody>
       </p:sp>
@@ -10838,6 +11226,11 @@
               </a:rPr>
               <a:t>L1 Cache</a:t>
             </a:r>
+            <a:endParaRPr lang="en-US" sz="1200">
+              <a:solidFill>
+                <a:schemeClr val="bg1"/>
+              </a:solidFill>
+            </a:endParaRPr>
           </a:p>
         </p:txBody>
       </p:sp>
@@ -10891,6 +11284,7 @@
               <a:rPr lang="zh-CN" altLang="en-US" sz="1200" dirty="0"/>
               <a:t>）</a:t>
             </a:r>
+            <a:endParaRPr lang="zh-CN" altLang="en-US" sz="1200" dirty="0"/>
           </a:p>
         </p:txBody>
       </p:sp>
@@ -10970,6 +11364,7 @@
               <a:rPr lang="en-US" altLang="zh-CN"/>
               <a:t>Core3</a:t>
             </a:r>
+            <a:endParaRPr lang="en-US" altLang="zh-CN"/>
           </a:p>
         </p:txBody>
       </p:sp>
@@ -11177,6 +11572,7 @@
               <a:rPr lang="en-US" altLang="zh-CN"/>
               <a:t>...</a:t>
             </a:r>
+            <a:endParaRPr lang="en-US" altLang="zh-CN"/>
           </a:p>
         </p:txBody>
       </p:sp>
@@ -11268,6 +11664,11 @@
               </a:rPr>
               <a:t>）</a:t>
             </a:r>
+            <a:endParaRPr lang="zh-CN" altLang="en-US" sz="1200" dirty="0">
+              <a:solidFill>
+                <a:schemeClr val="bg1"/>
+              </a:solidFill>
+            </a:endParaRPr>
           </a:p>
         </p:txBody>
       </p:sp>
@@ -11353,6 +11754,11 @@
               </a:rPr>
               <a:t>（多核共享）</a:t>
             </a:r>
+            <a:endParaRPr lang="zh-CN" altLang="en-US" sz="1200" dirty="0">
+              <a:solidFill>
+                <a:schemeClr val="bg1"/>
+              </a:solidFill>
+            </a:endParaRPr>
           </a:p>
         </p:txBody>
       </p:sp>
@@ -11402,6 +11808,9 @@
               </a:rPr>
               <a:t>x</a:t>
             </a:r>
+            <a:endParaRPr lang="en-US" altLang="zh-CN">
+              <a:sym typeface="+mn-ea"/>
+            </a:endParaRPr>
           </a:p>
         </p:txBody>
       </p:sp>
@@ -11451,6 +11860,9 @@
               </a:rPr>
               <a:t>y</a:t>
             </a:r>
+            <a:endParaRPr lang="en-US" altLang="zh-CN">
+              <a:sym typeface="+mn-ea"/>
+            </a:endParaRPr>
           </a:p>
         </p:txBody>
       </p:sp>
@@ -11574,6 +11986,9 @@
               </a:rPr>
               <a:t>cache line</a:t>
             </a:r>
+            <a:endParaRPr lang="zh-CN" altLang="en-US" sz="1200" dirty="0">
+              <a:sym typeface="+mn-ea"/>
+            </a:endParaRPr>
           </a:p>
         </p:txBody>
       </p:sp>
@@ -11675,6 +12090,13 @@
               </a:rPr>
               <a:t>处理器封装</a:t>
             </a:r>
+            <a:endParaRPr lang="zh-CN" altLang="en-US" sz="1600" dirty="0">
+              <a:solidFill>
+                <a:schemeClr val="accent4">
+                  <a:lumMod val="75000"/>
+                </a:schemeClr>
+              </a:solidFill>
+            </a:endParaRPr>
           </a:p>
         </p:txBody>
       </p:sp>
@@ -11832,6 +12254,9 @@
               </a:rPr>
               <a:t>cache line</a:t>
             </a:r>
+            <a:endParaRPr lang="zh-CN" altLang="en-US" sz="1200">
+              <a:sym typeface="+mn-ea"/>
+            </a:endParaRPr>
           </a:p>
         </p:txBody>
       </p:sp>
@@ -11881,6 +12306,9 @@
               </a:rPr>
               <a:t>x</a:t>
             </a:r>
+            <a:endParaRPr lang="en-US" altLang="zh-CN">
+              <a:sym typeface="+mn-ea"/>
+            </a:endParaRPr>
           </a:p>
         </p:txBody>
       </p:sp>
@@ -11930,6 +12358,9 @@
               </a:rPr>
               <a:t>y</a:t>
             </a:r>
+            <a:endParaRPr lang="en-US" altLang="zh-CN">
+              <a:sym typeface="+mn-ea"/>
+            </a:endParaRPr>
           </a:p>
         </p:txBody>
       </p:sp>
@@ -12053,6 +12484,9 @@
               </a:rPr>
               <a:t>cache line</a:t>
             </a:r>
+            <a:endParaRPr lang="zh-CN" altLang="en-US" sz="1200">
+              <a:sym typeface="+mn-ea"/>
+            </a:endParaRPr>
           </a:p>
         </p:txBody>
       </p:sp>
@@ -12120,6 +12554,9 @@
               </a:rPr>
               <a:t>cache line</a:t>
             </a:r>
+            <a:endParaRPr lang="zh-CN" altLang="en-US" sz="1200">
+              <a:sym typeface="+mn-ea"/>
+            </a:endParaRPr>
           </a:p>
         </p:txBody>
       </p:sp>
@@ -12263,6 +12700,7 @@
               <a:rPr lang="en-US" altLang="zh-CN"/>
               <a:t>CPU</a:t>
             </a:r>
+            <a:endParaRPr lang="en-US" altLang="zh-CN"/>
           </a:p>
         </p:txBody>
       </p:sp>
@@ -12306,6 +12744,7 @@
               <a:rPr lang="en-US" altLang="zh-CN"/>
               <a:t>CPU</a:t>
             </a:r>
+            <a:endParaRPr lang="en-US" altLang="zh-CN"/>
           </a:p>
         </p:txBody>
       </p:sp>
@@ -12349,6 +12788,7 @@
               <a:rPr lang="en-US" altLang="zh-CN"/>
               <a:t>CPU</a:t>
             </a:r>
+            <a:endParaRPr lang="en-US" altLang="zh-CN"/>
           </a:p>
         </p:txBody>
       </p:sp>
@@ -12392,6 +12832,7 @@
               <a:rPr lang="en-US" altLang="zh-CN"/>
               <a:t>bus</a:t>
             </a:r>
+            <a:endParaRPr lang="en-US" altLang="zh-CN"/>
           </a:p>
         </p:txBody>
       </p:sp>
@@ -12468,6 +12909,7 @@
               <a:rPr lang="en-US" altLang="zh-CN"/>
               <a:t>Modied</a:t>
             </a:r>
+            <a:endParaRPr lang="en-US" altLang="zh-CN"/>
           </a:p>
         </p:txBody>
       </p:sp>
@@ -12511,6 +12953,7 @@
               <a:rPr lang="en-US" altLang="zh-CN"/>
               <a:t>Exclusive</a:t>
             </a:r>
+            <a:endParaRPr lang="en-US" altLang="zh-CN"/>
           </a:p>
         </p:txBody>
       </p:sp>
@@ -12554,6 +12997,7 @@
               <a:rPr lang="en-US" altLang="zh-CN"/>
               <a:t>Shared</a:t>
             </a:r>
+            <a:endParaRPr lang="en-US" altLang="zh-CN"/>
           </a:p>
         </p:txBody>
       </p:sp>
@@ -12597,6 +13041,7 @@
               <a:rPr lang="en-US" altLang="zh-CN"/>
               <a:t>Invalid</a:t>
             </a:r>
+            <a:endParaRPr lang="en-US" altLang="zh-CN"/>
           </a:p>
         </p:txBody>
       </p:sp>
@@ -12640,6 +13085,7 @@
               <a:rPr lang="en-US" altLang="zh-CN"/>
               <a:t>Memory</a:t>
             </a:r>
+            <a:endParaRPr lang="en-US" altLang="zh-CN"/>
           </a:p>
         </p:txBody>
       </p:sp>
@@ -12756,6 +13202,7 @@
               <a:rPr lang="en-US" altLang="zh-CN"/>
               <a:t> </a:t>
             </a:r>
+            <a:endParaRPr lang="en-US" altLang="zh-CN"/>
           </a:p>
         </p:txBody>
       </p:sp>
@@ -12785,6 +13232,7 @@
               <a:rPr lang="zh-CN" altLang="en-US" sz="1000"/>
               <a:t>地址线</a:t>
             </a:r>
+            <a:endParaRPr lang="zh-CN" altLang="en-US" sz="1000"/>
           </a:p>
         </p:txBody>
       </p:sp>
@@ -12828,6 +13276,7 @@
               <a:rPr lang="en-US" altLang="zh-CN"/>
               <a:t> </a:t>
             </a:r>
+            <a:endParaRPr lang="en-US" altLang="zh-CN"/>
           </a:p>
         </p:txBody>
       </p:sp>
@@ -12871,6 +13320,7 @@
               <a:rPr lang="en-US" altLang="zh-CN"/>
               <a:t> </a:t>
             </a:r>
+            <a:endParaRPr lang="en-US" altLang="zh-CN"/>
           </a:p>
         </p:txBody>
       </p:sp>
@@ -12900,6 +13350,7 @@
               <a:rPr lang="zh-CN" altLang="en-US" sz="1000"/>
               <a:t>控制线</a:t>
             </a:r>
+            <a:endParaRPr lang="zh-CN" altLang="en-US" sz="1000"/>
           </a:p>
         </p:txBody>
       </p:sp>
@@ -12929,6 +13380,7 @@
               <a:rPr lang="zh-CN" altLang="en-US" sz="1000"/>
               <a:t>数据线</a:t>
             </a:r>
+            <a:endParaRPr lang="zh-CN" altLang="en-US" sz="1000"/>
           </a:p>
         </p:txBody>
       </p:sp>
@@ -12986,6 +13438,11 @@
               </a:rPr>
               <a:t>）</a:t>
             </a:r>
+            <a:endParaRPr lang="zh-CN" altLang="en-US" sz="1000">
+              <a:solidFill>
+                <a:schemeClr val="bg1"/>
+              </a:solidFill>
+            </a:endParaRPr>
           </a:p>
         </p:txBody>
       </p:sp>
@@ -13021,6 +13478,12 @@
               </a:rPr>
               <a:t>CPU</a:t>
             </a:r>
+            <a:endParaRPr lang="en-US" altLang="zh-CN">
+              <a:solidFill>
+                <a:schemeClr val="bg1"/>
+              </a:solidFill>
+              <a:sym typeface="+mn-ea"/>
+            </a:endParaRPr>
           </a:p>
         </p:txBody>
       </p:sp>
@@ -13149,6 +13612,7 @@
               <a:rPr lang="en-US" altLang="zh-CN" sz="900"/>
               <a:t>A</a:t>
             </a:r>
+            <a:endParaRPr lang="en-US" altLang="zh-CN" sz="900"/>
           </a:p>
         </p:txBody>
       </p:sp>
@@ -13200,6 +13664,7 @@
               <a:rPr lang="en-US" altLang="zh-CN" sz="900"/>
               <a:t>B</a:t>
             </a:r>
+            <a:endParaRPr lang="en-US" altLang="zh-CN" sz="900"/>
           </a:p>
         </p:txBody>
       </p:sp>
@@ -13252,6 +13717,7 @@
               <a:rPr lang="en-US" altLang="zh-CN" sz="900"/>
               <a:t>C</a:t>
             </a:r>
+            <a:endParaRPr lang="en-US" altLang="zh-CN" sz="900"/>
           </a:p>
         </p:txBody>
       </p:sp>
@@ -13426,6 +13892,7 @@
               <a:rPr lang="zh-CN" altLang="en-US" sz="1000"/>
               <a:t>执行中</a:t>
             </a:r>
+            <a:endParaRPr lang="zh-CN" altLang="en-US" sz="1000"/>
           </a:p>
         </p:txBody>
       </p:sp>
@@ -13455,6 +13922,7 @@
               <a:rPr lang="zh-CN" altLang="en-US" sz="1000"/>
               <a:t>执行完毕</a:t>
             </a:r>
+            <a:endParaRPr lang="zh-CN" altLang="en-US" sz="1000"/>
           </a:p>
         </p:txBody>
       </p:sp>
@@ -13484,6 +13952,7 @@
               <a:rPr lang="zh-CN" altLang="en-US" sz="1000"/>
               <a:t>未执行</a:t>
             </a:r>
+            <a:endParaRPr lang="zh-CN" altLang="en-US" sz="1000"/>
           </a:p>
         </p:txBody>
       </p:sp>
@@ -13567,6 +14036,7 @@
               <a:rPr lang="zh-CN" altLang="en-US" sz="1200"/>
               <a:t>指令</a:t>
             </a:r>
+            <a:endParaRPr lang="zh-CN" altLang="en-US" sz="1200"/>
           </a:p>
         </p:txBody>
       </p:sp>
@@ -13610,6 +14080,7 @@
               <a:rPr lang="zh-CN" altLang="en-US" sz="1200"/>
               <a:t>数据</a:t>
             </a:r>
+            <a:endParaRPr lang="zh-CN" altLang="en-US" sz="1200"/>
           </a:p>
         </p:txBody>
       </p:sp>
@@ -13653,6 +14124,7 @@
               <a:rPr lang="zh-CN" altLang="en-US" sz="1200"/>
               <a:t>地址信息</a:t>
             </a:r>
+            <a:endParaRPr lang="zh-CN" altLang="en-US" sz="1200"/>
           </a:p>
         </p:txBody>
       </p:sp>
@@ -13688,9 +14160,2450 @@
               </a:rPr>
               <a:t>内存</a:t>
             </a:r>
-          </a:p>
-        </p:txBody>
-      </p:sp>
+            <a:endParaRPr lang="zh-CN" altLang="en-US">
+              <a:solidFill>
+                <a:schemeClr val="bg1"/>
+              </a:solidFill>
+              <a:sym typeface="+mn-ea"/>
+            </a:endParaRPr>
+          </a:p>
+        </p:txBody>
+      </p:sp>
+    </p:spTree>
+  </p:cSld>
+  <p:clrMapOvr>
+    <a:masterClrMapping/>
+  </p:clrMapOvr>
+</p:sld>
+</file>
+
+<file path=ppt/slides/slide17.xml><?xml version="1.0" encoding="utf-8"?>
+<p:sld xmlns:a="http://schemas.openxmlformats.org/drawingml/2006/main" xmlns:r="http://schemas.openxmlformats.org/officeDocument/2006/relationships" xmlns:p="http://schemas.openxmlformats.org/presentationml/2006/main">
+  <p:cSld>
+    <p:bg>
+      <p:bgPr>
+        <a:solidFill>
+          <a:schemeClr val="bg2"/>
+        </a:solidFill>
+        <a:effectLst/>
+      </p:bgPr>
+    </p:bg>
+    <p:spTree>
+      <p:nvGrpSpPr>
+        <p:cNvPr id="1" name=""/>
+        <p:cNvGrpSpPr/>
+        <p:nvPr/>
+      </p:nvGrpSpPr>
+      <p:grpSpPr>
+        <a:xfrm>
+          <a:off x="0" y="0"/>
+          <a:ext cx="0" cy="0"/>
+          <a:chOff x="0" y="0"/>
+          <a:chExt cx="0" cy="0"/>
+        </a:xfrm>
+      </p:grpSpPr>
+      <p:sp>
+        <p:nvSpPr>
+          <p:cNvPr id="31" name="矩形 30"/>
+          <p:cNvSpPr/>
+          <p:nvPr/>
+        </p:nvSpPr>
+        <p:spPr>
+          <a:xfrm>
+            <a:off x="448310" y="2399665"/>
+            <a:ext cx="871855" cy="452120"/>
+          </a:xfrm>
+          <a:prstGeom prst="rect">
+            <a:avLst/>
+          </a:prstGeom>
+          <a:solidFill>
+            <a:srgbClr val="00B050"/>
+          </a:solidFill>
+        </p:spPr>
+        <p:style>
+          <a:lnRef idx="2">
+            <a:schemeClr val="accent1">
+              <a:shade val="50000"/>
+            </a:schemeClr>
+          </a:lnRef>
+          <a:fillRef idx="1">
+            <a:schemeClr val="accent1"/>
+          </a:fillRef>
+          <a:effectRef idx="0">
+            <a:schemeClr val="accent1"/>
+          </a:effectRef>
+          <a:fontRef idx="minor">
+            <a:schemeClr val="lt1"/>
+          </a:fontRef>
+        </p:style>
+        <p:txBody>
+          <a:bodyPr rtlCol="0" anchor="ctr"/>
+          <a:p>
+            <a:pPr algn="ctr"/>
+            <a:r>
+              <a:rPr lang="zh-CN" altLang="en-US"/>
+              <a:t>洗水壶</a:t>
+            </a:r>
+            <a:endParaRPr lang="zh-CN" altLang="en-US"/>
+          </a:p>
+        </p:txBody>
+      </p:sp>
+      <p:sp>
+        <p:nvSpPr>
+          <p:cNvPr id="33" name="矩形 32"/>
+          <p:cNvSpPr/>
+          <p:nvPr/>
+        </p:nvSpPr>
+        <p:spPr>
+          <a:xfrm>
+            <a:off x="1320165" y="2399665"/>
+            <a:ext cx="1997075" cy="452120"/>
+          </a:xfrm>
+          <a:prstGeom prst="rect">
+            <a:avLst/>
+          </a:prstGeom>
+          <a:solidFill>
+            <a:schemeClr val="accent1"/>
+          </a:solidFill>
+        </p:spPr>
+        <p:style>
+          <a:lnRef idx="2">
+            <a:schemeClr val="accent1">
+              <a:shade val="50000"/>
+            </a:schemeClr>
+          </a:lnRef>
+          <a:fillRef idx="1">
+            <a:schemeClr val="accent1"/>
+          </a:fillRef>
+          <a:effectRef idx="0">
+            <a:schemeClr val="accent1"/>
+          </a:effectRef>
+          <a:fontRef idx="minor">
+            <a:schemeClr val="lt1"/>
+          </a:fontRef>
+        </p:style>
+        <p:txBody>
+          <a:bodyPr rtlCol="0" anchor="ctr"/>
+          <a:p>
+            <a:pPr algn="ctr"/>
+            <a:r>
+              <a:rPr lang="zh-CN" altLang="en-US"/>
+              <a:t>烧开水</a:t>
+            </a:r>
+            <a:endParaRPr lang="zh-CN" altLang="en-US"/>
+          </a:p>
+        </p:txBody>
+      </p:sp>
+      <p:sp>
+        <p:nvSpPr>
+          <p:cNvPr id="47" name="矩形 46"/>
+          <p:cNvSpPr/>
+          <p:nvPr/>
+        </p:nvSpPr>
+        <p:spPr>
+          <a:xfrm>
+            <a:off x="3317240" y="2399665"/>
+            <a:ext cx="871855" cy="452120"/>
+          </a:xfrm>
+          <a:prstGeom prst="rect">
+            <a:avLst/>
+          </a:prstGeom>
+          <a:solidFill>
+            <a:schemeClr val="accent5"/>
+          </a:solidFill>
+        </p:spPr>
+        <p:style>
+          <a:lnRef idx="2">
+            <a:schemeClr val="accent1">
+              <a:shade val="50000"/>
+            </a:schemeClr>
+          </a:lnRef>
+          <a:fillRef idx="1">
+            <a:schemeClr val="accent1"/>
+          </a:fillRef>
+          <a:effectRef idx="0">
+            <a:schemeClr val="accent1"/>
+          </a:effectRef>
+          <a:fontRef idx="minor">
+            <a:schemeClr val="lt1"/>
+          </a:fontRef>
+        </p:style>
+        <p:txBody>
+          <a:bodyPr rtlCol="0" anchor="ctr"/>
+          <a:p>
+            <a:pPr algn="ctr"/>
+            <a:r>
+              <a:rPr lang="zh-CN" altLang="en-US">
+                <a:sym typeface="+mn-ea"/>
+              </a:rPr>
+              <a:t>洗茶壶</a:t>
+            </a:r>
+            <a:endParaRPr lang="zh-CN" altLang="en-US"/>
+          </a:p>
+        </p:txBody>
+      </p:sp>
+      <p:sp>
+        <p:nvSpPr>
+          <p:cNvPr id="48" name="矩形 47"/>
+          <p:cNvSpPr/>
+          <p:nvPr/>
+        </p:nvSpPr>
+        <p:spPr>
+          <a:xfrm>
+            <a:off x="4189095" y="2399665"/>
+            <a:ext cx="871855" cy="452120"/>
+          </a:xfrm>
+          <a:prstGeom prst="rect">
+            <a:avLst/>
+          </a:prstGeom>
+        </p:spPr>
+        <p:style>
+          <a:lnRef idx="2">
+            <a:schemeClr val="accent2">
+              <a:shade val="50000"/>
+            </a:schemeClr>
+          </a:lnRef>
+          <a:fillRef idx="1">
+            <a:schemeClr val="accent2"/>
+          </a:fillRef>
+          <a:effectRef idx="0">
+            <a:schemeClr val="accent2"/>
+          </a:effectRef>
+          <a:fontRef idx="minor">
+            <a:schemeClr val="lt1"/>
+          </a:fontRef>
+        </p:style>
+        <p:txBody>
+          <a:bodyPr rtlCol="0" anchor="ctr"/>
+          <a:p>
+            <a:pPr algn="ctr"/>
+            <a:r>
+              <a:rPr lang="zh-CN" altLang="en-US">
+                <a:sym typeface="+mn-ea"/>
+              </a:rPr>
+              <a:t>洗茶杯</a:t>
+            </a:r>
+            <a:endParaRPr lang="zh-CN" altLang="en-US"/>
+          </a:p>
+        </p:txBody>
+      </p:sp>
+      <p:sp>
+        <p:nvSpPr>
+          <p:cNvPr id="49" name="矩形 48"/>
+          <p:cNvSpPr/>
+          <p:nvPr/>
+        </p:nvSpPr>
+        <p:spPr>
+          <a:xfrm>
+            <a:off x="5060950" y="2399665"/>
+            <a:ext cx="871855" cy="452120"/>
+          </a:xfrm>
+          <a:prstGeom prst="rect">
+            <a:avLst/>
+          </a:prstGeom>
+          <a:solidFill>
+            <a:srgbClr val="C00000"/>
+          </a:solidFill>
+        </p:spPr>
+        <p:style>
+          <a:lnRef idx="2">
+            <a:schemeClr val="accent1">
+              <a:shade val="50000"/>
+            </a:schemeClr>
+          </a:lnRef>
+          <a:fillRef idx="1">
+            <a:schemeClr val="accent1"/>
+          </a:fillRef>
+          <a:effectRef idx="0">
+            <a:schemeClr val="accent1"/>
+          </a:effectRef>
+          <a:fontRef idx="minor">
+            <a:schemeClr val="lt1"/>
+          </a:fontRef>
+        </p:style>
+        <p:txBody>
+          <a:bodyPr rtlCol="0" anchor="ctr"/>
+          <a:p>
+            <a:pPr algn="ctr"/>
+            <a:r>
+              <a:rPr lang="zh-CN" altLang="en-US">
+                <a:sym typeface="+mn-ea"/>
+              </a:rPr>
+              <a:t>拿茶叶</a:t>
+            </a:r>
+            <a:endParaRPr lang="zh-CN" altLang="en-US"/>
+          </a:p>
+        </p:txBody>
+      </p:sp>
+      <p:sp>
+        <p:nvSpPr>
+          <p:cNvPr id="50" name="矩形 49"/>
+          <p:cNvSpPr/>
+          <p:nvPr/>
+        </p:nvSpPr>
+        <p:spPr>
+          <a:xfrm>
+            <a:off x="5932805" y="2399665"/>
+            <a:ext cx="871855" cy="452120"/>
+          </a:xfrm>
+          <a:prstGeom prst="rect">
+            <a:avLst/>
+          </a:prstGeom>
+          <a:solidFill>
+            <a:schemeClr val="accent3">
+              <a:lumMod val="50000"/>
+            </a:schemeClr>
+          </a:solidFill>
+        </p:spPr>
+        <p:style>
+          <a:lnRef idx="2">
+            <a:schemeClr val="accent1">
+              <a:shade val="50000"/>
+            </a:schemeClr>
+          </a:lnRef>
+          <a:fillRef idx="1">
+            <a:schemeClr val="accent1"/>
+          </a:fillRef>
+          <a:effectRef idx="0">
+            <a:schemeClr val="accent1"/>
+          </a:effectRef>
+          <a:fontRef idx="minor">
+            <a:schemeClr val="lt1"/>
+          </a:fontRef>
+        </p:style>
+        <p:txBody>
+          <a:bodyPr rtlCol="0" anchor="ctr"/>
+          <a:p>
+            <a:pPr algn="ctr"/>
+            <a:r>
+              <a:rPr lang="zh-CN" altLang="en-US">
+                <a:sym typeface="+mn-ea"/>
+              </a:rPr>
+              <a:t>泡茶</a:t>
+            </a:r>
+            <a:endParaRPr lang="zh-CN" altLang="en-US"/>
+          </a:p>
+        </p:txBody>
+      </p:sp>
+      <p:sp>
+        <p:nvSpPr>
+          <p:cNvPr id="51" name="矩形 50"/>
+          <p:cNvSpPr/>
+          <p:nvPr/>
+        </p:nvSpPr>
+        <p:spPr>
+          <a:xfrm>
+            <a:off x="448310" y="3312160"/>
+            <a:ext cx="871855" cy="452120"/>
+          </a:xfrm>
+          <a:prstGeom prst="rect">
+            <a:avLst/>
+          </a:prstGeom>
+          <a:solidFill>
+            <a:srgbClr val="00B050"/>
+          </a:solidFill>
+        </p:spPr>
+        <p:style>
+          <a:lnRef idx="2">
+            <a:schemeClr val="accent1">
+              <a:shade val="50000"/>
+            </a:schemeClr>
+          </a:lnRef>
+          <a:fillRef idx="1">
+            <a:schemeClr val="accent1"/>
+          </a:fillRef>
+          <a:effectRef idx="0">
+            <a:schemeClr val="accent1"/>
+          </a:effectRef>
+          <a:fontRef idx="minor">
+            <a:schemeClr val="lt1"/>
+          </a:fontRef>
+        </p:style>
+        <p:txBody>
+          <a:bodyPr rtlCol="0" anchor="ctr"/>
+          <a:p>
+            <a:pPr algn="ctr"/>
+            <a:r>
+              <a:rPr lang="zh-CN" altLang="en-US"/>
+              <a:t>洗水壶</a:t>
+            </a:r>
+            <a:endParaRPr lang="zh-CN" altLang="en-US"/>
+          </a:p>
+        </p:txBody>
+      </p:sp>
+      <p:sp>
+        <p:nvSpPr>
+          <p:cNvPr id="52" name="矩形 51"/>
+          <p:cNvSpPr/>
+          <p:nvPr/>
+        </p:nvSpPr>
+        <p:spPr>
+          <a:xfrm>
+            <a:off x="1320165" y="3312160"/>
+            <a:ext cx="1997075" cy="452120"/>
+          </a:xfrm>
+          <a:prstGeom prst="rect">
+            <a:avLst/>
+          </a:prstGeom>
+          <a:solidFill>
+            <a:schemeClr val="accent1"/>
+          </a:solidFill>
+        </p:spPr>
+        <p:style>
+          <a:lnRef idx="2">
+            <a:schemeClr val="accent1">
+              <a:shade val="50000"/>
+            </a:schemeClr>
+          </a:lnRef>
+          <a:fillRef idx="1">
+            <a:schemeClr val="accent1"/>
+          </a:fillRef>
+          <a:effectRef idx="0">
+            <a:schemeClr val="accent1"/>
+          </a:effectRef>
+          <a:fontRef idx="minor">
+            <a:schemeClr val="lt1"/>
+          </a:fontRef>
+        </p:style>
+        <p:txBody>
+          <a:bodyPr rtlCol="0" anchor="ctr"/>
+          <a:p>
+            <a:pPr algn="ctr"/>
+            <a:r>
+              <a:rPr lang="zh-CN" altLang="en-US"/>
+              <a:t>烧开水</a:t>
+            </a:r>
+            <a:endParaRPr lang="zh-CN" altLang="en-US"/>
+          </a:p>
+        </p:txBody>
+      </p:sp>
+      <p:sp>
+        <p:nvSpPr>
+          <p:cNvPr id="53" name="矩形 52"/>
+          <p:cNvSpPr/>
+          <p:nvPr/>
+        </p:nvSpPr>
+        <p:spPr>
+          <a:xfrm>
+            <a:off x="1320165" y="3764280"/>
+            <a:ext cx="871855" cy="452120"/>
+          </a:xfrm>
+          <a:prstGeom prst="rect">
+            <a:avLst/>
+          </a:prstGeom>
+          <a:solidFill>
+            <a:schemeClr val="accent5"/>
+          </a:solidFill>
+        </p:spPr>
+        <p:style>
+          <a:lnRef idx="2">
+            <a:schemeClr val="accent1">
+              <a:shade val="50000"/>
+            </a:schemeClr>
+          </a:lnRef>
+          <a:fillRef idx="1">
+            <a:schemeClr val="accent1"/>
+          </a:fillRef>
+          <a:effectRef idx="0">
+            <a:schemeClr val="accent1"/>
+          </a:effectRef>
+          <a:fontRef idx="minor">
+            <a:schemeClr val="lt1"/>
+          </a:fontRef>
+        </p:style>
+        <p:txBody>
+          <a:bodyPr rtlCol="0" anchor="ctr"/>
+          <a:p>
+            <a:pPr algn="ctr"/>
+            <a:r>
+              <a:rPr lang="zh-CN" altLang="en-US">
+                <a:sym typeface="+mn-ea"/>
+              </a:rPr>
+              <a:t>洗茶壶</a:t>
+            </a:r>
+            <a:endParaRPr lang="zh-CN" altLang="en-US"/>
+          </a:p>
+        </p:txBody>
+      </p:sp>
+      <p:sp>
+        <p:nvSpPr>
+          <p:cNvPr id="54" name="矩形 53"/>
+          <p:cNvSpPr/>
+          <p:nvPr/>
+        </p:nvSpPr>
+        <p:spPr>
+          <a:xfrm>
+            <a:off x="2192020" y="3764280"/>
+            <a:ext cx="871855" cy="452120"/>
+          </a:xfrm>
+          <a:prstGeom prst="rect">
+            <a:avLst/>
+          </a:prstGeom>
+        </p:spPr>
+        <p:style>
+          <a:lnRef idx="2">
+            <a:schemeClr val="accent2">
+              <a:shade val="50000"/>
+            </a:schemeClr>
+          </a:lnRef>
+          <a:fillRef idx="1">
+            <a:schemeClr val="accent2"/>
+          </a:fillRef>
+          <a:effectRef idx="0">
+            <a:schemeClr val="accent2"/>
+          </a:effectRef>
+          <a:fontRef idx="minor">
+            <a:schemeClr val="lt1"/>
+          </a:fontRef>
+        </p:style>
+        <p:txBody>
+          <a:bodyPr rtlCol="0" anchor="ctr"/>
+          <a:p>
+            <a:pPr algn="ctr"/>
+            <a:r>
+              <a:rPr lang="zh-CN" altLang="en-US">
+                <a:sym typeface="+mn-ea"/>
+              </a:rPr>
+              <a:t>洗茶杯</a:t>
+            </a:r>
+            <a:endParaRPr lang="zh-CN" altLang="en-US"/>
+          </a:p>
+        </p:txBody>
+      </p:sp>
+      <p:sp>
+        <p:nvSpPr>
+          <p:cNvPr id="55" name="矩形 54"/>
+          <p:cNvSpPr/>
+          <p:nvPr/>
+        </p:nvSpPr>
+        <p:spPr>
+          <a:xfrm>
+            <a:off x="3317240" y="3312160"/>
+            <a:ext cx="871855" cy="452120"/>
+          </a:xfrm>
+          <a:prstGeom prst="rect">
+            <a:avLst/>
+          </a:prstGeom>
+          <a:solidFill>
+            <a:srgbClr val="C00000"/>
+          </a:solidFill>
+        </p:spPr>
+        <p:style>
+          <a:lnRef idx="2">
+            <a:schemeClr val="accent1">
+              <a:shade val="50000"/>
+            </a:schemeClr>
+          </a:lnRef>
+          <a:fillRef idx="1">
+            <a:schemeClr val="accent1"/>
+          </a:fillRef>
+          <a:effectRef idx="0">
+            <a:schemeClr val="accent1"/>
+          </a:effectRef>
+          <a:fontRef idx="minor">
+            <a:schemeClr val="lt1"/>
+          </a:fontRef>
+        </p:style>
+        <p:txBody>
+          <a:bodyPr rtlCol="0" anchor="ctr"/>
+          <a:p>
+            <a:pPr algn="ctr"/>
+            <a:r>
+              <a:rPr lang="zh-CN" altLang="en-US">
+                <a:sym typeface="+mn-ea"/>
+              </a:rPr>
+              <a:t>拿茶叶</a:t>
+            </a:r>
+            <a:endParaRPr lang="zh-CN" altLang="en-US"/>
+          </a:p>
+        </p:txBody>
+      </p:sp>
+      <p:sp>
+        <p:nvSpPr>
+          <p:cNvPr id="56" name="矩形 55"/>
+          <p:cNvSpPr/>
+          <p:nvPr/>
+        </p:nvSpPr>
+        <p:spPr>
+          <a:xfrm>
+            <a:off x="4189095" y="3312160"/>
+            <a:ext cx="871855" cy="452120"/>
+          </a:xfrm>
+          <a:prstGeom prst="rect">
+            <a:avLst/>
+          </a:prstGeom>
+          <a:solidFill>
+            <a:schemeClr val="accent3">
+              <a:lumMod val="50000"/>
+            </a:schemeClr>
+          </a:solidFill>
+        </p:spPr>
+        <p:style>
+          <a:lnRef idx="2">
+            <a:schemeClr val="accent1">
+              <a:shade val="50000"/>
+            </a:schemeClr>
+          </a:lnRef>
+          <a:fillRef idx="1">
+            <a:schemeClr val="accent1"/>
+          </a:fillRef>
+          <a:effectRef idx="0">
+            <a:schemeClr val="accent1"/>
+          </a:effectRef>
+          <a:fontRef idx="minor">
+            <a:schemeClr val="lt1"/>
+          </a:fontRef>
+        </p:style>
+        <p:txBody>
+          <a:bodyPr rtlCol="0" anchor="ctr"/>
+          <a:p>
+            <a:pPr algn="ctr"/>
+            <a:r>
+              <a:rPr lang="zh-CN" altLang="en-US">
+                <a:sym typeface="+mn-ea"/>
+              </a:rPr>
+              <a:t>泡茶</a:t>
+            </a:r>
+            <a:endParaRPr lang="zh-CN" altLang="en-US"/>
+          </a:p>
+        </p:txBody>
+      </p:sp>
+    </p:spTree>
+  </p:cSld>
+  <p:clrMapOvr>
+    <a:masterClrMapping/>
+  </p:clrMapOvr>
+</p:sld>
+</file>
+
+<file path=ppt/slides/slide18.xml><?xml version="1.0" encoding="utf-8"?>
+<p:sld xmlns:a="http://schemas.openxmlformats.org/drawingml/2006/main" xmlns:r="http://schemas.openxmlformats.org/officeDocument/2006/relationships" xmlns:p="http://schemas.openxmlformats.org/presentationml/2006/main">
+  <p:cSld>
+    <p:bg>
+      <p:bgPr>
+        <a:solidFill>
+          <a:schemeClr val="bg2"/>
+        </a:solidFill>
+        <a:effectLst/>
+      </p:bgPr>
+    </p:bg>
+    <p:spTree>
+      <p:nvGrpSpPr>
+        <p:cNvPr id="1" name=""/>
+        <p:cNvGrpSpPr/>
+        <p:nvPr/>
+      </p:nvGrpSpPr>
+      <p:grpSpPr>
+        <a:xfrm>
+          <a:off x="0" y="0"/>
+          <a:ext cx="0" cy="0"/>
+          <a:chOff x="0" y="0"/>
+          <a:chExt cx="0" cy="0"/>
+        </a:xfrm>
+      </p:grpSpPr>
+      <p:sp>
+        <p:nvSpPr>
+          <p:cNvPr id="2" name="矩形 1"/>
+          <p:cNvSpPr/>
+          <p:nvPr/>
+        </p:nvSpPr>
+        <p:spPr>
+          <a:xfrm>
+            <a:off x="579120" y="1379220"/>
+            <a:ext cx="1097280" cy="434340"/>
+          </a:xfrm>
+          <a:prstGeom prst="rect">
+            <a:avLst/>
+          </a:prstGeom>
+        </p:spPr>
+        <p:style>
+          <a:lnRef idx="2">
+            <a:schemeClr val="accent2">
+              <a:shade val="50000"/>
+            </a:schemeClr>
+          </a:lnRef>
+          <a:fillRef idx="1">
+            <a:schemeClr val="accent2"/>
+          </a:fillRef>
+          <a:effectRef idx="0">
+            <a:schemeClr val="accent2"/>
+          </a:effectRef>
+          <a:fontRef idx="minor">
+            <a:schemeClr val="lt1"/>
+          </a:fontRef>
+        </p:style>
+        <p:txBody>
+          <a:bodyPr rtlCol="0" anchor="ctr"/>
+          <a:p>
+            <a:pPr algn="ctr"/>
+            <a:r>
+              <a:rPr lang="en-US" altLang="zh-CN"/>
+              <a:t>Java </a:t>
+            </a:r>
+            <a:r>
+              <a:rPr lang="zh-CN" altLang="en-US"/>
+              <a:t>线程</a:t>
+            </a:r>
+            <a:endParaRPr lang="zh-CN" altLang="en-US"/>
+          </a:p>
+        </p:txBody>
+      </p:sp>
+      <p:sp>
+        <p:nvSpPr>
+          <p:cNvPr id="3" name="矩形 2"/>
+          <p:cNvSpPr/>
+          <p:nvPr/>
+        </p:nvSpPr>
+        <p:spPr>
+          <a:xfrm>
+            <a:off x="579120" y="2298700"/>
+            <a:ext cx="1097280" cy="434340"/>
+          </a:xfrm>
+          <a:prstGeom prst="rect">
+            <a:avLst/>
+          </a:prstGeom>
+        </p:spPr>
+        <p:style>
+          <a:lnRef idx="2">
+            <a:schemeClr val="accent2">
+              <a:shade val="50000"/>
+            </a:schemeClr>
+          </a:lnRef>
+          <a:fillRef idx="1">
+            <a:schemeClr val="accent2"/>
+          </a:fillRef>
+          <a:effectRef idx="0">
+            <a:schemeClr val="accent2"/>
+          </a:effectRef>
+          <a:fontRef idx="minor">
+            <a:schemeClr val="lt1"/>
+          </a:fontRef>
+        </p:style>
+        <p:txBody>
+          <a:bodyPr rtlCol="0" anchor="ctr"/>
+          <a:p>
+            <a:pPr algn="ctr"/>
+            <a:r>
+              <a:rPr lang="en-US" altLang="zh-CN"/>
+              <a:t>Java </a:t>
+            </a:r>
+            <a:r>
+              <a:rPr lang="zh-CN" altLang="en-US"/>
+              <a:t>线程</a:t>
+            </a:r>
+            <a:endParaRPr lang="zh-CN" altLang="en-US"/>
+          </a:p>
+        </p:txBody>
+      </p:sp>
+      <p:sp>
+        <p:nvSpPr>
+          <p:cNvPr id="4" name="矩形 3"/>
+          <p:cNvSpPr/>
+          <p:nvPr/>
+        </p:nvSpPr>
+        <p:spPr>
+          <a:xfrm>
+            <a:off x="579120" y="3210560"/>
+            <a:ext cx="1097280" cy="434340"/>
+          </a:xfrm>
+          <a:prstGeom prst="rect">
+            <a:avLst/>
+          </a:prstGeom>
+        </p:spPr>
+        <p:style>
+          <a:lnRef idx="2">
+            <a:schemeClr val="accent2">
+              <a:shade val="50000"/>
+            </a:schemeClr>
+          </a:lnRef>
+          <a:fillRef idx="1">
+            <a:schemeClr val="accent2"/>
+          </a:fillRef>
+          <a:effectRef idx="0">
+            <a:schemeClr val="accent2"/>
+          </a:effectRef>
+          <a:fontRef idx="minor">
+            <a:schemeClr val="lt1"/>
+          </a:fontRef>
+        </p:style>
+        <p:txBody>
+          <a:bodyPr rtlCol="0" anchor="ctr"/>
+          <a:p>
+            <a:pPr algn="ctr"/>
+            <a:r>
+              <a:rPr lang="en-US" altLang="zh-CN"/>
+              <a:t>Java </a:t>
+            </a:r>
+            <a:r>
+              <a:rPr lang="zh-CN" altLang="en-US"/>
+              <a:t>线程</a:t>
+            </a:r>
+            <a:endParaRPr lang="zh-CN" altLang="en-US"/>
+          </a:p>
+        </p:txBody>
+      </p:sp>
+      <p:sp>
+        <p:nvSpPr>
+          <p:cNvPr id="6" name="矩形 5"/>
+          <p:cNvSpPr/>
+          <p:nvPr/>
+        </p:nvSpPr>
+        <p:spPr>
+          <a:xfrm>
+            <a:off x="2778760" y="1379220"/>
+            <a:ext cx="1097280" cy="434340"/>
+          </a:xfrm>
+          <a:prstGeom prst="rect">
+            <a:avLst/>
+          </a:prstGeom>
+        </p:spPr>
+        <p:style>
+          <a:lnRef idx="2">
+            <a:schemeClr val="accent1">
+              <a:shade val="50000"/>
+            </a:schemeClr>
+          </a:lnRef>
+          <a:fillRef idx="1">
+            <a:schemeClr val="accent1"/>
+          </a:fillRef>
+          <a:effectRef idx="0">
+            <a:schemeClr val="accent1"/>
+          </a:effectRef>
+          <a:fontRef idx="minor">
+            <a:schemeClr val="lt1"/>
+          </a:fontRef>
+        </p:style>
+        <p:txBody>
+          <a:bodyPr rtlCol="0" anchor="ctr"/>
+          <a:p>
+            <a:pPr algn="ctr"/>
+            <a:r>
+              <a:rPr lang="zh-CN"/>
+              <a:t>工作内存</a:t>
+            </a:r>
+            <a:endParaRPr lang="zh-CN"/>
+          </a:p>
+        </p:txBody>
+      </p:sp>
+      <p:sp>
+        <p:nvSpPr>
+          <p:cNvPr id="7" name="矩形 6"/>
+          <p:cNvSpPr/>
+          <p:nvPr/>
+        </p:nvSpPr>
+        <p:spPr>
+          <a:xfrm>
+            <a:off x="2778760" y="2298700"/>
+            <a:ext cx="1097280" cy="434340"/>
+          </a:xfrm>
+          <a:prstGeom prst="rect">
+            <a:avLst/>
+          </a:prstGeom>
+        </p:spPr>
+        <p:style>
+          <a:lnRef idx="2">
+            <a:schemeClr val="accent1">
+              <a:shade val="50000"/>
+            </a:schemeClr>
+          </a:lnRef>
+          <a:fillRef idx="1">
+            <a:schemeClr val="accent1"/>
+          </a:fillRef>
+          <a:effectRef idx="0">
+            <a:schemeClr val="accent1"/>
+          </a:effectRef>
+          <a:fontRef idx="minor">
+            <a:schemeClr val="lt1"/>
+          </a:fontRef>
+        </p:style>
+        <p:txBody>
+          <a:bodyPr rtlCol="0" anchor="ctr"/>
+          <a:p>
+            <a:pPr algn="ctr"/>
+            <a:r>
+              <a:rPr lang="zh-CN"/>
+              <a:t>工作内存</a:t>
+            </a:r>
+            <a:endParaRPr lang="zh-CN"/>
+          </a:p>
+        </p:txBody>
+      </p:sp>
+      <p:sp>
+        <p:nvSpPr>
+          <p:cNvPr id="8" name="矩形 7"/>
+          <p:cNvSpPr/>
+          <p:nvPr/>
+        </p:nvSpPr>
+        <p:spPr>
+          <a:xfrm>
+            <a:off x="2778760" y="3210560"/>
+            <a:ext cx="1097280" cy="434340"/>
+          </a:xfrm>
+          <a:prstGeom prst="rect">
+            <a:avLst/>
+          </a:prstGeom>
+        </p:spPr>
+        <p:style>
+          <a:lnRef idx="2">
+            <a:schemeClr val="accent1">
+              <a:shade val="50000"/>
+            </a:schemeClr>
+          </a:lnRef>
+          <a:fillRef idx="1">
+            <a:schemeClr val="accent1"/>
+          </a:fillRef>
+          <a:effectRef idx="0">
+            <a:schemeClr val="accent1"/>
+          </a:effectRef>
+          <a:fontRef idx="minor">
+            <a:schemeClr val="lt1"/>
+          </a:fontRef>
+        </p:style>
+        <p:txBody>
+          <a:bodyPr rtlCol="0" anchor="ctr"/>
+          <a:p>
+            <a:pPr algn="ctr"/>
+            <a:r>
+              <a:rPr lang="zh-CN"/>
+              <a:t>工作内存</a:t>
+            </a:r>
+            <a:endParaRPr lang="zh-CN"/>
+          </a:p>
+        </p:txBody>
+      </p:sp>
+      <p:sp>
+        <p:nvSpPr>
+          <p:cNvPr id="9" name="矩形 8"/>
+          <p:cNvSpPr/>
+          <p:nvPr/>
+        </p:nvSpPr>
+        <p:spPr>
+          <a:xfrm>
+            <a:off x="5019675" y="1148715"/>
+            <a:ext cx="1029970" cy="2735580"/>
+          </a:xfrm>
+          <a:prstGeom prst="rect">
+            <a:avLst/>
+          </a:prstGeom>
+        </p:spPr>
+        <p:style>
+          <a:lnRef idx="2">
+            <a:schemeClr val="accent5">
+              <a:shade val="50000"/>
+            </a:schemeClr>
+          </a:lnRef>
+          <a:fillRef idx="1">
+            <a:schemeClr val="accent5"/>
+          </a:fillRef>
+          <a:effectRef idx="0">
+            <a:schemeClr val="accent5"/>
+          </a:effectRef>
+          <a:fontRef idx="minor">
+            <a:schemeClr val="lt1"/>
+          </a:fontRef>
+        </p:style>
+        <p:txBody>
+          <a:bodyPr rtlCol="0" anchor="ctr"/>
+          <a:p>
+            <a:pPr algn="ctr"/>
+            <a:r>
+              <a:rPr lang="en-US" altLang="zh-CN"/>
+              <a:t>Save</a:t>
+            </a:r>
+            <a:br>
+              <a:rPr lang="en-US" altLang="zh-CN"/>
+            </a:br>
+            <a:r>
+              <a:rPr lang="zh-CN" altLang="en-US"/>
+              <a:t>和 </a:t>
+            </a:r>
+            <a:br>
+              <a:rPr lang="zh-CN" altLang="en-US"/>
+            </a:br>
+            <a:r>
+              <a:rPr lang="en-US" altLang="zh-CN"/>
+              <a:t>Load</a:t>
+            </a:r>
+            <a:br>
+              <a:rPr lang="en-US" altLang="zh-CN"/>
+            </a:br>
+            <a:r>
+              <a:rPr lang="zh-CN" altLang="en-US"/>
+              <a:t>操作</a:t>
+            </a:r>
+            <a:endParaRPr lang="zh-CN" altLang="en-US"/>
+          </a:p>
+        </p:txBody>
+      </p:sp>
+      <p:sp>
+        <p:nvSpPr>
+          <p:cNvPr id="10" name="椭圆 9"/>
+          <p:cNvSpPr/>
+          <p:nvPr/>
+        </p:nvSpPr>
+        <p:spPr>
+          <a:xfrm>
+            <a:off x="6614160" y="1517650"/>
+            <a:ext cx="702310" cy="1996440"/>
+          </a:xfrm>
+          <a:prstGeom prst="ellipse">
+            <a:avLst/>
+          </a:prstGeom>
+        </p:spPr>
+        <p:style>
+          <a:lnRef idx="2">
+            <a:schemeClr val="accent6">
+              <a:shade val="50000"/>
+            </a:schemeClr>
+          </a:lnRef>
+          <a:fillRef idx="1">
+            <a:schemeClr val="accent6"/>
+          </a:fillRef>
+          <a:effectRef idx="0">
+            <a:schemeClr val="accent6"/>
+          </a:effectRef>
+          <a:fontRef idx="minor">
+            <a:schemeClr val="lt1"/>
+          </a:fontRef>
+        </p:style>
+        <p:txBody>
+          <a:bodyPr rtlCol="0" anchor="ctr"/>
+          <a:p>
+            <a:pPr algn="ctr"/>
+            <a:r>
+              <a:rPr lang="zh-CN" altLang="en-US"/>
+              <a:t>主</a:t>
+            </a:r>
+            <a:br>
+              <a:rPr lang="zh-CN" altLang="en-US"/>
+            </a:br>
+            <a:r>
+              <a:rPr lang="zh-CN" altLang="en-US"/>
+              <a:t>内</a:t>
+            </a:r>
+            <a:br>
+              <a:rPr lang="zh-CN" altLang="en-US"/>
+            </a:br>
+            <a:r>
+              <a:rPr lang="zh-CN" altLang="en-US"/>
+              <a:t>存</a:t>
+            </a:r>
+            <a:endParaRPr lang="zh-CN" altLang="en-US"/>
+          </a:p>
+        </p:txBody>
+      </p:sp>
+      <p:sp>
+        <p:nvSpPr>
+          <p:cNvPr id="11" name="左右箭头 10"/>
+          <p:cNvSpPr/>
+          <p:nvPr/>
+        </p:nvSpPr>
+        <p:spPr>
+          <a:xfrm>
+            <a:off x="1722120" y="1546860"/>
+            <a:ext cx="998220" cy="75565"/>
+          </a:xfrm>
+          <a:prstGeom prst="leftRightArrow">
+            <a:avLst/>
+          </a:prstGeom>
+          <a:ln>
+            <a:solidFill>
+              <a:schemeClr val="bg1">
+                <a:lumMod val="50000"/>
+              </a:schemeClr>
+            </a:solidFill>
+          </a:ln>
+        </p:spPr>
+        <p:style>
+          <a:lnRef idx="2">
+            <a:schemeClr val="accent6"/>
+          </a:lnRef>
+          <a:fillRef idx="1">
+            <a:schemeClr val="lt1"/>
+          </a:fillRef>
+          <a:effectRef idx="0">
+            <a:schemeClr val="accent6"/>
+          </a:effectRef>
+          <a:fontRef idx="minor">
+            <a:schemeClr val="dk1"/>
+          </a:fontRef>
+        </p:style>
+        <p:txBody>
+          <a:bodyPr rtlCol="0" anchor="ctr"/>
+          <a:p>
+            <a:pPr algn="ctr"/>
+            <a:endParaRPr lang="zh-CN" altLang="en-US"/>
+          </a:p>
+        </p:txBody>
+      </p:sp>
+      <p:sp>
+        <p:nvSpPr>
+          <p:cNvPr id="12" name="左右箭头 11"/>
+          <p:cNvSpPr/>
+          <p:nvPr/>
+        </p:nvSpPr>
+        <p:spPr>
+          <a:xfrm>
+            <a:off x="1722120" y="2478405"/>
+            <a:ext cx="998220" cy="75565"/>
+          </a:xfrm>
+          <a:prstGeom prst="leftRightArrow">
+            <a:avLst/>
+          </a:prstGeom>
+          <a:ln>
+            <a:solidFill>
+              <a:schemeClr val="bg1">
+                <a:lumMod val="50000"/>
+              </a:schemeClr>
+            </a:solidFill>
+          </a:ln>
+        </p:spPr>
+        <p:style>
+          <a:lnRef idx="2">
+            <a:schemeClr val="accent6"/>
+          </a:lnRef>
+          <a:fillRef idx="1">
+            <a:schemeClr val="lt1"/>
+          </a:fillRef>
+          <a:effectRef idx="0">
+            <a:schemeClr val="accent6"/>
+          </a:effectRef>
+          <a:fontRef idx="minor">
+            <a:schemeClr val="dk1"/>
+          </a:fontRef>
+        </p:style>
+        <p:txBody>
+          <a:bodyPr rtlCol="0" anchor="ctr"/>
+          <a:p>
+            <a:pPr algn="ctr"/>
+            <a:endParaRPr lang="zh-CN" altLang="en-US"/>
+          </a:p>
+        </p:txBody>
+      </p:sp>
+      <p:sp>
+        <p:nvSpPr>
+          <p:cNvPr id="13" name="左右箭头 12"/>
+          <p:cNvSpPr/>
+          <p:nvPr/>
+        </p:nvSpPr>
+        <p:spPr>
+          <a:xfrm>
+            <a:off x="1722120" y="3389630"/>
+            <a:ext cx="998220" cy="75565"/>
+          </a:xfrm>
+          <a:prstGeom prst="leftRightArrow">
+            <a:avLst/>
+          </a:prstGeom>
+          <a:ln>
+            <a:solidFill>
+              <a:schemeClr val="bg1">
+                <a:lumMod val="50000"/>
+              </a:schemeClr>
+            </a:solidFill>
+          </a:ln>
+        </p:spPr>
+        <p:style>
+          <a:lnRef idx="2">
+            <a:schemeClr val="accent6"/>
+          </a:lnRef>
+          <a:fillRef idx="1">
+            <a:schemeClr val="lt1"/>
+          </a:fillRef>
+          <a:effectRef idx="0">
+            <a:schemeClr val="accent6"/>
+          </a:effectRef>
+          <a:fontRef idx="minor">
+            <a:schemeClr val="dk1"/>
+          </a:fontRef>
+        </p:style>
+        <p:txBody>
+          <a:bodyPr rtlCol="0" anchor="ctr"/>
+          <a:p>
+            <a:pPr algn="ctr"/>
+            <a:endParaRPr lang="zh-CN" altLang="en-US"/>
+          </a:p>
+        </p:txBody>
+      </p:sp>
+      <p:sp>
+        <p:nvSpPr>
+          <p:cNvPr id="14" name="左右箭头 13"/>
+          <p:cNvSpPr/>
+          <p:nvPr/>
+        </p:nvSpPr>
+        <p:spPr>
+          <a:xfrm>
+            <a:off x="3945255" y="1558925"/>
+            <a:ext cx="998220" cy="75565"/>
+          </a:xfrm>
+          <a:prstGeom prst="leftRightArrow">
+            <a:avLst/>
+          </a:prstGeom>
+          <a:ln>
+            <a:solidFill>
+              <a:schemeClr val="bg1">
+                <a:lumMod val="50000"/>
+              </a:schemeClr>
+            </a:solidFill>
+          </a:ln>
+        </p:spPr>
+        <p:style>
+          <a:lnRef idx="2">
+            <a:schemeClr val="accent6"/>
+          </a:lnRef>
+          <a:fillRef idx="1">
+            <a:schemeClr val="lt1"/>
+          </a:fillRef>
+          <a:effectRef idx="0">
+            <a:schemeClr val="accent6"/>
+          </a:effectRef>
+          <a:fontRef idx="minor">
+            <a:schemeClr val="dk1"/>
+          </a:fontRef>
+        </p:style>
+        <p:txBody>
+          <a:bodyPr rtlCol="0" anchor="ctr"/>
+          <a:p>
+            <a:pPr algn="ctr"/>
+            <a:endParaRPr lang="zh-CN" altLang="en-US"/>
+          </a:p>
+        </p:txBody>
+      </p:sp>
+      <p:sp>
+        <p:nvSpPr>
+          <p:cNvPr id="15" name="左右箭头 14"/>
+          <p:cNvSpPr/>
+          <p:nvPr/>
+        </p:nvSpPr>
+        <p:spPr>
+          <a:xfrm>
+            <a:off x="3945255" y="2478405"/>
+            <a:ext cx="998220" cy="75565"/>
+          </a:xfrm>
+          <a:prstGeom prst="leftRightArrow">
+            <a:avLst/>
+          </a:prstGeom>
+          <a:ln>
+            <a:solidFill>
+              <a:schemeClr val="bg1">
+                <a:lumMod val="50000"/>
+              </a:schemeClr>
+            </a:solidFill>
+          </a:ln>
+        </p:spPr>
+        <p:style>
+          <a:lnRef idx="2">
+            <a:schemeClr val="accent6"/>
+          </a:lnRef>
+          <a:fillRef idx="1">
+            <a:schemeClr val="lt1"/>
+          </a:fillRef>
+          <a:effectRef idx="0">
+            <a:schemeClr val="accent6"/>
+          </a:effectRef>
+          <a:fontRef idx="minor">
+            <a:schemeClr val="dk1"/>
+          </a:fontRef>
+        </p:style>
+        <p:txBody>
+          <a:bodyPr rtlCol="0" anchor="ctr"/>
+          <a:p>
+            <a:pPr algn="ctr"/>
+            <a:endParaRPr lang="zh-CN" altLang="en-US"/>
+          </a:p>
+        </p:txBody>
+      </p:sp>
+      <p:sp>
+        <p:nvSpPr>
+          <p:cNvPr id="16" name="左右箭头 15"/>
+          <p:cNvSpPr/>
+          <p:nvPr/>
+        </p:nvSpPr>
+        <p:spPr>
+          <a:xfrm>
+            <a:off x="3945255" y="3389630"/>
+            <a:ext cx="998220" cy="75565"/>
+          </a:xfrm>
+          <a:prstGeom prst="leftRightArrow">
+            <a:avLst/>
+          </a:prstGeom>
+          <a:ln>
+            <a:solidFill>
+              <a:schemeClr val="bg1">
+                <a:lumMod val="50000"/>
+              </a:schemeClr>
+            </a:solidFill>
+          </a:ln>
+        </p:spPr>
+        <p:style>
+          <a:lnRef idx="2">
+            <a:schemeClr val="accent6"/>
+          </a:lnRef>
+          <a:fillRef idx="1">
+            <a:schemeClr val="lt1"/>
+          </a:fillRef>
+          <a:effectRef idx="0">
+            <a:schemeClr val="accent6"/>
+          </a:effectRef>
+          <a:fontRef idx="minor">
+            <a:schemeClr val="dk1"/>
+          </a:fontRef>
+        </p:style>
+        <p:txBody>
+          <a:bodyPr rtlCol="0" anchor="ctr"/>
+          <a:p>
+            <a:pPr algn="ctr"/>
+            <a:endParaRPr lang="zh-CN" altLang="en-US"/>
+          </a:p>
+        </p:txBody>
+      </p:sp>
+      <p:sp>
+        <p:nvSpPr>
+          <p:cNvPr id="17" name="左右箭头 16"/>
+          <p:cNvSpPr/>
+          <p:nvPr/>
+        </p:nvSpPr>
+        <p:spPr>
+          <a:xfrm>
+            <a:off x="6126480" y="2440305"/>
+            <a:ext cx="403860" cy="152400"/>
+          </a:xfrm>
+          <a:prstGeom prst="leftRightArrow">
+            <a:avLst/>
+          </a:prstGeom>
+          <a:ln>
+            <a:solidFill>
+              <a:schemeClr val="bg1">
+                <a:lumMod val="50000"/>
+              </a:schemeClr>
+            </a:solidFill>
+          </a:ln>
+        </p:spPr>
+        <p:style>
+          <a:lnRef idx="2">
+            <a:schemeClr val="accent6"/>
+          </a:lnRef>
+          <a:fillRef idx="1">
+            <a:schemeClr val="lt1"/>
+          </a:fillRef>
+          <a:effectRef idx="0">
+            <a:schemeClr val="accent6"/>
+          </a:effectRef>
+          <a:fontRef idx="minor">
+            <a:schemeClr val="dk1"/>
+          </a:fontRef>
+        </p:style>
+        <p:txBody>
+          <a:bodyPr vertOverflow="overflow" horzOverflow="overflow" vert="horz" wrap="square" numCol="1" spcCol="0" rtlCol="0" fromWordArt="0" anchor="ctr" anchorCtr="0" forceAA="0" compatLnSpc="1">
+            <a:noAutofit/>
+          </a:bodyPr>
+          <a:p>
+            <a:pPr lvl="0" algn="ctr">
+              <a:buClrTx/>
+              <a:buSzTx/>
+              <a:buFontTx/>
+            </a:pPr>
+            <a:endParaRPr lang="zh-CN" altLang="en-US">
+              <a:sym typeface="+mn-ea"/>
+            </a:endParaRPr>
+          </a:p>
+        </p:txBody>
+      </p:sp>
+    </p:spTree>
+  </p:cSld>
+  <p:clrMapOvr>
+    <a:masterClrMapping/>
+  </p:clrMapOvr>
+</p:sld>
+</file>
+
+<file path=ppt/slides/slide19.xml><?xml version="1.0" encoding="utf-8"?>
+<p:sld xmlns:a="http://schemas.openxmlformats.org/drawingml/2006/main" xmlns:r="http://schemas.openxmlformats.org/officeDocument/2006/relationships" xmlns:p="http://schemas.openxmlformats.org/presentationml/2006/main">
+  <p:cSld>
+    <p:bg>
+      <p:bgPr>
+        <a:solidFill>
+          <a:schemeClr val="bg2"/>
+        </a:solidFill>
+        <a:effectLst/>
+      </p:bgPr>
+    </p:bg>
+    <p:spTree>
+      <p:nvGrpSpPr>
+        <p:cNvPr id="1" name=""/>
+        <p:cNvGrpSpPr/>
+        <p:nvPr/>
+      </p:nvGrpSpPr>
+      <p:grpSpPr>
+        <a:xfrm>
+          <a:off x="0" y="0"/>
+          <a:ext cx="0" cy="0"/>
+          <a:chOff x="0" y="0"/>
+          <a:chExt cx="0" cy="0"/>
+        </a:xfrm>
+      </p:grpSpPr>
+      <p:sp>
+        <p:nvSpPr>
+          <p:cNvPr id="5" name="矩形 4"/>
+          <p:cNvSpPr/>
+          <p:nvPr/>
+        </p:nvSpPr>
+        <p:spPr>
+          <a:xfrm>
+            <a:off x="1073785" y="1607820"/>
+            <a:ext cx="1471295" cy="700405"/>
+          </a:xfrm>
+          <a:prstGeom prst="rect">
+            <a:avLst/>
+          </a:prstGeom>
+        </p:spPr>
+        <p:style>
+          <a:lnRef idx="2">
+            <a:schemeClr val="accent2">
+              <a:shade val="50000"/>
+            </a:schemeClr>
+          </a:lnRef>
+          <a:fillRef idx="1">
+            <a:schemeClr val="accent2"/>
+          </a:fillRef>
+          <a:effectRef idx="0">
+            <a:schemeClr val="accent2"/>
+          </a:effectRef>
+          <a:fontRef idx="minor">
+            <a:schemeClr val="lt1"/>
+          </a:fontRef>
+        </p:style>
+        <p:txBody>
+          <a:bodyPr rtlCol="0" anchor="ctr"/>
+          <a:p>
+            <a:pPr algn="ctr"/>
+            <a:r>
+              <a:rPr lang="en-US" altLang="zh-CN" sz="1600">
+                <a:latin typeface="微软雅黑" panose="020B0503020204020204" charset="-122"/>
+                <a:ea typeface="微软雅黑" panose="020B0503020204020204" charset="-122"/>
+                <a:cs typeface="微软雅黑" panose="020B0503020204020204" charset="-122"/>
+              </a:rPr>
+              <a:t>Java </a:t>
+            </a:r>
+            <a:r>
+              <a:rPr lang="zh-CN" altLang="en-US" sz="1600">
+                <a:latin typeface="微软雅黑" panose="020B0503020204020204" charset="-122"/>
+                <a:ea typeface="微软雅黑" panose="020B0503020204020204" charset="-122"/>
+                <a:cs typeface="微软雅黑" panose="020B0503020204020204" charset="-122"/>
+              </a:rPr>
+              <a:t>栈</a:t>
+            </a:r>
+            <a:br>
+              <a:rPr lang="zh-CN" altLang="en-US" sz="1600">
+                <a:latin typeface="微软雅黑" panose="020B0503020204020204" charset="-122"/>
+                <a:ea typeface="微软雅黑" panose="020B0503020204020204" charset="-122"/>
+                <a:cs typeface="微软雅黑" panose="020B0503020204020204" charset="-122"/>
+              </a:rPr>
+            </a:br>
+            <a:r>
+              <a:rPr lang="zh-CN" altLang="en-US" sz="1600">
+                <a:latin typeface="微软雅黑" panose="020B0503020204020204" charset="-122"/>
+                <a:ea typeface="微软雅黑" panose="020B0503020204020204" charset="-122"/>
+                <a:cs typeface="微软雅黑" panose="020B0503020204020204" charset="-122"/>
+              </a:rPr>
+              <a:t>本地变量表</a:t>
+            </a:r>
+            <a:endParaRPr lang="zh-CN" altLang="en-US" sz="1600">
+              <a:latin typeface="微软雅黑" panose="020B0503020204020204" charset="-122"/>
+              <a:ea typeface="微软雅黑" panose="020B0503020204020204" charset="-122"/>
+              <a:cs typeface="微软雅黑" panose="020B0503020204020204" charset="-122"/>
+            </a:endParaRPr>
+          </a:p>
+        </p:txBody>
+      </p:sp>
+      <p:sp>
+        <p:nvSpPr>
+          <p:cNvPr id="18" name="矩形 17"/>
+          <p:cNvSpPr/>
+          <p:nvPr/>
+        </p:nvSpPr>
+        <p:spPr>
+          <a:xfrm>
+            <a:off x="3168650" y="1617980"/>
+            <a:ext cx="5720080" cy="1804670"/>
+          </a:xfrm>
+          <a:prstGeom prst="rect">
+            <a:avLst/>
+          </a:prstGeom>
+        </p:spPr>
+        <p:style>
+          <a:lnRef idx="2">
+            <a:schemeClr val="accent1"/>
+          </a:lnRef>
+          <a:fillRef idx="1">
+            <a:schemeClr val="lt1"/>
+          </a:fillRef>
+          <a:effectRef idx="0">
+            <a:schemeClr val="accent1"/>
+          </a:effectRef>
+          <a:fontRef idx="minor">
+            <a:schemeClr val="dk1"/>
+          </a:fontRef>
+        </p:style>
+        <p:txBody>
+          <a:bodyPr rtlCol="0" anchor="ctr"/>
+          <a:p>
+            <a:pPr algn="ctr"/>
+            <a:endParaRPr lang="zh-CN" altLang="en-US"/>
+          </a:p>
+        </p:txBody>
+      </p:sp>
+      <p:sp>
+        <p:nvSpPr>
+          <p:cNvPr id="20" name="矩形 19"/>
+          <p:cNvSpPr/>
+          <p:nvPr/>
+        </p:nvSpPr>
+        <p:spPr>
+          <a:xfrm>
+            <a:off x="3168650" y="3855085"/>
+            <a:ext cx="5719445" cy="1804670"/>
+          </a:xfrm>
+          <a:prstGeom prst="rect">
+            <a:avLst/>
+          </a:prstGeom>
+        </p:spPr>
+        <p:style>
+          <a:lnRef idx="2">
+            <a:schemeClr val="accent1"/>
+          </a:lnRef>
+          <a:fillRef idx="1">
+            <a:schemeClr val="lt1"/>
+          </a:fillRef>
+          <a:effectRef idx="0">
+            <a:schemeClr val="accent1"/>
+          </a:effectRef>
+          <a:fontRef idx="minor">
+            <a:schemeClr val="dk1"/>
+          </a:fontRef>
+        </p:style>
+        <p:txBody>
+          <a:bodyPr vertOverflow="overflow" horzOverflow="overflow" vert="horz" wrap="square" numCol="1" spcCol="0" rtlCol="0" fromWordArt="0" anchor="ctr" anchorCtr="0" forceAA="0" compatLnSpc="1">
+            <a:noAutofit/>
+          </a:bodyPr>
+          <a:p>
+            <a:pPr lvl="0" algn="ctr">
+              <a:buClrTx/>
+              <a:buSzTx/>
+              <a:buFontTx/>
+            </a:pPr>
+            <a:endParaRPr lang="zh-CN" altLang="en-US">
+              <a:sym typeface="+mn-ea"/>
+            </a:endParaRPr>
+          </a:p>
+        </p:txBody>
+      </p:sp>
+      <p:sp>
+        <p:nvSpPr>
+          <p:cNvPr id="21" name="文本框 20"/>
+          <p:cNvSpPr txBox="1"/>
+          <p:nvPr/>
+        </p:nvSpPr>
+        <p:spPr>
+          <a:xfrm>
+            <a:off x="5371465" y="3855085"/>
+            <a:ext cx="868680" cy="368300"/>
+          </a:xfrm>
+          <a:prstGeom prst="rect">
+            <a:avLst/>
+          </a:prstGeom>
+          <a:noFill/>
+        </p:spPr>
+        <p:txBody>
+          <a:bodyPr wrap="none" rtlCol="0">
+            <a:spAutoFit/>
+          </a:bodyPr>
+          <a:p>
+            <a:r>
+              <a:rPr lang="zh-CN" altLang="en-US">
+                <a:solidFill>
+                  <a:schemeClr val="tx1"/>
+                </a:solidFill>
+              </a:rPr>
+              <a:t>方法区</a:t>
+            </a:r>
+            <a:endParaRPr lang="zh-CN" altLang="en-US">
+              <a:solidFill>
+                <a:schemeClr val="tx1"/>
+              </a:solidFill>
+            </a:endParaRPr>
+          </a:p>
+        </p:txBody>
+      </p:sp>
+      <p:sp>
+        <p:nvSpPr>
+          <p:cNvPr id="24" name="椭圆 23"/>
+          <p:cNvSpPr/>
+          <p:nvPr/>
+        </p:nvSpPr>
+        <p:spPr>
+          <a:xfrm>
+            <a:off x="6343650" y="2684145"/>
+            <a:ext cx="2282190" cy="619125"/>
+          </a:xfrm>
+          <a:prstGeom prst="ellipse">
+            <a:avLst/>
+          </a:prstGeom>
+        </p:spPr>
+        <p:style>
+          <a:lnRef idx="2">
+            <a:schemeClr val="accent4">
+              <a:shade val="50000"/>
+            </a:schemeClr>
+          </a:lnRef>
+          <a:fillRef idx="1">
+            <a:schemeClr val="accent4"/>
+          </a:fillRef>
+          <a:effectRef idx="0">
+            <a:schemeClr val="accent4"/>
+          </a:effectRef>
+          <a:fontRef idx="minor">
+            <a:schemeClr val="lt1"/>
+          </a:fontRef>
+        </p:style>
+        <p:txBody>
+          <a:bodyPr rtlCol="0" anchor="ctr"/>
+          <a:p>
+            <a:pPr algn="ctr"/>
+            <a:r>
+              <a:rPr lang="zh-CN" altLang="en-US" sz="1600">
+                <a:solidFill>
+                  <a:schemeClr val="bg1"/>
+                </a:solidFill>
+                <a:sym typeface="+mn-ea"/>
+              </a:rPr>
+              <a:t>对象实例数据</a:t>
+            </a:r>
+            <a:endParaRPr lang="zh-CN" altLang="en-US" sz="1600"/>
+          </a:p>
+        </p:txBody>
+      </p:sp>
+      <p:cxnSp>
+        <p:nvCxnSpPr>
+          <p:cNvPr id="25" name="直接连接符 24"/>
+          <p:cNvCxnSpPr/>
+          <p:nvPr/>
+        </p:nvCxnSpPr>
+        <p:spPr>
+          <a:xfrm>
+            <a:off x="6025515" y="2148840"/>
+            <a:ext cx="5715" cy="1287145"/>
+          </a:xfrm>
+          <a:prstGeom prst="line">
+            <a:avLst/>
+          </a:prstGeom>
+          <a:ln w="22225" cmpd="sng">
+            <a:solidFill>
+              <a:schemeClr val="accent1">
+                <a:shade val="50000"/>
+              </a:schemeClr>
+            </a:solidFill>
+            <a:prstDash val="dash"/>
+          </a:ln>
+        </p:spPr>
+        <p:style>
+          <a:lnRef idx="2">
+            <a:schemeClr val="dk1"/>
+          </a:lnRef>
+          <a:fillRef idx="0">
+            <a:schemeClr val="dk1"/>
+          </a:fillRef>
+          <a:effectRef idx="1">
+            <a:schemeClr val="dk1"/>
+          </a:effectRef>
+          <a:fontRef idx="minor">
+            <a:schemeClr val="tx1"/>
+          </a:fontRef>
+        </p:style>
+      </p:cxnSp>
+      <p:sp>
+        <p:nvSpPr>
+          <p:cNvPr id="26" name="文本框 25"/>
+          <p:cNvSpPr txBox="1"/>
+          <p:nvPr/>
+        </p:nvSpPr>
+        <p:spPr>
+          <a:xfrm>
+            <a:off x="5603240" y="1684655"/>
+            <a:ext cx="850265" cy="368300"/>
+          </a:xfrm>
+          <a:prstGeom prst="rect">
+            <a:avLst/>
+          </a:prstGeom>
+          <a:noFill/>
+        </p:spPr>
+        <p:txBody>
+          <a:bodyPr wrap="none" rtlCol="0">
+            <a:spAutoFit/>
+          </a:bodyPr>
+          <a:p>
+            <a:r>
+              <a:rPr lang="en-US" altLang="zh-CN">
+                <a:solidFill>
+                  <a:schemeClr val="tx1"/>
+                </a:solidFill>
+              </a:rPr>
+              <a:t>Java </a:t>
+            </a:r>
+            <a:r>
+              <a:rPr lang="zh-CN" altLang="en-US">
+                <a:solidFill>
+                  <a:schemeClr val="tx1"/>
+                </a:solidFill>
+              </a:rPr>
+              <a:t>堆</a:t>
+            </a:r>
+            <a:endParaRPr lang="zh-CN" altLang="en-US">
+              <a:solidFill>
+                <a:schemeClr val="tx1"/>
+              </a:solidFill>
+            </a:endParaRPr>
+          </a:p>
+        </p:txBody>
+      </p:sp>
+      <p:sp>
+        <p:nvSpPr>
+          <p:cNvPr id="27" name="文本框 26"/>
+          <p:cNvSpPr txBox="1"/>
+          <p:nvPr/>
+        </p:nvSpPr>
+        <p:spPr>
+          <a:xfrm>
+            <a:off x="7050405" y="1684655"/>
+            <a:ext cx="868680" cy="368300"/>
+          </a:xfrm>
+          <a:prstGeom prst="rect">
+            <a:avLst/>
+          </a:prstGeom>
+          <a:noFill/>
+        </p:spPr>
+        <p:txBody>
+          <a:bodyPr wrap="none" rtlCol="0">
+            <a:spAutoFit/>
+          </a:bodyPr>
+          <a:p>
+            <a:r>
+              <a:rPr lang="zh-CN">
+                <a:solidFill>
+                  <a:schemeClr val="tx1"/>
+                </a:solidFill>
+              </a:rPr>
+              <a:t>实例池</a:t>
+            </a:r>
+            <a:endParaRPr lang="zh-CN">
+              <a:solidFill>
+                <a:schemeClr val="tx1"/>
+              </a:solidFill>
+            </a:endParaRPr>
+          </a:p>
+        </p:txBody>
+      </p:sp>
+      <p:sp>
+        <p:nvSpPr>
+          <p:cNvPr id="29" name="文本框 28"/>
+          <p:cNvSpPr txBox="1"/>
+          <p:nvPr/>
+        </p:nvSpPr>
+        <p:spPr>
+          <a:xfrm>
+            <a:off x="4050665" y="1684655"/>
+            <a:ext cx="868680" cy="368300"/>
+          </a:xfrm>
+          <a:prstGeom prst="rect">
+            <a:avLst/>
+          </a:prstGeom>
+          <a:noFill/>
+        </p:spPr>
+        <p:txBody>
+          <a:bodyPr wrap="none" rtlCol="0">
+            <a:spAutoFit/>
+          </a:bodyPr>
+          <a:p>
+            <a:r>
+              <a:rPr lang="zh-CN">
+                <a:solidFill>
+                  <a:schemeClr val="tx1"/>
+                </a:solidFill>
+              </a:rPr>
+              <a:t>句柄池</a:t>
+            </a:r>
+            <a:endParaRPr lang="zh-CN">
+              <a:solidFill>
+                <a:schemeClr val="tx1"/>
+              </a:solidFill>
+            </a:endParaRPr>
+          </a:p>
+        </p:txBody>
+      </p:sp>
+      <p:sp>
+        <p:nvSpPr>
+          <p:cNvPr id="30" name="矩形 29"/>
+          <p:cNvSpPr/>
+          <p:nvPr/>
+        </p:nvSpPr>
+        <p:spPr>
+          <a:xfrm>
+            <a:off x="3326130" y="2409190"/>
+            <a:ext cx="2501265" cy="365125"/>
+          </a:xfrm>
+          <a:prstGeom prst="rect">
+            <a:avLst/>
+          </a:prstGeom>
+        </p:spPr>
+        <p:style>
+          <a:lnRef idx="2">
+            <a:schemeClr val="accent6">
+              <a:shade val="50000"/>
+            </a:schemeClr>
+          </a:lnRef>
+          <a:fillRef idx="1">
+            <a:schemeClr val="accent6"/>
+          </a:fillRef>
+          <a:effectRef idx="0">
+            <a:schemeClr val="accent6"/>
+          </a:effectRef>
+          <a:fontRef idx="minor">
+            <a:schemeClr val="lt1"/>
+          </a:fontRef>
+        </p:style>
+        <p:txBody>
+          <a:bodyPr rtlCol="0" anchor="ctr"/>
+          <a:p>
+            <a:pPr algn="ctr"/>
+            <a:r>
+              <a:rPr lang="zh-CN" altLang="en-US" sz="1600"/>
+              <a:t>到对象实例数据的指针</a:t>
+            </a:r>
+            <a:endParaRPr lang="zh-CN" altLang="en-US" sz="1600"/>
+          </a:p>
+        </p:txBody>
+      </p:sp>
+      <p:sp>
+        <p:nvSpPr>
+          <p:cNvPr id="31" name="椭圆 30"/>
+          <p:cNvSpPr/>
+          <p:nvPr/>
+        </p:nvSpPr>
+        <p:spPr>
+          <a:xfrm>
+            <a:off x="6343650" y="4356100"/>
+            <a:ext cx="2282190" cy="619125"/>
+          </a:xfrm>
+          <a:prstGeom prst="ellipse">
+            <a:avLst/>
+          </a:prstGeom>
+        </p:spPr>
+        <p:style>
+          <a:lnRef idx="2">
+            <a:schemeClr val="accent4">
+              <a:shade val="50000"/>
+            </a:schemeClr>
+          </a:lnRef>
+          <a:fillRef idx="1">
+            <a:schemeClr val="accent4"/>
+          </a:fillRef>
+          <a:effectRef idx="0">
+            <a:schemeClr val="accent4"/>
+          </a:effectRef>
+          <a:fontRef idx="minor">
+            <a:schemeClr val="lt1"/>
+          </a:fontRef>
+        </p:style>
+        <p:txBody>
+          <a:bodyPr rtlCol="0" anchor="ctr"/>
+          <a:p>
+            <a:pPr algn="ctr"/>
+            <a:r>
+              <a:rPr lang="zh-CN" altLang="en-US" sz="1600">
+                <a:solidFill>
+                  <a:schemeClr val="bg1"/>
+                </a:solidFill>
+                <a:sym typeface="+mn-ea"/>
+              </a:rPr>
+              <a:t>对象类型数据</a:t>
+            </a:r>
+            <a:endParaRPr lang="zh-CN" altLang="en-US" sz="1600"/>
+          </a:p>
+        </p:txBody>
+      </p:sp>
+      <p:sp>
+        <p:nvSpPr>
+          <p:cNvPr id="32" name="矩形 31"/>
+          <p:cNvSpPr/>
+          <p:nvPr/>
+        </p:nvSpPr>
+        <p:spPr>
+          <a:xfrm>
+            <a:off x="3326130" y="2774315"/>
+            <a:ext cx="2501265" cy="365125"/>
+          </a:xfrm>
+          <a:prstGeom prst="rect">
+            <a:avLst/>
+          </a:prstGeom>
+        </p:spPr>
+        <p:style>
+          <a:lnRef idx="2">
+            <a:schemeClr val="accent6">
+              <a:shade val="50000"/>
+            </a:schemeClr>
+          </a:lnRef>
+          <a:fillRef idx="1">
+            <a:schemeClr val="accent6"/>
+          </a:fillRef>
+          <a:effectRef idx="0">
+            <a:schemeClr val="accent6"/>
+          </a:effectRef>
+          <a:fontRef idx="minor">
+            <a:schemeClr val="lt1"/>
+          </a:fontRef>
+        </p:style>
+        <p:txBody>
+          <a:bodyPr rtlCol="0" anchor="ctr"/>
+          <a:p>
+            <a:pPr algn="ctr"/>
+            <a:r>
+              <a:rPr lang="zh-CN" altLang="en-US" sz="1600"/>
+              <a:t>到对象类型数据的指针</a:t>
+            </a:r>
+            <a:endParaRPr lang="zh-CN" altLang="en-US" sz="1600"/>
+          </a:p>
+        </p:txBody>
+      </p:sp>
+      <p:sp>
+        <p:nvSpPr>
+          <p:cNvPr id="33" name="矩形 32"/>
+          <p:cNvSpPr/>
+          <p:nvPr/>
+        </p:nvSpPr>
+        <p:spPr>
+          <a:xfrm>
+            <a:off x="1073785" y="2308225"/>
+            <a:ext cx="1471295" cy="375920"/>
+          </a:xfrm>
+          <a:prstGeom prst="rect">
+            <a:avLst/>
+          </a:prstGeom>
+        </p:spPr>
+        <p:style>
+          <a:lnRef idx="2">
+            <a:schemeClr val="accent2">
+              <a:shade val="50000"/>
+            </a:schemeClr>
+          </a:lnRef>
+          <a:fillRef idx="1">
+            <a:schemeClr val="accent2"/>
+          </a:fillRef>
+          <a:effectRef idx="0">
+            <a:schemeClr val="accent2"/>
+          </a:effectRef>
+          <a:fontRef idx="minor">
+            <a:schemeClr val="lt1"/>
+          </a:fontRef>
+        </p:style>
+        <p:txBody>
+          <a:bodyPr rtlCol="0" anchor="ctr"/>
+          <a:p>
+            <a:pPr algn="ctr"/>
+            <a:r>
+              <a:rPr lang="en-US" altLang="zh-CN" sz="1600">
+                <a:latin typeface="微软雅黑" panose="020B0503020204020204" charset="-122"/>
+                <a:ea typeface="微软雅黑" panose="020B0503020204020204" charset="-122"/>
+              </a:rPr>
+              <a:t>int</a:t>
+            </a:r>
+            <a:endParaRPr lang="en-US" altLang="zh-CN" sz="1600">
+              <a:latin typeface="微软雅黑" panose="020B0503020204020204" charset="-122"/>
+              <a:ea typeface="微软雅黑" panose="020B0503020204020204" charset="-122"/>
+            </a:endParaRPr>
+          </a:p>
+        </p:txBody>
+      </p:sp>
+      <p:sp>
+        <p:nvSpPr>
+          <p:cNvPr id="34" name="矩形 33"/>
+          <p:cNvSpPr/>
+          <p:nvPr/>
+        </p:nvSpPr>
+        <p:spPr>
+          <a:xfrm>
+            <a:off x="1073785" y="2684145"/>
+            <a:ext cx="1471295" cy="375920"/>
+          </a:xfrm>
+          <a:prstGeom prst="rect">
+            <a:avLst/>
+          </a:prstGeom>
+        </p:spPr>
+        <p:style>
+          <a:lnRef idx="2">
+            <a:schemeClr val="accent2">
+              <a:shade val="50000"/>
+            </a:schemeClr>
+          </a:lnRef>
+          <a:fillRef idx="1">
+            <a:schemeClr val="accent2"/>
+          </a:fillRef>
+          <a:effectRef idx="0">
+            <a:schemeClr val="accent2"/>
+          </a:effectRef>
+          <a:fontRef idx="minor">
+            <a:schemeClr val="lt1"/>
+          </a:fontRef>
+        </p:style>
+        <p:txBody>
+          <a:bodyPr rtlCol="0" anchor="ctr"/>
+          <a:p>
+            <a:pPr algn="ctr"/>
+            <a:r>
+              <a:rPr lang="en-US" altLang="zh-CN" sz="1600">
+                <a:latin typeface="微软雅黑" panose="020B0503020204020204" charset="-122"/>
+                <a:ea typeface="微软雅黑" panose="020B0503020204020204" charset="-122"/>
+              </a:rPr>
+              <a:t>short</a:t>
+            </a:r>
+            <a:endParaRPr lang="en-US" altLang="zh-CN" sz="1600">
+              <a:latin typeface="微软雅黑" panose="020B0503020204020204" charset="-122"/>
+              <a:ea typeface="微软雅黑" panose="020B0503020204020204" charset="-122"/>
+            </a:endParaRPr>
+          </a:p>
+        </p:txBody>
+      </p:sp>
+      <p:sp>
+        <p:nvSpPr>
+          <p:cNvPr id="35" name="矩形 34"/>
+          <p:cNvSpPr/>
+          <p:nvPr/>
+        </p:nvSpPr>
+        <p:spPr>
+          <a:xfrm>
+            <a:off x="1073785" y="3060065"/>
+            <a:ext cx="1471295" cy="375920"/>
+          </a:xfrm>
+          <a:prstGeom prst="rect">
+            <a:avLst/>
+          </a:prstGeom>
+        </p:spPr>
+        <p:style>
+          <a:lnRef idx="2">
+            <a:schemeClr val="accent2">
+              <a:shade val="50000"/>
+            </a:schemeClr>
+          </a:lnRef>
+          <a:fillRef idx="1">
+            <a:schemeClr val="accent2"/>
+          </a:fillRef>
+          <a:effectRef idx="0">
+            <a:schemeClr val="accent2"/>
+          </a:effectRef>
+          <a:fontRef idx="minor">
+            <a:schemeClr val="lt1"/>
+          </a:fontRef>
+        </p:style>
+        <p:txBody>
+          <a:bodyPr rtlCol="0" anchor="ctr"/>
+          <a:p>
+            <a:pPr algn="ctr"/>
+            <a:r>
+              <a:rPr lang="en-US" altLang="zh-CN" sz="1600">
+                <a:latin typeface="微软雅黑" panose="020B0503020204020204" charset="-122"/>
+                <a:ea typeface="微软雅黑" panose="020B0503020204020204" charset="-122"/>
+              </a:rPr>
+              <a:t>reference</a:t>
+            </a:r>
+            <a:endParaRPr lang="en-US" altLang="zh-CN" sz="1600">
+              <a:latin typeface="微软雅黑" panose="020B0503020204020204" charset="-122"/>
+              <a:ea typeface="微软雅黑" panose="020B0503020204020204" charset="-122"/>
+            </a:endParaRPr>
+          </a:p>
+        </p:txBody>
+      </p:sp>
+      <p:sp>
+        <p:nvSpPr>
+          <p:cNvPr id="36" name="矩形 35"/>
+          <p:cNvSpPr/>
+          <p:nvPr/>
+        </p:nvSpPr>
+        <p:spPr>
+          <a:xfrm>
+            <a:off x="1073785" y="3435985"/>
+            <a:ext cx="1471295" cy="375920"/>
+          </a:xfrm>
+          <a:prstGeom prst="rect">
+            <a:avLst/>
+          </a:prstGeom>
+        </p:spPr>
+        <p:style>
+          <a:lnRef idx="2">
+            <a:schemeClr val="accent2">
+              <a:shade val="50000"/>
+            </a:schemeClr>
+          </a:lnRef>
+          <a:fillRef idx="1">
+            <a:schemeClr val="accent2"/>
+          </a:fillRef>
+          <a:effectRef idx="0">
+            <a:schemeClr val="accent2"/>
+          </a:effectRef>
+          <a:fontRef idx="minor">
+            <a:schemeClr val="lt1"/>
+          </a:fontRef>
+        </p:style>
+        <p:txBody>
+          <a:bodyPr rtlCol="0" anchor="ctr"/>
+          <a:p>
+            <a:pPr algn="ctr"/>
+            <a:r>
+              <a:rPr lang="en-US" altLang="zh-CN" sz="1600">
+                <a:latin typeface="微软雅黑" panose="020B0503020204020204" charset="-122"/>
+                <a:ea typeface="微软雅黑" panose="020B0503020204020204" charset="-122"/>
+              </a:rPr>
+              <a:t>int</a:t>
+            </a:r>
+            <a:endParaRPr lang="en-US" altLang="zh-CN" sz="1600">
+              <a:latin typeface="微软雅黑" panose="020B0503020204020204" charset="-122"/>
+              <a:ea typeface="微软雅黑" panose="020B0503020204020204" charset="-122"/>
+            </a:endParaRPr>
+          </a:p>
+        </p:txBody>
+      </p:sp>
+      <p:sp>
+        <p:nvSpPr>
+          <p:cNvPr id="37" name="矩形 36"/>
+          <p:cNvSpPr/>
+          <p:nvPr/>
+        </p:nvSpPr>
+        <p:spPr>
+          <a:xfrm>
+            <a:off x="1073785" y="3811905"/>
+            <a:ext cx="1471295" cy="720090"/>
+          </a:xfrm>
+          <a:prstGeom prst="rect">
+            <a:avLst/>
+          </a:prstGeom>
+        </p:spPr>
+        <p:style>
+          <a:lnRef idx="2">
+            <a:schemeClr val="accent2">
+              <a:shade val="50000"/>
+            </a:schemeClr>
+          </a:lnRef>
+          <a:fillRef idx="1">
+            <a:schemeClr val="accent2"/>
+          </a:fillRef>
+          <a:effectRef idx="0">
+            <a:schemeClr val="accent2"/>
+          </a:effectRef>
+          <a:fontRef idx="minor">
+            <a:schemeClr val="lt1"/>
+          </a:fontRef>
+        </p:style>
+        <p:txBody>
+          <a:bodyPr rtlCol="0" anchor="ctr"/>
+          <a:p>
+            <a:pPr algn="ctr"/>
+            <a:endParaRPr lang="en-US" altLang="zh-CN" sz="1600">
+              <a:latin typeface="微软雅黑" panose="020B0503020204020204" charset="-122"/>
+              <a:ea typeface="微软雅黑" panose="020B0503020204020204" charset="-122"/>
+            </a:endParaRPr>
+          </a:p>
+        </p:txBody>
+      </p:sp>
+      <p:sp>
+        <p:nvSpPr>
+          <p:cNvPr id="40" name="文本框 39"/>
+          <p:cNvSpPr txBox="1"/>
+          <p:nvPr/>
+        </p:nvSpPr>
+        <p:spPr>
+          <a:xfrm>
+            <a:off x="975360" y="3987800"/>
+            <a:ext cx="1668145" cy="368300"/>
+          </a:xfrm>
+          <a:prstGeom prst="rect">
+            <a:avLst/>
+          </a:prstGeom>
+          <a:noFill/>
+        </p:spPr>
+        <p:txBody>
+          <a:bodyPr wrap="none" rtlCol="0">
+            <a:spAutoFit/>
+          </a:bodyPr>
+          <a:p>
+            <a:r>
+              <a:rPr lang="en-US" altLang="zh-CN">
+                <a:solidFill>
+                  <a:schemeClr val="bg1"/>
+                </a:solidFill>
+              </a:rPr>
+              <a:t>------double------</a:t>
+            </a:r>
+            <a:endParaRPr lang="en-US" altLang="zh-CN">
+              <a:solidFill>
+                <a:schemeClr val="bg1"/>
+              </a:solidFill>
+            </a:endParaRPr>
+          </a:p>
+        </p:txBody>
+      </p:sp>
+      <p:sp>
+        <p:nvSpPr>
+          <p:cNvPr id="41" name="矩形 40"/>
+          <p:cNvSpPr/>
+          <p:nvPr/>
+        </p:nvSpPr>
+        <p:spPr>
+          <a:xfrm>
+            <a:off x="1073785" y="4531995"/>
+            <a:ext cx="1471295" cy="375920"/>
+          </a:xfrm>
+          <a:prstGeom prst="rect">
+            <a:avLst/>
+          </a:prstGeom>
+        </p:spPr>
+        <p:style>
+          <a:lnRef idx="2">
+            <a:schemeClr val="accent2">
+              <a:shade val="50000"/>
+            </a:schemeClr>
+          </a:lnRef>
+          <a:fillRef idx="1">
+            <a:schemeClr val="accent2"/>
+          </a:fillRef>
+          <a:effectRef idx="0">
+            <a:schemeClr val="accent2"/>
+          </a:effectRef>
+          <a:fontRef idx="minor">
+            <a:schemeClr val="lt1"/>
+          </a:fontRef>
+        </p:style>
+        <p:txBody>
+          <a:bodyPr rtlCol="0" anchor="ctr"/>
+          <a:p>
+            <a:pPr algn="ctr"/>
+            <a:r>
+              <a:rPr lang="en-US" altLang="zh-CN" sz="1600">
+                <a:latin typeface="微软雅黑" panose="020B0503020204020204" charset="-122"/>
+                <a:ea typeface="微软雅黑" panose="020B0503020204020204" charset="-122"/>
+              </a:rPr>
+              <a:t>float</a:t>
+            </a:r>
+            <a:endParaRPr lang="en-US" altLang="zh-CN" sz="1600">
+              <a:latin typeface="微软雅黑" panose="020B0503020204020204" charset="-122"/>
+              <a:ea typeface="微软雅黑" panose="020B0503020204020204" charset="-122"/>
+            </a:endParaRPr>
+          </a:p>
+        </p:txBody>
+      </p:sp>
+      <p:sp>
+        <p:nvSpPr>
+          <p:cNvPr id="42" name="矩形 41"/>
+          <p:cNvSpPr/>
+          <p:nvPr/>
+        </p:nvSpPr>
+        <p:spPr>
+          <a:xfrm>
+            <a:off x="1073785" y="4907915"/>
+            <a:ext cx="1471295" cy="375920"/>
+          </a:xfrm>
+          <a:prstGeom prst="rect">
+            <a:avLst/>
+          </a:prstGeom>
+        </p:spPr>
+        <p:style>
+          <a:lnRef idx="2">
+            <a:schemeClr val="accent2">
+              <a:shade val="50000"/>
+            </a:schemeClr>
+          </a:lnRef>
+          <a:fillRef idx="1">
+            <a:schemeClr val="accent2"/>
+          </a:fillRef>
+          <a:effectRef idx="0">
+            <a:schemeClr val="accent2"/>
+          </a:effectRef>
+          <a:fontRef idx="minor">
+            <a:schemeClr val="lt1"/>
+          </a:fontRef>
+        </p:style>
+        <p:txBody>
+          <a:bodyPr rtlCol="0" anchor="ctr"/>
+          <a:p>
+            <a:pPr algn="ctr"/>
+            <a:r>
+              <a:rPr lang="en-US" altLang="zh-CN" sz="1600">
+                <a:latin typeface="微软雅黑" panose="020B0503020204020204" charset="-122"/>
+                <a:ea typeface="微软雅黑" panose="020B0503020204020204" charset="-122"/>
+              </a:rPr>
+              <a:t>...</a:t>
+            </a:r>
+            <a:endParaRPr lang="en-US" altLang="zh-CN" sz="1600">
+              <a:latin typeface="微软雅黑" panose="020B0503020204020204" charset="-122"/>
+              <a:ea typeface="微软雅黑" panose="020B0503020204020204" charset="-122"/>
+            </a:endParaRPr>
+          </a:p>
+        </p:txBody>
+      </p:sp>
+      <p:sp>
+        <p:nvSpPr>
+          <p:cNvPr id="43" name="矩形 42"/>
+          <p:cNvSpPr/>
+          <p:nvPr/>
+        </p:nvSpPr>
+        <p:spPr>
+          <a:xfrm>
+            <a:off x="1073785" y="5283835"/>
+            <a:ext cx="1471295" cy="375920"/>
+          </a:xfrm>
+          <a:prstGeom prst="rect">
+            <a:avLst/>
+          </a:prstGeom>
+        </p:spPr>
+        <p:style>
+          <a:lnRef idx="2">
+            <a:schemeClr val="accent2">
+              <a:shade val="50000"/>
+            </a:schemeClr>
+          </a:lnRef>
+          <a:fillRef idx="1">
+            <a:schemeClr val="accent2"/>
+          </a:fillRef>
+          <a:effectRef idx="0">
+            <a:schemeClr val="accent2"/>
+          </a:effectRef>
+          <a:fontRef idx="minor">
+            <a:schemeClr val="lt1"/>
+          </a:fontRef>
+        </p:style>
+        <p:txBody>
+          <a:bodyPr rtlCol="0" anchor="ctr"/>
+          <a:p>
+            <a:pPr algn="ctr"/>
+            <a:endParaRPr lang="en-US" altLang="zh-CN" sz="1600">
+              <a:latin typeface="微软雅黑" panose="020B0503020204020204" charset="-122"/>
+              <a:ea typeface="微软雅黑" panose="020B0503020204020204" charset="-122"/>
+            </a:endParaRPr>
+          </a:p>
+        </p:txBody>
+      </p:sp>
+      <p:cxnSp>
+        <p:nvCxnSpPr>
+          <p:cNvPr id="45" name="直接箭头连接符 44"/>
+          <p:cNvCxnSpPr>
+            <a:stCxn id="35" idx="3"/>
+          </p:cNvCxnSpPr>
+          <p:nvPr/>
+        </p:nvCxnSpPr>
+        <p:spPr>
+          <a:xfrm flipV="1">
+            <a:off x="2545080" y="2591435"/>
+            <a:ext cx="720090" cy="656590"/>
+          </a:xfrm>
+          <a:prstGeom prst="straightConnector1">
+            <a:avLst/>
+          </a:prstGeom>
+          <a:ln>
+            <a:solidFill>
+              <a:schemeClr val="tx1"/>
+            </a:solidFill>
+            <a:tailEnd type="arrow" w="med" len="med"/>
+          </a:ln>
+        </p:spPr>
+        <p:style>
+          <a:lnRef idx="2">
+            <a:schemeClr val="dk1"/>
+          </a:lnRef>
+          <a:fillRef idx="0">
+            <a:schemeClr val="dk1"/>
+          </a:fillRef>
+          <a:effectRef idx="1">
+            <a:schemeClr val="dk1"/>
+          </a:effectRef>
+          <a:fontRef idx="minor">
+            <a:schemeClr val="tx1"/>
+          </a:fontRef>
+        </p:style>
+      </p:cxnSp>
+      <p:cxnSp>
+        <p:nvCxnSpPr>
+          <p:cNvPr id="46" name="直接箭头连接符 45"/>
+          <p:cNvCxnSpPr>
+            <a:stCxn id="30" idx="3"/>
+            <a:endCxn id="24" idx="1"/>
+          </p:cNvCxnSpPr>
+          <p:nvPr/>
+        </p:nvCxnSpPr>
+        <p:spPr>
+          <a:xfrm>
+            <a:off x="5827395" y="2592070"/>
+            <a:ext cx="850265" cy="182880"/>
+          </a:xfrm>
+          <a:prstGeom prst="straightConnector1">
+            <a:avLst/>
+          </a:prstGeom>
+          <a:ln>
+            <a:solidFill>
+              <a:schemeClr val="tx1"/>
+            </a:solidFill>
+            <a:tailEnd type="arrow" w="med" len="med"/>
+          </a:ln>
+        </p:spPr>
+        <p:style>
+          <a:lnRef idx="2">
+            <a:schemeClr val="dk1"/>
+          </a:lnRef>
+          <a:fillRef idx="0">
+            <a:schemeClr val="dk1"/>
+          </a:fillRef>
+          <a:effectRef idx="1">
+            <a:schemeClr val="dk1"/>
+          </a:effectRef>
+          <a:fontRef idx="minor">
+            <a:schemeClr val="tx1"/>
+          </a:fontRef>
+        </p:style>
+      </p:cxnSp>
+      <p:cxnSp>
+        <p:nvCxnSpPr>
+          <p:cNvPr id="47" name="直接箭头连接符 46"/>
+          <p:cNvCxnSpPr>
+            <a:stCxn id="32" idx="3"/>
+            <a:endCxn id="31" idx="0"/>
+          </p:cNvCxnSpPr>
+          <p:nvPr/>
+        </p:nvCxnSpPr>
+        <p:spPr>
+          <a:xfrm>
+            <a:off x="5827395" y="2957195"/>
+            <a:ext cx="1657350" cy="1398905"/>
+          </a:xfrm>
+          <a:prstGeom prst="straightConnector1">
+            <a:avLst/>
+          </a:prstGeom>
+          <a:ln>
+            <a:solidFill>
+              <a:schemeClr val="tx1"/>
+            </a:solidFill>
+            <a:tailEnd type="arrow" w="med" len="med"/>
+          </a:ln>
+        </p:spPr>
+        <p:style>
+          <a:lnRef idx="2">
+            <a:schemeClr val="dk1"/>
+          </a:lnRef>
+          <a:fillRef idx="0">
+            <a:schemeClr val="dk1"/>
+          </a:fillRef>
+          <a:effectRef idx="1">
+            <a:schemeClr val="dk1"/>
+          </a:effectRef>
+          <a:fontRef idx="minor">
+            <a:schemeClr val="tx1"/>
+          </a:fontRef>
+        </p:style>
+      </p:cxnSp>
     </p:spTree>
   </p:cSld>
   <p:clrMapOvr>
@@ -13762,6 +16675,7 @@
               <a:rPr lang="en-US" altLang="zh-CN"/>
               <a:t>java</a:t>
             </a:r>
+            <a:endParaRPr lang="en-US" altLang="zh-CN"/>
           </a:p>
         </p:txBody>
       </p:sp>
@@ -13803,6 +16717,7 @@
               <a:rPr lang="en-US" altLang="zh-CN"/>
               <a:t>scala</a:t>
             </a:r>
+            <a:endParaRPr lang="en-US" altLang="zh-CN"/>
           </a:p>
         </p:txBody>
       </p:sp>
@@ -13844,6 +16759,7 @@
               <a:rPr lang="en-US" altLang="zh-CN"/>
               <a:t>kotlin</a:t>
             </a:r>
+            <a:endParaRPr lang="en-US" altLang="zh-CN"/>
           </a:p>
         </p:txBody>
       </p:sp>
@@ -13885,6 +16801,7 @@
               <a:rPr lang="en-US" altLang="zh-CN"/>
               <a:t>groovy</a:t>
             </a:r>
+            <a:endParaRPr lang="en-US" altLang="zh-CN"/>
           </a:p>
         </p:txBody>
       </p:sp>
@@ -13926,6 +16843,7 @@
               <a:rPr lang="en-US" altLang="zh-CN"/>
               <a:t>clojure</a:t>
             </a:r>
+            <a:endParaRPr lang="en-US" altLang="zh-CN"/>
           </a:p>
         </p:txBody>
       </p:sp>
@@ -13967,6 +16885,7 @@
               <a:rPr lang="en-US" altLang="zh-CN"/>
               <a:t>jython</a:t>
             </a:r>
+            <a:endParaRPr lang="en-US" altLang="zh-CN"/>
           </a:p>
         </p:txBody>
       </p:sp>
@@ -14008,6 +16927,7 @@
               <a:rPr lang="en-US" altLang="zh-CN"/>
               <a:t>...</a:t>
             </a:r>
+            <a:endParaRPr lang="en-US" altLang="zh-CN"/>
           </a:p>
         </p:txBody>
       </p:sp>
@@ -14049,6 +16969,7 @@
               <a:rPr lang="en-US" altLang="zh-CN"/>
               <a:t>jruby</a:t>
             </a:r>
+            <a:endParaRPr lang="en-US" altLang="zh-CN"/>
           </a:p>
         </p:txBody>
       </p:sp>
@@ -14095,6 +17016,7 @@
               <a:rPr lang="en-US" altLang="zh-CN"/>
               <a:t>Java Virtual Machine</a:t>
             </a:r>
+            <a:endParaRPr lang="en-US" altLang="zh-CN"/>
           </a:p>
         </p:txBody>
       </p:sp>
@@ -14138,6 +17060,7 @@
               <a:rPr lang="en-US" altLang="zh-CN"/>
               <a:t>linux</a:t>
             </a:r>
+            <a:endParaRPr lang="en-US" altLang="zh-CN"/>
           </a:p>
         </p:txBody>
       </p:sp>
@@ -14221,6 +17144,7 @@
               <a:rPr lang="en-US" altLang="zh-CN"/>
               <a:t>unix</a:t>
             </a:r>
+            <a:endParaRPr lang="en-US" altLang="zh-CN"/>
           </a:p>
         </p:txBody>
       </p:sp>
@@ -14304,6 +17228,7 @@
               <a:rPr lang="en-US" altLang="zh-CN"/>
               <a:t>windows</a:t>
             </a:r>
+            <a:endParaRPr lang="en-US" altLang="zh-CN"/>
           </a:p>
         </p:txBody>
       </p:sp>
@@ -14387,6 +17312,7 @@
               <a:rPr lang="en-US" altLang="zh-CN"/>
               <a:t>mac</a:t>
             </a:r>
+            <a:endParaRPr lang="en-US" altLang="zh-CN"/>
           </a:p>
         </p:txBody>
       </p:sp>
@@ -14470,6 +17396,7 @@
               <a:rPr lang="en-US" altLang="zh-CN"/>
               <a:t>android</a:t>
             </a:r>
+            <a:endParaRPr lang="en-US" altLang="zh-CN"/>
           </a:p>
         </p:txBody>
       </p:sp>
@@ -14509,6 +17436,3705 @@
           <a:lstStyle/>
           <a:p>
             <a:pPr algn="ctr"/>
+            <a:endParaRPr lang="zh-CN" altLang="en-US"/>
+          </a:p>
+        </p:txBody>
+      </p:sp>
+    </p:spTree>
+  </p:cSld>
+  <p:clrMapOvr>
+    <a:masterClrMapping/>
+  </p:clrMapOvr>
+</p:sld>
+</file>
+
+<file path=ppt/slides/slide20.xml><?xml version="1.0" encoding="utf-8"?>
+<p:sld xmlns:a="http://schemas.openxmlformats.org/drawingml/2006/main" xmlns:r="http://schemas.openxmlformats.org/officeDocument/2006/relationships" xmlns:p="http://schemas.openxmlformats.org/presentationml/2006/main">
+  <p:cSld>
+    <p:bg>
+      <p:bgPr>
+        <a:solidFill>
+          <a:schemeClr val="bg2"/>
+        </a:solidFill>
+        <a:effectLst/>
+      </p:bgPr>
+    </p:bg>
+    <p:spTree>
+      <p:nvGrpSpPr>
+        <p:cNvPr id="1" name=""/>
+        <p:cNvGrpSpPr/>
+        <p:nvPr/>
+      </p:nvGrpSpPr>
+      <p:grpSpPr>
+        <a:xfrm>
+          <a:off x="0" y="0"/>
+          <a:ext cx="0" cy="0"/>
+          <a:chOff x="0" y="0"/>
+          <a:chExt cx="0" cy="0"/>
+        </a:xfrm>
+      </p:grpSpPr>
+      <p:sp>
+        <p:nvSpPr>
+          <p:cNvPr id="5" name="矩形 4"/>
+          <p:cNvSpPr/>
+          <p:nvPr/>
+        </p:nvSpPr>
+        <p:spPr>
+          <a:xfrm>
+            <a:off x="1073785" y="1607820"/>
+            <a:ext cx="1471295" cy="700405"/>
+          </a:xfrm>
+          <a:prstGeom prst="rect">
+            <a:avLst/>
+          </a:prstGeom>
+        </p:spPr>
+        <p:style>
+          <a:lnRef idx="2">
+            <a:schemeClr val="accent2">
+              <a:shade val="50000"/>
+            </a:schemeClr>
+          </a:lnRef>
+          <a:fillRef idx="1">
+            <a:schemeClr val="accent2"/>
+          </a:fillRef>
+          <a:effectRef idx="0">
+            <a:schemeClr val="accent2"/>
+          </a:effectRef>
+          <a:fontRef idx="minor">
+            <a:schemeClr val="lt1"/>
+          </a:fontRef>
+        </p:style>
+        <p:txBody>
+          <a:bodyPr rtlCol="0" anchor="ctr"/>
+          <a:p>
+            <a:pPr algn="ctr"/>
+            <a:r>
+              <a:rPr lang="en-US" altLang="zh-CN" sz="1600">
+                <a:latin typeface="微软雅黑" panose="020B0503020204020204" charset="-122"/>
+                <a:ea typeface="微软雅黑" panose="020B0503020204020204" charset="-122"/>
+                <a:cs typeface="微软雅黑" panose="020B0503020204020204" charset="-122"/>
+              </a:rPr>
+              <a:t>Java </a:t>
+            </a:r>
+            <a:r>
+              <a:rPr lang="zh-CN" altLang="en-US" sz="1600">
+                <a:latin typeface="微软雅黑" panose="020B0503020204020204" charset="-122"/>
+                <a:ea typeface="微软雅黑" panose="020B0503020204020204" charset="-122"/>
+                <a:cs typeface="微软雅黑" panose="020B0503020204020204" charset="-122"/>
+              </a:rPr>
+              <a:t>栈</a:t>
+            </a:r>
+            <a:br>
+              <a:rPr lang="zh-CN" altLang="en-US" sz="1600">
+                <a:latin typeface="微软雅黑" panose="020B0503020204020204" charset="-122"/>
+                <a:ea typeface="微软雅黑" panose="020B0503020204020204" charset="-122"/>
+                <a:cs typeface="微软雅黑" panose="020B0503020204020204" charset="-122"/>
+              </a:rPr>
+            </a:br>
+            <a:r>
+              <a:rPr lang="zh-CN" altLang="en-US" sz="1600">
+                <a:latin typeface="微软雅黑" panose="020B0503020204020204" charset="-122"/>
+                <a:ea typeface="微软雅黑" panose="020B0503020204020204" charset="-122"/>
+                <a:cs typeface="微软雅黑" panose="020B0503020204020204" charset="-122"/>
+              </a:rPr>
+              <a:t>本地变量表</a:t>
+            </a:r>
+            <a:endParaRPr lang="zh-CN" altLang="en-US" sz="1600">
+              <a:latin typeface="微软雅黑" panose="020B0503020204020204" charset="-122"/>
+              <a:ea typeface="微软雅黑" panose="020B0503020204020204" charset="-122"/>
+              <a:cs typeface="微软雅黑" panose="020B0503020204020204" charset="-122"/>
+            </a:endParaRPr>
+          </a:p>
+        </p:txBody>
+      </p:sp>
+      <p:sp>
+        <p:nvSpPr>
+          <p:cNvPr id="18" name="矩形 17"/>
+          <p:cNvSpPr/>
+          <p:nvPr/>
+        </p:nvSpPr>
+        <p:spPr>
+          <a:xfrm>
+            <a:off x="3168650" y="1617980"/>
+            <a:ext cx="5720080" cy="1804670"/>
+          </a:xfrm>
+          <a:prstGeom prst="rect">
+            <a:avLst/>
+          </a:prstGeom>
+        </p:spPr>
+        <p:style>
+          <a:lnRef idx="2">
+            <a:schemeClr val="accent1"/>
+          </a:lnRef>
+          <a:fillRef idx="1">
+            <a:schemeClr val="lt1"/>
+          </a:fillRef>
+          <a:effectRef idx="0">
+            <a:schemeClr val="accent1"/>
+          </a:effectRef>
+          <a:fontRef idx="minor">
+            <a:schemeClr val="dk1"/>
+          </a:fontRef>
+        </p:style>
+        <p:txBody>
+          <a:bodyPr rtlCol="0" anchor="ctr"/>
+          <a:p>
+            <a:pPr algn="ctr"/>
+            <a:endParaRPr lang="zh-CN" altLang="en-US"/>
+          </a:p>
+        </p:txBody>
+      </p:sp>
+      <p:sp>
+        <p:nvSpPr>
+          <p:cNvPr id="20" name="矩形 19"/>
+          <p:cNvSpPr/>
+          <p:nvPr/>
+        </p:nvSpPr>
+        <p:spPr>
+          <a:xfrm>
+            <a:off x="3168650" y="3855085"/>
+            <a:ext cx="5719445" cy="1804670"/>
+          </a:xfrm>
+          <a:prstGeom prst="rect">
+            <a:avLst/>
+          </a:prstGeom>
+        </p:spPr>
+        <p:style>
+          <a:lnRef idx="2">
+            <a:schemeClr val="accent1"/>
+          </a:lnRef>
+          <a:fillRef idx="1">
+            <a:schemeClr val="lt1"/>
+          </a:fillRef>
+          <a:effectRef idx="0">
+            <a:schemeClr val="accent1"/>
+          </a:effectRef>
+          <a:fontRef idx="minor">
+            <a:schemeClr val="dk1"/>
+          </a:fontRef>
+        </p:style>
+        <p:txBody>
+          <a:bodyPr vertOverflow="overflow" horzOverflow="overflow" vert="horz" wrap="square" numCol="1" spcCol="0" rtlCol="0" fromWordArt="0" anchor="ctr" anchorCtr="0" forceAA="0" compatLnSpc="1">
+            <a:noAutofit/>
+          </a:bodyPr>
+          <a:p>
+            <a:pPr lvl="0" algn="ctr">
+              <a:buClrTx/>
+              <a:buSzTx/>
+              <a:buFontTx/>
+            </a:pPr>
+            <a:endParaRPr lang="zh-CN" altLang="en-US">
+              <a:sym typeface="+mn-ea"/>
+            </a:endParaRPr>
+          </a:p>
+        </p:txBody>
+      </p:sp>
+      <p:sp>
+        <p:nvSpPr>
+          <p:cNvPr id="21" name="文本框 20"/>
+          <p:cNvSpPr txBox="1"/>
+          <p:nvPr/>
+        </p:nvSpPr>
+        <p:spPr>
+          <a:xfrm>
+            <a:off x="5594350" y="3926205"/>
+            <a:ext cx="868680" cy="368300"/>
+          </a:xfrm>
+          <a:prstGeom prst="rect">
+            <a:avLst/>
+          </a:prstGeom>
+          <a:noFill/>
+        </p:spPr>
+        <p:txBody>
+          <a:bodyPr wrap="none" rtlCol="0">
+            <a:spAutoFit/>
+          </a:bodyPr>
+          <a:p>
+            <a:r>
+              <a:rPr lang="zh-CN" altLang="en-US">
+                <a:solidFill>
+                  <a:schemeClr val="tx1"/>
+                </a:solidFill>
+              </a:rPr>
+              <a:t>方法区</a:t>
+            </a:r>
+            <a:endParaRPr lang="zh-CN" altLang="en-US">
+              <a:solidFill>
+                <a:schemeClr val="tx1"/>
+              </a:solidFill>
+            </a:endParaRPr>
+          </a:p>
+        </p:txBody>
+      </p:sp>
+      <p:sp>
+        <p:nvSpPr>
+          <p:cNvPr id="24" name="椭圆 23"/>
+          <p:cNvSpPr/>
+          <p:nvPr/>
+        </p:nvSpPr>
+        <p:spPr>
+          <a:xfrm>
+            <a:off x="3665855" y="2252345"/>
+            <a:ext cx="3179445" cy="995680"/>
+          </a:xfrm>
+          <a:prstGeom prst="ellipse">
+            <a:avLst/>
+          </a:prstGeom>
+        </p:spPr>
+        <p:style>
+          <a:lnRef idx="2">
+            <a:schemeClr val="accent4">
+              <a:shade val="50000"/>
+            </a:schemeClr>
+          </a:lnRef>
+          <a:fillRef idx="1">
+            <a:schemeClr val="accent4"/>
+          </a:fillRef>
+          <a:effectRef idx="0">
+            <a:schemeClr val="accent4"/>
+          </a:effectRef>
+          <a:fontRef idx="minor">
+            <a:schemeClr val="lt1"/>
+          </a:fontRef>
+        </p:style>
+        <p:txBody>
+          <a:bodyPr rtlCol="0" anchor="ctr"/>
+          <a:p>
+            <a:pPr algn="ctr"/>
+            <a:endParaRPr lang="zh-CN" altLang="en-US" sz="1600"/>
+          </a:p>
+        </p:txBody>
+      </p:sp>
+      <p:sp>
+        <p:nvSpPr>
+          <p:cNvPr id="26" name="文本框 25"/>
+          <p:cNvSpPr txBox="1"/>
+          <p:nvPr/>
+        </p:nvSpPr>
+        <p:spPr>
+          <a:xfrm>
+            <a:off x="5603240" y="1684655"/>
+            <a:ext cx="850265" cy="368300"/>
+          </a:xfrm>
+          <a:prstGeom prst="rect">
+            <a:avLst/>
+          </a:prstGeom>
+          <a:noFill/>
+        </p:spPr>
+        <p:txBody>
+          <a:bodyPr wrap="none" rtlCol="0">
+            <a:spAutoFit/>
+          </a:bodyPr>
+          <a:p>
+            <a:r>
+              <a:rPr lang="en-US" altLang="zh-CN">
+                <a:solidFill>
+                  <a:schemeClr val="tx1"/>
+                </a:solidFill>
+              </a:rPr>
+              <a:t>Java </a:t>
+            </a:r>
+            <a:r>
+              <a:rPr lang="zh-CN" altLang="en-US">
+                <a:solidFill>
+                  <a:schemeClr val="tx1"/>
+                </a:solidFill>
+              </a:rPr>
+              <a:t>堆</a:t>
+            </a:r>
+            <a:endParaRPr lang="zh-CN" altLang="en-US">
+              <a:solidFill>
+                <a:schemeClr val="tx1"/>
+              </a:solidFill>
+            </a:endParaRPr>
+          </a:p>
+        </p:txBody>
+      </p:sp>
+      <p:sp>
+        <p:nvSpPr>
+          <p:cNvPr id="31" name="椭圆 30"/>
+          <p:cNvSpPr/>
+          <p:nvPr/>
+        </p:nvSpPr>
+        <p:spPr>
+          <a:xfrm>
+            <a:off x="6353810" y="4531995"/>
+            <a:ext cx="2282190" cy="619125"/>
+          </a:xfrm>
+          <a:prstGeom prst="ellipse">
+            <a:avLst/>
+          </a:prstGeom>
+        </p:spPr>
+        <p:style>
+          <a:lnRef idx="2">
+            <a:schemeClr val="accent4">
+              <a:shade val="50000"/>
+            </a:schemeClr>
+          </a:lnRef>
+          <a:fillRef idx="1">
+            <a:schemeClr val="accent4"/>
+          </a:fillRef>
+          <a:effectRef idx="0">
+            <a:schemeClr val="accent4"/>
+          </a:effectRef>
+          <a:fontRef idx="minor">
+            <a:schemeClr val="lt1"/>
+          </a:fontRef>
+        </p:style>
+        <p:txBody>
+          <a:bodyPr rtlCol="0" anchor="ctr"/>
+          <a:p>
+            <a:pPr algn="ctr"/>
+            <a:r>
+              <a:rPr lang="zh-CN" altLang="en-US" sz="1600">
+                <a:solidFill>
+                  <a:schemeClr val="bg1"/>
+                </a:solidFill>
+                <a:sym typeface="+mn-ea"/>
+              </a:rPr>
+              <a:t>对象类型数据</a:t>
+            </a:r>
+            <a:endParaRPr lang="zh-CN" altLang="en-US" sz="1600"/>
+          </a:p>
+        </p:txBody>
+      </p:sp>
+      <p:sp>
+        <p:nvSpPr>
+          <p:cNvPr id="32" name="矩形 31"/>
+          <p:cNvSpPr/>
+          <p:nvPr/>
+        </p:nvSpPr>
+        <p:spPr>
+          <a:xfrm>
+            <a:off x="4004945" y="2444750"/>
+            <a:ext cx="2501265" cy="365125"/>
+          </a:xfrm>
+          <a:prstGeom prst="rect">
+            <a:avLst/>
+          </a:prstGeom>
+          <a:ln>
+            <a:noFill/>
+          </a:ln>
+        </p:spPr>
+        <p:style>
+          <a:lnRef idx="3">
+            <a:schemeClr val="lt1"/>
+          </a:lnRef>
+          <a:fillRef idx="1">
+            <a:schemeClr val="accent6"/>
+          </a:fillRef>
+          <a:effectRef idx="1">
+            <a:schemeClr val="accent6"/>
+          </a:effectRef>
+          <a:fontRef idx="minor">
+            <a:schemeClr val="lt1"/>
+          </a:fontRef>
+        </p:style>
+        <p:txBody>
+          <a:bodyPr rtlCol="0" anchor="ctr"/>
+          <a:p>
+            <a:pPr algn="ctr"/>
+            <a:r>
+              <a:rPr lang="zh-CN" altLang="en-US" sz="1600"/>
+              <a:t>到对象类型数据的指针</a:t>
+            </a:r>
+            <a:endParaRPr lang="zh-CN" altLang="en-US" sz="1600"/>
+          </a:p>
+        </p:txBody>
+      </p:sp>
+      <p:sp>
+        <p:nvSpPr>
+          <p:cNvPr id="33" name="矩形 32"/>
+          <p:cNvSpPr/>
+          <p:nvPr/>
+        </p:nvSpPr>
+        <p:spPr>
+          <a:xfrm>
+            <a:off x="1073785" y="2308225"/>
+            <a:ext cx="1471295" cy="375920"/>
+          </a:xfrm>
+          <a:prstGeom prst="rect">
+            <a:avLst/>
+          </a:prstGeom>
+        </p:spPr>
+        <p:style>
+          <a:lnRef idx="2">
+            <a:schemeClr val="accent2">
+              <a:shade val="50000"/>
+            </a:schemeClr>
+          </a:lnRef>
+          <a:fillRef idx="1">
+            <a:schemeClr val="accent2"/>
+          </a:fillRef>
+          <a:effectRef idx="0">
+            <a:schemeClr val="accent2"/>
+          </a:effectRef>
+          <a:fontRef idx="minor">
+            <a:schemeClr val="lt1"/>
+          </a:fontRef>
+        </p:style>
+        <p:txBody>
+          <a:bodyPr rtlCol="0" anchor="ctr"/>
+          <a:p>
+            <a:pPr algn="ctr"/>
+            <a:r>
+              <a:rPr lang="en-US" altLang="zh-CN" sz="1600">
+                <a:latin typeface="微软雅黑" panose="020B0503020204020204" charset="-122"/>
+                <a:ea typeface="微软雅黑" panose="020B0503020204020204" charset="-122"/>
+              </a:rPr>
+              <a:t>int</a:t>
+            </a:r>
+            <a:endParaRPr lang="en-US" altLang="zh-CN" sz="1600">
+              <a:latin typeface="微软雅黑" panose="020B0503020204020204" charset="-122"/>
+              <a:ea typeface="微软雅黑" panose="020B0503020204020204" charset="-122"/>
+            </a:endParaRPr>
+          </a:p>
+        </p:txBody>
+      </p:sp>
+      <p:sp>
+        <p:nvSpPr>
+          <p:cNvPr id="34" name="矩形 33"/>
+          <p:cNvSpPr/>
+          <p:nvPr/>
+        </p:nvSpPr>
+        <p:spPr>
+          <a:xfrm>
+            <a:off x="1073785" y="2684145"/>
+            <a:ext cx="1471295" cy="375920"/>
+          </a:xfrm>
+          <a:prstGeom prst="rect">
+            <a:avLst/>
+          </a:prstGeom>
+        </p:spPr>
+        <p:style>
+          <a:lnRef idx="2">
+            <a:schemeClr val="accent2">
+              <a:shade val="50000"/>
+            </a:schemeClr>
+          </a:lnRef>
+          <a:fillRef idx="1">
+            <a:schemeClr val="accent2"/>
+          </a:fillRef>
+          <a:effectRef idx="0">
+            <a:schemeClr val="accent2"/>
+          </a:effectRef>
+          <a:fontRef idx="minor">
+            <a:schemeClr val="lt1"/>
+          </a:fontRef>
+        </p:style>
+        <p:txBody>
+          <a:bodyPr rtlCol="0" anchor="ctr"/>
+          <a:p>
+            <a:pPr algn="ctr"/>
+            <a:r>
+              <a:rPr lang="en-US" altLang="zh-CN" sz="1600">
+                <a:latin typeface="微软雅黑" panose="020B0503020204020204" charset="-122"/>
+                <a:ea typeface="微软雅黑" panose="020B0503020204020204" charset="-122"/>
+              </a:rPr>
+              <a:t>short</a:t>
+            </a:r>
+            <a:endParaRPr lang="en-US" altLang="zh-CN" sz="1600">
+              <a:latin typeface="微软雅黑" panose="020B0503020204020204" charset="-122"/>
+              <a:ea typeface="微软雅黑" panose="020B0503020204020204" charset="-122"/>
+            </a:endParaRPr>
+          </a:p>
+        </p:txBody>
+      </p:sp>
+      <p:sp>
+        <p:nvSpPr>
+          <p:cNvPr id="35" name="矩形 34"/>
+          <p:cNvSpPr/>
+          <p:nvPr/>
+        </p:nvSpPr>
+        <p:spPr>
+          <a:xfrm>
+            <a:off x="1073785" y="3060065"/>
+            <a:ext cx="1471295" cy="375920"/>
+          </a:xfrm>
+          <a:prstGeom prst="rect">
+            <a:avLst/>
+          </a:prstGeom>
+        </p:spPr>
+        <p:style>
+          <a:lnRef idx="2">
+            <a:schemeClr val="accent2">
+              <a:shade val="50000"/>
+            </a:schemeClr>
+          </a:lnRef>
+          <a:fillRef idx="1">
+            <a:schemeClr val="accent2"/>
+          </a:fillRef>
+          <a:effectRef idx="0">
+            <a:schemeClr val="accent2"/>
+          </a:effectRef>
+          <a:fontRef idx="minor">
+            <a:schemeClr val="lt1"/>
+          </a:fontRef>
+        </p:style>
+        <p:txBody>
+          <a:bodyPr rtlCol="0" anchor="ctr"/>
+          <a:p>
+            <a:pPr algn="ctr"/>
+            <a:r>
+              <a:rPr lang="en-US" altLang="zh-CN" sz="1600">
+                <a:latin typeface="微软雅黑" panose="020B0503020204020204" charset="-122"/>
+                <a:ea typeface="微软雅黑" panose="020B0503020204020204" charset="-122"/>
+              </a:rPr>
+              <a:t>reference</a:t>
+            </a:r>
+            <a:endParaRPr lang="en-US" altLang="zh-CN" sz="1600">
+              <a:latin typeface="微软雅黑" panose="020B0503020204020204" charset="-122"/>
+              <a:ea typeface="微软雅黑" panose="020B0503020204020204" charset="-122"/>
+            </a:endParaRPr>
+          </a:p>
+        </p:txBody>
+      </p:sp>
+      <p:sp>
+        <p:nvSpPr>
+          <p:cNvPr id="36" name="矩形 35"/>
+          <p:cNvSpPr/>
+          <p:nvPr/>
+        </p:nvSpPr>
+        <p:spPr>
+          <a:xfrm>
+            <a:off x="1073785" y="3435985"/>
+            <a:ext cx="1471295" cy="375920"/>
+          </a:xfrm>
+          <a:prstGeom prst="rect">
+            <a:avLst/>
+          </a:prstGeom>
+        </p:spPr>
+        <p:style>
+          <a:lnRef idx="2">
+            <a:schemeClr val="accent2">
+              <a:shade val="50000"/>
+            </a:schemeClr>
+          </a:lnRef>
+          <a:fillRef idx="1">
+            <a:schemeClr val="accent2"/>
+          </a:fillRef>
+          <a:effectRef idx="0">
+            <a:schemeClr val="accent2"/>
+          </a:effectRef>
+          <a:fontRef idx="minor">
+            <a:schemeClr val="lt1"/>
+          </a:fontRef>
+        </p:style>
+        <p:txBody>
+          <a:bodyPr rtlCol="0" anchor="ctr"/>
+          <a:p>
+            <a:pPr algn="ctr"/>
+            <a:r>
+              <a:rPr lang="en-US" altLang="zh-CN" sz="1600">
+                <a:latin typeface="微软雅黑" panose="020B0503020204020204" charset="-122"/>
+                <a:ea typeface="微软雅黑" panose="020B0503020204020204" charset="-122"/>
+              </a:rPr>
+              <a:t>int</a:t>
+            </a:r>
+            <a:endParaRPr lang="en-US" altLang="zh-CN" sz="1600">
+              <a:latin typeface="微软雅黑" panose="020B0503020204020204" charset="-122"/>
+              <a:ea typeface="微软雅黑" panose="020B0503020204020204" charset="-122"/>
+            </a:endParaRPr>
+          </a:p>
+        </p:txBody>
+      </p:sp>
+      <p:sp>
+        <p:nvSpPr>
+          <p:cNvPr id="37" name="矩形 36"/>
+          <p:cNvSpPr/>
+          <p:nvPr/>
+        </p:nvSpPr>
+        <p:spPr>
+          <a:xfrm>
+            <a:off x="1073785" y="3811905"/>
+            <a:ext cx="1471295" cy="720090"/>
+          </a:xfrm>
+          <a:prstGeom prst="rect">
+            <a:avLst/>
+          </a:prstGeom>
+        </p:spPr>
+        <p:style>
+          <a:lnRef idx="2">
+            <a:schemeClr val="accent2">
+              <a:shade val="50000"/>
+            </a:schemeClr>
+          </a:lnRef>
+          <a:fillRef idx="1">
+            <a:schemeClr val="accent2"/>
+          </a:fillRef>
+          <a:effectRef idx="0">
+            <a:schemeClr val="accent2"/>
+          </a:effectRef>
+          <a:fontRef idx="minor">
+            <a:schemeClr val="lt1"/>
+          </a:fontRef>
+        </p:style>
+        <p:txBody>
+          <a:bodyPr rtlCol="0" anchor="ctr"/>
+          <a:p>
+            <a:pPr algn="ctr"/>
+            <a:endParaRPr lang="en-US" altLang="zh-CN" sz="1600">
+              <a:latin typeface="微软雅黑" panose="020B0503020204020204" charset="-122"/>
+              <a:ea typeface="微软雅黑" panose="020B0503020204020204" charset="-122"/>
+            </a:endParaRPr>
+          </a:p>
+        </p:txBody>
+      </p:sp>
+      <p:sp>
+        <p:nvSpPr>
+          <p:cNvPr id="40" name="文本框 39"/>
+          <p:cNvSpPr txBox="1"/>
+          <p:nvPr/>
+        </p:nvSpPr>
+        <p:spPr>
+          <a:xfrm>
+            <a:off x="975360" y="3987800"/>
+            <a:ext cx="1668145" cy="368300"/>
+          </a:xfrm>
+          <a:prstGeom prst="rect">
+            <a:avLst/>
+          </a:prstGeom>
+          <a:noFill/>
+        </p:spPr>
+        <p:txBody>
+          <a:bodyPr wrap="none" rtlCol="0">
+            <a:spAutoFit/>
+          </a:bodyPr>
+          <a:p>
+            <a:r>
+              <a:rPr lang="en-US" altLang="zh-CN">
+                <a:solidFill>
+                  <a:schemeClr val="bg1"/>
+                </a:solidFill>
+              </a:rPr>
+              <a:t>------double------</a:t>
+            </a:r>
+            <a:endParaRPr lang="en-US" altLang="zh-CN">
+              <a:solidFill>
+                <a:schemeClr val="bg1"/>
+              </a:solidFill>
+            </a:endParaRPr>
+          </a:p>
+        </p:txBody>
+      </p:sp>
+      <p:sp>
+        <p:nvSpPr>
+          <p:cNvPr id="41" name="矩形 40"/>
+          <p:cNvSpPr/>
+          <p:nvPr/>
+        </p:nvSpPr>
+        <p:spPr>
+          <a:xfrm>
+            <a:off x="1073785" y="4531995"/>
+            <a:ext cx="1471295" cy="375920"/>
+          </a:xfrm>
+          <a:prstGeom prst="rect">
+            <a:avLst/>
+          </a:prstGeom>
+        </p:spPr>
+        <p:style>
+          <a:lnRef idx="2">
+            <a:schemeClr val="accent2">
+              <a:shade val="50000"/>
+            </a:schemeClr>
+          </a:lnRef>
+          <a:fillRef idx="1">
+            <a:schemeClr val="accent2"/>
+          </a:fillRef>
+          <a:effectRef idx="0">
+            <a:schemeClr val="accent2"/>
+          </a:effectRef>
+          <a:fontRef idx="minor">
+            <a:schemeClr val="lt1"/>
+          </a:fontRef>
+        </p:style>
+        <p:txBody>
+          <a:bodyPr rtlCol="0" anchor="ctr"/>
+          <a:p>
+            <a:pPr algn="ctr"/>
+            <a:r>
+              <a:rPr lang="en-US" altLang="zh-CN" sz="1600">
+                <a:latin typeface="微软雅黑" panose="020B0503020204020204" charset="-122"/>
+                <a:ea typeface="微软雅黑" panose="020B0503020204020204" charset="-122"/>
+              </a:rPr>
+              <a:t>float</a:t>
+            </a:r>
+            <a:endParaRPr lang="en-US" altLang="zh-CN" sz="1600">
+              <a:latin typeface="微软雅黑" panose="020B0503020204020204" charset="-122"/>
+              <a:ea typeface="微软雅黑" panose="020B0503020204020204" charset="-122"/>
+            </a:endParaRPr>
+          </a:p>
+        </p:txBody>
+      </p:sp>
+      <p:sp>
+        <p:nvSpPr>
+          <p:cNvPr id="42" name="矩形 41"/>
+          <p:cNvSpPr/>
+          <p:nvPr/>
+        </p:nvSpPr>
+        <p:spPr>
+          <a:xfrm>
+            <a:off x="1073785" y="4907915"/>
+            <a:ext cx="1471295" cy="375920"/>
+          </a:xfrm>
+          <a:prstGeom prst="rect">
+            <a:avLst/>
+          </a:prstGeom>
+        </p:spPr>
+        <p:style>
+          <a:lnRef idx="2">
+            <a:schemeClr val="accent2">
+              <a:shade val="50000"/>
+            </a:schemeClr>
+          </a:lnRef>
+          <a:fillRef idx="1">
+            <a:schemeClr val="accent2"/>
+          </a:fillRef>
+          <a:effectRef idx="0">
+            <a:schemeClr val="accent2"/>
+          </a:effectRef>
+          <a:fontRef idx="minor">
+            <a:schemeClr val="lt1"/>
+          </a:fontRef>
+        </p:style>
+        <p:txBody>
+          <a:bodyPr rtlCol="0" anchor="ctr"/>
+          <a:p>
+            <a:pPr algn="ctr"/>
+            <a:r>
+              <a:rPr lang="en-US" altLang="zh-CN" sz="1600">
+                <a:latin typeface="微软雅黑" panose="020B0503020204020204" charset="-122"/>
+                <a:ea typeface="微软雅黑" panose="020B0503020204020204" charset="-122"/>
+              </a:rPr>
+              <a:t>...</a:t>
+            </a:r>
+            <a:endParaRPr lang="en-US" altLang="zh-CN" sz="1600">
+              <a:latin typeface="微软雅黑" panose="020B0503020204020204" charset="-122"/>
+              <a:ea typeface="微软雅黑" panose="020B0503020204020204" charset="-122"/>
+            </a:endParaRPr>
+          </a:p>
+        </p:txBody>
+      </p:sp>
+      <p:sp>
+        <p:nvSpPr>
+          <p:cNvPr id="43" name="矩形 42"/>
+          <p:cNvSpPr/>
+          <p:nvPr/>
+        </p:nvSpPr>
+        <p:spPr>
+          <a:xfrm>
+            <a:off x="1073785" y="5283835"/>
+            <a:ext cx="1471295" cy="375920"/>
+          </a:xfrm>
+          <a:prstGeom prst="rect">
+            <a:avLst/>
+          </a:prstGeom>
+        </p:spPr>
+        <p:style>
+          <a:lnRef idx="2">
+            <a:schemeClr val="accent2">
+              <a:shade val="50000"/>
+            </a:schemeClr>
+          </a:lnRef>
+          <a:fillRef idx="1">
+            <a:schemeClr val="accent2"/>
+          </a:fillRef>
+          <a:effectRef idx="0">
+            <a:schemeClr val="accent2"/>
+          </a:effectRef>
+          <a:fontRef idx="minor">
+            <a:schemeClr val="lt1"/>
+          </a:fontRef>
+        </p:style>
+        <p:txBody>
+          <a:bodyPr rtlCol="0" anchor="ctr"/>
+          <a:p>
+            <a:pPr algn="ctr"/>
+            <a:endParaRPr lang="en-US" altLang="zh-CN" sz="1600">
+              <a:latin typeface="微软雅黑" panose="020B0503020204020204" charset="-122"/>
+              <a:ea typeface="微软雅黑" panose="020B0503020204020204" charset="-122"/>
+            </a:endParaRPr>
+          </a:p>
+        </p:txBody>
+      </p:sp>
+      <p:cxnSp>
+        <p:nvCxnSpPr>
+          <p:cNvPr id="45" name="直接箭头连接符 44"/>
+          <p:cNvCxnSpPr>
+            <a:stCxn id="35" idx="3"/>
+          </p:cNvCxnSpPr>
+          <p:nvPr/>
+        </p:nvCxnSpPr>
+        <p:spPr>
+          <a:xfrm flipV="1">
+            <a:off x="2545080" y="2591435"/>
+            <a:ext cx="720090" cy="656590"/>
+          </a:xfrm>
+          <a:prstGeom prst="straightConnector1">
+            <a:avLst/>
+          </a:prstGeom>
+          <a:ln>
+            <a:solidFill>
+              <a:schemeClr val="tx1"/>
+            </a:solidFill>
+            <a:tailEnd type="arrow" w="med" len="med"/>
+          </a:ln>
+        </p:spPr>
+        <p:style>
+          <a:lnRef idx="2">
+            <a:schemeClr val="dk1"/>
+          </a:lnRef>
+          <a:fillRef idx="0">
+            <a:schemeClr val="dk1"/>
+          </a:fillRef>
+          <a:effectRef idx="1">
+            <a:schemeClr val="dk1"/>
+          </a:effectRef>
+          <a:fontRef idx="minor">
+            <a:schemeClr val="tx1"/>
+          </a:fontRef>
+        </p:style>
+      </p:cxnSp>
+      <p:cxnSp>
+        <p:nvCxnSpPr>
+          <p:cNvPr id="47" name="直接箭头连接符 46"/>
+          <p:cNvCxnSpPr>
+            <a:stCxn id="32" idx="3"/>
+            <a:endCxn id="31" idx="0"/>
+          </p:cNvCxnSpPr>
+          <p:nvPr/>
+        </p:nvCxnSpPr>
+        <p:spPr>
+          <a:xfrm>
+            <a:off x="6506210" y="2627630"/>
+            <a:ext cx="988695" cy="1904365"/>
+          </a:xfrm>
+          <a:prstGeom prst="straightConnector1">
+            <a:avLst/>
+          </a:prstGeom>
+          <a:ln>
+            <a:solidFill>
+              <a:schemeClr val="tx1"/>
+            </a:solidFill>
+            <a:tailEnd type="arrow" w="med" len="med"/>
+          </a:ln>
+        </p:spPr>
+        <p:style>
+          <a:lnRef idx="2">
+            <a:schemeClr val="dk1"/>
+          </a:lnRef>
+          <a:fillRef idx="0">
+            <a:schemeClr val="dk1"/>
+          </a:fillRef>
+          <a:effectRef idx="1">
+            <a:schemeClr val="dk1"/>
+          </a:effectRef>
+          <a:fontRef idx="minor">
+            <a:schemeClr val="tx1"/>
+          </a:fontRef>
+        </p:style>
+      </p:cxnSp>
+      <p:sp>
+        <p:nvSpPr>
+          <p:cNvPr id="2" name="文本框 1"/>
+          <p:cNvSpPr txBox="1"/>
+          <p:nvPr/>
+        </p:nvSpPr>
+        <p:spPr>
+          <a:xfrm>
+            <a:off x="4554855" y="2809875"/>
+            <a:ext cx="1402080" cy="337185"/>
+          </a:xfrm>
+          <a:prstGeom prst="rect">
+            <a:avLst/>
+          </a:prstGeom>
+          <a:noFill/>
+        </p:spPr>
+        <p:txBody>
+          <a:bodyPr wrap="none" rtlCol="0">
+            <a:spAutoFit/>
+          </a:bodyPr>
+          <a:p>
+            <a:pPr algn="l"/>
+            <a:r>
+              <a:rPr lang="zh-CN" altLang="en-US" sz="1600">
+                <a:solidFill>
+                  <a:schemeClr val="bg1"/>
+                </a:solidFill>
+                <a:sym typeface="+mn-ea"/>
+              </a:rPr>
+              <a:t>对象实例数据</a:t>
+            </a:r>
+            <a:endParaRPr lang="zh-CN" altLang="en-US" sz="1600"/>
+          </a:p>
+        </p:txBody>
+      </p:sp>
+    </p:spTree>
+  </p:cSld>
+  <p:clrMapOvr>
+    <a:masterClrMapping/>
+  </p:clrMapOvr>
+</p:sld>
+</file>
+
+<file path=ppt/slides/slide21.xml><?xml version="1.0" encoding="utf-8"?>
+<p:sld xmlns:a="http://schemas.openxmlformats.org/drawingml/2006/main" xmlns:r="http://schemas.openxmlformats.org/officeDocument/2006/relationships" xmlns:p="http://schemas.openxmlformats.org/presentationml/2006/main">
+  <p:cSld>
+    <p:bg>
+      <p:bgPr>
+        <a:solidFill>
+          <a:schemeClr val="bg2"/>
+        </a:solidFill>
+        <a:effectLst/>
+      </p:bgPr>
+    </p:bg>
+    <p:spTree>
+      <p:nvGrpSpPr>
+        <p:cNvPr id="1" name=""/>
+        <p:cNvGrpSpPr/>
+        <p:nvPr/>
+      </p:nvGrpSpPr>
+      <p:grpSpPr>
+        <a:xfrm>
+          <a:off x="0" y="0"/>
+          <a:ext cx="0" cy="0"/>
+          <a:chOff x="0" y="0"/>
+          <a:chExt cx="0" cy="0"/>
+        </a:xfrm>
+      </p:grpSpPr>
+      <p:sp>
+        <p:nvSpPr>
+          <p:cNvPr id="4" name="矩形 3"/>
+          <p:cNvSpPr/>
+          <p:nvPr/>
+        </p:nvSpPr>
+        <p:spPr>
+          <a:xfrm>
+            <a:off x="586740" y="638175"/>
+            <a:ext cx="165735" cy="165735"/>
+          </a:xfrm>
+          <a:prstGeom prst="rect">
+            <a:avLst/>
+          </a:prstGeom>
+        </p:spPr>
+        <p:style>
+          <a:lnRef idx="2">
+            <a:schemeClr val="accent2">
+              <a:shade val="50000"/>
+            </a:schemeClr>
+          </a:lnRef>
+          <a:fillRef idx="1">
+            <a:schemeClr val="accent2"/>
+          </a:fillRef>
+          <a:effectRef idx="0">
+            <a:schemeClr val="accent2"/>
+          </a:effectRef>
+          <a:fontRef idx="minor">
+            <a:schemeClr val="lt1"/>
+          </a:fontRef>
+        </p:style>
+        <p:txBody>
+          <a:bodyPr rtlCol="0" anchor="ctr"/>
+          <a:p>
+            <a:pPr algn="ctr"/>
+            <a:endParaRPr lang="en-US" altLang="zh-CN" sz="900"/>
+          </a:p>
+        </p:txBody>
+      </p:sp>
+      <p:sp>
+        <p:nvSpPr>
+          <p:cNvPr id="6" name="矩形 5"/>
+          <p:cNvSpPr/>
+          <p:nvPr/>
+        </p:nvSpPr>
+        <p:spPr>
+          <a:xfrm>
+            <a:off x="586740" y="930275"/>
+            <a:ext cx="165735" cy="165735"/>
+          </a:xfrm>
+          <a:prstGeom prst="rect">
+            <a:avLst/>
+          </a:prstGeom>
+        </p:spPr>
+        <p:style>
+          <a:lnRef idx="2">
+            <a:schemeClr val="accent3">
+              <a:shade val="50000"/>
+            </a:schemeClr>
+          </a:lnRef>
+          <a:fillRef idx="1">
+            <a:schemeClr val="accent3"/>
+          </a:fillRef>
+          <a:effectRef idx="0">
+            <a:schemeClr val="accent3"/>
+          </a:effectRef>
+          <a:fontRef idx="minor">
+            <a:schemeClr val="lt1"/>
+          </a:fontRef>
+        </p:style>
+        <p:txBody>
+          <a:bodyPr rtlCol="0" anchor="ctr"/>
+          <a:p>
+            <a:pPr algn="ctr"/>
+            <a:endParaRPr lang="en-US" altLang="zh-CN" sz="900"/>
+          </a:p>
+        </p:txBody>
+      </p:sp>
+      <p:sp>
+        <p:nvSpPr>
+          <p:cNvPr id="7" name="圆角矩形 6"/>
+          <p:cNvSpPr/>
+          <p:nvPr/>
+        </p:nvSpPr>
+        <p:spPr>
+          <a:xfrm>
+            <a:off x="387985" y="1301115"/>
+            <a:ext cx="7110730" cy="3628390"/>
+          </a:xfrm>
+          <a:prstGeom prst="roundRect">
+            <a:avLst/>
+          </a:prstGeom>
+        </p:spPr>
+        <p:style>
+          <a:lnRef idx="2">
+            <a:schemeClr val="accent1">
+              <a:shade val="50000"/>
+            </a:schemeClr>
+          </a:lnRef>
+          <a:fillRef idx="1">
+            <a:schemeClr val="accent1"/>
+          </a:fillRef>
+          <a:effectRef idx="0">
+            <a:schemeClr val="accent1"/>
+          </a:effectRef>
+          <a:fontRef idx="minor">
+            <a:schemeClr val="lt1"/>
+          </a:fontRef>
+        </p:style>
+        <p:txBody>
+          <a:bodyPr rtlCol="0" anchor="ctr"/>
+          <a:p>
+            <a:pPr algn="ctr"/>
+            <a:endParaRPr lang="zh-CN" altLang="en-US"/>
+          </a:p>
+        </p:txBody>
+      </p:sp>
+      <p:sp>
+        <p:nvSpPr>
+          <p:cNvPr id="8" name="圆角矩形 7"/>
+          <p:cNvSpPr/>
+          <p:nvPr/>
+        </p:nvSpPr>
+        <p:spPr>
+          <a:xfrm>
+            <a:off x="791210" y="3210560"/>
+            <a:ext cx="1866265" cy="548005"/>
+          </a:xfrm>
+          <a:prstGeom prst="roundRect">
+            <a:avLst/>
+          </a:prstGeom>
+        </p:spPr>
+        <p:style>
+          <a:lnRef idx="2">
+            <a:schemeClr val="accent2">
+              <a:shade val="50000"/>
+            </a:schemeClr>
+          </a:lnRef>
+          <a:fillRef idx="1">
+            <a:schemeClr val="accent2"/>
+          </a:fillRef>
+          <a:effectRef idx="0">
+            <a:schemeClr val="accent2"/>
+          </a:effectRef>
+          <a:fontRef idx="minor">
+            <a:schemeClr val="lt1"/>
+          </a:fontRef>
+        </p:style>
+        <p:txBody>
+          <a:bodyPr rtlCol="0" anchor="ctr"/>
+          <a:p>
+            <a:pPr algn="ctr"/>
+            <a:r>
+              <a:rPr lang="zh-CN" altLang="en-US"/>
+              <a:t>方法区</a:t>
+            </a:r>
+            <a:br>
+              <a:rPr lang="zh-CN" altLang="en-US"/>
+            </a:br>
+            <a:r>
+              <a:rPr lang="en-US" altLang="zh-CN"/>
+              <a:t>Method Area</a:t>
+            </a:r>
+            <a:endParaRPr lang="en-US" altLang="zh-CN"/>
+          </a:p>
+        </p:txBody>
+      </p:sp>
+      <p:sp>
+        <p:nvSpPr>
+          <p:cNvPr id="10" name="圆角矩形 9"/>
+          <p:cNvSpPr/>
+          <p:nvPr/>
+        </p:nvSpPr>
+        <p:spPr>
+          <a:xfrm>
+            <a:off x="3078480" y="3210560"/>
+            <a:ext cx="1866265" cy="548005"/>
+          </a:xfrm>
+          <a:prstGeom prst="roundRect">
+            <a:avLst/>
+          </a:prstGeom>
+        </p:spPr>
+        <p:style>
+          <a:lnRef idx="2">
+            <a:schemeClr val="accent3">
+              <a:shade val="50000"/>
+            </a:schemeClr>
+          </a:lnRef>
+          <a:fillRef idx="1">
+            <a:schemeClr val="accent3"/>
+          </a:fillRef>
+          <a:effectRef idx="0">
+            <a:schemeClr val="accent3"/>
+          </a:effectRef>
+          <a:fontRef idx="minor">
+            <a:schemeClr val="lt1"/>
+          </a:fontRef>
+        </p:style>
+        <p:txBody>
+          <a:bodyPr rtlCol="0" anchor="ctr"/>
+          <a:p>
+            <a:pPr algn="ctr"/>
+            <a:r>
+              <a:rPr lang="zh-CN"/>
+              <a:t>虚拟机栈</a:t>
+            </a:r>
+            <a:br>
+              <a:rPr lang="zh-CN"/>
+            </a:br>
+            <a:r>
+              <a:rPr lang="en-US" altLang="zh-CN"/>
+              <a:t>VM Stack</a:t>
+            </a:r>
+            <a:endParaRPr lang="en-US" altLang="zh-CN"/>
+          </a:p>
+        </p:txBody>
+      </p:sp>
+      <p:sp>
+        <p:nvSpPr>
+          <p:cNvPr id="11" name="圆角矩形 10"/>
+          <p:cNvSpPr/>
+          <p:nvPr/>
+        </p:nvSpPr>
+        <p:spPr>
+          <a:xfrm>
+            <a:off x="5589270" y="3210560"/>
+            <a:ext cx="1825625" cy="780415"/>
+          </a:xfrm>
+          <a:prstGeom prst="roundRect">
+            <a:avLst/>
+          </a:prstGeom>
+        </p:spPr>
+        <p:style>
+          <a:lnRef idx="2">
+            <a:schemeClr val="accent3">
+              <a:shade val="50000"/>
+            </a:schemeClr>
+          </a:lnRef>
+          <a:fillRef idx="1">
+            <a:schemeClr val="accent3"/>
+          </a:fillRef>
+          <a:effectRef idx="0">
+            <a:schemeClr val="accent3"/>
+          </a:effectRef>
+          <a:fontRef idx="minor">
+            <a:schemeClr val="lt1"/>
+          </a:fontRef>
+        </p:style>
+        <p:txBody>
+          <a:bodyPr rtlCol="0" anchor="ctr"/>
+          <a:p>
+            <a:pPr algn="ctr"/>
+            <a:r>
+              <a:rPr lang="zh-CN"/>
+              <a:t>本地方法栈</a:t>
+            </a:r>
+            <a:br>
+              <a:rPr lang="zh-CN"/>
+            </a:br>
+            <a:r>
+              <a:rPr lang="en-US" altLang="zh-CN"/>
+              <a:t>Native Method Stack</a:t>
+            </a:r>
+            <a:endParaRPr lang="en-US" altLang="zh-CN"/>
+          </a:p>
+        </p:txBody>
+      </p:sp>
+      <p:sp>
+        <p:nvSpPr>
+          <p:cNvPr id="12" name="圆角矩形 11"/>
+          <p:cNvSpPr/>
+          <p:nvPr/>
+        </p:nvSpPr>
+        <p:spPr>
+          <a:xfrm>
+            <a:off x="791210" y="4108450"/>
+            <a:ext cx="1866265" cy="548005"/>
+          </a:xfrm>
+          <a:prstGeom prst="roundRect">
+            <a:avLst/>
+          </a:prstGeom>
+        </p:spPr>
+        <p:style>
+          <a:lnRef idx="2">
+            <a:schemeClr val="accent2">
+              <a:shade val="50000"/>
+            </a:schemeClr>
+          </a:lnRef>
+          <a:fillRef idx="1">
+            <a:schemeClr val="accent2"/>
+          </a:fillRef>
+          <a:effectRef idx="0">
+            <a:schemeClr val="accent2"/>
+          </a:effectRef>
+          <a:fontRef idx="minor">
+            <a:schemeClr val="lt1"/>
+          </a:fontRef>
+        </p:style>
+        <p:txBody>
+          <a:bodyPr rtlCol="0" anchor="ctr"/>
+          <a:p>
+            <a:pPr algn="ctr"/>
+            <a:r>
+              <a:rPr lang="zh-CN"/>
+              <a:t>堆</a:t>
+            </a:r>
+            <a:br>
+              <a:rPr lang="zh-CN"/>
+            </a:br>
+            <a:r>
+              <a:rPr lang="en-US" altLang="zh-CN"/>
+              <a:t>Heap</a:t>
+            </a:r>
+            <a:endParaRPr lang="en-US" altLang="zh-CN"/>
+          </a:p>
+        </p:txBody>
+      </p:sp>
+      <p:sp>
+        <p:nvSpPr>
+          <p:cNvPr id="13" name="圆角矩形 12"/>
+          <p:cNvSpPr/>
+          <p:nvPr/>
+        </p:nvSpPr>
+        <p:spPr>
+          <a:xfrm>
+            <a:off x="3078480" y="4108450"/>
+            <a:ext cx="4336415" cy="548005"/>
+          </a:xfrm>
+          <a:prstGeom prst="roundRect">
+            <a:avLst/>
+          </a:prstGeom>
+        </p:spPr>
+        <p:style>
+          <a:lnRef idx="2">
+            <a:schemeClr val="accent3">
+              <a:shade val="50000"/>
+            </a:schemeClr>
+          </a:lnRef>
+          <a:fillRef idx="1">
+            <a:schemeClr val="accent3"/>
+          </a:fillRef>
+          <a:effectRef idx="0">
+            <a:schemeClr val="accent3"/>
+          </a:effectRef>
+          <a:fontRef idx="minor">
+            <a:schemeClr val="lt1"/>
+          </a:fontRef>
+        </p:style>
+        <p:txBody>
+          <a:bodyPr rtlCol="0" anchor="ctr"/>
+          <a:p>
+            <a:pPr algn="ctr"/>
+            <a:r>
+              <a:rPr lang="zh-CN"/>
+              <a:t>程序计数器</a:t>
+            </a:r>
+            <a:br>
+              <a:rPr lang="zh-CN"/>
+            </a:br>
+            <a:r>
+              <a:rPr lang="en-US" altLang="zh-CN"/>
+              <a:t>Program Counter Register</a:t>
+            </a:r>
+            <a:endParaRPr lang="en-US" altLang="zh-CN"/>
+          </a:p>
+        </p:txBody>
+      </p:sp>
+      <p:sp>
+        <p:nvSpPr>
+          <p:cNvPr id="14" name="文本框 13"/>
+          <p:cNvSpPr txBox="1"/>
+          <p:nvPr/>
+        </p:nvSpPr>
+        <p:spPr>
+          <a:xfrm>
+            <a:off x="3188970" y="1378585"/>
+            <a:ext cx="1706880" cy="398780"/>
+          </a:xfrm>
+          <a:prstGeom prst="rect">
+            <a:avLst/>
+          </a:prstGeom>
+          <a:noFill/>
+        </p:spPr>
+        <p:txBody>
+          <a:bodyPr wrap="none" rtlCol="0">
+            <a:spAutoFit/>
+          </a:bodyPr>
+          <a:p>
+            <a:r>
+              <a:rPr lang="zh-CN" altLang="en-US" sz="2000">
+                <a:solidFill>
+                  <a:schemeClr val="bg1"/>
+                </a:solidFill>
+              </a:rPr>
+              <a:t>运行时数据区</a:t>
+            </a:r>
+            <a:endParaRPr lang="zh-CN" altLang="en-US" sz="2000">
+              <a:solidFill>
+                <a:schemeClr val="bg1"/>
+              </a:solidFill>
+            </a:endParaRPr>
+          </a:p>
+        </p:txBody>
+      </p:sp>
+      <p:sp>
+        <p:nvSpPr>
+          <p:cNvPr id="15" name="圆角矩形 14"/>
+          <p:cNvSpPr/>
+          <p:nvPr/>
+        </p:nvSpPr>
+        <p:spPr>
+          <a:xfrm>
+            <a:off x="791210" y="5685790"/>
+            <a:ext cx="1866265" cy="548005"/>
+          </a:xfrm>
+          <a:prstGeom prst="roundRect">
+            <a:avLst/>
+          </a:prstGeom>
+        </p:spPr>
+        <p:style>
+          <a:lnRef idx="2">
+            <a:schemeClr val="accent2">
+              <a:shade val="50000"/>
+            </a:schemeClr>
+          </a:lnRef>
+          <a:fillRef idx="1">
+            <a:schemeClr val="accent2"/>
+          </a:fillRef>
+          <a:effectRef idx="0">
+            <a:schemeClr val="accent2"/>
+          </a:effectRef>
+          <a:fontRef idx="minor">
+            <a:schemeClr val="lt1"/>
+          </a:fontRef>
+        </p:style>
+        <p:txBody>
+          <a:bodyPr rtlCol="0" anchor="ctr"/>
+          <a:p>
+            <a:pPr algn="ctr"/>
+            <a:r>
+              <a:rPr lang="zh-CN"/>
+              <a:t>执行引擎</a:t>
+            </a:r>
+            <a:endParaRPr lang="zh-CN"/>
+          </a:p>
+        </p:txBody>
+      </p:sp>
+      <p:sp>
+        <p:nvSpPr>
+          <p:cNvPr id="16" name="圆角矩形 15"/>
+          <p:cNvSpPr/>
+          <p:nvPr/>
+        </p:nvSpPr>
+        <p:spPr>
+          <a:xfrm>
+            <a:off x="3524885" y="5685790"/>
+            <a:ext cx="1866265" cy="548005"/>
+          </a:xfrm>
+          <a:prstGeom prst="roundRect">
+            <a:avLst/>
+          </a:prstGeom>
+        </p:spPr>
+        <p:style>
+          <a:lnRef idx="2">
+            <a:schemeClr val="accent2">
+              <a:shade val="50000"/>
+            </a:schemeClr>
+          </a:lnRef>
+          <a:fillRef idx="1">
+            <a:schemeClr val="accent2"/>
+          </a:fillRef>
+          <a:effectRef idx="0">
+            <a:schemeClr val="accent2"/>
+          </a:effectRef>
+          <a:fontRef idx="minor">
+            <a:schemeClr val="lt1"/>
+          </a:fontRef>
+        </p:style>
+        <p:txBody>
+          <a:bodyPr rtlCol="0" anchor="ctr"/>
+          <a:p>
+            <a:pPr algn="ctr"/>
+            <a:r>
+              <a:rPr lang="zh-CN"/>
+              <a:t>本地库接口</a:t>
+            </a:r>
+            <a:endParaRPr lang="zh-CN"/>
+          </a:p>
+        </p:txBody>
+      </p:sp>
+      <p:sp>
+        <p:nvSpPr>
+          <p:cNvPr id="17" name="文本框 16"/>
+          <p:cNvSpPr txBox="1"/>
+          <p:nvPr/>
+        </p:nvSpPr>
+        <p:spPr>
+          <a:xfrm>
+            <a:off x="6200775" y="5775325"/>
+            <a:ext cx="1325880" cy="368300"/>
+          </a:xfrm>
+          <a:prstGeom prst="rect">
+            <a:avLst/>
+          </a:prstGeom>
+          <a:noFill/>
+        </p:spPr>
+        <p:txBody>
+          <a:bodyPr wrap="none" rtlCol="0">
+            <a:spAutoFit/>
+          </a:bodyPr>
+          <a:p>
+            <a:r>
+              <a:rPr lang="zh-CN" altLang="en-US">
+                <a:solidFill>
+                  <a:schemeClr val="tx1"/>
+                </a:solidFill>
+              </a:rPr>
+              <a:t>本地方法库</a:t>
+            </a:r>
+            <a:endParaRPr lang="zh-CN" altLang="en-US">
+              <a:solidFill>
+                <a:schemeClr val="tx1"/>
+              </a:solidFill>
+            </a:endParaRPr>
+          </a:p>
+        </p:txBody>
+      </p:sp>
+      <p:sp>
+        <p:nvSpPr>
+          <p:cNvPr id="19" name="文本框 18"/>
+          <p:cNvSpPr txBox="1"/>
+          <p:nvPr/>
+        </p:nvSpPr>
+        <p:spPr>
+          <a:xfrm>
+            <a:off x="866140" y="582930"/>
+            <a:ext cx="1859280" cy="275590"/>
+          </a:xfrm>
+          <a:prstGeom prst="rect">
+            <a:avLst/>
+          </a:prstGeom>
+          <a:noFill/>
+        </p:spPr>
+        <p:txBody>
+          <a:bodyPr wrap="none" rtlCol="0">
+            <a:spAutoFit/>
+          </a:bodyPr>
+          <a:p>
+            <a:r>
+              <a:rPr lang="zh-CN" altLang="en-US" sz="1200">
+                <a:solidFill>
+                  <a:schemeClr val="tx1"/>
+                </a:solidFill>
+              </a:rPr>
+              <a:t>由所有线程共享的数据区</a:t>
+            </a:r>
+            <a:endParaRPr lang="zh-CN" altLang="en-US" sz="1200">
+              <a:solidFill>
+                <a:schemeClr val="tx1"/>
+              </a:solidFill>
+            </a:endParaRPr>
+          </a:p>
+        </p:txBody>
+      </p:sp>
+      <p:sp>
+        <p:nvSpPr>
+          <p:cNvPr id="22" name="文本框 21"/>
+          <p:cNvSpPr txBox="1"/>
+          <p:nvPr/>
+        </p:nvSpPr>
+        <p:spPr>
+          <a:xfrm>
+            <a:off x="866140" y="858520"/>
+            <a:ext cx="1402080" cy="275590"/>
+          </a:xfrm>
+          <a:prstGeom prst="rect">
+            <a:avLst/>
+          </a:prstGeom>
+          <a:noFill/>
+        </p:spPr>
+        <p:txBody>
+          <a:bodyPr wrap="none" rtlCol="0">
+            <a:spAutoFit/>
+          </a:bodyPr>
+          <a:p>
+            <a:r>
+              <a:rPr lang="zh-CN" altLang="en-US" sz="1200">
+                <a:solidFill>
+                  <a:schemeClr val="tx1"/>
+                </a:solidFill>
+              </a:rPr>
+              <a:t>线程隔离的数据区</a:t>
+            </a:r>
+            <a:endParaRPr lang="zh-CN" altLang="en-US" sz="1200">
+              <a:solidFill>
+                <a:schemeClr val="tx1"/>
+              </a:solidFill>
+            </a:endParaRPr>
+          </a:p>
+        </p:txBody>
+      </p:sp>
+      <p:sp>
+        <p:nvSpPr>
+          <p:cNvPr id="23" name="上箭头 22"/>
+          <p:cNvSpPr/>
+          <p:nvPr/>
+        </p:nvSpPr>
+        <p:spPr>
+          <a:xfrm>
+            <a:off x="1855470" y="5013325"/>
+            <a:ext cx="344805" cy="608965"/>
+          </a:xfrm>
+          <a:prstGeom prst="upArrow">
+            <a:avLst/>
+          </a:prstGeom>
+        </p:spPr>
+        <p:style>
+          <a:lnRef idx="2">
+            <a:schemeClr val="accent2">
+              <a:shade val="50000"/>
+            </a:schemeClr>
+          </a:lnRef>
+          <a:fillRef idx="1">
+            <a:schemeClr val="accent2"/>
+          </a:fillRef>
+          <a:effectRef idx="0">
+            <a:schemeClr val="accent2"/>
+          </a:effectRef>
+          <a:fontRef idx="minor">
+            <a:schemeClr val="lt1"/>
+          </a:fontRef>
+        </p:style>
+        <p:txBody>
+          <a:bodyPr rtlCol="0" anchor="ctr"/>
+          <a:p>
+            <a:pPr algn="ctr"/>
+            <a:endParaRPr lang="zh-CN" altLang="en-US"/>
+          </a:p>
+        </p:txBody>
+      </p:sp>
+      <p:sp>
+        <p:nvSpPr>
+          <p:cNvPr id="25" name="上箭头 24"/>
+          <p:cNvSpPr/>
+          <p:nvPr/>
+        </p:nvSpPr>
+        <p:spPr>
+          <a:xfrm rot="10800000">
+            <a:off x="1343660" y="5013325"/>
+            <a:ext cx="344805" cy="608965"/>
+          </a:xfrm>
+          <a:prstGeom prst="upArrow">
+            <a:avLst/>
+          </a:prstGeom>
+        </p:spPr>
+        <p:style>
+          <a:lnRef idx="2">
+            <a:schemeClr val="accent2">
+              <a:shade val="50000"/>
+            </a:schemeClr>
+          </a:lnRef>
+          <a:fillRef idx="1">
+            <a:schemeClr val="accent2"/>
+          </a:fillRef>
+          <a:effectRef idx="0">
+            <a:schemeClr val="accent2"/>
+          </a:effectRef>
+          <a:fontRef idx="minor">
+            <a:schemeClr val="lt1"/>
+          </a:fontRef>
+        </p:style>
+        <p:txBody>
+          <a:bodyPr rtlCol="0" anchor="ctr"/>
+          <a:p>
+            <a:pPr algn="ctr"/>
+            <a:endParaRPr lang="zh-CN" altLang="en-US"/>
+          </a:p>
+        </p:txBody>
+      </p:sp>
+      <p:sp>
+        <p:nvSpPr>
+          <p:cNvPr id="27" name="上箭头 26"/>
+          <p:cNvSpPr/>
+          <p:nvPr/>
+        </p:nvSpPr>
+        <p:spPr>
+          <a:xfrm>
+            <a:off x="4533900" y="5013325"/>
+            <a:ext cx="344805" cy="608965"/>
+          </a:xfrm>
+          <a:prstGeom prst="upArrow">
+            <a:avLst/>
+          </a:prstGeom>
+        </p:spPr>
+        <p:style>
+          <a:lnRef idx="2">
+            <a:schemeClr val="accent2">
+              <a:shade val="50000"/>
+            </a:schemeClr>
+          </a:lnRef>
+          <a:fillRef idx="1">
+            <a:schemeClr val="accent2"/>
+          </a:fillRef>
+          <a:effectRef idx="0">
+            <a:schemeClr val="accent2"/>
+          </a:effectRef>
+          <a:fontRef idx="minor">
+            <a:schemeClr val="lt1"/>
+          </a:fontRef>
+        </p:style>
+        <p:txBody>
+          <a:bodyPr rtlCol="0" anchor="ctr"/>
+          <a:p>
+            <a:pPr algn="ctr"/>
+            <a:endParaRPr lang="zh-CN" altLang="en-US"/>
+          </a:p>
+        </p:txBody>
+      </p:sp>
+      <p:sp>
+        <p:nvSpPr>
+          <p:cNvPr id="28" name="上箭头 27"/>
+          <p:cNvSpPr/>
+          <p:nvPr/>
+        </p:nvSpPr>
+        <p:spPr>
+          <a:xfrm rot="10800000">
+            <a:off x="4022090" y="5013325"/>
+            <a:ext cx="344805" cy="608965"/>
+          </a:xfrm>
+          <a:prstGeom prst="upArrow">
+            <a:avLst/>
+          </a:prstGeom>
+        </p:spPr>
+        <p:style>
+          <a:lnRef idx="2">
+            <a:schemeClr val="accent2">
+              <a:shade val="50000"/>
+            </a:schemeClr>
+          </a:lnRef>
+          <a:fillRef idx="1">
+            <a:schemeClr val="accent2"/>
+          </a:fillRef>
+          <a:effectRef idx="0">
+            <a:schemeClr val="accent2"/>
+          </a:effectRef>
+          <a:fontRef idx="minor">
+            <a:schemeClr val="lt1"/>
+          </a:fontRef>
+        </p:style>
+        <p:txBody>
+          <a:bodyPr rtlCol="0" anchor="ctr"/>
+          <a:p>
+            <a:pPr algn="ctr"/>
+            <a:endParaRPr lang="zh-CN" altLang="en-US"/>
+          </a:p>
+        </p:txBody>
+      </p:sp>
+      <p:sp>
+        <p:nvSpPr>
+          <p:cNvPr id="30" name="圆角矩形 29"/>
+          <p:cNvSpPr/>
+          <p:nvPr/>
+        </p:nvSpPr>
+        <p:spPr>
+          <a:xfrm>
+            <a:off x="3078480" y="1926590"/>
+            <a:ext cx="1866265" cy="548005"/>
+          </a:xfrm>
+          <a:prstGeom prst="roundRect">
+            <a:avLst/>
+          </a:prstGeom>
+        </p:spPr>
+        <p:style>
+          <a:lnRef idx="2">
+            <a:schemeClr val="accent3">
+              <a:shade val="50000"/>
+            </a:schemeClr>
+          </a:lnRef>
+          <a:fillRef idx="1">
+            <a:schemeClr val="accent3"/>
+          </a:fillRef>
+          <a:effectRef idx="0">
+            <a:schemeClr val="accent3"/>
+          </a:effectRef>
+          <a:fontRef idx="minor">
+            <a:schemeClr val="lt1"/>
+          </a:fontRef>
+        </p:style>
+        <p:txBody>
+          <a:bodyPr rtlCol="0" anchor="ctr"/>
+          <a:p>
+            <a:pPr algn="ctr"/>
+            <a:r>
+              <a:rPr lang="zh-CN" altLang="en-US"/>
+              <a:t>栈帧</a:t>
+            </a:r>
+            <a:br>
+              <a:rPr lang="zh-CN" altLang="en-US"/>
+            </a:br>
+            <a:r>
+              <a:rPr lang="en-US"/>
+              <a:t>Stack Frame</a:t>
+            </a:r>
+            <a:endParaRPr lang="en-US"/>
+          </a:p>
+        </p:txBody>
+      </p:sp>
+      <p:sp>
+        <p:nvSpPr>
+          <p:cNvPr id="38" name="圆角矩形 37"/>
+          <p:cNvSpPr/>
+          <p:nvPr/>
+        </p:nvSpPr>
+        <p:spPr>
+          <a:xfrm>
+            <a:off x="456565" y="1926590"/>
+            <a:ext cx="2536190" cy="548005"/>
+          </a:xfrm>
+          <a:prstGeom prst="roundRect">
+            <a:avLst/>
+          </a:prstGeom>
+        </p:spPr>
+        <p:style>
+          <a:lnRef idx="2">
+            <a:schemeClr val="accent2">
+              <a:shade val="50000"/>
+            </a:schemeClr>
+          </a:lnRef>
+          <a:fillRef idx="1">
+            <a:schemeClr val="accent2"/>
+          </a:fillRef>
+          <a:effectRef idx="0">
+            <a:schemeClr val="accent2"/>
+          </a:effectRef>
+          <a:fontRef idx="minor">
+            <a:schemeClr val="lt1"/>
+          </a:fontRef>
+        </p:style>
+        <p:txBody>
+          <a:bodyPr rtlCol="0" anchor="ctr"/>
+          <a:p>
+            <a:pPr algn="ctr"/>
+            <a:r>
+              <a:rPr lang="zh-CN"/>
+              <a:t>运行时常量池</a:t>
+            </a:r>
+            <a:br>
+              <a:rPr lang="zh-CN"/>
+            </a:br>
+            <a:r>
+              <a:rPr lang="en-US" altLang="zh-CN"/>
+              <a:t>Run-Time Constant Pool</a:t>
+            </a:r>
+            <a:endParaRPr lang="en-US" altLang="zh-CN"/>
+          </a:p>
+        </p:txBody>
+      </p:sp>
+      <p:cxnSp>
+        <p:nvCxnSpPr>
+          <p:cNvPr id="39" name="直接箭头连接符 38"/>
+          <p:cNvCxnSpPr>
+            <a:stCxn id="8" idx="0"/>
+            <a:endCxn id="38" idx="2"/>
+          </p:cNvCxnSpPr>
+          <p:nvPr/>
+        </p:nvCxnSpPr>
+        <p:spPr>
+          <a:xfrm flipV="1">
+            <a:off x="1724660" y="2474595"/>
+            <a:ext cx="0" cy="735965"/>
+          </a:xfrm>
+          <a:prstGeom prst="straightConnector1">
+            <a:avLst/>
+          </a:prstGeom>
+          <a:ln>
+            <a:tailEnd type="arrow" w="med" len="med"/>
+          </a:ln>
+        </p:spPr>
+        <p:style>
+          <a:lnRef idx="2">
+            <a:schemeClr val="dk1"/>
+          </a:lnRef>
+          <a:fillRef idx="0">
+            <a:schemeClr val="dk1"/>
+          </a:fillRef>
+          <a:effectRef idx="1">
+            <a:schemeClr val="dk1"/>
+          </a:effectRef>
+          <a:fontRef idx="minor">
+            <a:schemeClr val="tx1"/>
+          </a:fontRef>
+        </p:style>
+      </p:cxnSp>
+      <p:sp>
+        <p:nvSpPr>
+          <p:cNvPr id="44" name="文本框 43"/>
+          <p:cNvSpPr txBox="1"/>
+          <p:nvPr/>
+        </p:nvSpPr>
+        <p:spPr>
+          <a:xfrm>
+            <a:off x="866140" y="2658745"/>
+            <a:ext cx="858520" cy="368300"/>
+          </a:xfrm>
+          <a:prstGeom prst="rect">
+            <a:avLst/>
+          </a:prstGeom>
+          <a:noFill/>
+        </p:spPr>
+        <p:txBody>
+          <a:bodyPr wrap="none" rtlCol="0">
+            <a:spAutoFit/>
+          </a:bodyPr>
+          <a:p>
+            <a:r>
+              <a:rPr lang="en-US" altLang="zh-CN">
+                <a:solidFill>
+                  <a:schemeClr val="tx1"/>
+                </a:solidFill>
+              </a:rPr>
+              <a:t>include</a:t>
+            </a:r>
+            <a:endParaRPr lang="en-US" altLang="zh-CN">
+              <a:solidFill>
+                <a:schemeClr val="tx1"/>
+              </a:solidFill>
+            </a:endParaRPr>
+          </a:p>
+        </p:txBody>
+      </p:sp>
+      <p:cxnSp>
+        <p:nvCxnSpPr>
+          <p:cNvPr id="46" name="直接箭头连接符 45"/>
+          <p:cNvCxnSpPr/>
+          <p:nvPr/>
+        </p:nvCxnSpPr>
+        <p:spPr>
+          <a:xfrm flipV="1">
+            <a:off x="4022090" y="2473960"/>
+            <a:ext cx="0" cy="735965"/>
+          </a:xfrm>
+          <a:prstGeom prst="straightConnector1">
+            <a:avLst/>
+          </a:prstGeom>
+          <a:ln>
+            <a:tailEnd type="arrow" w="med" len="med"/>
+          </a:ln>
+        </p:spPr>
+        <p:style>
+          <a:lnRef idx="2">
+            <a:schemeClr val="dk1"/>
+          </a:lnRef>
+          <a:fillRef idx="0">
+            <a:schemeClr val="dk1"/>
+          </a:fillRef>
+          <a:effectRef idx="1">
+            <a:schemeClr val="dk1"/>
+          </a:effectRef>
+          <a:fontRef idx="minor">
+            <a:schemeClr val="tx1"/>
+          </a:fontRef>
+        </p:style>
+      </p:cxnSp>
+      <p:sp>
+        <p:nvSpPr>
+          <p:cNvPr id="48" name="文本框 47"/>
+          <p:cNvSpPr txBox="1"/>
+          <p:nvPr/>
+        </p:nvSpPr>
+        <p:spPr>
+          <a:xfrm>
+            <a:off x="3163570" y="2658110"/>
+            <a:ext cx="858520" cy="368300"/>
+          </a:xfrm>
+          <a:prstGeom prst="rect">
+            <a:avLst/>
+          </a:prstGeom>
+          <a:noFill/>
+        </p:spPr>
+        <p:txBody>
+          <a:bodyPr wrap="none" rtlCol="0">
+            <a:spAutoFit/>
+          </a:bodyPr>
+          <a:p>
+            <a:r>
+              <a:rPr lang="en-US" altLang="zh-CN">
+                <a:solidFill>
+                  <a:schemeClr val="tx1"/>
+                </a:solidFill>
+              </a:rPr>
+              <a:t>include</a:t>
+            </a:r>
+            <a:endParaRPr lang="en-US" altLang="zh-CN">
+              <a:solidFill>
+                <a:schemeClr val="tx1"/>
+              </a:solidFill>
+            </a:endParaRPr>
+          </a:p>
+        </p:txBody>
+      </p:sp>
+      <p:sp>
+        <p:nvSpPr>
+          <p:cNvPr id="49" name="上箭头 48"/>
+          <p:cNvSpPr/>
+          <p:nvPr/>
+        </p:nvSpPr>
+        <p:spPr>
+          <a:xfrm rot="5400000">
+            <a:off x="5644515" y="5655310"/>
+            <a:ext cx="344805" cy="608965"/>
+          </a:xfrm>
+          <a:prstGeom prst="upArrow">
+            <a:avLst/>
+          </a:prstGeom>
+        </p:spPr>
+        <p:style>
+          <a:lnRef idx="2">
+            <a:schemeClr val="accent2">
+              <a:shade val="50000"/>
+            </a:schemeClr>
+          </a:lnRef>
+          <a:fillRef idx="1">
+            <a:schemeClr val="accent2"/>
+          </a:fillRef>
+          <a:effectRef idx="0">
+            <a:schemeClr val="accent2"/>
+          </a:effectRef>
+          <a:fontRef idx="minor">
+            <a:schemeClr val="lt1"/>
+          </a:fontRef>
+        </p:style>
+        <p:txBody>
+          <a:bodyPr rtlCol="0" anchor="ctr"/>
+          <a:p>
+            <a:pPr algn="ctr"/>
+            <a:endParaRPr lang="zh-CN" altLang="en-US"/>
+          </a:p>
+        </p:txBody>
+      </p:sp>
+      <p:sp>
+        <p:nvSpPr>
+          <p:cNvPr id="50" name="圆角矩形 49"/>
+          <p:cNvSpPr/>
+          <p:nvPr/>
+        </p:nvSpPr>
+        <p:spPr>
+          <a:xfrm>
+            <a:off x="5325745" y="582930"/>
+            <a:ext cx="1866265" cy="548005"/>
+          </a:xfrm>
+          <a:prstGeom prst="roundRect">
+            <a:avLst/>
+          </a:prstGeom>
+        </p:spPr>
+        <p:style>
+          <a:lnRef idx="2">
+            <a:schemeClr val="accent2">
+              <a:shade val="50000"/>
+            </a:schemeClr>
+          </a:lnRef>
+          <a:fillRef idx="1">
+            <a:schemeClr val="accent2"/>
+          </a:fillRef>
+          <a:effectRef idx="0">
+            <a:schemeClr val="accent2"/>
+          </a:effectRef>
+          <a:fontRef idx="minor">
+            <a:schemeClr val="lt1"/>
+          </a:fontRef>
+        </p:style>
+        <p:txBody>
+          <a:bodyPr vertOverflow="overflow" horzOverflow="overflow" vert="horz" wrap="square" numCol="1" spcCol="0" rtlCol="0" fromWordArt="0" anchor="ctr" anchorCtr="0" forceAA="0" compatLnSpc="1">
+            <a:noAutofit/>
+          </a:bodyPr>
+          <a:p>
+            <a:pPr lvl="0" algn="ctr">
+              <a:buClrTx/>
+              <a:buSzTx/>
+              <a:buFontTx/>
+            </a:pPr>
+            <a:r>
+              <a:rPr lang="zh-CN">
+                <a:sym typeface="+mn-ea"/>
+              </a:rPr>
+              <a:t>直接内存</a:t>
+            </a:r>
+            <a:br>
+              <a:rPr lang="zh-CN">
+                <a:sym typeface="+mn-ea"/>
+              </a:rPr>
+            </a:br>
+            <a:r>
+              <a:rPr lang="zh-CN">
+                <a:sym typeface="+mn-ea"/>
+              </a:rPr>
+              <a:t>Direct Memory</a:t>
+            </a:r>
+            <a:endParaRPr lang="zh-CN">
+              <a:sym typeface="+mn-ea"/>
+            </a:endParaRPr>
+          </a:p>
+        </p:txBody>
+      </p:sp>
+    </p:spTree>
+  </p:cSld>
+  <p:clrMapOvr>
+    <a:masterClrMapping/>
+  </p:clrMapOvr>
+</p:sld>
+</file>
+
+<file path=ppt/slides/slide22.xml><?xml version="1.0" encoding="utf-8"?>
+<p:sld xmlns:a="http://schemas.openxmlformats.org/drawingml/2006/main" xmlns:r="http://schemas.openxmlformats.org/officeDocument/2006/relationships" xmlns:p="http://schemas.openxmlformats.org/presentationml/2006/main">
+  <p:cSld>
+    <p:bg>
+      <p:bgPr>
+        <a:solidFill>
+          <a:schemeClr val="bg2"/>
+        </a:solidFill>
+        <a:effectLst/>
+      </p:bgPr>
+    </p:bg>
+    <p:spTree>
+      <p:nvGrpSpPr>
+        <p:cNvPr id="1" name=""/>
+        <p:cNvGrpSpPr/>
+        <p:nvPr/>
+      </p:nvGrpSpPr>
+      <p:grpSpPr>
+        <a:xfrm>
+          <a:off x="0" y="0"/>
+          <a:ext cx="0" cy="0"/>
+          <a:chOff x="0" y="0"/>
+          <a:chExt cx="0" cy="0"/>
+        </a:xfrm>
+      </p:grpSpPr>
+      <p:sp>
+        <p:nvSpPr>
+          <p:cNvPr id="24" name="圆角矩形 23"/>
+          <p:cNvSpPr/>
+          <p:nvPr/>
+        </p:nvSpPr>
+        <p:spPr>
+          <a:xfrm>
+            <a:off x="881380" y="543560"/>
+            <a:ext cx="2769235" cy="6196330"/>
+          </a:xfrm>
+          <a:prstGeom prst="roundRect">
+            <a:avLst/>
+          </a:prstGeom>
+        </p:spPr>
+        <p:style>
+          <a:lnRef idx="2">
+            <a:schemeClr val="accent1">
+              <a:shade val="50000"/>
+            </a:schemeClr>
+          </a:lnRef>
+          <a:fillRef idx="1">
+            <a:schemeClr val="accent1"/>
+          </a:fillRef>
+          <a:effectRef idx="0">
+            <a:schemeClr val="accent1"/>
+          </a:effectRef>
+          <a:fontRef idx="minor">
+            <a:schemeClr val="lt1"/>
+          </a:fontRef>
+        </p:style>
+        <p:txBody>
+          <a:bodyPr rtlCol="0" anchor="ctr"/>
+          <a:p>
+            <a:pPr algn="ctr"/>
+            <a:endParaRPr lang="zh-CN" altLang="en-US"/>
+          </a:p>
+        </p:txBody>
+      </p:sp>
+      <p:sp>
+        <p:nvSpPr>
+          <p:cNvPr id="26" name="圆角矩形 25"/>
+          <p:cNvSpPr/>
+          <p:nvPr/>
+        </p:nvSpPr>
+        <p:spPr>
+          <a:xfrm>
+            <a:off x="1002665" y="1423035"/>
+            <a:ext cx="2546350" cy="548005"/>
+          </a:xfrm>
+          <a:prstGeom prst="roundRect">
+            <a:avLst/>
+          </a:prstGeom>
+        </p:spPr>
+        <p:style>
+          <a:lnRef idx="2">
+            <a:schemeClr val="accent3">
+              <a:shade val="50000"/>
+            </a:schemeClr>
+          </a:lnRef>
+          <a:fillRef idx="1">
+            <a:schemeClr val="accent3"/>
+          </a:fillRef>
+          <a:effectRef idx="0">
+            <a:schemeClr val="accent3"/>
+          </a:effectRef>
+          <a:fontRef idx="minor">
+            <a:schemeClr val="lt1"/>
+          </a:fontRef>
+        </p:style>
+        <p:txBody>
+          <a:bodyPr rtlCol="0" anchor="ctr"/>
+          <a:p>
+            <a:pPr algn="ctr"/>
+            <a:r>
+              <a:rPr lang="zh-CN" altLang="en-US"/>
+              <a:t>局部变量表</a:t>
+            </a:r>
+            <a:br>
+              <a:rPr lang="zh-CN" altLang="en-US"/>
+            </a:br>
+            <a:r>
+              <a:rPr lang="en-US" altLang="zh-CN"/>
+              <a:t>Local Variable Table</a:t>
+            </a:r>
+            <a:endParaRPr lang="en-US" altLang="zh-CN"/>
+          </a:p>
+        </p:txBody>
+      </p:sp>
+      <p:sp>
+        <p:nvSpPr>
+          <p:cNvPr id="29" name="圆角矩形 28"/>
+          <p:cNvSpPr/>
+          <p:nvPr/>
+        </p:nvSpPr>
+        <p:spPr>
+          <a:xfrm>
+            <a:off x="1002665" y="2185035"/>
+            <a:ext cx="2546350" cy="548005"/>
+          </a:xfrm>
+          <a:prstGeom prst="roundRect">
+            <a:avLst/>
+          </a:prstGeom>
+        </p:spPr>
+        <p:style>
+          <a:lnRef idx="2">
+            <a:schemeClr val="accent3">
+              <a:shade val="50000"/>
+            </a:schemeClr>
+          </a:lnRef>
+          <a:fillRef idx="1">
+            <a:schemeClr val="accent3"/>
+          </a:fillRef>
+          <a:effectRef idx="0">
+            <a:schemeClr val="accent3"/>
+          </a:effectRef>
+          <a:fontRef idx="minor">
+            <a:schemeClr val="lt1"/>
+          </a:fontRef>
+        </p:style>
+        <p:txBody>
+          <a:bodyPr rtlCol="0" anchor="ctr"/>
+          <a:p>
+            <a:pPr algn="ctr"/>
+            <a:r>
+              <a:rPr lang="zh-CN"/>
+              <a:t>操作栈</a:t>
+            </a:r>
+            <a:br>
+              <a:rPr lang="zh-CN"/>
+            </a:br>
+            <a:r>
+              <a:rPr lang="en-US" altLang="zh-CN"/>
+              <a:t>Operand Stack</a:t>
+            </a:r>
+            <a:endParaRPr lang="en-US" altLang="zh-CN"/>
+          </a:p>
+        </p:txBody>
+      </p:sp>
+      <p:sp>
+        <p:nvSpPr>
+          <p:cNvPr id="31" name="圆角矩形 30"/>
+          <p:cNvSpPr/>
+          <p:nvPr/>
+        </p:nvSpPr>
+        <p:spPr>
+          <a:xfrm>
+            <a:off x="1002665" y="2980055"/>
+            <a:ext cx="2546350" cy="548005"/>
+          </a:xfrm>
+          <a:prstGeom prst="roundRect">
+            <a:avLst/>
+          </a:prstGeom>
+        </p:spPr>
+        <p:style>
+          <a:lnRef idx="2">
+            <a:schemeClr val="accent3">
+              <a:shade val="50000"/>
+            </a:schemeClr>
+          </a:lnRef>
+          <a:fillRef idx="1">
+            <a:schemeClr val="accent3"/>
+          </a:fillRef>
+          <a:effectRef idx="0">
+            <a:schemeClr val="accent3"/>
+          </a:effectRef>
+          <a:fontRef idx="minor">
+            <a:schemeClr val="lt1"/>
+          </a:fontRef>
+        </p:style>
+        <p:txBody>
+          <a:bodyPr rtlCol="0" anchor="ctr"/>
+          <a:p>
+            <a:pPr algn="ctr"/>
+            <a:r>
+              <a:rPr lang="zh-CN"/>
+              <a:t>动态连接</a:t>
+            </a:r>
+            <a:br>
+              <a:rPr lang="zh-CN"/>
+            </a:br>
+            <a:r>
+              <a:rPr lang="en-US" altLang="zh-CN"/>
+              <a:t>Dynamic Linking</a:t>
+            </a:r>
+            <a:endParaRPr lang="en-US" altLang="zh-CN"/>
+          </a:p>
+        </p:txBody>
+      </p:sp>
+      <p:sp>
+        <p:nvSpPr>
+          <p:cNvPr id="32" name="圆角矩形 31"/>
+          <p:cNvSpPr/>
+          <p:nvPr/>
+        </p:nvSpPr>
+        <p:spPr>
+          <a:xfrm>
+            <a:off x="992505" y="3784600"/>
+            <a:ext cx="2546350" cy="548005"/>
+          </a:xfrm>
+          <a:prstGeom prst="roundRect">
+            <a:avLst/>
+          </a:prstGeom>
+        </p:spPr>
+        <p:style>
+          <a:lnRef idx="2">
+            <a:schemeClr val="accent3">
+              <a:shade val="50000"/>
+            </a:schemeClr>
+          </a:lnRef>
+          <a:fillRef idx="1">
+            <a:schemeClr val="accent3"/>
+          </a:fillRef>
+          <a:effectRef idx="0">
+            <a:schemeClr val="accent3"/>
+          </a:effectRef>
+          <a:fontRef idx="minor">
+            <a:schemeClr val="lt1"/>
+          </a:fontRef>
+        </p:style>
+        <p:txBody>
+          <a:bodyPr rtlCol="0" anchor="ctr"/>
+          <a:p>
+            <a:pPr algn="ctr"/>
+            <a:r>
+              <a:rPr lang="zh-CN" altLang="en-US"/>
+              <a:t>返回地址</a:t>
+            </a:r>
+            <a:br>
+              <a:rPr lang="zh-CN" altLang="en-US"/>
+            </a:br>
+            <a:r>
+              <a:rPr lang="en-US" altLang="zh-CN"/>
+              <a:t>Return Address</a:t>
+            </a:r>
+            <a:endParaRPr lang="en-US" altLang="zh-CN"/>
+          </a:p>
+        </p:txBody>
+      </p:sp>
+      <p:sp>
+        <p:nvSpPr>
+          <p:cNvPr id="33" name="文本框 32"/>
+          <p:cNvSpPr txBox="1"/>
+          <p:nvPr/>
+        </p:nvSpPr>
+        <p:spPr>
+          <a:xfrm>
+            <a:off x="1233170" y="543560"/>
+            <a:ext cx="2066290" cy="645160"/>
+          </a:xfrm>
+          <a:prstGeom prst="rect">
+            <a:avLst/>
+          </a:prstGeom>
+          <a:noFill/>
+        </p:spPr>
+        <p:txBody>
+          <a:bodyPr wrap="none" rtlCol="0">
+            <a:spAutoFit/>
+          </a:bodyPr>
+          <a:p>
+            <a:pPr algn="ctr"/>
+            <a:r>
+              <a:rPr lang="zh-CN" altLang="en-US">
+                <a:solidFill>
+                  <a:schemeClr val="bg1"/>
+                </a:solidFill>
+              </a:rPr>
+              <a:t>当前栈帧</a:t>
+            </a:r>
+            <a:br>
+              <a:rPr lang="zh-CN" altLang="en-US">
+                <a:solidFill>
+                  <a:schemeClr val="bg1"/>
+                </a:solidFill>
+              </a:rPr>
+            </a:br>
+            <a:r>
+              <a:rPr lang="en-US" altLang="zh-CN">
+                <a:solidFill>
+                  <a:schemeClr val="bg1"/>
+                </a:solidFill>
+              </a:rPr>
+              <a:t>Current Stack Frame</a:t>
+            </a:r>
+            <a:endParaRPr lang="en-US" altLang="zh-CN">
+              <a:solidFill>
+                <a:schemeClr val="bg1"/>
+              </a:solidFill>
+            </a:endParaRPr>
+          </a:p>
+        </p:txBody>
+      </p:sp>
+      <p:cxnSp>
+        <p:nvCxnSpPr>
+          <p:cNvPr id="34" name="直接连接符 33"/>
+          <p:cNvCxnSpPr/>
+          <p:nvPr/>
+        </p:nvCxnSpPr>
+        <p:spPr>
+          <a:xfrm>
+            <a:off x="881380" y="1243330"/>
+            <a:ext cx="2758440" cy="0"/>
+          </a:xfrm>
+          <a:prstGeom prst="line">
+            <a:avLst/>
+          </a:prstGeom>
+        </p:spPr>
+        <p:style>
+          <a:lnRef idx="2">
+            <a:schemeClr val="accent2"/>
+          </a:lnRef>
+          <a:fillRef idx="0">
+            <a:schemeClr val="accent2"/>
+          </a:fillRef>
+          <a:effectRef idx="1">
+            <a:schemeClr val="accent2"/>
+          </a:effectRef>
+          <a:fontRef idx="minor">
+            <a:schemeClr val="tx1"/>
+          </a:fontRef>
+        </p:style>
+      </p:cxnSp>
+      <p:cxnSp>
+        <p:nvCxnSpPr>
+          <p:cNvPr id="35" name="直接连接符 34"/>
+          <p:cNvCxnSpPr/>
+          <p:nvPr/>
+        </p:nvCxnSpPr>
+        <p:spPr>
+          <a:xfrm>
+            <a:off x="896620" y="4819015"/>
+            <a:ext cx="2758440" cy="0"/>
+          </a:xfrm>
+          <a:prstGeom prst="line">
+            <a:avLst/>
+          </a:prstGeom>
+        </p:spPr>
+        <p:style>
+          <a:lnRef idx="2">
+            <a:schemeClr val="accent2"/>
+          </a:lnRef>
+          <a:fillRef idx="0">
+            <a:schemeClr val="accent2"/>
+          </a:fillRef>
+          <a:effectRef idx="1">
+            <a:schemeClr val="accent2"/>
+          </a:effectRef>
+          <a:fontRef idx="minor">
+            <a:schemeClr val="tx1"/>
+          </a:fontRef>
+        </p:style>
+      </p:cxnSp>
+      <p:sp>
+        <p:nvSpPr>
+          <p:cNvPr id="36" name="文本框 35"/>
+          <p:cNvSpPr txBox="1"/>
+          <p:nvPr/>
+        </p:nvSpPr>
+        <p:spPr>
+          <a:xfrm>
+            <a:off x="1773555" y="4332605"/>
+            <a:ext cx="985520" cy="368300"/>
+          </a:xfrm>
+          <a:prstGeom prst="rect">
+            <a:avLst/>
+          </a:prstGeom>
+          <a:noFill/>
+        </p:spPr>
+        <p:txBody>
+          <a:bodyPr wrap="none" rtlCol="0">
+            <a:spAutoFit/>
+          </a:bodyPr>
+          <a:p>
+            <a:r>
+              <a:rPr lang="en-US" altLang="zh-CN">
+                <a:solidFill>
+                  <a:schemeClr val="bg1"/>
+                </a:solidFill>
+              </a:rPr>
+              <a:t>...... .......</a:t>
+            </a:r>
+            <a:endParaRPr lang="en-US" altLang="zh-CN">
+              <a:solidFill>
+                <a:schemeClr val="bg1"/>
+              </a:solidFill>
+            </a:endParaRPr>
+          </a:p>
+        </p:txBody>
+      </p:sp>
+      <p:cxnSp>
+        <p:nvCxnSpPr>
+          <p:cNvPr id="37" name="直接连接符 36"/>
+          <p:cNvCxnSpPr/>
+          <p:nvPr/>
+        </p:nvCxnSpPr>
+        <p:spPr>
+          <a:xfrm>
+            <a:off x="896620" y="5464175"/>
+            <a:ext cx="2758440" cy="0"/>
+          </a:xfrm>
+          <a:prstGeom prst="line">
+            <a:avLst/>
+          </a:prstGeom>
+        </p:spPr>
+        <p:style>
+          <a:lnRef idx="2">
+            <a:schemeClr val="accent2"/>
+          </a:lnRef>
+          <a:fillRef idx="0">
+            <a:schemeClr val="accent2"/>
+          </a:fillRef>
+          <a:effectRef idx="1">
+            <a:schemeClr val="accent2"/>
+          </a:effectRef>
+          <a:fontRef idx="minor">
+            <a:schemeClr val="tx1"/>
+          </a:fontRef>
+        </p:style>
+      </p:cxnSp>
+      <p:sp>
+        <p:nvSpPr>
+          <p:cNvPr id="40" name="文本框 39"/>
+          <p:cNvSpPr txBox="1"/>
+          <p:nvPr/>
+        </p:nvSpPr>
+        <p:spPr>
+          <a:xfrm>
+            <a:off x="1536065" y="4819015"/>
+            <a:ext cx="1479550" cy="645160"/>
+          </a:xfrm>
+          <a:prstGeom prst="rect">
+            <a:avLst/>
+          </a:prstGeom>
+          <a:noFill/>
+        </p:spPr>
+        <p:txBody>
+          <a:bodyPr wrap="none" rtlCol="0">
+            <a:spAutoFit/>
+          </a:bodyPr>
+          <a:p>
+            <a:pPr algn="ctr"/>
+            <a:r>
+              <a:rPr lang="zh-CN" altLang="en-US">
+                <a:solidFill>
+                  <a:schemeClr val="bg1"/>
+                </a:solidFill>
+              </a:rPr>
+              <a:t>栈帧 </a:t>
+            </a:r>
+            <a:r>
+              <a:rPr lang="en-US" altLang="zh-CN">
+                <a:solidFill>
+                  <a:schemeClr val="bg1"/>
+                </a:solidFill>
+              </a:rPr>
+              <a:t>n</a:t>
+            </a:r>
+            <a:br>
+              <a:rPr lang="en-US" altLang="zh-CN">
+                <a:solidFill>
+                  <a:schemeClr val="bg1"/>
+                </a:solidFill>
+              </a:rPr>
+            </a:br>
+            <a:r>
+              <a:rPr lang="en-US" altLang="zh-CN">
+                <a:solidFill>
+                  <a:schemeClr val="bg1"/>
+                </a:solidFill>
+              </a:rPr>
+              <a:t>Stack Frame n</a:t>
+            </a:r>
+            <a:endParaRPr lang="en-US" altLang="zh-CN">
+              <a:solidFill>
+                <a:schemeClr val="bg1"/>
+              </a:solidFill>
+            </a:endParaRPr>
+          </a:p>
+        </p:txBody>
+      </p:sp>
+      <p:sp>
+        <p:nvSpPr>
+          <p:cNvPr id="42" name="文本框 41"/>
+          <p:cNvSpPr txBox="1"/>
+          <p:nvPr/>
+        </p:nvSpPr>
+        <p:spPr>
+          <a:xfrm>
+            <a:off x="1523048" y="5464175"/>
+            <a:ext cx="1475105" cy="645160"/>
+          </a:xfrm>
+          <a:prstGeom prst="rect">
+            <a:avLst/>
+          </a:prstGeom>
+          <a:noFill/>
+        </p:spPr>
+        <p:txBody>
+          <a:bodyPr wrap="none" rtlCol="0">
+            <a:spAutoFit/>
+          </a:bodyPr>
+          <a:p>
+            <a:pPr algn="ctr"/>
+            <a:r>
+              <a:rPr lang="zh-CN" altLang="en-US">
+                <a:solidFill>
+                  <a:schemeClr val="bg1"/>
+                </a:solidFill>
+              </a:rPr>
+              <a:t>栈帧 </a:t>
+            </a:r>
+            <a:r>
+              <a:rPr lang="en-US" altLang="zh-CN">
+                <a:solidFill>
+                  <a:schemeClr val="bg1"/>
+                </a:solidFill>
+              </a:rPr>
+              <a:t>2</a:t>
+            </a:r>
+            <a:br>
+              <a:rPr lang="en-US" altLang="zh-CN">
+                <a:solidFill>
+                  <a:schemeClr val="bg1"/>
+                </a:solidFill>
+              </a:rPr>
+            </a:br>
+            <a:r>
+              <a:rPr lang="en-US" altLang="zh-CN">
+                <a:solidFill>
+                  <a:schemeClr val="bg1"/>
+                </a:solidFill>
+              </a:rPr>
+              <a:t>Stack Frame 2</a:t>
+            </a:r>
+            <a:endParaRPr lang="en-US" altLang="zh-CN">
+              <a:solidFill>
+                <a:schemeClr val="bg1"/>
+              </a:solidFill>
+            </a:endParaRPr>
+          </a:p>
+        </p:txBody>
+      </p:sp>
+      <p:cxnSp>
+        <p:nvCxnSpPr>
+          <p:cNvPr id="43" name="直接连接符 42"/>
+          <p:cNvCxnSpPr/>
+          <p:nvPr/>
+        </p:nvCxnSpPr>
+        <p:spPr>
+          <a:xfrm>
+            <a:off x="896620" y="6109335"/>
+            <a:ext cx="2758440" cy="0"/>
+          </a:xfrm>
+          <a:prstGeom prst="line">
+            <a:avLst/>
+          </a:prstGeom>
+        </p:spPr>
+        <p:style>
+          <a:lnRef idx="2">
+            <a:schemeClr val="accent2"/>
+          </a:lnRef>
+          <a:fillRef idx="0">
+            <a:schemeClr val="accent2"/>
+          </a:fillRef>
+          <a:effectRef idx="1">
+            <a:schemeClr val="accent2"/>
+          </a:effectRef>
+          <a:fontRef idx="minor">
+            <a:schemeClr val="tx1"/>
+          </a:fontRef>
+        </p:style>
+      </p:cxnSp>
+      <p:sp>
+        <p:nvSpPr>
+          <p:cNvPr id="45" name="文本框 44"/>
+          <p:cNvSpPr txBox="1"/>
+          <p:nvPr/>
+        </p:nvSpPr>
+        <p:spPr>
+          <a:xfrm>
+            <a:off x="1522413" y="6109335"/>
+            <a:ext cx="1475105" cy="645160"/>
+          </a:xfrm>
+          <a:prstGeom prst="rect">
+            <a:avLst/>
+          </a:prstGeom>
+          <a:noFill/>
+        </p:spPr>
+        <p:txBody>
+          <a:bodyPr wrap="none" rtlCol="0">
+            <a:spAutoFit/>
+          </a:bodyPr>
+          <a:p>
+            <a:pPr algn="ctr"/>
+            <a:r>
+              <a:rPr lang="zh-CN" altLang="en-US">
+                <a:solidFill>
+                  <a:schemeClr val="bg1"/>
+                </a:solidFill>
+              </a:rPr>
+              <a:t>栈帧 </a:t>
+            </a:r>
+            <a:r>
+              <a:rPr lang="en-US" altLang="zh-CN">
+                <a:solidFill>
+                  <a:schemeClr val="bg1"/>
+                </a:solidFill>
+              </a:rPr>
+              <a:t>1</a:t>
+            </a:r>
+            <a:br>
+              <a:rPr lang="en-US" altLang="zh-CN">
+                <a:solidFill>
+                  <a:schemeClr val="bg1"/>
+                </a:solidFill>
+              </a:rPr>
+            </a:br>
+            <a:r>
+              <a:rPr lang="en-US" altLang="zh-CN">
+                <a:solidFill>
+                  <a:schemeClr val="bg1"/>
+                </a:solidFill>
+              </a:rPr>
+              <a:t>Stack Frame 1</a:t>
+            </a:r>
+            <a:endParaRPr lang="en-US" altLang="zh-CN">
+              <a:solidFill>
+                <a:schemeClr val="bg1"/>
+              </a:solidFill>
+            </a:endParaRPr>
+          </a:p>
+        </p:txBody>
+      </p:sp>
+      <p:sp>
+        <p:nvSpPr>
+          <p:cNvPr id="47" name="圆角矩形 46"/>
+          <p:cNvSpPr/>
+          <p:nvPr/>
+        </p:nvSpPr>
+        <p:spPr>
+          <a:xfrm>
+            <a:off x="3838575" y="558165"/>
+            <a:ext cx="974725" cy="6196330"/>
+          </a:xfrm>
+          <a:prstGeom prst="roundRect">
+            <a:avLst/>
+          </a:prstGeom>
+        </p:spPr>
+        <p:style>
+          <a:lnRef idx="2">
+            <a:schemeClr val="accent1">
+              <a:shade val="50000"/>
+            </a:schemeClr>
+          </a:lnRef>
+          <a:fillRef idx="1">
+            <a:schemeClr val="accent1"/>
+          </a:fillRef>
+          <a:effectRef idx="0">
+            <a:schemeClr val="accent1"/>
+          </a:effectRef>
+          <a:fontRef idx="minor">
+            <a:schemeClr val="lt1"/>
+          </a:fontRef>
+        </p:style>
+        <p:txBody>
+          <a:bodyPr rtlCol="0" anchor="ctr"/>
+          <a:p>
+            <a:pPr algn="ctr"/>
+            <a:endParaRPr lang="zh-CN" altLang="en-US"/>
+          </a:p>
+        </p:txBody>
+      </p:sp>
+      <p:sp>
+        <p:nvSpPr>
+          <p:cNvPr id="51" name="文本框 50"/>
+          <p:cNvSpPr txBox="1"/>
+          <p:nvPr/>
+        </p:nvSpPr>
+        <p:spPr>
+          <a:xfrm>
+            <a:off x="1727200" y="80645"/>
+            <a:ext cx="1097280" cy="368300"/>
+          </a:xfrm>
+          <a:prstGeom prst="rect">
+            <a:avLst/>
+          </a:prstGeom>
+          <a:noFill/>
+        </p:spPr>
+        <p:txBody>
+          <a:bodyPr wrap="none" rtlCol="0">
+            <a:spAutoFit/>
+          </a:bodyPr>
+          <a:p>
+            <a:pPr algn="ctr"/>
+            <a:r>
+              <a:rPr lang="zh-CN" altLang="en-US">
+                <a:solidFill>
+                  <a:schemeClr val="tx1"/>
+                </a:solidFill>
+              </a:rPr>
+              <a:t>当前线程</a:t>
+            </a:r>
+            <a:endParaRPr lang="zh-CN" altLang="en-US">
+              <a:solidFill>
+                <a:schemeClr val="tx1"/>
+              </a:solidFill>
+            </a:endParaRPr>
+          </a:p>
+        </p:txBody>
+      </p:sp>
+      <p:sp>
+        <p:nvSpPr>
+          <p:cNvPr id="52" name="文本框 51"/>
+          <p:cNvSpPr txBox="1"/>
+          <p:nvPr/>
+        </p:nvSpPr>
+        <p:spPr>
+          <a:xfrm>
+            <a:off x="3922078" y="80645"/>
+            <a:ext cx="807085" cy="368300"/>
+          </a:xfrm>
+          <a:prstGeom prst="rect">
+            <a:avLst/>
+          </a:prstGeom>
+          <a:noFill/>
+        </p:spPr>
+        <p:txBody>
+          <a:bodyPr wrap="none" rtlCol="0">
+            <a:spAutoFit/>
+          </a:bodyPr>
+          <a:p>
+            <a:pPr algn="ctr"/>
+            <a:r>
+              <a:rPr lang="zh-CN" altLang="en-US">
+                <a:solidFill>
+                  <a:schemeClr val="tx1"/>
+                </a:solidFill>
+              </a:rPr>
+              <a:t>线程 </a:t>
+            </a:r>
+            <a:r>
+              <a:rPr lang="en-US" altLang="zh-CN">
+                <a:solidFill>
+                  <a:schemeClr val="tx1"/>
+                </a:solidFill>
+              </a:rPr>
+              <a:t>2</a:t>
+            </a:r>
+            <a:endParaRPr lang="en-US" altLang="zh-CN">
+              <a:solidFill>
+                <a:schemeClr val="tx1"/>
+              </a:solidFill>
+            </a:endParaRPr>
+          </a:p>
+        </p:txBody>
+      </p:sp>
+      <p:sp>
+        <p:nvSpPr>
+          <p:cNvPr id="53" name="圆角矩形 52"/>
+          <p:cNvSpPr/>
+          <p:nvPr/>
+        </p:nvSpPr>
+        <p:spPr>
+          <a:xfrm>
+            <a:off x="5340985" y="558165"/>
+            <a:ext cx="974725" cy="6196330"/>
+          </a:xfrm>
+          <a:prstGeom prst="roundRect">
+            <a:avLst/>
+          </a:prstGeom>
+        </p:spPr>
+        <p:style>
+          <a:lnRef idx="2">
+            <a:schemeClr val="accent1">
+              <a:shade val="50000"/>
+            </a:schemeClr>
+          </a:lnRef>
+          <a:fillRef idx="1">
+            <a:schemeClr val="accent1"/>
+          </a:fillRef>
+          <a:effectRef idx="0">
+            <a:schemeClr val="accent1"/>
+          </a:effectRef>
+          <a:fontRef idx="minor">
+            <a:schemeClr val="lt1"/>
+          </a:fontRef>
+        </p:style>
+        <p:txBody>
+          <a:bodyPr rtlCol="0" anchor="ctr"/>
+          <a:p>
+            <a:pPr algn="ctr"/>
+            <a:endParaRPr lang="zh-CN" altLang="en-US"/>
+          </a:p>
+        </p:txBody>
+      </p:sp>
+      <p:sp>
+        <p:nvSpPr>
+          <p:cNvPr id="54" name="文本框 53"/>
+          <p:cNvSpPr txBox="1"/>
+          <p:nvPr/>
+        </p:nvSpPr>
+        <p:spPr>
+          <a:xfrm>
+            <a:off x="5422265" y="80645"/>
+            <a:ext cx="811530" cy="368300"/>
+          </a:xfrm>
+          <a:prstGeom prst="rect">
+            <a:avLst/>
+          </a:prstGeom>
+          <a:noFill/>
+        </p:spPr>
+        <p:txBody>
+          <a:bodyPr wrap="none" rtlCol="0">
+            <a:spAutoFit/>
+          </a:bodyPr>
+          <a:p>
+            <a:pPr algn="ctr"/>
+            <a:r>
+              <a:rPr lang="zh-CN" altLang="en-US">
+                <a:solidFill>
+                  <a:schemeClr val="tx1"/>
+                </a:solidFill>
+              </a:rPr>
+              <a:t>线程 </a:t>
+            </a:r>
+            <a:r>
+              <a:rPr lang="en-US" altLang="zh-CN">
+                <a:solidFill>
+                  <a:schemeClr val="tx1"/>
+                </a:solidFill>
+              </a:rPr>
+              <a:t>n</a:t>
+            </a:r>
+            <a:endParaRPr lang="en-US" altLang="zh-CN">
+              <a:solidFill>
+                <a:schemeClr val="tx1"/>
+              </a:solidFill>
+            </a:endParaRPr>
+          </a:p>
+        </p:txBody>
+      </p:sp>
+      <p:sp>
+        <p:nvSpPr>
+          <p:cNvPr id="55" name="文本框 54"/>
+          <p:cNvSpPr txBox="1"/>
+          <p:nvPr/>
+        </p:nvSpPr>
+        <p:spPr>
+          <a:xfrm>
+            <a:off x="4813300" y="3457575"/>
+            <a:ext cx="529590" cy="368300"/>
+          </a:xfrm>
+          <a:prstGeom prst="rect">
+            <a:avLst/>
+          </a:prstGeom>
+          <a:noFill/>
+        </p:spPr>
+        <p:txBody>
+          <a:bodyPr wrap="none" rtlCol="0">
+            <a:spAutoFit/>
+          </a:bodyPr>
+          <a:p>
+            <a:r>
+              <a:rPr lang="en-US" altLang="zh-CN">
+                <a:solidFill>
+                  <a:schemeClr val="tx1"/>
+                </a:solidFill>
+              </a:rPr>
+              <a:t>......</a:t>
+            </a:r>
+            <a:endParaRPr lang="en-US" altLang="zh-CN">
+              <a:solidFill>
+                <a:schemeClr val="tx1"/>
+              </a:solidFill>
+            </a:endParaRPr>
+          </a:p>
+        </p:txBody>
+      </p:sp>
+      <p:sp>
+        <p:nvSpPr>
+          <p:cNvPr id="56" name="文本框 55"/>
+          <p:cNvSpPr txBox="1"/>
+          <p:nvPr/>
+        </p:nvSpPr>
+        <p:spPr>
+          <a:xfrm>
+            <a:off x="9300845" y="1161415"/>
+            <a:ext cx="1783080" cy="368300"/>
+          </a:xfrm>
+          <a:prstGeom prst="rect">
+            <a:avLst/>
+          </a:prstGeom>
+          <a:noFill/>
+        </p:spPr>
+        <p:txBody>
+          <a:bodyPr wrap="none" rtlCol="0">
+            <a:spAutoFit/>
+          </a:bodyPr>
+          <a:p>
+            <a:r>
+              <a:rPr lang="zh-CN" altLang="en-US"/>
+              <a:t>栈帧的概念结构</a:t>
+            </a:r>
+            <a:endParaRPr lang="zh-CN" altLang="en-US"/>
+          </a:p>
+        </p:txBody>
+      </p:sp>
+    </p:spTree>
+  </p:cSld>
+  <p:clrMapOvr>
+    <a:masterClrMapping/>
+  </p:clrMapOvr>
+</p:sld>
+</file>
+
+<file path=ppt/slides/slide23.xml><?xml version="1.0" encoding="utf-8"?>
+<p:sld xmlns:a="http://schemas.openxmlformats.org/drawingml/2006/main" xmlns:r="http://schemas.openxmlformats.org/officeDocument/2006/relationships" xmlns:p="http://schemas.openxmlformats.org/presentationml/2006/main">
+  <p:cSld>
+    <p:bg>
+      <p:bgPr>
+        <a:solidFill>
+          <a:schemeClr val="bg2"/>
+        </a:solidFill>
+        <a:effectLst/>
+      </p:bgPr>
+    </p:bg>
+    <p:spTree>
+      <p:nvGrpSpPr>
+        <p:cNvPr id="1" name=""/>
+        <p:cNvGrpSpPr/>
+        <p:nvPr/>
+      </p:nvGrpSpPr>
+      <p:grpSpPr>
+        <a:xfrm>
+          <a:off x="0" y="0"/>
+          <a:ext cx="0" cy="0"/>
+          <a:chOff x="0" y="0"/>
+          <a:chExt cx="0" cy="0"/>
+        </a:xfrm>
+      </p:grpSpPr>
+      <p:sp>
+        <p:nvSpPr>
+          <p:cNvPr id="24" name="圆角矩形 23"/>
+          <p:cNvSpPr/>
+          <p:nvPr/>
+        </p:nvSpPr>
+        <p:spPr>
+          <a:xfrm>
+            <a:off x="982345" y="2729230"/>
+            <a:ext cx="2769235" cy="2606040"/>
+          </a:xfrm>
+          <a:prstGeom prst="roundRect">
+            <a:avLst/>
+          </a:prstGeom>
+        </p:spPr>
+        <p:style>
+          <a:lnRef idx="2">
+            <a:schemeClr val="accent1">
+              <a:shade val="50000"/>
+            </a:schemeClr>
+          </a:lnRef>
+          <a:fillRef idx="1">
+            <a:schemeClr val="accent1"/>
+          </a:fillRef>
+          <a:effectRef idx="0">
+            <a:schemeClr val="accent1"/>
+          </a:effectRef>
+          <a:fontRef idx="minor">
+            <a:schemeClr val="lt1"/>
+          </a:fontRef>
+        </p:style>
+        <p:txBody>
+          <a:bodyPr rtlCol="0" anchor="ctr"/>
+          <a:p>
+            <a:pPr algn="ctr"/>
+            <a:endParaRPr lang="zh-CN" altLang="en-US"/>
+          </a:p>
+        </p:txBody>
+      </p:sp>
+      <p:sp>
+        <p:nvSpPr>
+          <p:cNvPr id="33" name="文本框 32"/>
+          <p:cNvSpPr txBox="1"/>
+          <p:nvPr/>
+        </p:nvSpPr>
+        <p:spPr>
+          <a:xfrm>
+            <a:off x="1370965" y="2847340"/>
+            <a:ext cx="2011680" cy="368300"/>
+          </a:xfrm>
+          <a:prstGeom prst="rect">
+            <a:avLst/>
+          </a:prstGeom>
+          <a:noFill/>
+        </p:spPr>
+        <p:txBody>
+          <a:bodyPr wrap="none" rtlCol="0">
+            <a:spAutoFit/>
+          </a:bodyPr>
+          <a:p>
+            <a:pPr algn="ctr"/>
+            <a:r>
+              <a:rPr lang="zh-CN">
+                <a:solidFill>
+                  <a:schemeClr val="bg1"/>
+                </a:solidFill>
+              </a:rPr>
+              <a:t>操作数栈共享区域</a:t>
+            </a:r>
+            <a:endParaRPr lang="zh-CN">
+              <a:solidFill>
+                <a:schemeClr val="bg1"/>
+              </a:solidFill>
+            </a:endParaRPr>
+          </a:p>
+        </p:txBody>
+      </p:sp>
+      <p:cxnSp>
+        <p:nvCxnSpPr>
+          <p:cNvPr id="34" name="直接连接符 33"/>
+          <p:cNvCxnSpPr/>
+          <p:nvPr/>
+        </p:nvCxnSpPr>
+        <p:spPr>
+          <a:xfrm flipV="1">
+            <a:off x="982345" y="3428365"/>
+            <a:ext cx="4666615" cy="635"/>
+          </a:xfrm>
+          <a:prstGeom prst="line">
+            <a:avLst/>
+          </a:prstGeom>
+          <a:ln w="12700" cmpd="sng">
+            <a:solidFill>
+              <a:schemeClr val="accent2"/>
+            </a:solidFill>
+            <a:prstDash val="dash"/>
+          </a:ln>
+        </p:spPr>
+        <p:style>
+          <a:lnRef idx="2">
+            <a:schemeClr val="accent2"/>
+          </a:lnRef>
+          <a:fillRef idx="0">
+            <a:schemeClr val="accent2"/>
+          </a:fillRef>
+          <a:effectRef idx="1">
+            <a:schemeClr val="accent2"/>
+          </a:effectRef>
+          <a:fontRef idx="minor">
+            <a:schemeClr val="tx1"/>
+          </a:fontRef>
+        </p:style>
+      </p:cxnSp>
+      <p:sp>
+        <p:nvSpPr>
+          <p:cNvPr id="56" name="文本框 55"/>
+          <p:cNvSpPr txBox="1"/>
+          <p:nvPr/>
+        </p:nvSpPr>
+        <p:spPr>
+          <a:xfrm>
+            <a:off x="9300845" y="1161415"/>
+            <a:ext cx="2697480" cy="368300"/>
+          </a:xfrm>
+          <a:prstGeom prst="rect">
+            <a:avLst/>
+          </a:prstGeom>
+          <a:noFill/>
+        </p:spPr>
+        <p:txBody>
+          <a:bodyPr wrap="none" rtlCol="0">
+            <a:spAutoFit/>
+          </a:bodyPr>
+          <a:p>
+            <a:pPr algn="l"/>
+            <a:r>
+              <a:rPr lang="zh-CN" altLang="en-US">
+                <a:sym typeface="+mn-ea"/>
+              </a:rPr>
+              <a:t>两个栈帧之间的数据共享</a:t>
+            </a:r>
+            <a:endParaRPr lang="zh-CN" altLang="en-US"/>
+          </a:p>
+        </p:txBody>
+      </p:sp>
+      <p:cxnSp>
+        <p:nvCxnSpPr>
+          <p:cNvPr id="2" name="直接连接符 1"/>
+          <p:cNvCxnSpPr/>
+          <p:nvPr/>
+        </p:nvCxnSpPr>
+        <p:spPr>
+          <a:xfrm>
+            <a:off x="997585" y="4083685"/>
+            <a:ext cx="2758440" cy="0"/>
+          </a:xfrm>
+          <a:prstGeom prst="line">
+            <a:avLst/>
+          </a:prstGeom>
+          <a:ln w="12700" cmpd="sng">
+            <a:solidFill>
+              <a:schemeClr val="accent2"/>
+            </a:solidFill>
+            <a:prstDash val="solid"/>
+          </a:ln>
+        </p:spPr>
+        <p:style>
+          <a:lnRef idx="2">
+            <a:schemeClr val="accent2"/>
+          </a:lnRef>
+          <a:fillRef idx="0">
+            <a:schemeClr val="accent2"/>
+          </a:fillRef>
+          <a:effectRef idx="1">
+            <a:schemeClr val="accent2"/>
+          </a:effectRef>
+          <a:fontRef idx="minor">
+            <a:schemeClr val="tx1"/>
+          </a:fontRef>
+        </p:style>
+      </p:cxnSp>
+      <p:sp>
+        <p:nvSpPr>
+          <p:cNvPr id="3" name="文本框 2"/>
+          <p:cNvSpPr txBox="1"/>
+          <p:nvPr/>
+        </p:nvSpPr>
+        <p:spPr>
+          <a:xfrm>
+            <a:off x="1828165" y="3571875"/>
+            <a:ext cx="1097280" cy="368300"/>
+          </a:xfrm>
+          <a:prstGeom prst="rect">
+            <a:avLst/>
+          </a:prstGeom>
+          <a:noFill/>
+        </p:spPr>
+        <p:txBody>
+          <a:bodyPr wrap="none" rtlCol="0">
+            <a:spAutoFit/>
+          </a:bodyPr>
+          <a:p>
+            <a:pPr algn="ctr"/>
+            <a:r>
+              <a:rPr lang="zh-CN">
+                <a:solidFill>
+                  <a:schemeClr val="bg1"/>
+                </a:solidFill>
+              </a:rPr>
+              <a:t>操作数栈</a:t>
+            </a:r>
+            <a:endParaRPr lang="zh-CN">
+              <a:solidFill>
+                <a:schemeClr val="bg1"/>
+              </a:solidFill>
+            </a:endParaRPr>
+          </a:p>
+        </p:txBody>
+      </p:sp>
+      <p:cxnSp>
+        <p:nvCxnSpPr>
+          <p:cNvPr id="7" name="直接连接符 6"/>
+          <p:cNvCxnSpPr/>
+          <p:nvPr/>
+        </p:nvCxnSpPr>
+        <p:spPr>
+          <a:xfrm>
+            <a:off x="997585" y="4737735"/>
+            <a:ext cx="2758440" cy="0"/>
+          </a:xfrm>
+          <a:prstGeom prst="line">
+            <a:avLst/>
+          </a:prstGeom>
+          <a:ln w="12700" cmpd="sng">
+            <a:solidFill>
+              <a:schemeClr val="accent2"/>
+            </a:solidFill>
+            <a:prstDash val="solid"/>
+          </a:ln>
+        </p:spPr>
+        <p:style>
+          <a:lnRef idx="2">
+            <a:schemeClr val="accent2"/>
+          </a:lnRef>
+          <a:fillRef idx="0">
+            <a:schemeClr val="accent2"/>
+          </a:fillRef>
+          <a:effectRef idx="1">
+            <a:schemeClr val="accent2"/>
+          </a:effectRef>
+          <a:fontRef idx="minor">
+            <a:schemeClr val="tx1"/>
+          </a:fontRef>
+        </p:style>
+      </p:cxnSp>
+      <p:sp>
+        <p:nvSpPr>
+          <p:cNvPr id="8" name="文本框 7"/>
+          <p:cNvSpPr txBox="1"/>
+          <p:nvPr/>
+        </p:nvSpPr>
+        <p:spPr>
+          <a:xfrm>
+            <a:off x="1599565" y="4226560"/>
+            <a:ext cx="1554480" cy="368300"/>
+          </a:xfrm>
+          <a:prstGeom prst="rect">
+            <a:avLst/>
+          </a:prstGeom>
+          <a:noFill/>
+        </p:spPr>
+        <p:txBody>
+          <a:bodyPr wrap="none" rtlCol="0">
+            <a:spAutoFit/>
+          </a:bodyPr>
+          <a:p>
+            <a:pPr algn="ctr"/>
+            <a:r>
+              <a:rPr lang="zh-CN" altLang="en-US">
+                <a:solidFill>
+                  <a:schemeClr val="bg1"/>
+                </a:solidFill>
+              </a:rPr>
+              <a:t>其他栈帧信息</a:t>
+            </a:r>
+            <a:endParaRPr lang="zh-CN" altLang="en-US">
+              <a:solidFill>
+                <a:schemeClr val="bg1"/>
+              </a:solidFill>
+            </a:endParaRPr>
+          </a:p>
+        </p:txBody>
+      </p:sp>
+      <p:sp>
+        <p:nvSpPr>
+          <p:cNvPr id="9" name="文本框 8"/>
+          <p:cNvSpPr txBox="1"/>
+          <p:nvPr/>
+        </p:nvSpPr>
+        <p:spPr>
+          <a:xfrm>
+            <a:off x="1713865" y="4871085"/>
+            <a:ext cx="1325880" cy="368300"/>
+          </a:xfrm>
+          <a:prstGeom prst="rect">
+            <a:avLst/>
+          </a:prstGeom>
+          <a:noFill/>
+        </p:spPr>
+        <p:txBody>
+          <a:bodyPr wrap="none" rtlCol="0">
+            <a:spAutoFit/>
+          </a:bodyPr>
+          <a:p>
+            <a:pPr algn="ctr"/>
+            <a:r>
+              <a:rPr lang="zh-CN" altLang="en-US">
+                <a:solidFill>
+                  <a:schemeClr val="bg1"/>
+                </a:solidFill>
+              </a:rPr>
+              <a:t>局部变量表</a:t>
+            </a:r>
+            <a:endParaRPr lang="zh-CN" altLang="en-US">
+              <a:solidFill>
+                <a:schemeClr val="bg1"/>
+              </a:solidFill>
+            </a:endParaRPr>
+          </a:p>
+        </p:txBody>
+      </p:sp>
+      <p:sp>
+        <p:nvSpPr>
+          <p:cNvPr id="10" name="圆角矩形 9"/>
+          <p:cNvSpPr/>
+          <p:nvPr/>
+        </p:nvSpPr>
+        <p:spPr>
+          <a:xfrm>
+            <a:off x="5267325" y="859155"/>
+            <a:ext cx="2769235" cy="2569845"/>
+          </a:xfrm>
+          <a:prstGeom prst="roundRect">
+            <a:avLst/>
+          </a:prstGeom>
+        </p:spPr>
+        <p:style>
+          <a:lnRef idx="2">
+            <a:schemeClr val="accent1">
+              <a:shade val="50000"/>
+            </a:schemeClr>
+          </a:lnRef>
+          <a:fillRef idx="1">
+            <a:schemeClr val="accent1"/>
+          </a:fillRef>
+          <a:effectRef idx="0">
+            <a:schemeClr val="accent1"/>
+          </a:effectRef>
+          <a:fontRef idx="minor">
+            <a:schemeClr val="lt1"/>
+          </a:fontRef>
+        </p:style>
+        <p:txBody>
+          <a:bodyPr rtlCol="0" anchor="ctr"/>
+          <a:p>
+            <a:pPr algn="ctr"/>
+            <a:endParaRPr lang="zh-CN" altLang="en-US"/>
+          </a:p>
+        </p:txBody>
+      </p:sp>
+      <p:sp>
+        <p:nvSpPr>
+          <p:cNvPr id="11" name="文本框 10"/>
+          <p:cNvSpPr txBox="1"/>
+          <p:nvPr/>
+        </p:nvSpPr>
+        <p:spPr>
+          <a:xfrm>
+            <a:off x="5655945" y="2918460"/>
+            <a:ext cx="2011680" cy="368300"/>
+          </a:xfrm>
+          <a:prstGeom prst="rect">
+            <a:avLst/>
+          </a:prstGeom>
+          <a:noFill/>
+        </p:spPr>
+        <p:txBody>
+          <a:bodyPr wrap="none" rtlCol="0">
+            <a:spAutoFit/>
+          </a:bodyPr>
+          <a:p>
+            <a:pPr algn="ctr"/>
+            <a:r>
+              <a:rPr lang="zh-CN">
+                <a:solidFill>
+                  <a:schemeClr val="bg1"/>
+                </a:solidFill>
+              </a:rPr>
+              <a:t>操作数栈共享区域</a:t>
+            </a:r>
+            <a:endParaRPr lang="zh-CN">
+              <a:solidFill>
+                <a:schemeClr val="bg1"/>
+              </a:solidFill>
+            </a:endParaRPr>
+          </a:p>
+        </p:txBody>
+      </p:sp>
+      <p:cxnSp>
+        <p:nvCxnSpPr>
+          <p:cNvPr id="13" name="直接连接符 12"/>
+          <p:cNvCxnSpPr/>
+          <p:nvPr/>
+        </p:nvCxnSpPr>
+        <p:spPr>
+          <a:xfrm>
+            <a:off x="5282565" y="1452880"/>
+            <a:ext cx="2758440" cy="0"/>
+          </a:xfrm>
+          <a:prstGeom prst="line">
+            <a:avLst/>
+          </a:prstGeom>
+          <a:ln w="12700" cmpd="sng">
+            <a:solidFill>
+              <a:schemeClr val="accent2"/>
+            </a:solidFill>
+            <a:prstDash val="solid"/>
+          </a:ln>
+        </p:spPr>
+        <p:style>
+          <a:lnRef idx="2">
+            <a:schemeClr val="accent2"/>
+          </a:lnRef>
+          <a:fillRef idx="0">
+            <a:schemeClr val="accent2"/>
+          </a:fillRef>
+          <a:effectRef idx="1">
+            <a:schemeClr val="accent2"/>
+          </a:effectRef>
+          <a:fontRef idx="minor">
+            <a:schemeClr val="tx1"/>
+          </a:fontRef>
+        </p:style>
+      </p:cxnSp>
+      <p:sp>
+        <p:nvSpPr>
+          <p:cNvPr id="14" name="文本框 13"/>
+          <p:cNvSpPr txBox="1"/>
+          <p:nvPr/>
+        </p:nvSpPr>
+        <p:spPr>
+          <a:xfrm>
+            <a:off x="6113145" y="941070"/>
+            <a:ext cx="1097280" cy="368300"/>
+          </a:xfrm>
+          <a:prstGeom prst="rect">
+            <a:avLst/>
+          </a:prstGeom>
+          <a:noFill/>
+        </p:spPr>
+        <p:txBody>
+          <a:bodyPr wrap="none" rtlCol="0">
+            <a:spAutoFit/>
+          </a:bodyPr>
+          <a:p>
+            <a:pPr algn="ctr"/>
+            <a:r>
+              <a:rPr lang="zh-CN">
+                <a:solidFill>
+                  <a:schemeClr val="bg1"/>
+                </a:solidFill>
+              </a:rPr>
+              <a:t>操作数栈</a:t>
+            </a:r>
+            <a:endParaRPr lang="zh-CN">
+              <a:solidFill>
+                <a:schemeClr val="bg1"/>
+              </a:solidFill>
+            </a:endParaRPr>
+          </a:p>
+        </p:txBody>
+      </p:sp>
+      <p:cxnSp>
+        <p:nvCxnSpPr>
+          <p:cNvPr id="15" name="直接连接符 14"/>
+          <p:cNvCxnSpPr/>
+          <p:nvPr/>
+        </p:nvCxnSpPr>
+        <p:spPr>
+          <a:xfrm>
+            <a:off x="5282565" y="2106930"/>
+            <a:ext cx="2758440" cy="0"/>
+          </a:xfrm>
+          <a:prstGeom prst="line">
+            <a:avLst/>
+          </a:prstGeom>
+          <a:ln w="12700" cmpd="sng">
+            <a:solidFill>
+              <a:schemeClr val="accent2"/>
+            </a:solidFill>
+            <a:prstDash val="solid"/>
+          </a:ln>
+        </p:spPr>
+        <p:style>
+          <a:lnRef idx="2">
+            <a:schemeClr val="accent2"/>
+          </a:lnRef>
+          <a:fillRef idx="0">
+            <a:schemeClr val="accent2"/>
+          </a:fillRef>
+          <a:effectRef idx="1">
+            <a:schemeClr val="accent2"/>
+          </a:effectRef>
+          <a:fontRef idx="minor">
+            <a:schemeClr val="tx1"/>
+          </a:fontRef>
+        </p:style>
+      </p:cxnSp>
+      <p:sp>
+        <p:nvSpPr>
+          <p:cNvPr id="16" name="文本框 15"/>
+          <p:cNvSpPr txBox="1"/>
+          <p:nvPr/>
+        </p:nvSpPr>
+        <p:spPr>
+          <a:xfrm>
+            <a:off x="5884545" y="1595755"/>
+            <a:ext cx="1554480" cy="368300"/>
+          </a:xfrm>
+          <a:prstGeom prst="rect">
+            <a:avLst/>
+          </a:prstGeom>
+          <a:noFill/>
+        </p:spPr>
+        <p:txBody>
+          <a:bodyPr wrap="none" rtlCol="0">
+            <a:spAutoFit/>
+          </a:bodyPr>
+          <a:p>
+            <a:pPr algn="ctr"/>
+            <a:r>
+              <a:rPr lang="zh-CN" altLang="en-US">
+                <a:solidFill>
+                  <a:schemeClr val="bg1"/>
+                </a:solidFill>
+              </a:rPr>
+              <a:t>其他栈帧信息</a:t>
+            </a:r>
+            <a:endParaRPr lang="zh-CN" altLang="en-US">
+              <a:solidFill>
+                <a:schemeClr val="bg1"/>
+              </a:solidFill>
+            </a:endParaRPr>
+          </a:p>
+        </p:txBody>
+      </p:sp>
+      <p:sp>
+        <p:nvSpPr>
+          <p:cNvPr id="17" name="文本框 16"/>
+          <p:cNvSpPr txBox="1"/>
+          <p:nvPr/>
+        </p:nvSpPr>
+        <p:spPr>
+          <a:xfrm>
+            <a:off x="5998845" y="2240280"/>
+            <a:ext cx="1325880" cy="368300"/>
+          </a:xfrm>
+          <a:prstGeom prst="rect">
+            <a:avLst/>
+          </a:prstGeom>
+          <a:noFill/>
+        </p:spPr>
+        <p:txBody>
+          <a:bodyPr wrap="none" rtlCol="0">
+            <a:spAutoFit/>
+          </a:bodyPr>
+          <a:p>
+            <a:pPr algn="ctr"/>
+            <a:r>
+              <a:rPr lang="zh-CN" altLang="en-US">
+                <a:solidFill>
+                  <a:schemeClr val="bg1"/>
+                </a:solidFill>
+              </a:rPr>
+              <a:t>局部变量表</a:t>
+            </a:r>
+            <a:endParaRPr lang="zh-CN" altLang="en-US">
+              <a:solidFill>
+                <a:schemeClr val="bg1"/>
+              </a:solidFill>
+            </a:endParaRPr>
+          </a:p>
+        </p:txBody>
+      </p:sp>
+      <p:cxnSp>
+        <p:nvCxnSpPr>
+          <p:cNvPr id="18" name="直接连接符 17"/>
+          <p:cNvCxnSpPr/>
+          <p:nvPr/>
+        </p:nvCxnSpPr>
+        <p:spPr>
+          <a:xfrm flipV="1">
+            <a:off x="3305810" y="2729230"/>
+            <a:ext cx="4735195" cy="9525"/>
+          </a:xfrm>
+          <a:prstGeom prst="line">
+            <a:avLst/>
+          </a:prstGeom>
+          <a:ln w="12700" cmpd="sng">
+            <a:solidFill>
+              <a:schemeClr val="accent2"/>
+            </a:solidFill>
+            <a:prstDash val="dash"/>
+          </a:ln>
+        </p:spPr>
+        <p:style>
+          <a:lnRef idx="2">
+            <a:schemeClr val="accent2"/>
+          </a:lnRef>
+          <a:fillRef idx="0">
+            <a:schemeClr val="accent2"/>
+          </a:fillRef>
+          <a:effectRef idx="1">
+            <a:schemeClr val="accent2"/>
+          </a:effectRef>
+          <a:fontRef idx="minor">
+            <a:schemeClr val="tx1"/>
+          </a:fontRef>
+        </p:style>
+      </p:cxnSp>
+      <p:sp>
+        <p:nvSpPr>
+          <p:cNvPr id="19" name="文本框 18"/>
+          <p:cNvSpPr txBox="1"/>
+          <p:nvPr/>
+        </p:nvSpPr>
+        <p:spPr>
+          <a:xfrm>
+            <a:off x="3960495" y="2918460"/>
+            <a:ext cx="1097280" cy="368300"/>
+          </a:xfrm>
+          <a:prstGeom prst="rect">
+            <a:avLst/>
+          </a:prstGeom>
+          <a:noFill/>
+        </p:spPr>
+        <p:txBody>
+          <a:bodyPr wrap="none" rtlCol="0">
+            <a:spAutoFit/>
+          </a:bodyPr>
+          <a:p>
+            <a:pPr algn="l"/>
+            <a:r>
+              <a:rPr lang="zh-CN" altLang="en-US">
+                <a:sym typeface="+mn-ea"/>
+              </a:rPr>
+              <a:t>重叠区域</a:t>
+            </a:r>
             <a:endParaRPr lang="zh-CN" altLang="en-US"/>
           </a:p>
         </p:txBody>
@@ -14586,6 +21212,7 @@
               <a:rPr lang="zh-CN" altLang="en-US"/>
               <a:t>任何语言</a:t>
             </a:r>
+            <a:endParaRPr lang="zh-CN" altLang="en-US"/>
           </a:p>
         </p:txBody>
       </p:sp>
@@ -14632,6 +21259,7 @@
               <a:rPr lang="en-US" altLang="zh-CN"/>
               <a:t>class</a:t>
             </a:r>
+            <a:endParaRPr lang="en-US" altLang="zh-CN"/>
           </a:p>
         </p:txBody>
       </p:sp>
@@ -14675,6 +21303,7 @@
               <a:rPr lang="en-US" altLang="zh-CN"/>
               <a:t>JVM</a:t>
             </a:r>
+            <a:endParaRPr lang="en-US" altLang="zh-CN"/>
           </a:p>
         </p:txBody>
       </p:sp>
@@ -14933,6 +21562,11 @@
               </a:rPr>
               <a:t>JDK = JRE + Development Kit</a:t>
             </a:r>
+            <a:endParaRPr lang="en-US" altLang="zh-CN" sz="2400">
+              <a:solidFill>
+                <a:schemeClr val="bg1"/>
+              </a:solidFill>
+            </a:endParaRPr>
           </a:p>
         </p:txBody>
       </p:sp>
@@ -14966,6 +21600,11 @@
               </a:rPr>
               <a:t>JRE =  JVM + Lib</a:t>
             </a:r>
+            <a:endParaRPr lang="en-US" altLang="zh-CN" sz="2400">
+              <a:solidFill>
+                <a:schemeClr val="bg1"/>
+              </a:solidFill>
+            </a:endParaRPr>
           </a:p>
         </p:txBody>
       </p:sp>
@@ -14999,6 +21638,11 @@
               </a:rPr>
               <a:t>JVM</a:t>
             </a:r>
+            <a:endParaRPr lang="en-US" altLang="zh-CN" sz="2400">
+              <a:solidFill>
+                <a:schemeClr val="bg1"/>
+              </a:solidFill>
+            </a:endParaRPr>
           </a:p>
         </p:txBody>
       </p:sp>
@@ -15073,6 +21717,7 @@
               <a:rPr lang="en-US" altLang="zh-CN"/>
               <a:t>CA</a:t>
             </a:r>
+            <a:endParaRPr lang="en-US" altLang="zh-CN"/>
           </a:p>
         </p:txBody>
       </p:sp>
@@ -15114,6 +21759,7 @@
               <a:rPr lang="en-US" altLang="zh-CN"/>
               <a:t>FE</a:t>
             </a:r>
+            <a:endParaRPr lang="en-US" altLang="zh-CN"/>
           </a:p>
         </p:txBody>
       </p:sp>
@@ -15155,6 +21801,7 @@
               <a:rPr lang="en-US" altLang="zh-CN"/>
               <a:t>BA</a:t>
             </a:r>
+            <a:endParaRPr lang="en-US" altLang="zh-CN"/>
           </a:p>
         </p:txBody>
       </p:sp>
@@ -15196,6 +21843,7 @@
               <a:rPr lang="en-US" altLang="zh-CN"/>
               <a:t>BE</a:t>
             </a:r>
+            <a:endParaRPr lang="en-US" altLang="zh-CN"/>
           </a:p>
         </p:txBody>
       </p:sp>
@@ -15237,6 +21885,7 @@
               <a:rPr lang="en-US" altLang="zh-CN"/>
               <a:t>00</a:t>
             </a:r>
+            <a:endParaRPr lang="en-US" altLang="zh-CN"/>
           </a:p>
         </p:txBody>
       </p:sp>
@@ -15366,6 +22015,7 @@
               <a:rPr lang="en-US" altLang="zh-CN"/>
               <a:t>34</a:t>
             </a:r>
+            <a:endParaRPr lang="en-US" altLang="zh-CN"/>
           </a:p>
         </p:txBody>
       </p:sp>
@@ -15522,6 +22172,11 @@
               </a:rPr>
               <a:t>...</a:t>
             </a:r>
+            <a:endParaRPr lang="en-US" altLang="zh-CN">
+              <a:solidFill>
+                <a:schemeClr val="tx1"/>
+              </a:solidFill>
+            </a:endParaRPr>
           </a:p>
         </p:txBody>
       </p:sp>
@@ -16030,6 +22685,11 @@
               </a:rPr>
               <a:t>...</a:t>
             </a:r>
+            <a:endParaRPr lang="en-US" altLang="zh-CN">
+              <a:solidFill>
+                <a:schemeClr val="tx1"/>
+              </a:solidFill>
+            </a:endParaRPr>
           </a:p>
         </p:txBody>
       </p:sp>
@@ -16179,6 +22839,11 @@
               </a:rPr>
               <a:t>...</a:t>
             </a:r>
+            <a:endParaRPr lang="en-US" altLang="zh-CN">
+              <a:solidFill>
+                <a:schemeClr val="tx1"/>
+              </a:solidFill>
+            </a:endParaRPr>
           </a:p>
         </p:txBody>
       </p:sp>
@@ -16416,6 +23081,11 @@
               </a:rPr>
               <a:t>...</a:t>
             </a:r>
+            <a:endParaRPr lang="en-US" altLang="zh-CN">
+              <a:solidFill>
+                <a:schemeClr val="tx1"/>
+              </a:solidFill>
+            </a:endParaRPr>
           </a:p>
         </p:txBody>
       </p:sp>
@@ -16671,6 +23341,11 @@
               </a:rPr>
               <a:t>...</a:t>
             </a:r>
+            <a:endParaRPr lang="en-US" altLang="zh-CN">
+              <a:solidFill>
+                <a:schemeClr val="tx1"/>
+              </a:solidFill>
+            </a:endParaRPr>
           </a:p>
         </p:txBody>
       </p:sp>
@@ -16795,6 +23470,11 @@
               </a:rPr>
               <a:t>magic number </a:t>
             </a:r>
+            <a:endParaRPr lang="en-US" altLang="zh-CN">
+              <a:solidFill>
+                <a:schemeClr val="tx1"/>
+              </a:solidFill>
+            </a:endParaRPr>
           </a:p>
         </p:txBody>
       </p:sp>
@@ -16863,6 +23543,7 @@
               <a:rPr lang="en-US" altLang="zh-CN"/>
               <a:t>minor_version</a:t>
             </a:r>
+            <a:endParaRPr lang="en-US" altLang="zh-CN"/>
           </a:p>
         </p:txBody>
       </p:sp>
@@ -16931,6 +23612,7 @@
               <a:rPr lang="en-US" altLang="zh-CN"/>
               <a:t>major_version</a:t>
             </a:r>
+            <a:endParaRPr lang="en-US" altLang="zh-CN"/>
           </a:p>
         </p:txBody>
       </p:sp>
@@ -17003,6 +23685,11 @@
               </a:rPr>
               <a:t>constant_pool_count</a:t>
             </a:r>
+            <a:endParaRPr lang="en-US" altLang="zh-CN">
+              <a:solidFill>
+                <a:schemeClr val="tx1"/>
+              </a:solidFill>
+            </a:endParaRPr>
           </a:p>
         </p:txBody>
       </p:sp>
@@ -17090,432 +23777,6 @@
               </a:rPr>
               <a:t>[constant_pool_count-1]</a:t>
             </a:r>
-          </a:p>
-        </p:txBody>
-      </p:sp>
-      <p:sp>
-        <p:nvSpPr>
-          <p:cNvPr id="74" name="左大括号 73"/>
-          <p:cNvSpPr/>
-          <p:nvPr/>
-        </p:nvSpPr>
-        <p:spPr>
-          <a:xfrm rot="5400000">
-            <a:off x="1212850" y="2046605"/>
-            <a:ext cx="154305" cy="914400"/>
-          </a:xfrm>
-          <a:prstGeom prst="leftBrace">
-            <a:avLst/>
-          </a:prstGeom>
-        </p:spPr>
-        <p:style>
-          <a:lnRef idx="1">
-            <a:schemeClr val="accent1"/>
-          </a:lnRef>
-          <a:fillRef idx="0">
-            <a:schemeClr val="accent1"/>
-          </a:fillRef>
-          <a:effectRef idx="0">
-            <a:schemeClr val="accent1"/>
-          </a:effectRef>
-          <a:fontRef idx="minor">
-            <a:schemeClr val="tx1"/>
-          </a:fontRef>
-        </p:style>
-        <p:txBody>
-          <a:bodyPr rtlCol="0" anchor="ctr"/>
-          <a:lstStyle/>
-          <a:p>
-            <a:pPr algn="ctr"/>
-            <a:endParaRPr lang="zh-CN" altLang="en-US"/>
-          </a:p>
-        </p:txBody>
-      </p:sp>
-      <p:sp>
-        <p:nvSpPr>
-          <p:cNvPr id="75" name="文本框 74"/>
-          <p:cNvSpPr txBox="1"/>
-          <p:nvPr/>
-        </p:nvSpPr>
-        <p:spPr>
-          <a:xfrm>
-            <a:off x="706120" y="2045335"/>
-            <a:ext cx="1340485" cy="368300"/>
-          </a:xfrm>
-          <a:prstGeom prst="rect">
-            <a:avLst/>
-          </a:prstGeom>
-          <a:noFill/>
-        </p:spPr>
-        <p:txBody>
-          <a:bodyPr wrap="square" rtlCol="0">
-            <a:spAutoFit/>
-          </a:bodyPr>
-          <a:lstStyle/>
-          <a:p>
-            <a:pPr algn="ctr"/>
-            <a:r>
-              <a:rPr lang="en-US" altLang="zh-CN"/>
-              <a:t>access_flags</a:t>
-            </a:r>
-          </a:p>
-        </p:txBody>
-      </p:sp>
-      <p:sp>
-        <p:nvSpPr>
-          <p:cNvPr id="76" name="左大括号 75"/>
-          <p:cNvSpPr/>
-          <p:nvPr/>
-        </p:nvSpPr>
-        <p:spPr>
-          <a:xfrm rot="5400000">
-            <a:off x="2577465" y="2033270"/>
-            <a:ext cx="154305" cy="914400"/>
-          </a:xfrm>
-          <a:prstGeom prst="leftBrace">
-            <a:avLst/>
-          </a:prstGeom>
-        </p:spPr>
-        <p:style>
-          <a:lnRef idx="1">
-            <a:schemeClr val="accent1"/>
-          </a:lnRef>
-          <a:fillRef idx="0">
-            <a:schemeClr val="accent1"/>
-          </a:fillRef>
-          <a:effectRef idx="0">
-            <a:schemeClr val="accent1"/>
-          </a:effectRef>
-          <a:fontRef idx="minor">
-            <a:schemeClr val="tx1"/>
-          </a:fontRef>
-        </p:style>
-        <p:txBody>
-          <a:bodyPr rtlCol="0" anchor="ctr"/>
-          <a:lstStyle/>
-          <a:p>
-            <a:pPr algn="ctr"/>
-            <a:endParaRPr lang="zh-CN" altLang="en-US"/>
-          </a:p>
-        </p:txBody>
-      </p:sp>
-      <p:sp>
-        <p:nvSpPr>
-          <p:cNvPr id="77" name="文本框 76"/>
-          <p:cNvSpPr txBox="1"/>
-          <p:nvPr/>
-        </p:nvSpPr>
-        <p:spPr>
-          <a:xfrm>
-            <a:off x="2124076" y="2045335"/>
-            <a:ext cx="1073150" cy="368300"/>
-          </a:xfrm>
-          <a:prstGeom prst="rect">
-            <a:avLst/>
-          </a:prstGeom>
-          <a:noFill/>
-        </p:spPr>
-        <p:txBody>
-          <a:bodyPr wrap="none" rtlCol="0">
-            <a:spAutoFit/>
-          </a:bodyPr>
-          <a:lstStyle/>
-          <a:p>
-            <a:pPr algn="ctr"/>
-            <a:r>
-              <a:rPr lang="en-US" altLang="zh-CN">
-                <a:solidFill>
-                  <a:schemeClr val="tx1"/>
-                </a:solidFill>
-              </a:rPr>
-              <a:t>this_class</a:t>
-            </a:r>
-          </a:p>
-        </p:txBody>
-      </p:sp>
-      <p:sp>
-        <p:nvSpPr>
-          <p:cNvPr id="80" name="左大括号 79"/>
-          <p:cNvSpPr/>
-          <p:nvPr/>
-        </p:nvSpPr>
-        <p:spPr>
-          <a:xfrm rot="5400000">
-            <a:off x="3947160" y="2046605"/>
-            <a:ext cx="154305" cy="914400"/>
-          </a:xfrm>
-          <a:prstGeom prst="leftBrace">
-            <a:avLst/>
-          </a:prstGeom>
-        </p:spPr>
-        <p:style>
-          <a:lnRef idx="1">
-            <a:schemeClr val="accent1"/>
-          </a:lnRef>
-          <a:fillRef idx="0">
-            <a:schemeClr val="accent1"/>
-          </a:fillRef>
-          <a:effectRef idx="0">
-            <a:schemeClr val="accent1"/>
-          </a:effectRef>
-          <a:fontRef idx="minor">
-            <a:schemeClr val="tx1"/>
-          </a:fontRef>
-        </p:style>
-        <p:txBody>
-          <a:bodyPr rtlCol="0" anchor="ctr"/>
-          <a:lstStyle/>
-          <a:p>
-            <a:pPr algn="ctr"/>
-            <a:endParaRPr lang="zh-CN" altLang="en-US"/>
-          </a:p>
-        </p:txBody>
-      </p:sp>
-      <p:sp>
-        <p:nvSpPr>
-          <p:cNvPr id="81" name="文本框 80"/>
-          <p:cNvSpPr txBox="1"/>
-          <p:nvPr/>
-        </p:nvSpPr>
-        <p:spPr>
-          <a:xfrm>
-            <a:off x="3416936" y="2045335"/>
-            <a:ext cx="1195070" cy="368300"/>
-          </a:xfrm>
-          <a:prstGeom prst="rect">
-            <a:avLst/>
-          </a:prstGeom>
-          <a:noFill/>
-        </p:spPr>
-        <p:txBody>
-          <a:bodyPr wrap="none" rtlCol="0">
-            <a:spAutoFit/>
-          </a:bodyPr>
-          <a:lstStyle/>
-          <a:p>
-            <a:pPr algn="ctr"/>
-            <a:r>
-              <a:rPr lang="en-US" altLang="zh-CN">
-                <a:solidFill>
-                  <a:schemeClr val="tx1"/>
-                </a:solidFill>
-              </a:rPr>
-              <a:t>super class</a:t>
-            </a:r>
-          </a:p>
-        </p:txBody>
-      </p:sp>
-      <p:sp>
-        <p:nvSpPr>
-          <p:cNvPr id="85" name="左大括号 84"/>
-          <p:cNvSpPr/>
-          <p:nvPr/>
-        </p:nvSpPr>
-        <p:spPr>
-          <a:xfrm rot="5400000">
-            <a:off x="5426710" y="2045970"/>
-            <a:ext cx="154305" cy="914400"/>
-          </a:xfrm>
-          <a:prstGeom prst="leftBrace">
-            <a:avLst/>
-          </a:prstGeom>
-        </p:spPr>
-        <p:style>
-          <a:lnRef idx="1">
-            <a:schemeClr val="accent1"/>
-          </a:lnRef>
-          <a:fillRef idx="0">
-            <a:schemeClr val="accent1"/>
-          </a:fillRef>
-          <a:effectRef idx="0">
-            <a:schemeClr val="accent1"/>
-          </a:effectRef>
-          <a:fontRef idx="minor">
-            <a:schemeClr val="tx1"/>
-          </a:fontRef>
-        </p:style>
-        <p:txBody>
-          <a:bodyPr rtlCol="0" anchor="ctr"/>
-          <a:lstStyle/>
-          <a:p>
-            <a:pPr algn="ctr"/>
-            <a:endParaRPr lang="zh-CN" altLang="en-US"/>
-          </a:p>
-        </p:txBody>
-      </p:sp>
-      <p:sp>
-        <p:nvSpPr>
-          <p:cNvPr id="86" name="文本框 85"/>
-          <p:cNvSpPr txBox="1"/>
-          <p:nvPr/>
-        </p:nvSpPr>
-        <p:spPr>
-          <a:xfrm>
-            <a:off x="4710749" y="2058670"/>
-            <a:ext cx="1737995" cy="368300"/>
-          </a:xfrm>
-          <a:prstGeom prst="rect">
-            <a:avLst/>
-          </a:prstGeom>
-          <a:noFill/>
-        </p:spPr>
-        <p:txBody>
-          <a:bodyPr wrap="none" rtlCol="0">
-            <a:spAutoFit/>
-          </a:bodyPr>
-          <a:lstStyle/>
-          <a:p>
-            <a:pPr algn="ctr"/>
-            <a:r>
-              <a:rPr lang="en-US" altLang="zh-CN">
-                <a:solidFill>
-                  <a:schemeClr val="tx1"/>
-                </a:solidFill>
-              </a:rPr>
-              <a:t>interfaces_count</a:t>
-            </a:r>
-          </a:p>
-        </p:txBody>
-      </p:sp>
-      <p:sp>
-        <p:nvSpPr>
-          <p:cNvPr id="88" name="左大括号 87"/>
-          <p:cNvSpPr/>
-          <p:nvPr/>
-        </p:nvSpPr>
-        <p:spPr>
-          <a:xfrm rot="5400000">
-            <a:off x="7891780" y="1228090"/>
-            <a:ext cx="181610" cy="2524760"/>
-          </a:xfrm>
-          <a:prstGeom prst="leftBrace">
-            <a:avLst/>
-          </a:prstGeom>
-        </p:spPr>
-        <p:style>
-          <a:lnRef idx="1">
-            <a:schemeClr val="accent1"/>
-          </a:lnRef>
-          <a:fillRef idx="0">
-            <a:schemeClr val="accent1"/>
-          </a:fillRef>
-          <a:effectRef idx="0">
-            <a:schemeClr val="accent1"/>
-          </a:effectRef>
-          <a:fontRef idx="minor">
-            <a:schemeClr val="tx1"/>
-          </a:fontRef>
-        </p:style>
-        <p:txBody>
-          <a:bodyPr rtlCol="0" anchor="ctr"/>
-          <a:lstStyle/>
-          <a:p>
-            <a:pPr algn="ctr"/>
-            <a:endParaRPr lang="zh-CN" altLang="en-US"/>
-          </a:p>
-        </p:txBody>
-      </p:sp>
-      <p:sp>
-        <p:nvSpPr>
-          <p:cNvPr id="89" name="文本框 88"/>
-          <p:cNvSpPr txBox="1"/>
-          <p:nvPr/>
-        </p:nvSpPr>
-        <p:spPr>
-          <a:xfrm>
-            <a:off x="6528119" y="2058670"/>
-            <a:ext cx="2789555" cy="368300"/>
-          </a:xfrm>
-          <a:prstGeom prst="rect">
-            <a:avLst/>
-          </a:prstGeom>
-          <a:noFill/>
-        </p:spPr>
-        <p:txBody>
-          <a:bodyPr wrap="none" rtlCol="0">
-            <a:spAutoFit/>
-          </a:bodyPr>
-          <a:lstStyle/>
-          <a:p>
-            <a:pPr algn="ctr"/>
-            <a:r>
-              <a:rPr lang="en-US" altLang="zh-CN">
-                <a:solidFill>
-                  <a:schemeClr val="tx1"/>
-                </a:solidFill>
-              </a:rPr>
-              <a:t>interfaces[interfaces_count]</a:t>
-            </a:r>
-          </a:p>
-        </p:txBody>
-      </p:sp>
-      <p:sp>
-        <p:nvSpPr>
-          <p:cNvPr id="90" name="左大括号 89"/>
-          <p:cNvSpPr/>
-          <p:nvPr/>
-        </p:nvSpPr>
-        <p:spPr>
-          <a:xfrm rot="5400000">
-            <a:off x="1252220" y="3266440"/>
-            <a:ext cx="154305" cy="914400"/>
-          </a:xfrm>
-          <a:prstGeom prst="leftBrace">
-            <a:avLst/>
-          </a:prstGeom>
-        </p:spPr>
-        <p:style>
-          <a:lnRef idx="1">
-            <a:schemeClr val="accent1"/>
-          </a:lnRef>
-          <a:fillRef idx="0">
-            <a:schemeClr val="accent1"/>
-          </a:fillRef>
-          <a:effectRef idx="0">
-            <a:schemeClr val="accent1"/>
-          </a:effectRef>
-          <a:fontRef idx="minor">
-            <a:schemeClr val="tx1"/>
-          </a:fontRef>
-        </p:style>
-        <p:txBody>
-          <a:bodyPr rtlCol="0" anchor="ctr"/>
-          <a:lstStyle/>
-          <a:p>
-            <a:pPr algn="ctr"/>
-            <a:endParaRPr lang="zh-CN" altLang="en-US"/>
-          </a:p>
-        </p:txBody>
-      </p:sp>
-      <p:sp>
-        <p:nvSpPr>
-          <p:cNvPr id="91" name="文本框 90"/>
-          <p:cNvSpPr txBox="1"/>
-          <p:nvPr/>
-        </p:nvSpPr>
-        <p:spPr>
-          <a:xfrm>
-            <a:off x="598805" y="3278505"/>
-            <a:ext cx="1525270" cy="368300"/>
-          </a:xfrm>
-          <a:prstGeom prst="rect">
-            <a:avLst/>
-          </a:prstGeom>
-          <a:noFill/>
-        </p:spPr>
-        <p:txBody>
-          <a:bodyPr wrap="square" rtlCol="0">
-            <a:spAutoFit/>
-          </a:bodyPr>
-          <a:lstStyle/>
-          <a:p>
-            <a:pPr algn="ctr"/>
-            <a:r>
-              <a:rPr lang="en-US" altLang="zh-CN">
-                <a:sym typeface="+mn-ea"/>
-              </a:rPr>
-              <a:t>fields_count</a:t>
-            </a:r>
             <a:endParaRPr lang="en-US" altLang="zh-CN">
               <a:solidFill>
                 <a:schemeClr val="tx1"/>
@@ -17526,6 +23787,458 @@
       </p:sp>
       <p:sp>
         <p:nvSpPr>
+          <p:cNvPr id="74" name="左大括号 73"/>
+          <p:cNvSpPr/>
+          <p:nvPr/>
+        </p:nvSpPr>
+        <p:spPr>
+          <a:xfrm rot="5400000">
+            <a:off x="1212850" y="2046605"/>
+            <a:ext cx="154305" cy="914400"/>
+          </a:xfrm>
+          <a:prstGeom prst="leftBrace">
+            <a:avLst/>
+          </a:prstGeom>
+        </p:spPr>
+        <p:style>
+          <a:lnRef idx="1">
+            <a:schemeClr val="accent1"/>
+          </a:lnRef>
+          <a:fillRef idx="0">
+            <a:schemeClr val="accent1"/>
+          </a:fillRef>
+          <a:effectRef idx="0">
+            <a:schemeClr val="accent1"/>
+          </a:effectRef>
+          <a:fontRef idx="minor">
+            <a:schemeClr val="tx1"/>
+          </a:fontRef>
+        </p:style>
+        <p:txBody>
+          <a:bodyPr rtlCol="0" anchor="ctr"/>
+          <a:lstStyle/>
+          <a:p>
+            <a:pPr algn="ctr"/>
+            <a:endParaRPr lang="zh-CN" altLang="en-US"/>
+          </a:p>
+        </p:txBody>
+      </p:sp>
+      <p:sp>
+        <p:nvSpPr>
+          <p:cNvPr id="75" name="文本框 74"/>
+          <p:cNvSpPr txBox="1"/>
+          <p:nvPr/>
+        </p:nvSpPr>
+        <p:spPr>
+          <a:xfrm>
+            <a:off x="706120" y="2045335"/>
+            <a:ext cx="1340485" cy="368300"/>
+          </a:xfrm>
+          <a:prstGeom prst="rect">
+            <a:avLst/>
+          </a:prstGeom>
+          <a:noFill/>
+        </p:spPr>
+        <p:txBody>
+          <a:bodyPr wrap="square" rtlCol="0">
+            <a:spAutoFit/>
+          </a:bodyPr>
+          <a:lstStyle/>
+          <a:p>
+            <a:pPr algn="ctr"/>
+            <a:r>
+              <a:rPr lang="en-US" altLang="zh-CN"/>
+              <a:t>access_flags</a:t>
+            </a:r>
+            <a:endParaRPr lang="en-US" altLang="zh-CN"/>
+          </a:p>
+        </p:txBody>
+      </p:sp>
+      <p:sp>
+        <p:nvSpPr>
+          <p:cNvPr id="76" name="左大括号 75"/>
+          <p:cNvSpPr/>
+          <p:nvPr/>
+        </p:nvSpPr>
+        <p:spPr>
+          <a:xfrm rot="5400000">
+            <a:off x="2577465" y="2033270"/>
+            <a:ext cx="154305" cy="914400"/>
+          </a:xfrm>
+          <a:prstGeom prst="leftBrace">
+            <a:avLst/>
+          </a:prstGeom>
+        </p:spPr>
+        <p:style>
+          <a:lnRef idx="1">
+            <a:schemeClr val="accent1"/>
+          </a:lnRef>
+          <a:fillRef idx="0">
+            <a:schemeClr val="accent1"/>
+          </a:fillRef>
+          <a:effectRef idx="0">
+            <a:schemeClr val="accent1"/>
+          </a:effectRef>
+          <a:fontRef idx="minor">
+            <a:schemeClr val="tx1"/>
+          </a:fontRef>
+        </p:style>
+        <p:txBody>
+          <a:bodyPr rtlCol="0" anchor="ctr"/>
+          <a:lstStyle/>
+          <a:p>
+            <a:pPr algn="ctr"/>
+            <a:endParaRPr lang="zh-CN" altLang="en-US"/>
+          </a:p>
+        </p:txBody>
+      </p:sp>
+      <p:sp>
+        <p:nvSpPr>
+          <p:cNvPr id="77" name="文本框 76"/>
+          <p:cNvSpPr txBox="1"/>
+          <p:nvPr/>
+        </p:nvSpPr>
+        <p:spPr>
+          <a:xfrm>
+            <a:off x="2124076" y="2045335"/>
+            <a:ext cx="1073150" cy="368300"/>
+          </a:xfrm>
+          <a:prstGeom prst="rect">
+            <a:avLst/>
+          </a:prstGeom>
+          <a:noFill/>
+        </p:spPr>
+        <p:txBody>
+          <a:bodyPr wrap="none" rtlCol="0">
+            <a:spAutoFit/>
+          </a:bodyPr>
+          <a:lstStyle/>
+          <a:p>
+            <a:pPr algn="ctr"/>
+            <a:r>
+              <a:rPr lang="en-US" altLang="zh-CN">
+                <a:solidFill>
+                  <a:schemeClr val="tx1"/>
+                </a:solidFill>
+              </a:rPr>
+              <a:t>this_class</a:t>
+            </a:r>
+            <a:endParaRPr lang="en-US" altLang="zh-CN">
+              <a:solidFill>
+                <a:schemeClr val="tx1"/>
+              </a:solidFill>
+            </a:endParaRPr>
+          </a:p>
+        </p:txBody>
+      </p:sp>
+      <p:sp>
+        <p:nvSpPr>
+          <p:cNvPr id="80" name="左大括号 79"/>
+          <p:cNvSpPr/>
+          <p:nvPr/>
+        </p:nvSpPr>
+        <p:spPr>
+          <a:xfrm rot="5400000">
+            <a:off x="3947160" y="2046605"/>
+            <a:ext cx="154305" cy="914400"/>
+          </a:xfrm>
+          <a:prstGeom prst="leftBrace">
+            <a:avLst/>
+          </a:prstGeom>
+        </p:spPr>
+        <p:style>
+          <a:lnRef idx="1">
+            <a:schemeClr val="accent1"/>
+          </a:lnRef>
+          <a:fillRef idx="0">
+            <a:schemeClr val="accent1"/>
+          </a:fillRef>
+          <a:effectRef idx="0">
+            <a:schemeClr val="accent1"/>
+          </a:effectRef>
+          <a:fontRef idx="minor">
+            <a:schemeClr val="tx1"/>
+          </a:fontRef>
+        </p:style>
+        <p:txBody>
+          <a:bodyPr rtlCol="0" anchor="ctr"/>
+          <a:lstStyle/>
+          <a:p>
+            <a:pPr algn="ctr"/>
+            <a:endParaRPr lang="zh-CN" altLang="en-US"/>
+          </a:p>
+        </p:txBody>
+      </p:sp>
+      <p:sp>
+        <p:nvSpPr>
+          <p:cNvPr id="81" name="文本框 80"/>
+          <p:cNvSpPr txBox="1"/>
+          <p:nvPr/>
+        </p:nvSpPr>
+        <p:spPr>
+          <a:xfrm>
+            <a:off x="3416936" y="2045335"/>
+            <a:ext cx="1195070" cy="368300"/>
+          </a:xfrm>
+          <a:prstGeom prst="rect">
+            <a:avLst/>
+          </a:prstGeom>
+          <a:noFill/>
+        </p:spPr>
+        <p:txBody>
+          <a:bodyPr wrap="none" rtlCol="0">
+            <a:spAutoFit/>
+          </a:bodyPr>
+          <a:lstStyle/>
+          <a:p>
+            <a:pPr algn="ctr"/>
+            <a:r>
+              <a:rPr lang="en-US" altLang="zh-CN">
+                <a:solidFill>
+                  <a:schemeClr val="tx1"/>
+                </a:solidFill>
+              </a:rPr>
+              <a:t>super class</a:t>
+            </a:r>
+            <a:endParaRPr lang="en-US" altLang="zh-CN">
+              <a:solidFill>
+                <a:schemeClr val="tx1"/>
+              </a:solidFill>
+            </a:endParaRPr>
+          </a:p>
+        </p:txBody>
+      </p:sp>
+      <p:sp>
+        <p:nvSpPr>
+          <p:cNvPr id="85" name="左大括号 84"/>
+          <p:cNvSpPr/>
+          <p:nvPr/>
+        </p:nvSpPr>
+        <p:spPr>
+          <a:xfrm rot="5400000">
+            <a:off x="5426710" y="2045970"/>
+            <a:ext cx="154305" cy="914400"/>
+          </a:xfrm>
+          <a:prstGeom prst="leftBrace">
+            <a:avLst/>
+          </a:prstGeom>
+        </p:spPr>
+        <p:style>
+          <a:lnRef idx="1">
+            <a:schemeClr val="accent1"/>
+          </a:lnRef>
+          <a:fillRef idx="0">
+            <a:schemeClr val="accent1"/>
+          </a:fillRef>
+          <a:effectRef idx="0">
+            <a:schemeClr val="accent1"/>
+          </a:effectRef>
+          <a:fontRef idx="minor">
+            <a:schemeClr val="tx1"/>
+          </a:fontRef>
+        </p:style>
+        <p:txBody>
+          <a:bodyPr rtlCol="0" anchor="ctr"/>
+          <a:lstStyle/>
+          <a:p>
+            <a:pPr algn="ctr"/>
+            <a:endParaRPr lang="zh-CN" altLang="en-US"/>
+          </a:p>
+        </p:txBody>
+      </p:sp>
+      <p:sp>
+        <p:nvSpPr>
+          <p:cNvPr id="86" name="文本框 85"/>
+          <p:cNvSpPr txBox="1"/>
+          <p:nvPr/>
+        </p:nvSpPr>
+        <p:spPr>
+          <a:xfrm>
+            <a:off x="4710749" y="2058670"/>
+            <a:ext cx="1737995" cy="368300"/>
+          </a:xfrm>
+          <a:prstGeom prst="rect">
+            <a:avLst/>
+          </a:prstGeom>
+          <a:noFill/>
+        </p:spPr>
+        <p:txBody>
+          <a:bodyPr wrap="none" rtlCol="0">
+            <a:spAutoFit/>
+          </a:bodyPr>
+          <a:lstStyle/>
+          <a:p>
+            <a:pPr algn="ctr"/>
+            <a:r>
+              <a:rPr lang="en-US" altLang="zh-CN">
+                <a:solidFill>
+                  <a:schemeClr val="tx1"/>
+                </a:solidFill>
+              </a:rPr>
+              <a:t>interfaces_count</a:t>
+            </a:r>
+            <a:endParaRPr lang="en-US" altLang="zh-CN">
+              <a:solidFill>
+                <a:schemeClr val="tx1"/>
+              </a:solidFill>
+            </a:endParaRPr>
+          </a:p>
+        </p:txBody>
+      </p:sp>
+      <p:sp>
+        <p:nvSpPr>
+          <p:cNvPr id="88" name="左大括号 87"/>
+          <p:cNvSpPr/>
+          <p:nvPr/>
+        </p:nvSpPr>
+        <p:spPr>
+          <a:xfrm rot="5400000">
+            <a:off x="7891780" y="1228090"/>
+            <a:ext cx="181610" cy="2524760"/>
+          </a:xfrm>
+          <a:prstGeom prst="leftBrace">
+            <a:avLst/>
+          </a:prstGeom>
+        </p:spPr>
+        <p:style>
+          <a:lnRef idx="1">
+            <a:schemeClr val="accent1"/>
+          </a:lnRef>
+          <a:fillRef idx="0">
+            <a:schemeClr val="accent1"/>
+          </a:fillRef>
+          <a:effectRef idx="0">
+            <a:schemeClr val="accent1"/>
+          </a:effectRef>
+          <a:fontRef idx="minor">
+            <a:schemeClr val="tx1"/>
+          </a:fontRef>
+        </p:style>
+        <p:txBody>
+          <a:bodyPr rtlCol="0" anchor="ctr"/>
+          <a:lstStyle/>
+          <a:p>
+            <a:pPr algn="ctr"/>
+            <a:endParaRPr lang="zh-CN" altLang="en-US"/>
+          </a:p>
+        </p:txBody>
+      </p:sp>
+      <p:sp>
+        <p:nvSpPr>
+          <p:cNvPr id="89" name="文本框 88"/>
+          <p:cNvSpPr txBox="1"/>
+          <p:nvPr/>
+        </p:nvSpPr>
+        <p:spPr>
+          <a:xfrm>
+            <a:off x="6528119" y="2058670"/>
+            <a:ext cx="2789555" cy="368300"/>
+          </a:xfrm>
+          <a:prstGeom prst="rect">
+            <a:avLst/>
+          </a:prstGeom>
+          <a:noFill/>
+        </p:spPr>
+        <p:txBody>
+          <a:bodyPr wrap="none" rtlCol="0">
+            <a:spAutoFit/>
+          </a:bodyPr>
+          <a:lstStyle/>
+          <a:p>
+            <a:pPr algn="ctr"/>
+            <a:r>
+              <a:rPr lang="en-US" altLang="zh-CN">
+                <a:solidFill>
+                  <a:schemeClr val="tx1"/>
+                </a:solidFill>
+              </a:rPr>
+              <a:t>interfaces[interfaces_count]</a:t>
+            </a:r>
+            <a:endParaRPr lang="en-US" altLang="zh-CN">
+              <a:solidFill>
+                <a:schemeClr val="tx1"/>
+              </a:solidFill>
+            </a:endParaRPr>
+          </a:p>
+        </p:txBody>
+      </p:sp>
+      <p:sp>
+        <p:nvSpPr>
+          <p:cNvPr id="90" name="左大括号 89"/>
+          <p:cNvSpPr/>
+          <p:nvPr/>
+        </p:nvSpPr>
+        <p:spPr>
+          <a:xfrm rot="5400000">
+            <a:off x="1252220" y="3266440"/>
+            <a:ext cx="154305" cy="914400"/>
+          </a:xfrm>
+          <a:prstGeom prst="leftBrace">
+            <a:avLst/>
+          </a:prstGeom>
+        </p:spPr>
+        <p:style>
+          <a:lnRef idx="1">
+            <a:schemeClr val="accent1"/>
+          </a:lnRef>
+          <a:fillRef idx="0">
+            <a:schemeClr val="accent1"/>
+          </a:fillRef>
+          <a:effectRef idx="0">
+            <a:schemeClr val="accent1"/>
+          </a:effectRef>
+          <a:fontRef idx="minor">
+            <a:schemeClr val="tx1"/>
+          </a:fontRef>
+        </p:style>
+        <p:txBody>
+          <a:bodyPr rtlCol="0" anchor="ctr"/>
+          <a:lstStyle/>
+          <a:p>
+            <a:pPr algn="ctr"/>
+            <a:endParaRPr lang="zh-CN" altLang="en-US"/>
+          </a:p>
+        </p:txBody>
+      </p:sp>
+      <p:sp>
+        <p:nvSpPr>
+          <p:cNvPr id="91" name="文本框 90"/>
+          <p:cNvSpPr txBox="1"/>
+          <p:nvPr/>
+        </p:nvSpPr>
+        <p:spPr>
+          <a:xfrm>
+            <a:off x="598805" y="3278505"/>
+            <a:ext cx="1525270" cy="368300"/>
+          </a:xfrm>
+          <a:prstGeom prst="rect">
+            <a:avLst/>
+          </a:prstGeom>
+          <a:noFill/>
+        </p:spPr>
+        <p:txBody>
+          <a:bodyPr wrap="square" rtlCol="0">
+            <a:spAutoFit/>
+          </a:bodyPr>
+          <a:lstStyle/>
+          <a:p>
+            <a:pPr algn="ctr"/>
+            <a:r>
+              <a:rPr lang="en-US" altLang="zh-CN">
+                <a:sym typeface="+mn-ea"/>
+              </a:rPr>
+              <a:t>fields_count</a:t>
+            </a:r>
+            <a:endParaRPr lang="en-US" altLang="zh-CN">
+              <a:solidFill>
+                <a:schemeClr val="tx1"/>
+              </a:solidFill>
+            </a:endParaRPr>
+          </a:p>
+        </p:txBody>
+      </p:sp>
+      <p:sp>
+        <p:nvSpPr>
           <p:cNvPr id="92" name="左大括号 91"/>
           <p:cNvSpPr/>
           <p:nvPr/>
@@ -17591,6 +24304,9 @@
               </a:rPr>
               <a:t>fields[fields_count]</a:t>
             </a:r>
+            <a:endParaRPr lang="en-US" altLang="zh-CN">
+              <a:sym typeface="+mn-ea"/>
+            </a:endParaRPr>
           </a:p>
         </p:txBody>
       </p:sp>
@@ -17661,6 +24377,9 @@
               </a:rPr>
               <a:t>methods_count</a:t>
             </a:r>
+            <a:endParaRPr lang="en-US" altLang="zh-CN">
+              <a:sym typeface="+mn-ea"/>
+            </a:endParaRPr>
           </a:p>
         </p:txBody>
       </p:sp>
@@ -17731,6 +24450,9 @@
               </a:rPr>
               <a:t>methods[methods_count]</a:t>
             </a:r>
+            <a:endParaRPr lang="en-US" altLang="zh-CN">
+              <a:sym typeface="+mn-ea"/>
+            </a:endParaRPr>
           </a:p>
         </p:txBody>
       </p:sp>
@@ -17801,6 +24523,9 @@
               </a:rPr>
               <a:t>attributes_count</a:t>
             </a:r>
+            <a:endParaRPr lang="en-US" altLang="zh-CN">
+              <a:sym typeface="+mn-ea"/>
+            </a:endParaRPr>
           </a:p>
         </p:txBody>
       </p:sp>
@@ -17871,6 +24596,9 @@
               </a:rPr>
               <a:t>attributes[attributes_count]</a:t>
             </a:r>
+            <a:endParaRPr lang="en-US" altLang="zh-CN">
+              <a:sym typeface="+mn-ea"/>
+            </a:endParaRPr>
           </a:p>
         </p:txBody>
       </p:sp>
@@ -17991,6 +24719,7 @@
               <a:rPr lang="en-US" altLang="zh-CN"/>
               <a:t>class</a:t>
             </a:r>
+            <a:endParaRPr lang="en-US" altLang="zh-CN"/>
           </a:p>
         </p:txBody>
       </p:sp>
@@ -18032,6 +24761,7 @@
               <a:rPr lang="en-US" altLang="zh-CN"/>
               <a:t>GC</a:t>
             </a:r>
+            <a:endParaRPr lang="en-US" altLang="zh-CN"/>
           </a:p>
         </p:txBody>
       </p:sp>
@@ -18089,6 +24819,9 @@
               </a:rPr>
               <a:t>initializing</a:t>
             </a:r>
+            <a:endParaRPr lang="zh-CN" altLang="en-US">
+              <a:sym typeface="+mn-ea"/>
+            </a:endParaRPr>
           </a:p>
         </p:txBody>
       </p:sp>
@@ -18146,6 +24879,9 @@
               </a:rPr>
               <a:t>loading</a:t>
             </a:r>
+            <a:endParaRPr lang="zh-CN" altLang="en-US">
+              <a:sym typeface="+mn-ea"/>
+            </a:endParaRPr>
           </a:p>
         </p:txBody>
       </p:sp>
@@ -18311,6 +25047,11 @@
               </a:rPr>
               <a:t>linking</a:t>
             </a:r>
+            <a:endParaRPr lang="en-US" altLang="zh-CN">
+              <a:solidFill>
+                <a:schemeClr val="bg1"/>
+              </a:solidFill>
+            </a:endParaRPr>
           </a:p>
         </p:txBody>
       </p:sp>
@@ -18560,6 +25301,7 @@
               <a:rPr lang="zh-CN" altLang="en-US"/>
               <a:t>的静态变量赋默认值</a:t>
             </a:r>
+            <a:endParaRPr lang="zh-CN" altLang="en-US"/>
           </a:p>
         </p:txBody>
       </p:sp>
@@ -18593,6 +25335,7 @@
               <a:rPr lang="zh-CN" altLang="en-US"/>
               <a:t>的静态变量赋初始值</a:t>
             </a:r>
+            <a:endParaRPr lang="zh-CN" altLang="en-US"/>
           </a:p>
         </p:txBody>
       </p:sp>
@@ -18741,6 +25484,7 @@
               <a:rPr lang="en-US" altLang="zh-CN"/>
               <a:t>Bootstrap</a:t>
             </a:r>
+            <a:endParaRPr lang="en-US" altLang="zh-CN"/>
           </a:p>
         </p:txBody>
       </p:sp>
@@ -18916,6 +25660,14 @@
               </a:rPr>
               <a:t>等核心类</a:t>
             </a:r>
+            <a:endParaRPr lang="zh-CN" altLang="en-US">
+              <a:solidFill>
+                <a:schemeClr val="tx1"/>
+              </a:solidFill>
+              <a:latin typeface="+mj-ea"/>
+              <a:ea typeface="+mj-ea"/>
+              <a:cs typeface="+mj-ea"/>
+            </a:endParaRPr>
           </a:p>
           <a:p>
             <a:r>
@@ -18951,6 +25703,14 @@
               </a:rPr>
               <a:t>实现</a:t>
             </a:r>
+            <a:endParaRPr lang="zh-CN" altLang="en-US">
+              <a:solidFill>
+                <a:schemeClr val="tx1"/>
+              </a:solidFill>
+              <a:latin typeface="+mj-ea"/>
+              <a:ea typeface="+mj-ea"/>
+              <a:cs typeface="+mj-ea"/>
+            </a:endParaRPr>
           </a:p>
         </p:txBody>
       </p:sp>
@@ -19006,6 +25766,13 @@
               </a:rPr>
               <a:t>实际查找和加载</a:t>
             </a:r>
+            <a:endParaRPr lang="zh-CN" altLang="en-US">
+              <a:solidFill>
+                <a:schemeClr val="tx1"/>
+              </a:solidFill>
+              <a:latin typeface="+mn-ea"/>
+              <a:cs typeface="+mn-ea"/>
+            </a:endParaRPr>
           </a:p>
           <a:p>
             <a:r>
@@ -19028,6 +25795,13 @@
               </a:rPr>
               <a:t>方向</a:t>
             </a:r>
+            <a:endParaRPr lang="zh-CN" altLang="en-US">
+              <a:solidFill>
+                <a:schemeClr val="tx1"/>
+              </a:solidFill>
+              <a:latin typeface="+mn-ea"/>
+              <a:cs typeface="+mn-ea"/>
+            </a:endParaRPr>
           </a:p>
         </p:txBody>
       </p:sp>
@@ -19100,6 +25874,11 @@
               </a:rPr>
               <a:t>方向</a:t>
             </a:r>
+            <a:endParaRPr lang="zh-CN" altLang="en-US">
+              <a:solidFill>
+                <a:schemeClr val="tx1"/>
+              </a:solidFill>
+            </a:endParaRPr>
           </a:p>
         </p:txBody>
       </p:sp>
@@ -19393,6 +26172,10 @@
               </a:rPr>
               <a:t>jre/lib/ext/*.jar</a:t>
             </a:r>
+            <a:endParaRPr lang="en-US" altLang="zh-CN">
+              <a:latin typeface="+mn-ea"/>
+              <a:cs typeface="+mn-ea"/>
+            </a:endParaRPr>
           </a:p>
           <a:p>
             <a:r>
@@ -19416,6 +26199,10 @@
               </a:rPr>
               <a:t>指定</a:t>
             </a:r>
+            <a:endParaRPr lang="zh-CN" altLang="en-US">
+              <a:latin typeface="+mn-ea"/>
+              <a:cs typeface="+mn-ea"/>
+            </a:endParaRPr>
           </a:p>
         </p:txBody>
       </p:sp>
@@ -19462,6 +26249,10 @@
               </a:rPr>
               <a:t>指定内容</a:t>
             </a:r>
+            <a:endParaRPr lang="zh-CN" altLang="en-US">
+              <a:latin typeface="+mn-ea"/>
+              <a:cs typeface="+mn-ea"/>
+            </a:endParaRPr>
           </a:p>
         </p:txBody>
       </p:sp>
@@ -19501,6 +26292,10 @@
               </a:rPr>
               <a:t>ClassLoader</a:t>
             </a:r>
+            <a:endParaRPr lang="en-US" altLang="zh-CN">
+              <a:latin typeface="+mn-ea"/>
+              <a:cs typeface="+mn-ea"/>
+            </a:endParaRPr>
           </a:p>
         </p:txBody>
       </p:sp>
@@ -19562,6 +26357,15 @@
               </a:rPr>
               <a:t>按需动态加载</a:t>
             </a:r>
+            <a:endParaRPr lang="zh-CN" altLang="en-US">
+              <a:ln>
+                <a:noFill/>
+              </a:ln>
+              <a:solidFill>
+                <a:schemeClr val="accent6"/>
+              </a:solidFill>
+              <a:sym typeface="+mn-ea"/>
+            </a:endParaRPr>
           </a:p>
         </p:txBody>
       </p:sp>
@@ -19638,6 +26442,7 @@
               <a:rPr lang="en-US" altLang="zh-CN"/>
               <a:t>.class</a:t>
             </a:r>
+            <a:endParaRPr lang="en-US" altLang="zh-CN"/>
           </a:p>
         </p:txBody>
       </p:sp>
@@ -19702,6 +26507,13 @@
               </a:rPr>
               <a:t>返回结果</a:t>
             </a:r>
+            <a:endParaRPr lang="zh-CN" altLang="en-US">
+              <a:solidFill>
+                <a:schemeClr val="accent1">
+                  <a:lumMod val="75000"/>
+                </a:schemeClr>
+              </a:solidFill>
+            </a:endParaRPr>
           </a:p>
         </p:txBody>
       </p:sp>
@@ -19930,6 +26742,7 @@
               <a:rPr lang="en-US" altLang="zh-CN"/>
               <a:t>Custom.loadClass</a:t>
             </a:r>
+            <a:endParaRPr lang="en-US" altLang="zh-CN"/>
           </a:p>
         </p:txBody>
       </p:sp>
@@ -19984,6 +26797,9 @@
               </a:rPr>
               <a:t>N</a:t>
             </a:r>
+            <a:endParaRPr lang="en-US" altLang="zh-CN">
+              <a:sym typeface="+mn-ea"/>
+            </a:endParaRPr>
           </a:p>
         </p:txBody>
       </p:sp>
@@ -20048,6 +26864,13 @@
               </a:rPr>
               <a:t>返回结果</a:t>
             </a:r>
+            <a:endParaRPr lang="zh-CN" altLang="en-US">
+              <a:solidFill>
+                <a:schemeClr val="accent1">
+                  <a:lumMod val="75000"/>
+                </a:schemeClr>
+              </a:solidFill>
+            </a:endParaRPr>
           </a:p>
         </p:txBody>
       </p:sp>
@@ -20199,6 +27022,7 @@
               <a:rPr lang="en-US" altLang="zh-CN"/>
               <a:t>Y</a:t>
             </a:r>
+            <a:endParaRPr lang="en-US" altLang="zh-CN"/>
           </a:p>
         </p:txBody>
       </p:sp>
@@ -20475,6 +27299,7 @@
               <a:rPr lang="en-US" altLang="zh-CN"/>
               <a:t>N</a:t>
             </a:r>
+            <a:endParaRPr lang="en-US" altLang="zh-CN"/>
           </a:p>
         </p:txBody>
       </p:sp>
@@ -20719,6 +27544,9 @@
               </a:rPr>
               <a:t>N</a:t>
             </a:r>
+            <a:endParaRPr lang="en-US" altLang="zh-CN">
+              <a:sym typeface="+mn-ea"/>
+            </a:endParaRPr>
           </a:p>
         </p:txBody>
       </p:sp>
@@ -21016,6 +27844,7 @@
               <a:rPr lang="en-US" altLang="zh-CN"/>
               <a:t>Y</a:t>
             </a:r>
+            <a:endParaRPr lang="en-US" altLang="zh-CN"/>
           </a:p>
         </p:txBody>
       </p:sp>
@@ -21059,6 +27888,7 @@
               <a:rPr lang="en-US" altLang="zh-CN"/>
               <a:t>Y</a:t>
             </a:r>
+            <a:endParaRPr lang="en-US" altLang="zh-CN"/>
           </a:p>
         </p:txBody>
       </p:sp>
@@ -21159,6 +27989,7 @@
               <a:rPr lang="en-US" altLang="zh-CN"/>
               <a:t>Exception</a:t>
             </a:r>
+            <a:endParaRPr lang="en-US" altLang="zh-CN"/>
           </a:p>
         </p:txBody>
       </p:sp>
@@ -21275,6 +28106,7 @@
               <a:rPr lang="en-US" altLang="zh-CN"/>
               <a:t>Y</a:t>
             </a:r>
+            <a:endParaRPr lang="en-US" altLang="zh-CN"/>
           </a:p>
         </p:txBody>
       </p:sp>
@@ -21329,6 +28161,9 @@
               </a:rPr>
               <a:t>N</a:t>
             </a:r>
+            <a:endParaRPr lang="en-US" altLang="zh-CN">
+              <a:sym typeface="+mn-ea"/>
+            </a:endParaRPr>
           </a:p>
         </p:txBody>
       </p:sp>
@@ -21530,6 +28365,9 @@
               </a:rPr>
               <a:t>N</a:t>
             </a:r>
+            <a:endParaRPr lang="en-US" altLang="zh-CN">
+              <a:sym typeface="+mn-ea"/>
+            </a:endParaRPr>
           </a:p>
         </p:txBody>
       </p:sp>
@@ -21609,6 +28447,7 @@
               <a:rPr lang="en-US" altLang="zh-CN"/>
               <a:t>Y</a:t>
             </a:r>
+            <a:endParaRPr lang="en-US" altLang="zh-CN"/>
           </a:p>
         </p:txBody>
       </p:sp>
@@ -21846,6 +28685,9 @@
               </a:rPr>
               <a:t>N</a:t>
             </a:r>
+            <a:endParaRPr lang="en-US" altLang="zh-CN">
+              <a:sym typeface="+mn-ea"/>
+            </a:endParaRPr>
           </a:p>
         </p:txBody>
       </p:sp>
@@ -21889,6 +28731,7 @@
               <a:rPr lang="en-US" altLang="zh-CN"/>
               <a:t>Y</a:t>
             </a:r>
+            <a:endParaRPr lang="en-US" altLang="zh-CN"/>
           </a:p>
         </p:txBody>
       </p:sp>
@@ -21968,6 +28811,7 @@
               <a:rPr lang="en-US" altLang="zh-CN"/>
               <a:t>Y</a:t>
             </a:r>
+            <a:endParaRPr lang="en-US" altLang="zh-CN"/>
           </a:p>
         </p:txBody>
       </p:sp>
@@ -22022,6 +28866,9 @@
               </a:rPr>
               <a:t>N</a:t>
             </a:r>
+            <a:endParaRPr lang="en-US" altLang="zh-CN">
+              <a:sym typeface="+mn-ea"/>
+            </a:endParaRPr>
           </a:p>
         </p:txBody>
       </p:sp>
@@ -22098,6 +28945,7 @@
               <a:rPr lang="en-US" altLang="zh-CN"/>
               <a:t>BootClassPathHolder</a:t>
             </a:r>
+            <a:endParaRPr lang="en-US" altLang="zh-CN"/>
           </a:p>
         </p:txBody>
       </p:sp>
@@ -22771,11 +29619,9 @@
       </a:bgFillStyleLst>
     </a:fmtScheme>
   </a:themeElements>
-  <a:objectDefaults/>
-  <a:extraClrSchemeLst/>
   <a:extLst>
     <a:ext uri="{05A4C25C-085E-4340-85A3-A5531E510DB2}">
-      <thm15:themeFamily xmlns:thm15="http://schemas.microsoft.com/office/thememl/2012/main" xmlns="" name="Office Theme" id="{62F939B6-93AF-4DB8-9C6B-D6C7DFDC589F}" vid="{4A3C46E8-61CC-4603-A589-7422A47A8E4A}"/>
+      <thm15:themeFamily xmlns:thm15="http://schemas.microsoft.com/office/thememl/2012/main" name="Office Theme" id="{62F939B6-93AF-4DB8-9C6B-D6C7DFDC589F}" vid="{4A3C46E8-61CC-4603-A589-7422A47A8E4A}"/>
     </a:ext>
   </a:extLst>
 </a:theme>
